--- a/Mini_Project/Demo_PPT.pptx
+++ b/Mini_Project/Demo_PPT.pptx
@@ -9,11 +9,12 @@
     <p:sldId id="257" r:id="rId3"/>
     <p:sldId id="258" r:id="rId4"/>
     <p:sldId id="259" r:id="rId5"/>
-    <p:sldId id="260" r:id="rId6"/>
-    <p:sldId id="261" r:id="rId7"/>
-    <p:sldId id="262" r:id="rId8"/>
-    <p:sldId id="263" r:id="rId9"/>
-    <p:sldId id="264" r:id="rId10"/>
+    <p:sldId id="265" r:id="rId6"/>
+    <p:sldId id="260" r:id="rId7"/>
+    <p:sldId id="261" r:id="rId8"/>
+    <p:sldId id="262" r:id="rId9"/>
+    <p:sldId id="263" r:id="rId10"/>
+    <p:sldId id="264" r:id="rId11"/>
   </p:sldIdLst>
   <p:sldSz cx="12192000" cy="6858000"/>
   <p:notesSz cx="6858000" cy="9144000"/>
@@ -112,6 +113,11 @@
       </a:defRPr>
     </a:lvl9pPr>
   </p:defaultTextStyle>
+  <p:extLst>
+    <p:ext uri="{EFAFB233-063F-42B5-8137-9DF3F51BA10A}">
+      <p15:sldGuideLst xmlns:p15="http://schemas.microsoft.com/office/powerpoint/2012/main"/>
+    </p:ext>
+  </p:extLst>
 </p:presentation>
 </file>
 
@@ -3551,6 +3557,99 @@
 </p:sld>
 </file>
 
+<file path=ppt/slides/slide10.xml><?xml version="1.0" encoding="utf-8"?>
+<p:sld xmlns:a="http://schemas.openxmlformats.org/drawingml/2006/main" xmlns:r="http://schemas.openxmlformats.org/officeDocument/2006/relationships" xmlns:p="http://schemas.openxmlformats.org/presentationml/2006/main">
+  <p:cSld>
+    <p:spTree>
+      <p:nvGrpSpPr>
+        <p:cNvPr id="1" name=""/>
+        <p:cNvGrpSpPr/>
+        <p:nvPr/>
+      </p:nvGrpSpPr>
+      <p:grpSpPr>
+        <a:xfrm>
+          <a:off x="0" y="0"/>
+          <a:ext cx="0" cy="0"/>
+          <a:chOff x="0" y="0"/>
+          <a:chExt cx="0" cy="0"/>
+        </a:xfrm>
+      </p:grpSpPr>
+      <p:sp>
+        <p:nvSpPr>
+          <p:cNvPr id="2" name="Title 1">
+            <a:extLst>
+              <a:ext uri="{FF2B5EF4-FFF2-40B4-BE49-F238E27FC236}">
+                <a16:creationId xmlns:a16="http://schemas.microsoft.com/office/drawing/2014/main" id="{75F4D34C-CE13-B683-A34A-9C58D429E837}"/>
+              </a:ext>
+            </a:extLst>
+          </p:cNvPr>
+          <p:cNvSpPr>
+            <a:spLocks noGrp="1"/>
+          </p:cNvSpPr>
+          <p:nvPr>
+            <p:ph type="title"/>
+          </p:nvPr>
+        </p:nvSpPr>
+        <p:spPr>
+          <a:xfrm>
+            <a:off x="239486" y="365760"/>
+            <a:ext cx="10715026" cy="788126"/>
+          </a:xfrm>
+        </p:spPr>
+        <p:txBody>
+          <a:bodyPr/>
+          <a:lstStyle/>
+          <a:p>
+            <a:r>
+              <a:rPr lang="en-IN" dirty="0"/>
+              <a:t>Limitations Of CORDIC Division</a:t>
+            </a:r>
+          </a:p>
+        </p:txBody>
+      </p:sp>
+      <p:sp>
+        <p:nvSpPr>
+          <p:cNvPr id="3" name="Content Placeholder 2">
+            <a:extLst>
+              <a:ext uri="{FF2B5EF4-FFF2-40B4-BE49-F238E27FC236}">
+                <a16:creationId xmlns:a16="http://schemas.microsoft.com/office/drawing/2014/main" id="{3B09B9F3-63AB-9481-D2A7-94932015CD24}"/>
+              </a:ext>
+            </a:extLst>
+          </p:cNvPr>
+          <p:cNvSpPr>
+            <a:spLocks noGrp="1"/>
+          </p:cNvSpPr>
+          <p:nvPr>
+            <p:ph idx="1"/>
+          </p:nvPr>
+        </p:nvSpPr>
+        <p:spPr>
+          <a:xfrm>
+            <a:off x="380130" y="1393371"/>
+            <a:ext cx="8595360" cy="4351337"/>
+          </a:xfrm>
+        </p:spPr>
+        <p:txBody>
+          <a:bodyPr/>
+          <a:lstStyle/>
+          <a:p>
+            <a:endParaRPr lang="en-IN" dirty="0"/>
+          </a:p>
+        </p:txBody>
+      </p:sp>
+    </p:spTree>
+    <p:extLst>
+      <p:ext uri="{BB962C8B-B14F-4D97-AF65-F5344CB8AC3E}">
+        <p14:creationId xmlns:p14="http://schemas.microsoft.com/office/powerpoint/2010/main" val="813091005"/>
+      </p:ext>
+    </p:extLst>
+  </p:cSld>
+  <p:clrMapOvr>
+    <a:masterClrMapping/>
+  </p:clrMapOvr>
+</p:sld>
+</file>
+
 <file path=ppt/slides/slide2.xml><?xml version="1.0" encoding="utf-8"?>
 <p:sld xmlns:a="http://schemas.openxmlformats.org/drawingml/2006/main" xmlns:r="http://schemas.openxmlformats.org/officeDocument/2006/relationships" xmlns:p="http://schemas.openxmlformats.org/presentationml/2006/main">
   <p:cSld>
@@ -4239,13 +4338,7 @@
                           <a:rPr lang="en-IN" sz="2400" b="0" i="1" smtClean="0">
                             <a:latin typeface="Cambria Math" panose="02040503050406030204" pitchFamily="18" charset="0"/>
                           </a:rPr>
-                          <m:t>                                  </m:t>
-                        </m:r>
-                        <m:r>
-                          <a:rPr lang="en-IN" sz="2400" b="0" i="1" smtClean="0">
-                            <a:latin typeface="Cambria Math" panose="02040503050406030204" pitchFamily="18" charset="0"/>
-                          </a:rPr>
-                          <m:t>  </m:t>
+                          <m:t>                                    </m:t>
                         </m:r>
                         <m:r>
                           <a:rPr lang="en-IN" sz="2400" b="0" i="1" smtClean="0">
@@ -4392,8 +4485,16 @@
               </a:p>
               <a:p>
                 <a:r>
+                  <a:rPr lang="en-IN" sz="2400" dirty="0">
+                    <a:solidFill>
+                      <a:srgbClr val="0000FF"/>
+                    </a:solidFill>
+                  </a:rPr>
+                  <a:t>Circular Rotations            </a:t>
+                </a:r>
+                <a:r>
                   <a:rPr lang="en-IN" sz="2400" dirty="0"/>
-                  <a:t>Circular Rotations            : µ = 1 , </a:t>
+                  <a:t>: µ = 1 , </a:t>
                 </a:r>
                 <a14:m>
                   <m:oMath xmlns:m="http://schemas.openxmlformats.org/officeDocument/2006/math">
@@ -4503,8 +4604,16 @@
               </a:p>
               <a:p>
                 <a:r>
+                  <a:rPr lang="en-IN" sz="2400" dirty="0">
+                    <a:solidFill>
+                      <a:srgbClr val="0000FF"/>
+                    </a:solidFill>
+                  </a:rPr>
+                  <a:t>Linear Rotations               </a:t>
+                </a:r>
+                <a:r>
                   <a:rPr lang="en-IN" sz="2400" dirty="0"/>
-                  <a:t>Linear Rotations               : µ = 0 , </a:t>
+                  <a:t>: µ = 0 , </a:t>
                 </a:r>
                 <a14:m>
                   <m:oMath xmlns:m="http://schemas.openxmlformats.org/officeDocument/2006/math">
@@ -4581,8 +4690,16 @@
               </a:p>
               <a:p>
                 <a:r>
+                  <a:rPr lang="en-IN" sz="2400" dirty="0">
+                    <a:solidFill>
+                      <a:srgbClr val="0000FF"/>
+                    </a:solidFill>
+                  </a:rPr>
+                  <a:t>Hyperbolic Rotations        </a:t>
+                </a:r>
+                <a:r>
                   <a:rPr lang="en-IN" sz="2400" dirty="0"/>
-                  <a:t>Hyperbolic Rotations        :  µ = -1 , </a:t>
+                  <a:t>:  µ = -1 , </a:t>
                 </a:r>
                 <a14:m>
                   <m:oMath xmlns:m="http://schemas.openxmlformats.org/officeDocument/2006/math">
@@ -4701,8 +4818,16 @@
               </a:p>
               <a:p>
                 <a:r>
+                  <a:rPr lang="en-IN" sz="2400" dirty="0">
+                    <a:solidFill>
+                      <a:srgbClr val="0000FF"/>
+                    </a:solidFill>
+                  </a:rPr>
+                  <a:t>Rotation   Mode of CORDIC </a:t>
+                </a:r>
+                <a:r>
                   <a:rPr lang="en-IN" sz="2400" dirty="0"/>
-                  <a:t>Rotation   Mode of CORDIC : </a:t>
+                  <a:t>: </a:t>
                 </a:r>
                 <a14:m>
                   <m:oMath xmlns:m="http://schemas.openxmlformats.org/officeDocument/2006/math">
@@ -4773,8 +4898,16 @@
               </a:p>
               <a:p>
                 <a:r>
+                  <a:rPr lang="en-IN" sz="2400" dirty="0">
+                    <a:solidFill>
+                      <a:srgbClr val="0000FF"/>
+                    </a:solidFill>
+                  </a:rPr>
+                  <a:t>Vectoring Mode of CORDIC </a:t>
+                </a:r>
+                <a:r>
                   <a:rPr lang="en-IN" sz="2400" dirty="0"/>
-                  <a:t>Vectoring Mode of CORDIC : </a:t>
+                  <a:t>: </a:t>
                 </a:r>
                 <a14:m>
                   <m:oMath xmlns:m="http://schemas.openxmlformats.org/officeDocument/2006/math">
@@ -5112,6 +5245,511 @@
           <p:cNvPr id="2" name="Title 1">
             <a:extLst>
               <a:ext uri="{FF2B5EF4-FFF2-40B4-BE49-F238E27FC236}">
+                <a16:creationId xmlns:a16="http://schemas.microsoft.com/office/drawing/2014/main" id="{7EEA3660-DA75-A1E5-E00A-A33E65D840C3}"/>
+              </a:ext>
+            </a:extLst>
+          </p:cNvPr>
+          <p:cNvSpPr>
+            <a:spLocks noGrp="1"/>
+          </p:cNvSpPr>
+          <p:nvPr>
+            <p:ph type="title"/>
+          </p:nvPr>
+        </p:nvSpPr>
+        <p:spPr/>
+        <p:txBody>
+          <a:bodyPr/>
+          <a:lstStyle/>
+          <a:p>
+            <a:r>
+              <a:rPr lang="en-IN" dirty="0"/>
+              <a:t>Slide Switch Value and Frequency pf Waveform</a:t>
+            </a:r>
+          </a:p>
+        </p:txBody>
+      </p:sp>
+      <p:graphicFrame>
+        <p:nvGraphicFramePr>
+          <p:cNvPr id="9" name="Content Placeholder 8">
+            <a:extLst>
+              <a:ext uri="{FF2B5EF4-FFF2-40B4-BE49-F238E27FC236}">
+                <a16:creationId xmlns:a16="http://schemas.microsoft.com/office/drawing/2014/main" id="{B199A1C5-2A3C-130F-A3AE-B158E289A012}"/>
+              </a:ext>
+            </a:extLst>
+          </p:cNvPr>
+          <p:cNvGraphicFramePr>
+            <a:graphicFrameLocks noGrp="1"/>
+          </p:cNvGraphicFramePr>
+          <p:nvPr>
+            <p:ph idx="1"/>
+            <p:extLst>
+              <p:ext uri="{D42A27DB-BD31-4B8C-83A1-F6EECF244321}">
+                <p14:modId xmlns:p14="http://schemas.microsoft.com/office/powerpoint/2010/main" val="4077804966"/>
+              </p:ext>
+            </p:extLst>
+          </p:nvPr>
+        </p:nvGraphicFramePr>
+        <p:xfrm>
+          <a:off x="1240971" y="1828800"/>
+          <a:ext cx="8615816" cy="4663440"/>
+        </p:xfrm>
+        <a:graphic>
+          <a:graphicData uri="http://schemas.openxmlformats.org/drawingml/2006/table">
+            <a:tbl>
+              <a:tblPr firstRow="1" bandRow="1">
+                <a:tableStyleId>{5C22544A-7EE6-4342-B048-85BDC9FD1C3A}</a:tableStyleId>
+              </a:tblPr>
+              <a:tblGrid>
+                <a:gridCol w="4332515">
+                  <a:extLst>
+                    <a:ext uri="{9D8B030D-6E8A-4147-A177-3AD203B41FA5}">
+                      <a16:colId xmlns:a16="http://schemas.microsoft.com/office/drawing/2014/main" val="1240282209"/>
+                    </a:ext>
+                  </a:extLst>
+                </a:gridCol>
+                <a:gridCol w="4283301">
+                  <a:extLst>
+                    <a:ext uri="{9D8B030D-6E8A-4147-A177-3AD203B41FA5}">
+                      <a16:colId xmlns:a16="http://schemas.microsoft.com/office/drawing/2014/main" val="939146986"/>
+                    </a:ext>
+                  </a:extLst>
+                </a:gridCol>
+              </a:tblGrid>
+              <a:tr h="257830">
+                <a:tc>
+                  <a:txBody>
+                    <a:bodyPr/>
+                    <a:lstStyle/>
+                    <a:p>
+                      <a:r>
+                        <a:rPr lang="en-IN" dirty="0"/>
+                        <a:t>Slide Switch Value </a:t>
+                      </a:r>
+                    </a:p>
+                  </a:txBody>
+                  <a:tcPr/>
+                </a:tc>
+                <a:tc>
+                  <a:txBody>
+                    <a:bodyPr/>
+                    <a:lstStyle/>
+                    <a:p>
+                      <a:r>
+                        <a:rPr lang="en-IN" dirty="0"/>
+                        <a:t>Frequency (KHz)</a:t>
+                      </a:r>
+                    </a:p>
+                  </a:txBody>
+                  <a:tcPr/>
+                </a:tc>
+                <a:extLst>
+                  <a:ext uri="{0D108BD9-81ED-4DB2-BD59-A6C34878D82A}">
+                    <a16:rowId xmlns:a16="http://schemas.microsoft.com/office/drawing/2014/main" val="4241697240"/>
+                  </a:ext>
+                </a:extLst>
+              </a:tr>
+              <a:tr h="257830">
+                <a:tc>
+                  <a:txBody>
+                    <a:bodyPr/>
+                    <a:lstStyle/>
+                    <a:p>
+                      <a:r>
+                        <a:rPr lang="en-IN" dirty="0"/>
+                        <a:t>0</a:t>
+                      </a:r>
+                    </a:p>
+                  </a:txBody>
+                  <a:tcPr/>
+                </a:tc>
+                <a:tc>
+                  <a:txBody>
+                    <a:bodyPr/>
+                    <a:lstStyle/>
+                    <a:p>
+                      <a:r>
+                        <a:rPr lang="en-IN" dirty="0"/>
+                        <a:t>0.814</a:t>
+                      </a:r>
+                    </a:p>
+                  </a:txBody>
+                  <a:tcPr/>
+                </a:tc>
+                <a:extLst>
+                  <a:ext uri="{0D108BD9-81ED-4DB2-BD59-A6C34878D82A}">
+                    <a16:rowId xmlns:a16="http://schemas.microsoft.com/office/drawing/2014/main" val="235926209"/>
+                  </a:ext>
+                </a:extLst>
+              </a:tr>
+              <a:tr h="257830">
+                <a:tc>
+                  <a:txBody>
+                    <a:bodyPr/>
+                    <a:lstStyle/>
+                    <a:p>
+                      <a:r>
+                        <a:rPr lang="en-IN" dirty="0"/>
+                        <a:t>1</a:t>
+                      </a:r>
+                    </a:p>
+                  </a:txBody>
+                  <a:tcPr/>
+                </a:tc>
+                <a:tc>
+                  <a:txBody>
+                    <a:bodyPr/>
+                    <a:lstStyle/>
+                    <a:p>
+                      <a:r>
+                        <a:rPr lang="en-IN" dirty="0"/>
+                        <a:t>1.626</a:t>
+                      </a:r>
+                    </a:p>
+                  </a:txBody>
+                  <a:tcPr/>
+                </a:tc>
+                <a:extLst>
+                  <a:ext uri="{0D108BD9-81ED-4DB2-BD59-A6C34878D82A}">
+                    <a16:rowId xmlns:a16="http://schemas.microsoft.com/office/drawing/2014/main" val="3744369259"/>
+                  </a:ext>
+                </a:extLst>
+              </a:tr>
+              <a:tr h="257830">
+                <a:tc>
+                  <a:txBody>
+                    <a:bodyPr/>
+                    <a:lstStyle/>
+                    <a:p>
+                      <a:r>
+                        <a:rPr lang="en-IN" dirty="0"/>
+                        <a:t>2</a:t>
+                      </a:r>
+                    </a:p>
+                  </a:txBody>
+                  <a:tcPr/>
+                </a:tc>
+                <a:tc>
+                  <a:txBody>
+                    <a:bodyPr/>
+                    <a:lstStyle/>
+                    <a:p>
+                      <a:r>
+                        <a:rPr lang="en-IN" dirty="0"/>
+                        <a:t>2.44</a:t>
+                      </a:r>
+                    </a:p>
+                  </a:txBody>
+                  <a:tcPr/>
+                </a:tc>
+                <a:extLst>
+                  <a:ext uri="{0D108BD9-81ED-4DB2-BD59-A6C34878D82A}">
+                    <a16:rowId xmlns:a16="http://schemas.microsoft.com/office/drawing/2014/main" val="2747626517"/>
+                  </a:ext>
+                </a:extLst>
+              </a:tr>
+              <a:tr h="257830">
+                <a:tc>
+                  <a:txBody>
+                    <a:bodyPr/>
+                    <a:lstStyle/>
+                    <a:p>
+                      <a:r>
+                        <a:rPr lang="en-IN" dirty="0"/>
+                        <a:t>3</a:t>
+                      </a:r>
+                    </a:p>
+                  </a:txBody>
+                  <a:tcPr/>
+                </a:tc>
+                <a:tc>
+                  <a:txBody>
+                    <a:bodyPr/>
+                    <a:lstStyle/>
+                    <a:p>
+                      <a:r>
+                        <a:rPr lang="en-IN" dirty="0"/>
+                        <a:t>3.257</a:t>
+                      </a:r>
+                    </a:p>
+                  </a:txBody>
+                  <a:tcPr/>
+                </a:tc>
+                <a:extLst>
+                  <a:ext uri="{0D108BD9-81ED-4DB2-BD59-A6C34878D82A}">
+                    <a16:rowId xmlns:a16="http://schemas.microsoft.com/office/drawing/2014/main" val="1874109984"/>
+                  </a:ext>
+                </a:extLst>
+              </a:tr>
+              <a:tr h="257830">
+                <a:tc>
+                  <a:txBody>
+                    <a:bodyPr/>
+                    <a:lstStyle/>
+                    <a:p>
+                      <a:r>
+                        <a:rPr lang="en-IN" dirty="0"/>
+                        <a:t>4</a:t>
+                      </a:r>
+                    </a:p>
+                  </a:txBody>
+                  <a:tcPr/>
+                </a:tc>
+                <a:tc>
+                  <a:txBody>
+                    <a:bodyPr/>
+                    <a:lstStyle/>
+                    <a:p>
+                      <a:r>
+                        <a:rPr lang="en-IN" dirty="0"/>
+                        <a:t>4.032</a:t>
+                      </a:r>
+                    </a:p>
+                  </a:txBody>
+                  <a:tcPr/>
+                </a:tc>
+                <a:extLst>
+                  <a:ext uri="{0D108BD9-81ED-4DB2-BD59-A6C34878D82A}">
+                    <a16:rowId xmlns:a16="http://schemas.microsoft.com/office/drawing/2014/main" val="4049747087"/>
+                  </a:ext>
+                </a:extLst>
+              </a:tr>
+              <a:tr h="257830">
+                <a:tc>
+                  <a:txBody>
+                    <a:bodyPr/>
+                    <a:lstStyle/>
+                    <a:p>
+                      <a:r>
+                        <a:rPr lang="en-IN" dirty="0"/>
+                        <a:t>5</a:t>
+                      </a:r>
+                    </a:p>
+                  </a:txBody>
+                  <a:tcPr/>
+                </a:tc>
+                <a:tc>
+                  <a:txBody>
+                    <a:bodyPr/>
+                    <a:lstStyle/>
+                    <a:p>
+                      <a:r>
+                        <a:rPr lang="en-IN" dirty="0"/>
+                        <a:t>4.85</a:t>
+                      </a:r>
+                    </a:p>
+                  </a:txBody>
+                  <a:tcPr/>
+                </a:tc>
+                <a:extLst>
+                  <a:ext uri="{0D108BD9-81ED-4DB2-BD59-A6C34878D82A}">
+                    <a16:rowId xmlns:a16="http://schemas.microsoft.com/office/drawing/2014/main" val="1456733036"/>
+                  </a:ext>
+                </a:extLst>
+              </a:tr>
+              <a:tr h="257830">
+                <a:tc>
+                  <a:txBody>
+                    <a:bodyPr/>
+                    <a:lstStyle/>
+                    <a:p>
+                      <a:r>
+                        <a:rPr lang="en-IN" dirty="0"/>
+                        <a:t>7</a:t>
+                      </a:r>
+                    </a:p>
+                  </a:txBody>
+                  <a:tcPr/>
+                </a:tc>
+                <a:tc>
+                  <a:txBody>
+                    <a:bodyPr/>
+                    <a:lstStyle/>
+                    <a:p>
+                      <a:r>
+                        <a:rPr lang="en-IN" dirty="0"/>
+                        <a:t>6.55</a:t>
+                      </a:r>
+                    </a:p>
+                  </a:txBody>
+                  <a:tcPr/>
+                </a:tc>
+                <a:extLst>
+                  <a:ext uri="{0D108BD9-81ED-4DB2-BD59-A6C34878D82A}">
+                    <a16:rowId xmlns:a16="http://schemas.microsoft.com/office/drawing/2014/main" val="922125151"/>
+                  </a:ext>
+                </a:extLst>
+              </a:tr>
+              <a:tr h="257830">
+                <a:tc>
+                  <a:txBody>
+                    <a:bodyPr/>
+                    <a:lstStyle/>
+                    <a:p>
+                      <a:r>
+                        <a:rPr lang="en-IN" dirty="0"/>
+                        <a:t>15</a:t>
+                      </a:r>
+                    </a:p>
+                  </a:txBody>
+                  <a:tcPr/>
+                </a:tc>
+                <a:tc>
+                  <a:txBody>
+                    <a:bodyPr/>
+                    <a:lstStyle/>
+                    <a:p>
+                      <a:r>
+                        <a:rPr lang="en-IN" dirty="0"/>
+                        <a:t>12.98</a:t>
+                      </a:r>
+                    </a:p>
+                  </a:txBody>
+                  <a:tcPr/>
+                </a:tc>
+                <a:extLst>
+                  <a:ext uri="{0D108BD9-81ED-4DB2-BD59-A6C34878D82A}">
+                    <a16:rowId xmlns:a16="http://schemas.microsoft.com/office/drawing/2014/main" val="1989451311"/>
+                  </a:ext>
+                </a:extLst>
+              </a:tr>
+              <a:tr h="257830">
+                <a:tc>
+                  <a:txBody>
+                    <a:bodyPr/>
+                    <a:lstStyle/>
+                    <a:p>
+                      <a:r>
+                        <a:rPr lang="en-IN" dirty="0"/>
+                        <a:t>31</a:t>
+                      </a:r>
+                    </a:p>
+                  </a:txBody>
+                  <a:tcPr/>
+                </a:tc>
+                <a:tc>
+                  <a:txBody>
+                    <a:bodyPr/>
+                    <a:lstStyle/>
+                    <a:p>
+                      <a:r>
+                        <a:rPr lang="en-IN" dirty="0"/>
+                        <a:t>25.92</a:t>
+                      </a:r>
+                    </a:p>
+                  </a:txBody>
+                  <a:tcPr/>
+                </a:tc>
+                <a:extLst>
+                  <a:ext uri="{0D108BD9-81ED-4DB2-BD59-A6C34878D82A}">
+                    <a16:rowId xmlns:a16="http://schemas.microsoft.com/office/drawing/2014/main" val="535116033"/>
+                  </a:ext>
+                </a:extLst>
+              </a:tr>
+              <a:tr h="257830">
+                <a:tc>
+                  <a:txBody>
+                    <a:bodyPr/>
+                    <a:lstStyle/>
+                    <a:p>
+                      <a:r>
+                        <a:rPr lang="en-IN" dirty="0"/>
+                        <a:t>63</a:t>
+                      </a:r>
+                    </a:p>
+                  </a:txBody>
+                  <a:tcPr/>
+                </a:tc>
+                <a:tc>
+                  <a:txBody>
+                    <a:bodyPr/>
+                    <a:lstStyle/>
+                    <a:p>
+                      <a:r>
+                        <a:rPr lang="en-IN" dirty="0"/>
+                        <a:t>51.75</a:t>
+                      </a:r>
+                    </a:p>
+                  </a:txBody>
+                  <a:tcPr/>
+                </a:tc>
+                <a:extLst>
+                  <a:ext uri="{0D108BD9-81ED-4DB2-BD59-A6C34878D82A}">
+                    <a16:rowId xmlns:a16="http://schemas.microsoft.com/office/drawing/2014/main" val="3281671002"/>
+                  </a:ext>
+                </a:extLst>
+              </a:tr>
+              <a:tr h="451202">
+                <a:tc>
+                  <a:txBody>
+                    <a:bodyPr/>
+                    <a:lstStyle/>
+                    <a:p>
+                      <a:r>
+                        <a:rPr lang="en-IN" dirty="0"/>
+                        <a:t>127</a:t>
+                      </a:r>
+                    </a:p>
+                  </a:txBody>
+                  <a:tcPr/>
+                </a:tc>
+                <a:tc>
+                  <a:txBody>
+                    <a:bodyPr/>
+                    <a:lstStyle/>
+                    <a:p>
+                      <a:r>
+                        <a:rPr lang="en-IN" dirty="0"/>
+                        <a:t>104.166 ( Distortion Occurs beyond this point)</a:t>
+                      </a:r>
+                    </a:p>
+                  </a:txBody>
+                  <a:tcPr/>
+                </a:tc>
+                <a:extLst>
+                  <a:ext uri="{0D108BD9-81ED-4DB2-BD59-A6C34878D82A}">
+                    <a16:rowId xmlns:a16="http://schemas.microsoft.com/office/drawing/2014/main" val="3740530375"/>
+                  </a:ext>
+                </a:extLst>
+              </a:tr>
+            </a:tbl>
+          </a:graphicData>
+        </a:graphic>
+      </p:graphicFrame>
+    </p:spTree>
+    <p:extLst>
+      <p:ext uri="{BB962C8B-B14F-4D97-AF65-F5344CB8AC3E}">
+        <p14:creationId xmlns:p14="http://schemas.microsoft.com/office/powerpoint/2010/main" val="867264851"/>
+      </p:ext>
+    </p:extLst>
+  </p:cSld>
+  <p:clrMapOvr>
+    <a:masterClrMapping/>
+  </p:clrMapOvr>
+</p:sld>
+</file>
+
+<file path=ppt/slides/slide6.xml><?xml version="1.0" encoding="utf-8"?>
+<p:sld xmlns:a="http://schemas.openxmlformats.org/drawingml/2006/main" xmlns:r="http://schemas.openxmlformats.org/officeDocument/2006/relationships" xmlns:p="http://schemas.openxmlformats.org/presentationml/2006/main">
+  <p:cSld>
+    <p:spTree>
+      <p:nvGrpSpPr>
+        <p:cNvPr id="1" name=""/>
+        <p:cNvGrpSpPr/>
+        <p:nvPr/>
+      </p:nvGrpSpPr>
+      <p:grpSpPr>
+        <a:xfrm>
+          <a:off x="0" y="0"/>
+          <a:ext cx="0" cy="0"/>
+          <a:chOff x="0" y="0"/>
+          <a:chExt cx="0" cy="0"/>
+        </a:xfrm>
+      </p:grpSpPr>
+      <p:sp>
+        <p:nvSpPr>
+          <p:cNvPr id="2" name="Title 1">
+            <a:extLst>
+              <a:ext uri="{FF2B5EF4-FFF2-40B4-BE49-F238E27FC236}">
                 <a16:creationId xmlns:a16="http://schemas.microsoft.com/office/drawing/2014/main" id="{5480A6C2-BE94-AE9D-5F12-239379D779D3}"/>
               </a:ext>
             </a:extLst>
@@ -5181,7 +5819,7 @@
 </p:sld>
 </file>
 
-<file path=ppt/slides/slide6.xml><?xml version="1.0" encoding="utf-8"?>
+<file path=ppt/slides/slide7.xml><?xml version="1.0" encoding="utf-8"?>
 <p:sld xmlns:a="http://schemas.openxmlformats.org/drawingml/2006/main" xmlns:r="http://schemas.openxmlformats.org/officeDocument/2006/relationships" xmlns:p="http://schemas.openxmlformats.org/presentationml/2006/main">
   <p:cSld>
     <p:spTree>
@@ -5273,7 +5911,7 @@
 </p:sld>
 </file>
 
-<file path=ppt/slides/slide7.xml><?xml version="1.0" encoding="utf-8"?>
+<file path=ppt/slides/slide8.xml><?xml version="1.0" encoding="utf-8"?>
 <p:sld xmlns:a="http://schemas.openxmlformats.org/drawingml/2006/main" xmlns:r="http://schemas.openxmlformats.org/officeDocument/2006/relationships" xmlns:p="http://schemas.openxmlformats.org/presentationml/2006/main">
   <p:cSld>
     <p:spTree>
@@ -5402,7 +6040,7 @@
 </p:sld>
 </file>
 
-<file path=ppt/slides/slide8.xml><?xml version="1.0" encoding="utf-8"?>
+<file path=ppt/slides/slide9.xml><?xml version="1.0" encoding="utf-8"?>
 <p:sld xmlns:a="http://schemas.openxmlformats.org/drawingml/2006/main" xmlns:r="http://schemas.openxmlformats.org/officeDocument/2006/relationships" xmlns:p="http://schemas.openxmlformats.org/presentationml/2006/main">
   <p:cSld>
     <p:spTree>
@@ -6015,8 +6653,8 @@
           </a:p>
         </p:txBody>
       </p:sp>
-      <mc:AlternateContent xmlns:mc="http://schemas.openxmlformats.org/markup-compatibility/2006">
-        <mc:Choice xmlns:a14="http://schemas.microsoft.com/office/drawing/2010/main" Requires="a14">
+      <mc:AlternateContent xmlns:mc="http://schemas.openxmlformats.org/markup-compatibility/2006" xmlns:a14="http://schemas.microsoft.com/office/drawing/2010/main">
+        <mc:Choice Requires="a14">
           <p:sp>
             <p:nvSpPr>
               <p:cNvPr id="19" name="TextBox 18">
@@ -6045,6 +6683,7 @@
               </a:bodyPr>
               <a:lstStyle/>
               <a:p>
+                <a:pPr/>
                 <a14:m>
                   <m:oMathPara xmlns:m="http://schemas.openxmlformats.org/officeDocument/2006/math">
                     <m:oMathParaPr>
@@ -6094,7 +6733,7 @@
             </p:txBody>
           </p:sp>
         </mc:Choice>
-        <mc:Fallback>
+        <mc:Fallback xmlns="">
           <p:sp>
             <p:nvSpPr>
               <p:cNvPr id="19" name="TextBox 18">
@@ -6221,99 +6860,6 @@
     <p:extLst>
       <p:ext uri="{BB962C8B-B14F-4D97-AF65-F5344CB8AC3E}">
         <p14:creationId xmlns:p14="http://schemas.microsoft.com/office/powerpoint/2010/main" val="755792711"/>
-      </p:ext>
-    </p:extLst>
-  </p:cSld>
-  <p:clrMapOvr>
-    <a:masterClrMapping/>
-  </p:clrMapOvr>
-</p:sld>
-</file>
-
-<file path=ppt/slides/slide9.xml><?xml version="1.0" encoding="utf-8"?>
-<p:sld xmlns:a="http://schemas.openxmlformats.org/drawingml/2006/main" xmlns:r="http://schemas.openxmlformats.org/officeDocument/2006/relationships" xmlns:p="http://schemas.openxmlformats.org/presentationml/2006/main">
-  <p:cSld>
-    <p:spTree>
-      <p:nvGrpSpPr>
-        <p:cNvPr id="1" name=""/>
-        <p:cNvGrpSpPr/>
-        <p:nvPr/>
-      </p:nvGrpSpPr>
-      <p:grpSpPr>
-        <a:xfrm>
-          <a:off x="0" y="0"/>
-          <a:ext cx="0" cy="0"/>
-          <a:chOff x="0" y="0"/>
-          <a:chExt cx="0" cy="0"/>
-        </a:xfrm>
-      </p:grpSpPr>
-      <p:sp>
-        <p:nvSpPr>
-          <p:cNvPr id="2" name="Title 1">
-            <a:extLst>
-              <a:ext uri="{FF2B5EF4-FFF2-40B4-BE49-F238E27FC236}">
-                <a16:creationId xmlns:a16="http://schemas.microsoft.com/office/drawing/2014/main" id="{75F4D34C-CE13-B683-A34A-9C58D429E837}"/>
-              </a:ext>
-            </a:extLst>
-          </p:cNvPr>
-          <p:cNvSpPr>
-            <a:spLocks noGrp="1"/>
-          </p:cNvSpPr>
-          <p:nvPr>
-            <p:ph type="title"/>
-          </p:nvPr>
-        </p:nvSpPr>
-        <p:spPr>
-          <a:xfrm>
-            <a:off x="239486" y="365760"/>
-            <a:ext cx="10715026" cy="788126"/>
-          </a:xfrm>
-        </p:spPr>
-        <p:txBody>
-          <a:bodyPr/>
-          <a:lstStyle/>
-          <a:p>
-            <a:r>
-              <a:rPr lang="en-IN" dirty="0"/>
-              <a:t>Limitations Of CORDIC Division</a:t>
-            </a:r>
-          </a:p>
-        </p:txBody>
-      </p:sp>
-      <p:sp>
-        <p:nvSpPr>
-          <p:cNvPr id="3" name="Content Placeholder 2">
-            <a:extLst>
-              <a:ext uri="{FF2B5EF4-FFF2-40B4-BE49-F238E27FC236}">
-                <a16:creationId xmlns:a16="http://schemas.microsoft.com/office/drawing/2014/main" id="{3B09B9F3-63AB-9481-D2A7-94932015CD24}"/>
-              </a:ext>
-            </a:extLst>
-          </p:cNvPr>
-          <p:cNvSpPr>
-            <a:spLocks noGrp="1"/>
-          </p:cNvSpPr>
-          <p:nvPr>
-            <p:ph idx="1"/>
-          </p:nvPr>
-        </p:nvSpPr>
-        <p:spPr>
-          <a:xfrm>
-            <a:off x="380130" y="1393371"/>
-            <a:ext cx="8595360" cy="4351337"/>
-          </a:xfrm>
-        </p:spPr>
-        <p:txBody>
-          <a:bodyPr/>
-          <a:lstStyle/>
-          <a:p>
-            <a:endParaRPr lang="en-IN" dirty="0"/>
-          </a:p>
-        </p:txBody>
-      </p:sp>
-    </p:spTree>
-    <p:extLst>
-      <p:ext uri="{BB962C8B-B14F-4D97-AF65-F5344CB8AC3E}">
-        <p14:creationId xmlns:p14="http://schemas.microsoft.com/office/powerpoint/2010/main" val="813091005"/>
       </p:ext>
     </p:extLst>
   </p:cSld>

--- a/Mini_Project/Demo_PPT.pptx
+++ b/Mini_Project/Demo_PPT.pptx
@@ -4,17 +4,35 @@
   <p:sldMasterIdLst>
     <p:sldMasterId id="2147483720" r:id="rId1"/>
   </p:sldMasterIdLst>
+  <p:notesMasterIdLst>
+    <p:notesMasterId r:id="rId27"/>
+  </p:notesMasterIdLst>
   <p:sldIdLst>
     <p:sldId id="256" r:id="rId2"/>
     <p:sldId id="257" r:id="rId3"/>
     <p:sldId id="258" r:id="rId4"/>
-    <p:sldId id="259" r:id="rId5"/>
-    <p:sldId id="265" r:id="rId6"/>
-    <p:sldId id="260" r:id="rId7"/>
-    <p:sldId id="261" r:id="rId8"/>
-    <p:sldId id="262" r:id="rId9"/>
-    <p:sldId id="263" r:id="rId10"/>
-    <p:sldId id="264" r:id="rId11"/>
+    <p:sldId id="281" r:id="rId5"/>
+    <p:sldId id="259" r:id="rId6"/>
+    <p:sldId id="265" r:id="rId7"/>
+    <p:sldId id="260" r:id="rId8"/>
+    <p:sldId id="261" r:id="rId9"/>
+    <p:sldId id="262" r:id="rId10"/>
+    <p:sldId id="263" r:id="rId11"/>
+    <p:sldId id="264" r:id="rId12"/>
+    <p:sldId id="267" r:id="rId13"/>
+    <p:sldId id="266" r:id="rId14"/>
+    <p:sldId id="268" r:id="rId15"/>
+    <p:sldId id="269" r:id="rId16"/>
+    <p:sldId id="270" r:id="rId17"/>
+    <p:sldId id="272" r:id="rId18"/>
+    <p:sldId id="273" r:id="rId19"/>
+    <p:sldId id="276" r:id="rId20"/>
+    <p:sldId id="274" r:id="rId21"/>
+    <p:sldId id="275" r:id="rId22"/>
+    <p:sldId id="277" r:id="rId23"/>
+    <p:sldId id="279" r:id="rId24"/>
+    <p:sldId id="278" r:id="rId25"/>
+    <p:sldId id="282" r:id="rId26"/>
   </p:sldIdLst>
   <p:sldSz cx="12192000" cy="6858000"/>
   <p:notesSz cx="6858000" cy="9144000"/>
@@ -119,6 +137,462 @@
     </p:ext>
   </p:extLst>
 </p:presentation>
+</file>
+
+<file path=ppt/notesMasters/notesMaster1.xml><?xml version="1.0" encoding="utf-8"?>
+<p:notesMaster xmlns:a="http://schemas.openxmlformats.org/drawingml/2006/main" xmlns:r="http://schemas.openxmlformats.org/officeDocument/2006/relationships" xmlns:p="http://schemas.openxmlformats.org/presentationml/2006/main">
+  <p:cSld>
+    <p:bg>
+      <p:bgRef idx="1001">
+        <a:schemeClr val="bg1"/>
+      </p:bgRef>
+    </p:bg>
+    <p:spTree>
+      <p:nvGrpSpPr>
+        <p:cNvPr id="1" name=""/>
+        <p:cNvGrpSpPr/>
+        <p:nvPr/>
+      </p:nvGrpSpPr>
+      <p:grpSpPr>
+        <a:xfrm>
+          <a:off x="0" y="0"/>
+          <a:ext cx="0" cy="0"/>
+          <a:chOff x="0" y="0"/>
+          <a:chExt cx="0" cy="0"/>
+        </a:xfrm>
+      </p:grpSpPr>
+      <p:sp>
+        <p:nvSpPr>
+          <p:cNvPr id="2" name="Header Placeholder 1"/>
+          <p:cNvSpPr>
+            <a:spLocks noGrp="1"/>
+          </p:cNvSpPr>
+          <p:nvPr>
+            <p:ph type="hdr" sz="quarter"/>
+          </p:nvPr>
+        </p:nvSpPr>
+        <p:spPr>
+          <a:xfrm>
+            <a:off x="0" y="0"/>
+            <a:ext cx="2971800" cy="458788"/>
+          </a:xfrm>
+          <a:prstGeom prst="rect">
+            <a:avLst/>
+          </a:prstGeom>
+        </p:spPr>
+        <p:txBody>
+          <a:bodyPr vert="horz" lIns="91440" tIns="45720" rIns="91440" bIns="45720" rtlCol="0"/>
+          <a:lstStyle>
+            <a:lvl1pPr algn="l">
+              <a:defRPr sz="1200"/>
+            </a:lvl1pPr>
+          </a:lstStyle>
+          <a:p>
+            <a:endParaRPr lang="en-US"/>
+          </a:p>
+        </p:txBody>
+      </p:sp>
+      <p:sp>
+        <p:nvSpPr>
+          <p:cNvPr id="3" name="Date Placeholder 2"/>
+          <p:cNvSpPr>
+            <a:spLocks noGrp="1"/>
+          </p:cNvSpPr>
+          <p:nvPr>
+            <p:ph type="dt" idx="1"/>
+          </p:nvPr>
+        </p:nvSpPr>
+        <p:spPr>
+          <a:xfrm>
+            <a:off x="3884613" y="0"/>
+            <a:ext cx="2971800" cy="458788"/>
+          </a:xfrm>
+          <a:prstGeom prst="rect">
+            <a:avLst/>
+          </a:prstGeom>
+        </p:spPr>
+        <p:txBody>
+          <a:bodyPr vert="horz" lIns="91440" tIns="45720" rIns="91440" bIns="45720" rtlCol="0"/>
+          <a:lstStyle>
+            <a:lvl1pPr algn="r">
+              <a:defRPr sz="1200"/>
+            </a:lvl1pPr>
+          </a:lstStyle>
+          <a:p>
+            <a:fld id="{E978604B-E605-49BB-8B28-A273CBED105A}" type="datetimeFigureOut">
+              <a:rPr lang="en-US" smtClean="0"/>
+              <a:t>13-Apr-24</a:t>
+            </a:fld>
+            <a:endParaRPr lang="en-US"/>
+          </a:p>
+        </p:txBody>
+      </p:sp>
+      <p:sp>
+        <p:nvSpPr>
+          <p:cNvPr id="4" name="Slide Image Placeholder 3"/>
+          <p:cNvSpPr>
+            <a:spLocks noGrp="1" noRot="1" noChangeAspect="1"/>
+          </p:cNvSpPr>
+          <p:nvPr>
+            <p:ph type="sldImg" idx="2"/>
+          </p:nvPr>
+        </p:nvSpPr>
+        <p:spPr>
+          <a:xfrm>
+            <a:off x="685800" y="1143000"/>
+            <a:ext cx="5486400" cy="3086100"/>
+          </a:xfrm>
+          <a:prstGeom prst="rect">
+            <a:avLst/>
+          </a:prstGeom>
+          <a:noFill/>
+          <a:ln w="12700">
+            <a:solidFill>
+              <a:prstClr val="black"/>
+            </a:solidFill>
+          </a:ln>
+        </p:spPr>
+        <p:txBody>
+          <a:bodyPr vert="horz" lIns="91440" tIns="45720" rIns="91440" bIns="45720" rtlCol="0" anchor="ctr"/>
+          <a:lstStyle/>
+          <a:p>
+            <a:endParaRPr lang="en-US"/>
+          </a:p>
+        </p:txBody>
+      </p:sp>
+      <p:sp>
+        <p:nvSpPr>
+          <p:cNvPr id="5" name="Notes Placeholder 4"/>
+          <p:cNvSpPr>
+            <a:spLocks noGrp="1"/>
+          </p:cNvSpPr>
+          <p:nvPr>
+            <p:ph type="body" sz="quarter" idx="3"/>
+          </p:nvPr>
+        </p:nvSpPr>
+        <p:spPr>
+          <a:xfrm>
+            <a:off x="685800" y="4400550"/>
+            <a:ext cx="5486400" cy="3600450"/>
+          </a:xfrm>
+          <a:prstGeom prst="rect">
+            <a:avLst/>
+          </a:prstGeom>
+        </p:spPr>
+        <p:txBody>
+          <a:bodyPr vert="horz" lIns="91440" tIns="45720" rIns="91440" bIns="45720" rtlCol="0"/>
+          <a:lstStyle/>
+          <a:p>
+            <a:pPr lvl="0"/>
+            <a:r>
+              <a:rPr lang="en-US"/>
+              <a:t>Click to edit Master text styles</a:t>
+            </a:r>
+          </a:p>
+          <a:p>
+            <a:pPr lvl="1"/>
+            <a:r>
+              <a:rPr lang="en-US"/>
+              <a:t>Second level</a:t>
+            </a:r>
+          </a:p>
+          <a:p>
+            <a:pPr lvl="2"/>
+            <a:r>
+              <a:rPr lang="en-US"/>
+              <a:t>Third level</a:t>
+            </a:r>
+          </a:p>
+          <a:p>
+            <a:pPr lvl="3"/>
+            <a:r>
+              <a:rPr lang="en-US"/>
+              <a:t>Fourth level</a:t>
+            </a:r>
+          </a:p>
+          <a:p>
+            <a:pPr lvl="4"/>
+            <a:r>
+              <a:rPr lang="en-US"/>
+              <a:t>Fifth level</a:t>
+            </a:r>
+          </a:p>
+        </p:txBody>
+      </p:sp>
+      <p:sp>
+        <p:nvSpPr>
+          <p:cNvPr id="6" name="Footer Placeholder 5"/>
+          <p:cNvSpPr>
+            <a:spLocks noGrp="1"/>
+          </p:cNvSpPr>
+          <p:nvPr>
+            <p:ph type="ftr" sz="quarter" idx="4"/>
+          </p:nvPr>
+        </p:nvSpPr>
+        <p:spPr>
+          <a:xfrm>
+            <a:off x="0" y="8685213"/>
+            <a:ext cx="2971800" cy="458787"/>
+          </a:xfrm>
+          <a:prstGeom prst="rect">
+            <a:avLst/>
+          </a:prstGeom>
+        </p:spPr>
+        <p:txBody>
+          <a:bodyPr vert="horz" lIns="91440" tIns="45720" rIns="91440" bIns="45720" rtlCol="0" anchor="b"/>
+          <a:lstStyle>
+            <a:lvl1pPr algn="l">
+              <a:defRPr sz="1200"/>
+            </a:lvl1pPr>
+          </a:lstStyle>
+          <a:p>
+            <a:endParaRPr lang="en-US"/>
+          </a:p>
+        </p:txBody>
+      </p:sp>
+      <p:sp>
+        <p:nvSpPr>
+          <p:cNvPr id="7" name="Slide Number Placeholder 6"/>
+          <p:cNvSpPr>
+            <a:spLocks noGrp="1"/>
+          </p:cNvSpPr>
+          <p:nvPr>
+            <p:ph type="sldNum" sz="quarter" idx="5"/>
+          </p:nvPr>
+        </p:nvSpPr>
+        <p:spPr>
+          <a:xfrm>
+            <a:off x="3884613" y="8685213"/>
+            <a:ext cx="2971800" cy="458787"/>
+          </a:xfrm>
+          <a:prstGeom prst="rect">
+            <a:avLst/>
+          </a:prstGeom>
+        </p:spPr>
+        <p:txBody>
+          <a:bodyPr vert="horz" lIns="91440" tIns="45720" rIns="91440" bIns="45720" rtlCol="0" anchor="b"/>
+          <a:lstStyle>
+            <a:lvl1pPr algn="r">
+              <a:defRPr sz="1200"/>
+            </a:lvl1pPr>
+          </a:lstStyle>
+          <a:p>
+            <a:fld id="{31EEFDA0-5FBF-4DFB-B515-7827C881DE94}" type="slidenum">
+              <a:rPr lang="en-US" smtClean="0"/>
+              <a:t>‹#›</a:t>
+            </a:fld>
+            <a:endParaRPr lang="en-US"/>
+          </a:p>
+        </p:txBody>
+      </p:sp>
+    </p:spTree>
+    <p:extLst>
+      <p:ext uri="{BB962C8B-B14F-4D97-AF65-F5344CB8AC3E}">
+        <p14:creationId xmlns:p14="http://schemas.microsoft.com/office/powerpoint/2010/main" val="2777323322"/>
+      </p:ext>
+    </p:extLst>
+  </p:cSld>
+  <p:clrMap bg1="lt1" tx1="dk1" bg2="lt2" tx2="dk2" accent1="accent1" accent2="accent2" accent3="accent3" accent4="accent4" accent5="accent5" accent6="accent6" hlink="hlink" folHlink="folHlink"/>
+  <p:notesStyle>
+    <a:lvl1pPr marL="0" algn="l" defTabSz="914400" rtl="0" eaLnBrk="1" latinLnBrk="0" hangingPunct="1">
+      <a:defRPr sz="1200" kern="1200">
+        <a:solidFill>
+          <a:schemeClr val="tx1"/>
+        </a:solidFill>
+        <a:latin typeface="+mn-lt"/>
+        <a:ea typeface="+mn-ea"/>
+        <a:cs typeface="+mn-cs"/>
+      </a:defRPr>
+    </a:lvl1pPr>
+    <a:lvl2pPr marL="457200" algn="l" defTabSz="914400" rtl="0" eaLnBrk="1" latinLnBrk="0" hangingPunct="1">
+      <a:defRPr sz="1200" kern="1200">
+        <a:solidFill>
+          <a:schemeClr val="tx1"/>
+        </a:solidFill>
+        <a:latin typeface="+mn-lt"/>
+        <a:ea typeface="+mn-ea"/>
+        <a:cs typeface="+mn-cs"/>
+      </a:defRPr>
+    </a:lvl2pPr>
+    <a:lvl3pPr marL="914400" algn="l" defTabSz="914400" rtl="0" eaLnBrk="1" latinLnBrk="0" hangingPunct="1">
+      <a:defRPr sz="1200" kern="1200">
+        <a:solidFill>
+          <a:schemeClr val="tx1"/>
+        </a:solidFill>
+        <a:latin typeface="+mn-lt"/>
+        <a:ea typeface="+mn-ea"/>
+        <a:cs typeface="+mn-cs"/>
+      </a:defRPr>
+    </a:lvl3pPr>
+    <a:lvl4pPr marL="1371600" algn="l" defTabSz="914400" rtl="0" eaLnBrk="1" latinLnBrk="0" hangingPunct="1">
+      <a:defRPr sz="1200" kern="1200">
+        <a:solidFill>
+          <a:schemeClr val="tx1"/>
+        </a:solidFill>
+        <a:latin typeface="+mn-lt"/>
+        <a:ea typeface="+mn-ea"/>
+        <a:cs typeface="+mn-cs"/>
+      </a:defRPr>
+    </a:lvl4pPr>
+    <a:lvl5pPr marL="1828800" algn="l" defTabSz="914400" rtl="0" eaLnBrk="1" latinLnBrk="0" hangingPunct="1">
+      <a:defRPr sz="1200" kern="1200">
+        <a:solidFill>
+          <a:schemeClr val="tx1"/>
+        </a:solidFill>
+        <a:latin typeface="+mn-lt"/>
+        <a:ea typeface="+mn-ea"/>
+        <a:cs typeface="+mn-cs"/>
+      </a:defRPr>
+    </a:lvl5pPr>
+    <a:lvl6pPr marL="2286000" algn="l" defTabSz="914400" rtl="0" eaLnBrk="1" latinLnBrk="0" hangingPunct="1">
+      <a:defRPr sz="1200" kern="1200">
+        <a:solidFill>
+          <a:schemeClr val="tx1"/>
+        </a:solidFill>
+        <a:latin typeface="+mn-lt"/>
+        <a:ea typeface="+mn-ea"/>
+        <a:cs typeface="+mn-cs"/>
+      </a:defRPr>
+    </a:lvl6pPr>
+    <a:lvl7pPr marL="2743200" algn="l" defTabSz="914400" rtl="0" eaLnBrk="1" latinLnBrk="0" hangingPunct="1">
+      <a:defRPr sz="1200" kern="1200">
+        <a:solidFill>
+          <a:schemeClr val="tx1"/>
+        </a:solidFill>
+        <a:latin typeface="+mn-lt"/>
+        <a:ea typeface="+mn-ea"/>
+        <a:cs typeface="+mn-cs"/>
+      </a:defRPr>
+    </a:lvl7pPr>
+    <a:lvl8pPr marL="3200400" algn="l" defTabSz="914400" rtl="0" eaLnBrk="1" latinLnBrk="0" hangingPunct="1">
+      <a:defRPr sz="1200" kern="1200">
+        <a:solidFill>
+          <a:schemeClr val="tx1"/>
+        </a:solidFill>
+        <a:latin typeface="+mn-lt"/>
+        <a:ea typeface="+mn-ea"/>
+        <a:cs typeface="+mn-cs"/>
+      </a:defRPr>
+    </a:lvl8pPr>
+    <a:lvl9pPr marL="3657600" algn="l" defTabSz="914400" rtl="0" eaLnBrk="1" latinLnBrk="0" hangingPunct="1">
+      <a:defRPr sz="1200" kern="1200">
+        <a:solidFill>
+          <a:schemeClr val="tx1"/>
+        </a:solidFill>
+        <a:latin typeface="+mn-lt"/>
+        <a:ea typeface="+mn-ea"/>
+        <a:cs typeface="+mn-cs"/>
+      </a:defRPr>
+    </a:lvl9pPr>
+  </p:notesStyle>
+</p:notesMaster>
+</file>
+
+<file path=ppt/notesSlides/notesSlide1.xml><?xml version="1.0" encoding="utf-8"?>
+<p:notes xmlns:a="http://schemas.openxmlformats.org/drawingml/2006/main" xmlns:r="http://schemas.openxmlformats.org/officeDocument/2006/relationships" xmlns:p="http://schemas.openxmlformats.org/presentationml/2006/main">
+  <p:cSld>
+    <p:spTree>
+      <p:nvGrpSpPr>
+        <p:cNvPr id="1" name=""/>
+        <p:cNvGrpSpPr/>
+        <p:nvPr/>
+      </p:nvGrpSpPr>
+      <p:grpSpPr>
+        <a:xfrm>
+          <a:off x="0" y="0"/>
+          <a:ext cx="0" cy="0"/>
+          <a:chOff x="0" y="0"/>
+          <a:chExt cx="0" cy="0"/>
+        </a:xfrm>
+      </p:grpSpPr>
+      <p:sp>
+        <p:nvSpPr>
+          <p:cNvPr id="2" name="Slide Image Placeholder 1"/>
+          <p:cNvSpPr>
+            <a:spLocks noGrp="1" noRot="1" noChangeAspect="1"/>
+          </p:cNvSpPr>
+          <p:nvPr>
+            <p:ph type="sldImg"/>
+          </p:nvPr>
+        </p:nvSpPr>
+        <p:spPr/>
+      </p:sp>
+      <p:sp>
+        <p:nvSpPr>
+          <p:cNvPr id="3" name="Notes Placeholder 2"/>
+          <p:cNvSpPr>
+            <a:spLocks noGrp="1"/>
+          </p:cNvSpPr>
+          <p:nvPr>
+            <p:ph type="body" idx="1"/>
+          </p:nvPr>
+        </p:nvSpPr>
+        <p:spPr/>
+        <p:txBody>
+          <a:bodyPr/>
+          <a:lstStyle/>
+          <a:p>
+            <a:pPr marL="0" marR="0" lvl="0" indent="0" algn="l" defTabSz="914400" rtl="0" eaLnBrk="1" fontAlgn="auto" latinLnBrk="0" hangingPunct="1">
+              <a:lnSpc>
+                <a:spcPct val="100000"/>
+              </a:lnSpc>
+              <a:spcBef>
+                <a:spcPts val="0"/>
+              </a:spcBef>
+              <a:spcAft>
+                <a:spcPts val="0"/>
+              </a:spcAft>
+              <a:buClrTx/>
+              <a:buSzTx/>
+              <a:buFontTx/>
+              <a:buNone/>
+              <a:tabLst/>
+              <a:defRPr/>
+            </a:pPr>
+            <a:r>
+              <a:rPr lang="en-IN" sz="1200" b="1" dirty="0"/>
+              <a:t>Max Frequency of Operation : 1 / (10n – 2.117n) = 126.855MHz</a:t>
+            </a:r>
+          </a:p>
+          <a:p>
+            <a:endParaRPr lang="en-US" dirty="0"/>
+          </a:p>
+        </p:txBody>
+      </p:sp>
+      <p:sp>
+        <p:nvSpPr>
+          <p:cNvPr id="4" name="Slide Number Placeholder 3"/>
+          <p:cNvSpPr>
+            <a:spLocks noGrp="1"/>
+          </p:cNvSpPr>
+          <p:nvPr>
+            <p:ph type="sldNum" sz="quarter" idx="5"/>
+          </p:nvPr>
+        </p:nvSpPr>
+        <p:spPr/>
+        <p:txBody>
+          <a:bodyPr/>
+          <a:lstStyle/>
+          <a:p>
+            <a:fld id="{31EEFDA0-5FBF-4DFB-B515-7827C881DE94}" type="slidenum">
+              <a:rPr lang="en-US" smtClean="0"/>
+              <a:t>9</a:t>
+            </a:fld>
+            <a:endParaRPr lang="en-US"/>
+          </a:p>
+        </p:txBody>
+      </p:sp>
+    </p:spTree>
+    <p:extLst>
+      <p:ext uri="{BB962C8B-B14F-4D97-AF65-F5344CB8AC3E}">
+        <p14:creationId xmlns:p14="http://schemas.microsoft.com/office/powerpoint/2010/main" val="2154218558"/>
+      </p:ext>
+    </p:extLst>
+  </p:cSld>
+  <p:clrMapOvr>
+    <a:masterClrMapping/>
+  </p:clrMapOvr>
+</p:notes>
 </file>
 
 <file path=ppt/slideLayouts/slideLayout1.xml><?xml version="1.0" encoding="utf-8"?>
@@ -3579,6 +4053,880 @@
           <p:cNvPr id="2" name="Title 1">
             <a:extLst>
               <a:ext uri="{FF2B5EF4-FFF2-40B4-BE49-F238E27FC236}">
+                <a16:creationId xmlns:a16="http://schemas.microsoft.com/office/drawing/2014/main" id="{64DA88CB-C799-35B4-21BD-7353D01A4D95}"/>
+              </a:ext>
+            </a:extLst>
+          </p:cNvPr>
+          <p:cNvSpPr>
+            <a:spLocks noGrp="1"/>
+          </p:cNvSpPr>
+          <p:nvPr>
+            <p:ph type="title"/>
+          </p:nvPr>
+        </p:nvSpPr>
+        <p:spPr>
+          <a:xfrm>
+            <a:off x="533400" y="426459"/>
+            <a:ext cx="10802112" cy="494210"/>
+          </a:xfrm>
+        </p:spPr>
+        <p:txBody>
+          <a:bodyPr>
+            <a:normAutofit fontScale="90000"/>
+          </a:bodyPr>
+          <a:lstStyle/>
+          <a:p>
+            <a:r>
+              <a:rPr lang="en-IN" dirty="0"/>
+              <a:t>Tan Function Generation</a:t>
+            </a:r>
+          </a:p>
+        </p:txBody>
+      </p:sp>
+      <p:sp>
+        <p:nvSpPr>
+          <p:cNvPr id="3" name="Content Placeholder 2">
+            <a:extLst>
+              <a:ext uri="{FF2B5EF4-FFF2-40B4-BE49-F238E27FC236}">
+                <a16:creationId xmlns:a16="http://schemas.microsoft.com/office/drawing/2014/main" id="{20857021-E8FB-B8F7-0357-51020C2A43AC}"/>
+              </a:ext>
+            </a:extLst>
+          </p:cNvPr>
+          <p:cNvSpPr>
+            <a:spLocks noGrp="1"/>
+          </p:cNvSpPr>
+          <p:nvPr>
+            <p:ph idx="1"/>
+          </p:nvPr>
+        </p:nvSpPr>
+        <p:spPr>
+          <a:xfrm>
+            <a:off x="793786" y="1186543"/>
+            <a:ext cx="8323217" cy="5671457"/>
+          </a:xfrm>
+        </p:spPr>
+        <p:txBody>
+          <a:bodyPr>
+            <a:normAutofit lnSpcReduction="10000"/>
+          </a:bodyPr>
+          <a:lstStyle/>
+          <a:p>
+            <a:r>
+              <a:rPr lang="en-IN" sz="2400" dirty="0"/>
+              <a:t>It is not possible to generate tan function directly using CORDIC. But we can perform </a:t>
+            </a:r>
+            <a:r>
+              <a:rPr lang="en-IN" sz="2400" i="1" dirty="0"/>
+              <a:t>Division</a:t>
+            </a:r>
+            <a:r>
+              <a:rPr lang="en-IN" sz="2400" dirty="0"/>
+              <a:t> using CORDIC in </a:t>
+            </a:r>
+            <a:r>
+              <a:rPr lang="en-IN" sz="2400" i="1" dirty="0"/>
+              <a:t>Vectoring Mode </a:t>
+            </a:r>
+            <a:r>
+              <a:rPr lang="en-IN" sz="2400" dirty="0"/>
+              <a:t>using </a:t>
+            </a:r>
+            <a:r>
+              <a:rPr lang="en-IN" sz="2400" i="1" dirty="0"/>
+              <a:t>Linear Rotations</a:t>
+            </a:r>
+            <a:r>
+              <a:rPr lang="en-IN" sz="2400" dirty="0"/>
+              <a:t>. </a:t>
+            </a:r>
+          </a:p>
+          <a:p>
+            <a:r>
+              <a:rPr lang="en-IN" sz="2400" dirty="0"/>
+              <a:t>Since we already have Cos and Sin functions, we pass those results into the Divider block to get tan waveform.</a:t>
+            </a:r>
+          </a:p>
+          <a:p>
+            <a:endParaRPr lang="en-IN" sz="2400" dirty="0"/>
+          </a:p>
+          <a:p>
+            <a:endParaRPr lang="en-IN" sz="2400" dirty="0"/>
+          </a:p>
+          <a:p>
+            <a:endParaRPr lang="en-IN" sz="2400" dirty="0"/>
+          </a:p>
+          <a:p>
+            <a:endParaRPr lang="en-IN" sz="2400" dirty="0"/>
+          </a:p>
+          <a:p>
+            <a:endParaRPr lang="en-IN" sz="2400" dirty="0"/>
+          </a:p>
+          <a:p>
+            <a:r>
+              <a:rPr lang="en-US" dirty="0"/>
+              <a:t>Input format(simulation) : 2 bits for integer part and 10 bits for fractional part</a:t>
+            </a:r>
+          </a:p>
+          <a:p>
+            <a:endParaRPr lang="en-IN" sz="2400" dirty="0"/>
+          </a:p>
+          <a:p>
+            <a:pPr marL="0" indent="0">
+              <a:buNone/>
+            </a:pPr>
+            <a:endParaRPr lang="en-IN" sz="2400" dirty="0"/>
+          </a:p>
+        </p:txBody>
+      </p:sp>
+      <p:grpSp>
+        <p:nvGrpSpPr>
+          <p:cNvPr id="8" name="Group 7">
+            <a:extLst>
+              <a:ext uri="{FF2B5EF4-FFF2-40B4-BE49-F238E27FC236}">
+                <a16:creationId xmlns:a16="http://schemas.microsoft.com/office/drawing/2014/main" id="{EA56CA6C-9297-B7C5-1780-83EC011AB864}"/>
+              </a:ext>
+            </a:extLst>
+          </p:cNvPr>
+          <p:cNvGrpSpPr/>
+          <p:nvPr/>
+        </p:nvGrpSpPr>
+        <p:grpSpPr>
+          <a:xfrm>
+            <a:off x="1068653" y="3338219"/>
+            <a:ext cx="8495863" cy="2333238"/>
+            <a:chOff x="718458" y="3635828"/>
+            <a:chExt cx="8495863" cy="2333238"/>
+          </a:xfrm>
+        </p:grpSpPr>
+        <p:sp>
+          <p:nvSpPr>
+            <p:cNvPr id="4" name="Rectangle 3">
+              <a:extLst>
+                <a:ext uri="{FF2B5EF4-FFF2-40B4-BE49-F238E27FC236}">
+                  <a16:creationId xmlns:a16="http://schemas.microsoft.com/office/drawing/2014/main" id="{74449DBA-8052-6D24-C2F5-89967B2A6324}"/>
+                </a:ext>
+              </a:extLst>
+            </p:cNvPr>
+            <p:cNvSpPr/>
+            <p:nvPr/>
+          </p:nvSpPr>
+          <p:spPr>
+            <a:xfrm>
+              <a:off x="2340429" y="3635828"/>
+              <a:ext cx="1621971" cy="2307772"/>
+            </a:xfrm>
+            <a:prstGeom prst="rect">
+              <a:avLst/>
+            </a:prstGeom>
+          </p:spPr>
+          <p:style>
+            <a:lnRef idx="2">
+              <a:schemeClr val="accent5"/>
+            </a:lnRef>
+            <a:fillRef idx="1">
+              <a:schemeClr val="lt1"/>
+            </a:fillRef>
+            <a:effectRef idx="0">
+              <a:schemeClr val="accent5"/>
+            </a:effectRef>
+            <a:fontRef idx="minor">
+              <a:schemeClr val="dk1"/>
+            </a:fontRef>
+          </p:style>
+          <p:txBody>
+            <a:bodyPr rtlCol="0" anchor="ctr"/>
+            <a:lstStyle/>
+            <a:p>
+              <a:pPr algn="ctr"/>
+              <a:endParaRPr lang="en-IN"/>
+            </a:p>
+          </p:txBody>
+        </p:sp>
+        <p:cxnSp>
+          <p:nvCxnSpPr>
+            <p:cNvPr id="6" name="Straight Arrow Connector 5">
+              <a:extLst>
+                <a:ext uri="{FF2B5EF4-FFF2-40B4-BE49-F238E27FC236}">
+                  <a16:creationId xmlns:a16="http://schemas.microsoft.com/office/drawing/2014/main" id="{BD8C537E-B31C-C280-7B18-318342FD7F4E}"/>
+                </a:ext>
+              </a:extLst>
+            </p:cNvPr>
+            <p:cNvCxnSpPr>
+              <a:cxnSpLocks/>
+              <a:endCxn id="4" idx="1"/>
+            </p:cNvCxnSpPr>
+            <p:nvPr/>
+          </p:nvCxnSpPr>
+          <p:spPr>
+            <a:xfrm>
+              <a:off x="718458" y="4789714"/>
+              <a:ext cx="1621971" cy="0"/>
+            </a:xfrm>
+            <a:prstGeom prst="straightConnector1">
+              <a:avLst/>
+            </a:prstGeom>
+            <a:ln>
+              <a:tailEnd type="triangle"/>
+            </a:ln>
+          </p:spPr>
+          <p:style>
+            <a:lnRef idx="1">
+              <a:schemeClr val="accent1"/>
+            </a:lnRef>
+            <a:fillRef idx="0">
+              <a:schemeClr val="accent1"/>
+            </a:fillRef>
+            <a:effectRef idx="0">
+              <a:schemeClr val="accent1"/>
+            </a:effectRef>
+            <a:fontRef idx="minor">
+              <a:schemeClr val="tx1"/>
+            </a:fontRef>
+          </p:style>
+        </p:cxnSp>
+        <p:cxnSp>
+          <p:nvCxnSpPr>
+            <p:cNvPr id="9" name="Straight Arrow Connector 8">
+              <a:extLst>
+                <a:ext uri="{FF2B5EF4-FFF2-40B4-BE49-F238E27FC236}">
+                  <a16:creationId xmlns:a16="http://schemas.microsoft.com/office/drawing/2014/main" id="{9DDCC040-021F-1FC9-D39D-C81D95AACDAC}"/>
+                </a:ext>
+              </a:extLst>
+            </p:cNvPr>
+            <p:cNvCxnSpPr>
+              <a:cxnSpLocks/>
+            </p:cNvCxnSpPr>
+            <p:nvPr/>
+          </p:nvCxnSpPr>
+          <p:spPr>
+            <a:xfrm>
+              <a:off x="3962400" y="4071256"/>
+              <a:ext cx="1621971" cy="0"/>
+            </a:xfrm>
+            <a:prstGeom prst="straightConnector1">
+              <a:avLst/>
+            </a:prstGeom>
+            <a:ln>
+              <a:tailEnd type="triangle"/>
+            </a:ln>
+          </p:spPr>
+          <p:style>
+            <a:lnRef idx="1">
+              <a:schemeClr val="accent1"/>
+            </a:lnRef>
+            <a:fillRef idx="0">
+              <a:schemeClr val="accent1"/>
+            </a:fillRef>
+            <a:effectRef idx="0">
+              <a:schemeClr val="accent1"/>
+            </a:effectRef>
+            <a:fontRef idx="minor">
+              <a:schemeClr val="tx1"/>
+            </a:fontRef>
+          </p:style>
+        </p:cxnSp>
+        <p:cxnSp>
+          <p:nvCxnSpPr>
+            <p:cNvPr id="10" name="Straight Arrow Connector 9">
+              <a:extLst>
+                <a:ext uri="{FF2B5EF4-FFF2-40B4-BE49-F238E27FC236}">
+                  <a16:creationId xmlns:a16="http://schemas.microsoft.com/office/drawing/2014/main" id="{9FC13B67-FF50-87D9-0083-3E8A4A8DB51D}"/>
+                </a:ext>
+              </a:extLst>
+            </p:cNvPr>
+            <p:cNvCxnSpPr>
+              <a:cxnSpLocks/>
+            </p:cNvCxnSpPr>
+            <p:nvPr/>
+          </p:nvCxnSpPr>
+          <p:spPr>
+            <a:xfrm>
+              <a:off x="3962400" y="5268686"/>
+              <a:ext cx="1621971" cy="0"/>
+            </a:xfrm>
+            <a:prstGeom prst="straightConnector1">
+              <a:avLst/>
+            </a:prstGeom>
+            <a:ln>
+              <a:tailEnd type="triangle"/>
+            </a:ln>
+          </p:spPr>
+          <p:style>
+            <a:lnRef idx="1">
+              <a:schemeClr val="accent1"/>
+            </a:lnRef>
+            <a:fillRef idx="0">
+              <a:schemeClr val="accent1"/>
+            </a:fillRef>
+            <a:effectRef idx="0">
+              <a:schemeClr val="accent1"/>
+            </a:effectRef>
+            <a:fontRef idx="minor">
+              <a:schemeClr val="tx1"/>
+            </a:fontRef>
+          </p:style>
+        </p:cxnSp>
+        <p:sp>
+          <p:nvSpPr>
+            <p:cNvPr id="11" name="Rectangle 10">
+              <a:extLst>
+                <a:ext uri="{FF2B5EF4-FFF2-40B4-BE49-F238E27FC236}">
+                  <a16:creationId xmlns:a16="http://schemas.microsoft.com/office/drawing/2014/main" id="{6495E230-2B53-5B8D-0EA5-613F20D93BCE}"/>
+                </a:ext>
+              </a:extLst>
+            </p:cNvPr>
+            <p:cNvSpPr/>
+            <p:nvPr/>
+          </p:nvSpPr>
+          <p:spPr>
+            <a:xfrm>
+              <a:off x="5595584" y="3661294"/>
+              <a:ext cx="1621971" cy="2307772"/>
+            </a:xfrm>
+            <a:prstGeom prst="rect">
+              <a:avLst/>
+            </a:prstGeom>
+          </p:spPr>
+          <p:style>
+            <a:lnRef idx="2">
+              <a:schemeClr val="accent5"/>
+            </a:lnRef>
+            <a:fillRef idx="1">
+              <a:schemeClr val="lt1"/>
+            </a:fillRef>
+            <a:effectRef idx="0">
+              <a:schemeClr val="accent5"/>
+            </a:effectRef>
+            <a:fontRef idx="minor">
+              <a:schemeClr val="dk1"/>
+            </a:fontRef>
+          </p:style>
+          <p:txBody>
+            <a:bodyPr rtlCol="0" anchor="ctr"/>
+            <a:lstStyle/>
+            <a:p>
+              <a:pPr algn="ctr"/>
+              <a:endParaRPr lang="en-IN" dirty="0"/>
+            </a:p>
+          </p:txBody>
+        </p:sp>
+        <p:cxnSp>
+          <p:nvCxnSpPr>
+            <p:cNvPr id="12" name="Straight Arrow Connector 11">
+              <a:extLst>
+                <a:ext uri="{FF2B5EF4-FFF2-40B4-BE49-F238E27FC236}">
+                  <a16:creationId xmlns:a16="http://schemas.microsoft.com/office/drawing/2014/main" id="{A0266DCD-F8E2-0143-9A07-E32831C4007D}"/>
+                </a:ext>
+              </a:extLst>
+            </p:cNvPr>
+            <p:cNvCxnSpPr>
+              <a:cxnSpLocks/>
+            </p:cNvCxnSpPr>
+            <p:nvPr/>
+          </p:nvCxnSpPr>
+          <p:spPr>
+            <a:xfrm>
+              <a:off x="7206342" y="4093316"/>
+              <a:ext cx="1621971" cy="0"/>
+            </a:xfrm>
+            <a:prstGeom prst="straightConnector1">
+              <a:avLst/>
+            </a:prstGeom>
+            <a:ln>
+              <a:tailEnd type="triangle"/>
+            </a:ln>
+          </p:spPr>
+          <p:style>
+            <a:lnRef idx="1">
+              <a:schemeClr val="accent1"/>
+            </a:lnRef>
+            <a:fillRef idx="0">
+              <a:schemeClr val="accent1"/>
+            </a:fillRef>
+            <a:effectRef idx="0">
+              <a:schemeClr val="accent1"/>
+            </a:effectRef>
+            <a:fontRef idx="minor">
+              <a:schemeClr val="tx1"/>
+            </a:fontRef>
+          </p:style>
+        </p:cxnSp>
+        <p:sp>
+          <p:nvSpPr>
+            <p:cNvPr id="13" name="TextBox 12">
+              <a:extLst>
+                <a:ext uri="{FF2B5EF4-FFF2-40B4-BE49-F238E27FC236}">
+                  <a16:creationId xmlns:a16="http://schemas.microsoft.com/office/drawing/2014/main" id="{1EA96093-9478-8168-EAD2-D5FCB9F9F2EC}"/>
+                </a:ext>
+              </a:extLst>
+            </p:cNvPr>
+            <p:cNvSpPr txBox="1"/>
+            <p:nvPr/>
+          </p:nvSpPr>
+          <p:spPr>
+            <a:xfrm>
+              <a:off x="793787" y="4466549"/>
+              <a:ext cx="1382486" cy="323165"/>
+            </a:xfrm>
+            <a:prstGeom prst="rect">
+              <a:avLst/>
+            </a:prstGeom>
+            <a:noFill/>
+          </p:spPr>
+          <p:txBody>
+            <a:bodyPr wrap="square" rtlCol="0">
+              <a:spAutoFit/>
+            </a:bodyPr>
+            <a:lstStyle/>
+            <a:p>
+              <a:r>
+                <a:rPr lang="en-IN" sz="1500" dirty="0"/>
+                <a:t>Target Angle</a:t>
+              </a:r>
+            </a:p>
+          </p:txBody>
+        </p:sp>
+        <p:sp>
+          <p:nvSpPr>
+            <p:cNvPr id="14" name="TextBox 13">
+              <a:extLst>
+                <a:ext uri="{FF2B5EF4-FFF2-40B4-BE49-F238E27FC236}">
+                  <a16:creationId xmlns:a16="http://schemas.microsoft.com/office/drawing/2014/main" id="{803C4D33-D528-CECB-9F1F-6FBEAD7B7902}"/>
+                </a:ext>
+              </a:extLst>
+            </p:cNvPr>
+            <p:cNvSpPr txBox="1"/>
+            <p:nvPr/>
+          </p:nvSpPr>
+          <p:spPr>
+            <a:xfrm>
+              <a:off x="3429435" y="3909673"/>
+              <a:ext cx="1065930" cy="323165"/>
+            </a:xfrm>
+            <a:prstGeom prst="rect">
+              <a:avLst/>
+            </a:prstGeom>
+            <a:noFill/>
+          </p:spPr>
+          <p:txBody>
+            <a:bodyPr wrap="square" rtlCol="0">
+              <a:spAutoFit/>
+            </a:bodyPr>
+            <a:lstStyle/>
+            <a:p>
+              <a:r>
+                <a:rPr lang="en-IN" sz="1500" dirty="0" err="1">
+                  <a:solidFill>
+                    <a:srgbClr val="0000FF"/>
+                  </a:solidFill>
+                </a:rPr>
+                <a:t>cosx</a:t>
+              </a:r>
+              <a:endParaRPr lang="en-IN" sz="1500" dirty="0">
+                <a:solidFill>
+                  <a:srgbClr val="0000FF"/>
+                </a:solidFill>
+              </a:endParaRPr>
+            </a:p>
+          </p:txBody>
+        </p:sp>
+        <p:sp>
+          <p:nvSpPr>
+            <p:cNvPr id="15" name="TextBox 14">
+              <a:extLst>
+                <a:ext uri="{FF2B5EF4-FFF2-40B4-BE49-F238E27FC236}">
+                  <a16:creationId xmlns:a16="http://schemas.microsoft.com/office/drawing/2014/main" id="{9CE67C51-4BFC-99CB-65A1-17767FD77285}"/>
+                </a:ext>
+              </a:extLst>
+            </p:cNvPr>
+            <p:cNvSpPr txBox="1"/>
+            <p:nvPr/>
+          </p:nvSpPr>
+          <p:spPr>
+            <a:xfrm>
+              <a:off x="3418222" y="5107102"/>
+              <a:ext cx="1065930" cy="323165"/>
+            </a:xfrm>
+            <a:prstGeom prst="rect">
+              <a:avLst/>
+            </a:prstGeom>
+            <a:noFill/>
+          </p:spPr>
+          <p:txBody>
+            <a:bodyPr wrap="square" rtlCol="0">
+              <a:spAutoFit/>
+            </a:bodyPr>
+            <a:lstStyle/>
+            <a:p>
+              <a:r>
+                <a:rPr lang="en-IN" sz="1500" dirty="0" err="1">
+                  <a:solidFill>
+                    <a:srgbClr val="0000FF"/>
+                  </a:solidFill>
+                </a:rPr>
+                <a:t>sinx</a:t>
+              </a:r>
+              <a:endParaRPr lang="en-IN" sz="1500" dirty="0">
+                <a:solidFill>
+                  <a:srgbClr val="0000FF"/>
+                </a:solidFill>
+              </a:endParaRPr>
+            </a:p>
+          </p:txBody>
+        </p:sp>
+        <p:sp>
+          <p:nvSpPr>
+            <p:cNvPr id="16" name="TextBox 15">
+              <a:extLst>
+                <a:ext uri="{FF2B5EF4-FFF2-40B4-BE49-F238E27FC236}">
+                  <a16:creationId xmlns:a16="http://schemas.microsoft.com/office/drawing/2014/main" id="{79C874EA-3725-8F94-61FC-AA696CA89FD9}"/>
+                </a:ext>
+              </a:extLst>
+            </p:cNvPr>
+            <p:cNvSpPr txBox="1"/>
+            <p:nvPr/>
+          </p:nvSpPr>
+          <p:spPr>
+            <a:xfrm>
+              <a:off x="5572014" y="3899364"/>
+              <a:ext cx="1065930" cy="323165"/>
+            </a:xfrm>
+            <a:prstGeom prst="rect">
+              <a:avLst/>
+            </a:prstGeom>
+            <a:noFill/>
+          </p:spPr>
+          <p:txBody>
+            <a:bodyPr wrap="square" rtlCol="0">
+              <a:spAutoFit/>
+            </a:bodyPr>
+            <a:lstStyle/>
+            <a:p>
+              <a:r>
+                <a:rPr lang="en-IN" sz="1500" dirty="0">
+                  <a:solidFill>
+                    <a:srgbClr val="0000FF"/>
+                  </a:solidFill>
+                </a:rPr>
+                <a:t>x</a:t>
+              </a:r>
+            </a:p>
+          </p:txBody>
+        </p:sp>
+        <p:sp>
+          <p:nvSpPr>
+            <p:cNvPr id="17" name="TextBox 16">
+              <a:extLst>
+                <a:ext uri="{FF2B5EF4-FFF2-40B4-BE49-F238E27FC236}">
+                  <a16:creationId xmlns:a16="http://schemas.microsoft.com/office/drawing/2014/main" id="{DEE7E5BB-5D1E-09E8-F0A8-E5C05CB8CDE9}"/>
+                </a:ext>
+              </a:extLst>
+            </p:cNvPr>
+            <p:cNvSpPr txBox="1"/>
+            <p:nvPr/>
+          </p:nvSpPr>
+          <p:spPr>
+            <a:xfrm>
+              <a:off x="5563470" y="5107103"/>
+              <a:ext cx="1065930" cy="323165"/>
+            </a:xfrm>
+            <a:prstGeom prst="rect">
+              <a:avLst/>
+            </a:prstGeom>
+            <a:noFill/>
+          </p:spPr>
+          <p:txBody>
+            <a:bodyPr wrap="square" rtlCol="0">
+              <a:spAutoFit/>
+            </a:bodyPr>
+            <a:lstStyle/>
+            <a:p>
+              <a:r>
+                <a:rPr lang="en-IN" sz="1500" dirty="0">
+                  <a:solidFill>
+                    <a:srgbClr val="0000FF"/>
+                  </a:solidFill>
+                </a:rPr>
+                <a:t>y</a:t>
+              </a:r>
+            </a:p>
+          </p:txBody>
+        </p:sp>
+        <p:sp>
+          <p:nvSpPr>
+            <p:cNvPr id="18" name="TextBox 17">
+              <a:extLst>
+                <a:ext uri="{FF2B5EF4-FFF2-40B4-BE49-F238E27FC236}">
+                  <a16:creationId xmlns:a16="http://schemas.microsoft.com/office/drawing/2014/main" id="{3D5CBD4D-A224-A4EC-D6D0-254BBDB220BA}"/>
+                </a:ext>
+              </a:extLst>
+            </p:cNvPr>
+            <p:cNvSpPr txBox="1"/>
+            <p:nvPr/>
+          </p:nvSpPr>
+          <p:spPr>
+            <a:xfrm>
+              <a:off x="8148391" y="3770151"/>
+              <a:ext cx="1065930" cy="323165"/>
+            </a:xfrm>
+            <a:prstGeom prst="rect">
+              <a:avLst/>
+            </a:prstGeom>
+            <a:noFill/>
+          </p:spPr>
+          <p:txBody>
+            <a:bodyPr wrap="square" rtlCol="0">
+              <a:spAutoFit/>
+            </a:bodyPr>
+            <a:lstStyle/>
+            <a:p>
+              <a:r>
+                <a:rPr lang="en-IN" sz="1500" dirty="0" err="1"/>
+                <a:t>tanx</a:t>
+              </a:r>
+              <a:endParaRPr lang="en-IN" sz="1500" dirty="0"/>
+            </a:p>
+          </p:txBody>
+        </p:sp>
+        <mc:AlternateContent xmlns:mc="http://schemas.openxmlformats.org/markup-compatibility/2006">
+          <mc:Choice xmlns:a14="http://schemas.microsoft.com/office/drawing/2010/main" Requires="a14">
+            <p:sp>
+              <p:nvSpPr>
+                <p:cNvPr id="19" name="TextBox 18">
+                  <a:extLst>
+                    <a:ext uri="{FF2B5EF4-FFF2-40B4-BE49-F238E27FC236}">
+                      <a16:creationId xmlns:a16="http://schemas.microsoft.com/office/drawing/2014/main" id="{86203040-198E-2990-4542-F289B38E31D3}"/>
+                    </a:ext>
+                  </a:extLst>
+                </p:cNvPr>
+                <p:cNvSpPr txBox="1"/>
+                <p:nvPr/>
+              </p:nvSpPr>
+              <p:spPr>
+                <a:xfrm>
+                  <a:off x="6505519" y="3913972"/>
+                  <a:ext cx="1065930" cy="358175"/>
+                </a:xfrm>
+                <a:prstGeom prst="rect">
+                  <a:avLst/>
+                </a:prstGeom>
+                <a:noFill/>
+              </p:spPr>
+              <p:txBody>
+                <a:bodyPr wrap="square" rtlCol="0">
+                  <a:spAutoFit/>
+                </a:bodyPr>
+                <a:lstStyle/>
+                <a:p>
+                  <a:pPr/>
+                  <a14:m>
+                    <m:oMathPara xmlns:m="http://schemas.openxmlformats.org/officeDocument/2006/math">
+                      <m:oMathParaPr>
+                        <m:jc m:val="centerGroup"/>
+                      </m:oMathParaPr>
+                      <m:oMath xmlns:m="http://schemas.openxmlformats.org/officeDocument/2006/math">
+                        <m:f>
+                          <m:fPr>
+                            <m:type m:val="skw"/>
+                            <m:ctrlPr>
+                              <a:rPr lang="en-IN" sz="1500" i="1" smtClean="0">
+                                <a:solidFill>
+                                  <a:srgbClr val="0000FF"/>
+                                </a:solidFill>
+                                <a:latin typeface="Cambria Math" panose="02040503050406030204" pitchFamily="18" charset="0"/>
+                              </a:rPr>
+                            </m:ctrlPr>
+                          </m:fPr>
+                          <m:num>
+                            <m:r>
+                              <a:rPr lang="en-US" sz="1500" b="0" i="1" smtClean="0">
+                                <a:solidFill>
+                                  <a:srgbClr val="0000FF"/>
+                                </a:solidFill>
+                                <a:latin typeface="Cambria Math" panose="02040503050406030204" pitchFamily="18" charset="0"/>
+                              </a:rPr>
+                              <m:t>𝑦</m:t>
+                            </m:r>
+                          </m:num>
+                          <m:den>
+                            <m:r>
+                              <a:rPr lang="en-US" sz="1500" b="0" i="1" smtClean="0">
+                                <a:solidFill>
+                                  <a:srgbClr val="0000FF"/>
+                                </a:solidFill>
+                                <a:latin typeface="Cambria Math" panose="02040503050406030204" pitchFamily="18" charset="0"/>
+                              </a:rPr>
+                              <m:t>𝑥</m:t>
+                            </m:r>
+                          </m:den>
+                        </m:f>
+                      </m:oMath>
+                    </m:oMathPara>
+                  </a14:m>
+                  <a:endParaRPr lang="en-IN" sz="1500" dirty="0"/>
+                </a:p>
+              </p:txBody>
+            </p:sp>
+          </mc:Choice>
+          <mc:Fallback>
+            <p:sp>
+              <p:nvSpPr>
+                <p:cNvPr id="19" name="TextBox 18">
+                  <a:extLst>
+                    <a:ext uri="{FF2B5EF4-FFF2-40B4-BE49-F238E27FC236}">
+                      <a16:creationId xmlns:a16="http://schemas.microsoft.com/office/drawing/2014/main" id="{86203040-198E-2990-4542-F289B38E31D3}"/>
+                    </a:ext>
+                  </a:extLst>
+                </p:cNvPr>
+                <p:cNvSpPr txBox="1">
+                  <a:spLocks noRot="1" noChangeAspect="1" noMove="1" noResize="1" noEditPoints="1" noAdjustHandles="1" noChangeArrowheads="1" noChangeShapeType="1" noTextEdit="1"/>
+                </p:cNvSpPr>
+                <p:nvPr/>
+              </p:nvSpPr>
+              <p:spPr>
+                <a:xfrm>
+                  <a:off x="6505519" y="3913972"/>
+                  <a:ext cx="1065930" cy="358175"/>
+                </a:xfrm>
+                <a:prstGeom prst="rect">
+                  <a:avLst/>
+                </a:prstGeom>
+                <a:blipFill>
+                  <a:blip r:embed="rId2"/>
+                  <a:stretch>
+                    <a:fillRect t="-123729" r="-22414" b="-193220"/>
+                  </a:stretch>
+                </a:blipFill>
+              </p:spPr>
+              <p:txBody>
+                <a:bodyPr/>
+                <a:lstStyle/>
+                <a:p>
+                  <a:r>
+                    <a:rPr lang="en-US">
+                      <a:noFill/>
+                    </a:rPr>
+                    <a:t> </a:t>
+                  </a:r>
+                </a:p>
+              </p:txBody>
+            </p:sp>
+          </mc:Fallback>
+        </mc:AlternateContent>
+        <p:sp>
+          <p:nvSpPr>
+            <p:cNvPr id="20" name="TextBox 19">
+              <a:extLst>
+                <a:ext uri="{FF2B5EF4-FFF2-40B4-BE49-F238E27FC236}">
+                  <a16:creationId xmlns:a16="http://schemas.microsoft.com/office/drawing/2014/main" id="{CEB6363C-D12A-1B25-E087-7B0C8A7843B7}"/>
+                </a:ext>
+              </a:extLst>
+            </p:cNvPr>
+            <p:cNvSpPr txBox="1"/>
+            <p:nvPr/>
+          </p:nvSpPr>
+          <p:spPr>
+            <a:xfrm>
+              <a:off x="2449720" y="4283528"/>
+              <a:ext cx="1544793" cy="784830"/>
+            </a:xfrm>
+            <a:prstGeom prst="rect">
+              <a:avLst/>
+            </a:prstGeom>
+            <a:noFill/>
+          </p:spPr>
+          <p:txBody>
+            <a:bodyPr wrap="square" rtlCol="0">
+              <a:spAutoFit/>
+            </a:bodyPr>
+            <a:lstStyle/>
+            <a:p>
+              <a:r>
+                <a:rPr lang="en-IN" sz="1500" dirty="0">
+                  <a:solidFill>
+                    <a:srgbClr val="FF0000"/>
+                  </a:solidFill>
+                </a:rPr>
+                <a:t>CORDIC cos and sine generator</a:t>
+              </a:r>
+            </a:p>
+          </p:txBody>
+        </p:sp>
+        <p:sp>
+          <p:nvSpPr>
+            <p:cNvPr id="21" name="TextBox 20">
+              <a:extLst>
+                <a:ext uri="{FF2B5EF4-FFF2-40B4-BE49-F238E27FC236}">
+                  <a16:creationId xmlns:a16="http://schemas.microsoft.com/office/drawing/2014/main" id="{58CFCD95-4330-B77B-2828-5D9275A47915}"/>
+                </a:ext>
+              </a:extLst>
+            </p:cNvPr>
+            <p:cNvSpPr txBox="1"/>
+            <p:nvPr/>
+          </p:nvSpPr>
+          <p:spPr>
+            <a:xfrm>
+              <a:off x="5834142" y="4345034"/>
+              <a:ext cx="1260676" cy="784830"/>
+            </a:xfrm>
+            <a:prstGeom prst="rect">
+              <a:avLst/>
+            </a:prstGeom>
+            <a:noFill/>
+          </p:spPr>
+          <p:txBody>
+            <a:bodyPr wrap="square" rtlCol="0">
+              <a:spAutoFit/>
+            </a:bodyPr>
+            <a:lstStyle/>
+            <a:p>
+              <a:r>
+                <a:rPr lang="en-IN" sz="1500" dirty="0">
+                  <a:solidFill>
+                    <a:srgbClr val="FF0000"/>
+                  </a:solidFill>
+                </a:rPr>
+                <a:t>CORDIC Divider Block</a:t>
+              </a:r>
+            </a:p>
+          </p:txBody>
+        </p:sp>
+      </p:grpSp>
+    </p:spTree>
+    <p:extLst>
+      <p:ext uri="{BB962C8B-B14F-4D97-AF65-F5344CB8AC3E}">
+        <p14:creationId xmlns:p14="http://schemas.microsoft.com/office/powerpoint/2010/main" val="755792711"/>
+      </p:ext>
+    </p:extLst>
+  </p:cSld>
+  <p:clrMapOvr>
+    <a:masterClrMapping/>
+  </p:clrMapOvr>
+</p:sld>
+</file>
+
+<file path=ppt/slides/slide11.xml><?xml version="1.0" encoding="utf-8"?>
+<p:sld xmlns:a="http://schemas.openxmlformats.org/drawingml/2006/main" xmlns:r="http://schemas.openxmlformats.org/officeDocument/2006/relationships" xmlns:p="http://schemas.openxmlformats.org/presentationml/2006/main">
+  <p:cSld>
+    <p:spTree>
+      <p:nvGrpSpPr>
+        <p:cNvPr id="1" name=""/>
+        <p:cNvGrpSpPr/>
+        <p:nvPr/>
+      </p:nvGrpSpPr>
+      <p:grpSpPr>
+        <a:xfrm>
+          <a:off x="0" y="0"/>
+          <a:ext cx="0" cy="0"/>
+          <a:chOff x="0" y="0"/>
+          <a:chExt cx="0" cy="0"/>
+        </a:xfrm>
+      </p:grpSpPr>
+      <p:sp>
+        <p:nvSpPr>
+          <p:cNvPr id="2" name="Title 1">
+            <a:extLst>
+              <a:ext uri="{FF2B5EF4-FFF2-40B4-BE49-F238E27FC236}">
                 <a16:creationId xmlns:a16="http://schemas.microsoft.com/office/drawing/2014/main" id="{75F4D34C-CE13-B683-A34A-9C58D429E837}"/>
               </a:ext>
             </a:extLst>
@@ -3607,12 +4955,673 @@
           </a:p>
         </p:txBody>
       </p:sp>
+      <mc:AlternateContent xmlns:mc="http://schemas.openxmlformats.org/markup-compatibility/2006">
+        <mc:Choice xmlns:a14="http://schemas.microsoft.com/office/drawing/2010/main" Requires="a14">
+          <p:sp>
+            <p:nvSpPr>
+              <p:cNvPr id="3" name="Content Placeholder 2">
+                <a:extLst>
+                  <a:ext uri="{FF2B5EF4-FFF2-40B4-BE49-F238E27FC236}">
+                    <a16:creationId xmlns:a16="http://schemas.microsoft.com/office/drawing/2014/main" id="{3B09B9F3-63AB-9481-D2A7-94932015CD24}"/>
+                  </a:ext>
+                </a:extLst>
+              </p:cNvPr>
+              <p:cNvSpPr>
+                <a:spLocks noGrp="1"/>
+              </p:cNvSpPr>
+              <p:nvPr>
+                <p:ph idx="1"/>
+              </p:nvPr>
+            </p:nvSpPr>
+            <p:spPr>
+              <a:xfrm>
+                <a:off x="380130" y="1393371"/>
+                <a:ext cx="8595360" cy="5240893"/>
+              </a:xfrm>
+            </p:spPr>
+            <p:txBody>
+              <a:bodyPr>
+                <a:normAutofit/>
+              </a:bodyPr>
+              <a:lstStyle/>
+              <a:p>
+                <a:r>
+                  <a:rPr lang="en-IN" sz="2000" dirty="0"/>
+                  <a:t>The Cordic division algorithm works by approximating the required result fraction </a:t>
+                </a:r>
+                <a14:m>
+                  <m:oMath xmlns:m="http://schemas.openxmlformats.org/officeDocument/2006/math">
+                    <m:f>
+                      <m:fPr>
+                        <m:ctrlPr>
+                          <a:rPr lang="en-US" sz="2000" b="0" i="1" smtClean="0">
+                            <a:latin typeface="Cambria Math" panose="02040503050406030204" pitchFamily="18" charset="0"/>
+                          </a:rPr>
+                        </m:ctrlPr>
+                      </m:fPr>
+                      <m:num>
+                        <m:r>
+                          <a:rPr lang="en-US" sz="2000" b="0" i="1" smtClean="0">
+                            <a:latin typeface="Cambria Math" panose="02040503050406030204" pitchFamily="18" charset="0"/>
+                          </a:rPr>
+                          <m:t>𝑦</m:t>
+                        </m:r>
+                      </m:num>
+                      <m:den>
+                        <m:r>
+                          <a:rPr lang="en-US" sz="2000" b="0" i="1" smtClean="0">
+                            <a:latin typeface="Cambria Math" panose="02040503050406030204" pitchFamily="18" charset="0"/>
+                          </a:rPr>
+                          <m:t>𝑥</m:t>
+                        </m:r>
+                      </m:den>
+                    </m:f>
+                  </m:oMath>
+                </a14:m>
+                <a:r>
+                  <a:rPr lang="en-IN" sz="2000" dirty="0"/>
+                  <a:t>  as a series sum of  </a:t>
+                </a:r>
+                <a14:m>
+                  <m:oMath xmlns:m="http://schemas.openxmlformats.org/officeDocument/2006/math">
+                    <m:f>
+                      <m:fPr>
+                        <m:ctrlPr>
+                          <a:rPr lang="en-US" sz="2000" b="0" i="1" smtClean="0">
+                            <a:latin typeface="Cambria Math" panose="02040503050406030204" pitchFamily="18" charset="0"/>
+                          </a:rPr>
+                        </m:ctrlPr>
+                      </m:fPr>
+                      <m:num>
+                        <m:r>
+                          <a:rPr lang="en-US" sz="2000" b="0" i="1" smtClean="0">
+                            <a:latin typeface="Cambria Math" panose="02040503050406030204" pitchFamily="18" charset="0"/>
+                          </a:rPr>
+                          <m:t>1</m:t>
+                        </m:r>
+                      </m:num>
+                      <m:den>
+                        <m:sSup>
+                          <m:sSupPr>
+                            <m:ctrlPr>
+                              <a:rPr lang="en-US" sz="2000" b="0" i="1" smtClean="0">
+                                <a:latin typeface="Cambria Math" panose="02040503050406030204" pitchFamily="18" charset="0"/>
+                              </a:rPr>
+                            </m:ctrlPr>
+                          </m:sSupPr>
+                          <m:e>
+                            <m:r>
+                              <a:rPr lang="en-US" sz="2000" b="0" i="1" smtClean="0">
+                                <a:latin typeface="Cambria Math" panose="02040503050406030204" pitchFamily="18" charset="0"/>
+                              </a:rPr>
+                              <m:t>2</m:t>
+                            </m:r>
+                          </m:e>
+                          <m:sup>
+                            <m:r>
+                              <a:rPr lang="en-US" sz="2000" b="0" i="1" smtClean="0">
+                                <a:latin typeface="Cambria Math" panose="02040503050406030204" pitchFamily="18" charset="0"/>
+                              </a:rPr>
+                              <m:t>𝑖</m:t>
+                            </m:r>
+                          </m:sup>
+                        </m:sSup>
+                      </m:den>
+                    </m:f>
+                  </m:oMath>
+                </a14:m>
+                <a:r>
+                  <a:rPr lang="en-IN" sz="2000" dirty="0"/>
+                  <a:t> .  </a:t>
+                </a:r>
+              </a:p>
+              <a:p>
+                <a:r>
+                  <a:rPr lang="en-IN" sz="2000" dirty="0"/>
+                  <a:t>The division result is obtained by using linear rotations in vectoring mode in Cordic where the result is obtained in the following equation</a:t>
+                </a:r>
+              </a:p>
+              <a:p>
+                <a:pPr marL="0" indent="0">
+                  <a:buNone/>
+                </a:pPr>
+                <a:r>
+                  <a:rPr lang="en-IN" sz="2000" dirty="0"/>
+                  <a:t>			</a:t>
+                </a:r>
+                <a14:m>
+                  <m:oMath xmlns:m="http://schemas.openxmlformats.org/officeDocument/2006/math">
+                    <m:sSup>
+                      <m:sSupPr>
+                        <m:ctrlPr>
+                          <a:rPr lang="en-IN" sz="2000" i="1" smtClean="0">
+                            <a:latin typeface="Cambria Math" panose="02040503050406030204" pitchFamily="18" charset="0"/>
+                          </a:rPr>
+                        </m:ctrlPr>
+                      </m:sSupPr>
+                      <m:e>
+                        <m:r>
+                          <a:rPr lang="en-IN" sz="2000" b="0" i="1" smtClean="0">
+                            <a:latin typeface="Cambria Math" panose="02040503050406030204" pitchFamily="18" charset="0"/>
+                          </a:rPr>
+                          <m:t>𝑧</m:t>
+                        </m:r>
+                      </m:e>
+                      <m:sup>
+                        <m:r>
+                          <a:rPr lang="en-IN" sz="2000" b="0" i="1" smtClean="0">
+                            <a:latin typeface="Cambria Math" panose="02040503050406030204" pitchFamily="18" charset="0"/>
+                          </a:rPr>
+                          <m:t>𝑖</m:t>
+                        </m:r>
+                        <m:r>
+                          <a:rPr lang="en-IN" sz="2000" b="0" i="1" smtClean="0">
+                            <a:latin typeface="Cambria Math" panose="02040503050406030204" pitchFamily="18" charset="0"/>
+                          </a:rPr>
+                          <m:t>+1</m:t>
+                        </m:r>
+                      </m:sup>
+                    </m:sSup>
+                  </m:oMath>
+                </a14:m>
+                <a:r>
+                  <a:rPr lang="en-IN" sz="2000" dirty="0"/>
+                  <a:t>   = </a:t>
+                </a:r>
+                <a14:m>
+                  <m:oMath xmlns:m="http://schemas.openxmlformats.org/officeDocument/2006/math">
+                    <m:r>
+                      <a:rPr lang="en-IN" sz="2000" b="0" i="0" smtClean="0">
+                        <a:latin typeface="Cambria Math" panose="02040503050406030204" pitchFamily="18" charset="0"/>
+                      </a:rPr>
+                      <m:t>  </m:t>
+                    </m:r>
+                    <m:sSup>
+                      <m:sSupPr>
+                        <m:ctrlPr>
+                          <a:rPr lang="en-IN" sz="2000" b="0" i="1" smtClean="0">
+                            <a:latin typeface="Cambria Math" panose="02040503050406030204" pitchFamily="18" charset="0"/>
+                          </a:rPr>
+                        </m:ctrlPr>
+                      </m:sSupPr>
+                      <m:e>
+                        <m:r>
+                          <a:rPr lang="en-IN" sz="2000" b="0" i="1" smtClean="0">
+                            <a:latin typeface="Cambria Math" panose="02040503050406030204" pitchFamily="18" charset="0"/>
+                          </a:rPr>
+                          <m:t>𝑧</m:t>
+                        </m:r>
+                      </m:e>
+                      <m:sup>
+                        <m:r>
+                          <a:rPr lang="en-IN" sz="2000" b="0" i="1" smtClean="0">
+                            <a:latin typeface="Cambria Math" panose="02040503050406030204" pitchFamily="18" charset="0"/>
+                          </a:rPr>
+                          <m:t>𝑖</m:t>
+                        </m:r>
+                      </m:sup>
+                    </m:sSup>
+                  </m:oMath>
+                </a14:m>
+                <a:r>
+                  <a:rPr lang="en-IN" sz="2000" dirty="0"/>
+                  <a:t>  -  </a:t>
+                </a:r>
+                <a14:m>
+                  <m:oMath xmlns:m="http://schemas.openxmlformats.org/officeDocument/2006/math">
+                    <m:sSub>
+                      <m:sSubPr>
+                        <m:ctrlPr>
+                          <a:rPr lang="en-IN" sz="2000" i="1" smtClean="0">
+                            <a:latin typeface="Cambria Math" panose="02040503050406030204" pitchFamily="18" charset="0"/>
+                          </a:rPr>
+                        </m:ctrlPr>
+                      </m:sSubPr>
+                      <m:e>
+                        <m:r>
+                          <a:rPr lang="en-IN" sz="2000" b="0" i="1" smtClean="0">
+                            <a:latin typeface="Cambria Math" panose="02040503050406030204" pitchFamily="18" charset="0"/>
+                          </a:rPr>
+                          <m:t>𝑑</m:t>
+                        </m:r>
+                      </m:e>
+                      <m:sub>
+                        <m:r>
+                          <a:rPr lang="en-IN" sz="2000" b="0" i="1" smtClean="0">
+                            <a:latin typeface="Cambria Math" panose="02040503050406030204" pitchFamily="18" charset="0"/>
+                          </a:rPr>
+                          <m:t>𝑖</m:t>
+                        </m:r>
+                      </m:sub>
+                    </m:sSub>
+                  </m:oMath>
+                </a14:m>
+                <a:r>
+                  <a:rPr lang="en-IN" sz="2000" dirty="0"/>
+                  <a:t> (</a:t>
+                </a:r>
+                <a14:m>
+                  <m:oMath xmlns:m="http://schemas.openxmlformats.org/officeDocument/2006/math">
+                    <m:sSup>
+                      <m:sSupPr>
+                        <m:ctrlPr>
+                          <a:rPr lang="en-IN" sz="2000" i="1">
+                            <a:latin typeface="Cambria Math" panose="02040503050406030204" pitchFamily="18" charset="0"/>
+                          </a:rPr>
+                        </m:ctrlPr>
+                      </m:sSupPr>
+                      <m:e>
+                        <m:r>
+                          <a:rPr lang="en-US" sz="2000" b="0" i="1" smtClean="0">
+                            <a:latin typeface="Cambria Math" panose="02040503050406030204" pitchFamily="18" charset="0"/>
+                          </a:rPr>
+                          <m:t>2</m:t>
+                        </m:r>
+                      </m:e>
+                      <m:sup>
+                        <m:r>
+                          <a:rPr lang="en-US" sz="2000" b="0" i="1" smtClean="0">
+                            <a:latin typeface="Cambria Math" panose="02040503050406030204" pitchFamily="18" charset="0"/>
+                          </a:rPr>
+                          <m:t>−</m:t>
+                        </m:r>
+                        <m:r>
+                          <a:rPr lang="en-IN" sz="2000" i="1">
+                            <a:latin typeface="Cambria Math" panose="02040503050406030204" pitchFamily="18" charset="0"/>
+                          </a:rPr>
+                          <m:t>𝑖</m:t>
+                        </m:r>
+                      </m:sup>
+                    </m:sSup>
+                    <m:r>
+                      <a:rPr lang="en-IN" sz="2000" b="0" i="1" smtClean="0">
+                        <a:latin typeface="Cambria Math" panose="02040503050406030204" pitchFamily="18" charset="0"/>
+                      </a:rPr>
+                      <m:t>)</m:t>
+                    </m:r>
+                  </m:oMath>
+                </a14:m>
+                <a:endParaRPr lang="en-IN" sz="2000" dirty="0"/>
+              </a:p>
+              <a:p>
+                <a:r>
+                  <a:rPr lang="en-IN" sz="2000" dirty="0"/>
+                  <a:t>The initial value </a:t>
+                </a:r>
+                <a14:m>
+                  <m:oMath xmlns:m="http://schemas.openxmlformats.org/officeDocument/2006/math">
+                    <m:sSup>
+                      <m:sSupPr>
+                        <m:ctrlPr>
+                          <a:rPr lang="en-US" sz="2000" b="0" i="1" smtClean="0">
+                            <a:latin typeface="Cambria Math" panose="02040503050406030204" pitchFamily="18" charset="0"/>
+                          </a:rPr>
+                        </m:ctrlPr>
+                      </m:sSupPr>
+                      <m:e>
+                        <m:r>
+                          <a:rPr lang="en-US" sz="2000" b="0" i="1" smtClean="0">
+                            <a:latin typeface="Cambria Math" panose="02040503050406030204" pitchFamily="18" charset="0"/>
+                          </a:rPr>
+                          <m:t>𝑧</m:t>
+                        </m:r>
+                      </m:e>
+                      <m:sup>
+                        <m:r>
+                          <a:rPr lang="en-US" sz="2000" b="0" i="1" smtClean="0">
+                            <a:latin typeface="Cambria Math" panose="02040503050406030204" pitchFamily="18" charset="0"/>
+                          </a:rPr>
+                          <m:t>0</m:t>
+                        </m:r>
+                      </m:sup>
+                    </m:sSup>
+                  </m:oMath>
+                </a14:m>
+                <a:r>
+                  <a:rPr lang="en-IN" sz="2000" dirty="0"/>
+                  <a:t> = 0. </a:t>
+                </a:r>
+                <a14:m>
+                  <m:oMath xmlns:m="http://schemas.openxmlformats.org/officeDocument/2006/math">
+                    <m:sSub>
+                      <m:sSubPr>
+                        <m:ctrlPr>
+                          <a:rPr lang="en-US" sz="2000" b="0" i="1" smtClean="0">
+                            <a:latin typeface="Cambria Math" panose="02040503050406030204" pitchFamily="18" charset="0"/>
+                          </a:rPr>
+                        </m:ctrlPr>
+                      </m:sSubPr>
+                      <m:e>
+                        <m:r>
+                          <a:rPr lang="en-US" sz="2000" b="0" i="1" smtClean="0">
+                            <a:latin typeface="Cambria Math" panose="02040503050406030204" pitchFamily="18" charset="0"/>
+                          </a:rPr>
+                          <m:t>𝑑</m:t>
+                        </m:r>
+                      </m:e>
+                      <m:sub>
+                        <m:r>
+                          <a:rPr lang="en-US" sz="2000" b="0" i="1" smtClean="0">
+                            <a:latin typeface="Cambria Math" panose="02040503050406030204" pitchFamily="18" charset="0"/>
+                          </a:rPr>
+                          <m:t>0</m:t>
+                        </m:r>
+                      </m:sub>
+                    </m:sSub>
+                    <m:r>
+                      <a:rPr lang="en-US" sz="2000" b="0" i="1" smtClean="0">
+                        <a:latin typeface="Cambria Math" panose="02040503050406030204" pitchFamily="18" charset="0"/>
+                      </a:rPr>
+                      <m:t>= ±1</m:t>
+                    </m:r>
+                  </m:oMath>
+                </a14:m>
+                <a:r>
+                  <a:rPr lang="en-IN" sz="2000" dirty="0"/>
+                  <a:t> (depending on </a:t>
+                </a:r>
+                <a14:m>
+                  <m:oMath xmlns:m="http://schemas.openxmlformats.org/officeDocument/2006/math">
+                    <m:sSup>
+                      <m:sSupPr>
+                        <m:ctrlPr>
+                          <a:rPr lang="en-US" sz="2000" b="0" i="1" smtClean="0">
+                            <a:latin typeface="Cambria Math" panose="02040503050406030204" pitchFamily="18" charset="0"/>
+                          </a:rPr>
+                        </m:ctrlPr>
+                      </m:sSupPr>
+                      <m:e>
+                        <m:r>
+                          <a:rPr lang="en-US" sz="2000" b="0" i="1" smtClean="0">
+                            <a:latin typeface="Cambria Math" panose="02040503050406030204" pitchFamily="18" charset="0"/>
+                          </a:rPr>
+                          <m:t>𝑥</m:t>
+                        </m:r>
+                      </m:e>
+                      <m:sup>
+                        <m:r>
+                          <a:rPr lang="en-US" sz="2000" b="0" i="1" smtClean="0">
+                            <a:latin typeface="Cambria Math" panose="02040503050406030204" pitchFamily="18" charset="0"/>
+                          </a:rPr>
+                          <m:t>0</m:t>
+                        </m:r>
+                      </m:sup>
+                    </m:sSup>
+                    <m:r>
+                      <a:rPr lang="en-US" sz="2000" b="0" i="1" smtClean="0">
+                        <a:latin typeface="Cambria Math" panose="02040503050406030204" pitchFamily="18" charset="0"/>
+                      </a:rPr>
+                      <m:t> &amp; </m:t>
+                    </m:r>
+                    <m:sSup>
+                      <m:sSupPr>
+                        <m:ctrlPr>
+                          <a:rPr lang="en-US" sz="2000" b="0" i="1" smtClean="0">
+                            <a:latin typeface="Cambria Math" panose="02040503050406030204" pitchFamily="18" charset="0"/>
+                          </a:rPr>
+                        </m:ctrlPr>
+                      </m:sSupPr>
+                      <m:e>
+                        <m:r>
+                          <a:rPr lang="en-US" sz="2000" b="0" i="1" smtClean="0">
+                            <a:latin typeface="Cambria Math" panose="02040503050406030204" pitchFamily="18" charset="0"/>
+                          </a:rPr>
+                          <m:t>𝑦</m:t>
+                        </m:r>
+                      </m:e>
+                      <m:sup>
+                        <m:r>
+                          <a:rPr lang="en-US" sz="2000" b="0" i="1" smtClean="0">
+                            <a:latin typeface="Cambria Math" panose="02040503050406030204" pitchFamily="18" charset="0"/>
+                          </a:rPr>
+                          <m:t>0</m:t>
+                        </m:r>
+                      </m:sup>
+                    </m:sSup>
+                  </m:oMath>
+                </a14:m>
+                <a:r>
+                  <a:rPr lang="en-IN" sz="2000" dirty="0"/>
+                  <a:t>)</a:t>
+                </a:r>
+              </a:p>
+              <a:p>
+                <a:r>
+                  <a:rPr lang="en-IN" sz="2000" dirty="0"/>
+                  <a:t>This is a geometric series with initial value a = 1 and the ratio r = ½.</a:t>
+                </a:r>
+              </a:p>
+              <a:p>
+                <a:pPr marL="0" indent="0">
+                  <a:buNone/>
+                </a:pPr>
+                <a:r>
+                  <a:rPr lang="en-US" sz="2000" b="0" dirty="0"/>
+                  <a:t>				</a:t>
+                </a:r>
+                <a14:m>
+                  <m:oMath xmlns:m="http://schemas.openxmlformats.org/officeDocument/2006/math">
+                    <m:nary>
+                      <m:naryPr>
+                        <m:chr m:val="∑"/>
+                        <m:ctrlPr>
+                          <a:rPr lang="en-US" sz="2000" b="0" i="1" smtClean="0">
+                            <a:latin typeface="Cambria Math" panose="02040503050406030204" pitchFamily="18" charset="0"/>
+                          </a:rPr>
+                        </m:ctrlPr>
+                      </m:naryPr>
+                      <m:sub>
+                        <m:r>
+                          <m:rPr>
+                            <m:brk m:alnAt="23"/>
+                          </m:rPr>
+                          <a:rPr lang="en-US" sz="2000" b="0" i="1" smtClean="0">
+                            <a:latin typeface="Cambria Math" panose="02040503050406030204" pitchFamily="18" charset="0"/>
+                          </a:rPr>
+                          <m:t>𝑖</m:t>
+                        </m:r>
+                        <m:r>
+                          <a:rPr lang="en-US" sz="2000" b="0" i="1" smtClean="0">
+                            <a:latin typeface="Cambria Math" panose="02040503050406030204" pitchFamily="18" charset="0"/>
+                          </a:rPr>
+                          <m:t>=0</m:t>
+                        </m:r>
+                      </m:sub>
+                      <m:sup>
+                        <m:r>
+                          <a:rPr lang="en-US" sz="2000" b="0" i="1" smtClean="0">
+                            <a:latin typeface="Cambria Math" panose="02040503050406030204" pitchFamily="18" charset="0"/>
+                            <a:ea typeface="Cambria Math" panose="02040503050406030204" pitchFamily="18" charset="0"/>
+                          </a:rPr>
+                          <m:t>∞</m:t>
+                        </m:r>
+                      </m:sup>
+                      <m:e>
+                        <m:f>
+                          <m:fPr>
+                            <m:ctrlPr>
+                              <a:rPr lang="en-US" sz="2000" i="1">
+                                <a:latin typeface="Cambria Math" panose="02040503050406030204" pitchFamily="18" charset="0"/>
+                              </a:rPr>
+                            </m:ctrlPr>
+                          </m:fPr>
+                          <m:num>
+                            <m:r>
+                              <a:rPr lang="en-US" sz="2000" i="1">
+                                <a:latin typeface="Cambria Math" panose="02040503050406030204" pitchFamily="18" charset="0"/>
+                              </a:rPr>
+                              <m:t>1</m:t>
+                            </m:r>
+                          </m:num>
+                          <m:den>
+                            <m:sSup>
+                              <m:sSupPr>
+                                <m:ctrlPr>
+                                  <a:rPr lang="en-US" sz="2000" i="1">
+                                    <a:latin typeface="Cambria Math" panose="02040503050406030204" pitchFamily="18" charset="0"/>
+                                  </a:rPr>
+                                </m:ctrlPr>
+                              </m:sSupPr>
+                              <m:e>
+                                <m:r>
+                                  <a:rPr lang="en-US" sz="2000" i="1">
+                                    <a:latin typeface="Cambria Math" panose="02040503050406030204" pitchFamily="18" charset="0"/>
+                                  </a:rPr>
+                                  <m:t>2</m:t>
+                                </m:r>
+                              </m:e>
+                              <m:sup>
+                                <m:r>
+                                  <a:rPr lang="en-US" sz="2000" i="1">
+                                    <a:latin typeface="Cambria Math" panose="02040503050406030204" pitchFamily="18" charset="0"/>
+                                  </a:rPr>
+                                  <m:t>𝑖</m:t>
+                                </m:r>
+                              </m:sup>
+                            </m:sSup>
+                          </m:den>
+                        </m:f>
+                      </m:e>
+                    </m:nary>
+                    <m:r>
+                      <a:rPr lang="en-US" sz="2000" b="0" i="1" smtClean="0">
+                        <a:latin typeface="Cambria Math" panose="02040503050406030204" pitchFamily="18" charset="0"/>
+                      </a:rPr>
+                      <m:t>=2</m:t>
+                    </m:r>
+                  </m:oMath>
+                </a14:m>
+                <a:r>
+                  <a:rPr lang="en-IN" sz="2000" dirty="0"/>
+                  <a:t> </a:t>
+                </a:r>
+              </a:p>
+              <a:p>
+                <a:r>
+                  <a:rPr lang="en-IN" sz="2000" dirty="0"/>
+                  <a:t>The Series z converges to </a:t>
+                </a:r>
+                <a14:m>
+                  <m:oMath xmlns:m="http://schemas.openxmlformats.org/officeDocument/2006/math">
+                    <m:r>
+                      <a:rPr lang="en-US" sz="2000" b="0" i="1" smtClean="0">
+                        <a:latin typeface="Cambria Math" panose="02040503050406030204" pitchFamily="18" charset="0"/>
+                      </a:rPr>
+                      <m:t>±</m:t>
+                    </m:r>
+                  </m:oMath>
+                </a14:m>
+                <a:r>
+                  <a:rPr lang="en-IN" sz="2000" dirty="0"/>
+                  <a:t>2 as the maximum and minimum values.</a:t>
+                </a:r>
+              </a:p>
+              <a:p>
+                <a:r>
+                  <a:rPr lang="en-IN" sz="2000" dirty="0"/>
+                  <a:t>Tan function was implemented using Cordic division, hence the results were accurate up to </a:t>
+                </a:r>
+                <a14:m>
+                  <m:oMath xmlns:m="http://schemas.openxmlformats.org/officeDocument/2006/math">
+                    <m:r>
+                      <a:rPr lang="en-US" sz="2000" b="0" i="1" smtClean="0">
+                        <a:latin typeface="Cambria Math" panose="02040503050406030204" pitchFamily="18" charset="0"/>
+                      </a:rPr>
+                      <m:t>±2</m:t>
+                    </m:r>
+                  </m:oMath>
+                </a14:m>
+                <a:r>
+                  <a:rPr lang="en-IN" sz="2000" dirty="0"/>
+                  <a:t>.</a:t>
+                </a:r>
+              </a:p>
+              <a:p>
+                <a:endParaRPr lang="en-IN" sz="2000" dirty="0"/>
+              </a:p>
+            </p:txBody>
+          </p:sp>
+        </mc:Choice>
+        <mc:Fallback>
+          <p:sp>
+            <p:nvSpPr>
+              <p:cNvPr id="3" name="Content Placeholder 2">
+                <a:extLst>
+                  <a:ext uri="{FF2B5EF4-FFF2-40B4-BE49-F238E27FC236}">
+                    <a16:creationId xmlns:a16="http://schemas.microsoft.com/office/drawing/2014/main" id="{3B09B9F3-63AB-9481-D2A7-94932015CD24}"/>
+                  </a:ext>
+                </a:extLst>
+              </p:cNvPr>
+              <p:cNvSpPr>
+                <a:spLocks noGrp="1" noRot="1" noChangeAspect="1" noMove="1" noResize="1" noEditPoints="1" noAdjustHandles="1" noChangeArrowheads="1" noChangeShapeType="1" noTextEdit="1"/>
+              </p:cNvSpPr>
+              <p:nvPr>
+                <p:ph idx="1"/>
+              </p:nvPr>
+            </p:nvSpPr>
+            <p:spPr>
+              <a:xfrm>
+                <a:off x="380130" y="1393371"/>
+                <a:ext cx="8595360" cy="5240893"/>
+              </a:xfrm>
+              <a:blipFill>
+                <a:blip r:embed="rId2"/>
+                <a:stretch>
+                  <a:fillRect l="-284" t="-931" r="-213"/>
+                </a:stretch>
+              </a:blipFill>
+            </p:spPr>
+            <p:txBody>
+              <a:bodyPr/>
+              <a:lstStyle/>
+              <a:p>
+                <a:r>
+                  <a:rPr lang="en-US">
+                    <a:noFill/>
+                  </a:rPr>
+                  <a:t> </a:t>
+                </a:r>
+              </a:p>
+            </p:txBody>
+          </p:sp>
+        </mc:Fallback>
+      </mc:AlternateContent>
+    </p:spTree>
+    <p:extLst>
+      <p:ext uri="{BB962C8B-B14F-4D97-AF65-F5344CB8AC3E}">
+        <p14:creationId xmlns:p14="http://schemas.microsoft.com/office/powerpoint/2010/main" val="813091005"/>
+      </p:ext>
+    </p:extLst>
+  </p:cSld>
+  <p:clrMapOvr>
+    <a:masterClrMapping/>
+  </p:clrMapOvr>
+</p:sld>
+</file>
+
+<file path=ppt/slides/slide12.xml><?xml version="1.0" encoding="utf-8"?>
+<p:sld xmlns:a="http://schemas.openxmlformats.org/drawingml/2006/main" xmlns:r="http://schemas.openxmlformats.org/officeDocument/2006/relationships" xmlns:p="http://schemas.openxmlformats.org/presentationml/2006/main">
+  <p:cSld>
+    <p:spTree>
+      <p:nvGrpSpPr>
+        <p:cNvPr id="1" name=""/>
+        <p:cNvGrpSpPr/>
+        <p:nvPr/>
+      </p:nvGrpSpPr>
+      <p:grpSpPr>
+        <a:xfrm>
+          <a:off x="0" y="0"/>
+          <a:ext cx="0" cy="0"/>
+          <a:chOff x="0" y="0"/>
+          <a:chExt cx="0" cy="0"/>
+        </a:xfrm>
+      </p:grpSpPr>
       <p:sp>
         <p:nvSpPr>
-          <p:cNvPr id="3" name="Content Placeholder 2">
+          <p:cNvPr id="2" name="Title 1">
             <a:extLst>
               <a:ext uri="{FF2B5EF4-FFF2-40B4-BE49-F238E27FC236}">
-                <a16:creationId xmlns:a16="http://schemas.microsoft.com/office/drawing/2014/main" id="{3B09B9F3-63AB-9481-D2A7-94932015CD24}"/>
+                <a16:creationId xmlns:a16="http://schemas.microsoft.com/office/drawing/2014/main" id="{14C7C36D-E760-3784-4E95-76B41644FEF5}"/>
               </a:ext>
             </a:extLst>
           </p:cNvPr>
@@ -3620,27 +5629,3357 @@
             <a:spLocks noGrp="1"/>
           </p:cNvSpPr>
           <p:nvPr>
+            <p:ph type="title"/>
+          </p:nvPr>
+        </p:nvSpPr>
+        <p:spPr/>
+        <p:txBody>
+          <a:bodyPr/>
+          <a:lstStyle/>
+          <a:p>
+            <a:r>
+              <a:rPr lang="en-US" dirty="0"/>
+              <a:t>Tan simulation waveform</a:t>
+            </a:r>
+          </a:p>
+        </p:txBody>
+      </p:sp>
+      <p:pic>
+        <p:nvPicPr>
+          <p:cNvPr id="5" name="Content Placeholder 4" descr="A screen shot of a graph&#10;&#10;Description automatically generated">
+            <a:extLst>
+              <a:ext uri="{FF2B5EF4-FFF2-40B4-BE49-F238E27FC236}">
+                <a16:creationId xmlns:a16="http://schemas.microsoft.com/office/drawing/2014/main" id="{39DD60D7-CC36-AA99-7042-DFCC03750BAD}"/>
+              </a:ext>
+            </a:extLst>
+          </p:cNvPr>
+          <p:cNvPicPr>
+            <a:picLocks noGrp="1" noChangeAspect="1"/>
+          </p:cNvPicPr>
+          <p:nvPr>
             <p:ph idx="1"/>
           </p:nvPr>
+        </p:nvPicPr>
+        <p:blipFill>
+          <a:blip r:embed="rId2">
+            <a:extLst>
+              <a:ext uri="{28A0092B-C50C-407E-A947-70E740481C1C}">
+                <a14:useLocalDpi xmlns:a14="http://schemas.microsoft.com/office/drawing/2010/main" val="0"/>
+              </a:ext>
+            </a:extLst>
+          </a:blip>
+          <a:stretch>
+            <a:fillRect/>
+          </a:stretch>
+        </p:blipFill>
+        <p:spPr>
+          <a:xfrm>
+            <a:off x="1001752" y="4362856"/>
+            <a:ext cx="9252778" cy="1996450"/>
+          </a:xfrm>
+        </p:spPr>
+      </p:pic>
+      <p:pic>
+        <p:nvPicPr>
+          <p:cNvPr id="8" name="Picture 7">
+            <a:extLst>
+              <a:ext uri="{FF2B5EF4-FFF2-40B4-BE49-F238E27FC236}">
+                <a16:creationId xmlns:a16="http://schemas.microsoft.com/office/drawing/2014/main" id="{CADDD07E-2E6D-5924-BFFD-6DFA385F9A58}"/>
+              </a:ext>
+            </a:extLst>
+          </p:cNvPr>
+          <p:cNvPicPr>
+            <a:picLocks noChangeAspect="1"/>
+          </p:cNvPicPr>
+          <p:nvPr/>
+        </p:nvPicPr>
+        <p:blipFill rotWithShape="1">
+          <a:blip r:embed="rId3"/>
+          <a:srcRect t="10905"/>
+          <a:stretch/>
+        </p:blipFill>
+        <p:spPr>
+          <a:xfrm>
+            <a:off x="3269589" y="1560191"/>
+            <a:ext cx="3958348" cy="2235876"/>
+          </a:xfrm>
+          <a:prstGeom prst="rect">
+            <a:avLst/>
+          </a:prstGeom>
+        </p:spPr>
+      </p:pic>
+      <p:sp>
+        <p:nvSpPr>
+          <p:cNvPr id="9" name="TextBox 8">
+            <a:extLst>
+              <a:ext uri="{FF2B5EF4-FFF2-40B4-BE49-F238E27FC236}">
+                <a16:creationId xmlns:a16="http://schemas.microsoft.com/office/drawing/2014/main" id="{D3E59879-E395-8BE9-3ECA-367FD3767218}"/>
+              </a:ext>
+            </a:extLst>
+          </p:cNvPr>
+          <p:cNvSpPr txBox="1"/>
+          <p:nvPr/>
         </p:nvSpPr>
         <p:spPr>
           <a:xfrm>
-            <a:off x="380130" y="1393371"/>
-            <a:ext cx="8595360" cy="4351337"/>
+            <a:off x="1001752" y="1848578"/>
+            <a:ext cx="2052536" cy="369332"/>
           </a:xfrm>
+          <a:prstGeom prst="rect">
+            <a:avLst/>
+          </a:prstGeom>
+          <a:noFill/>
         </p:spPr>
         <p:txBody>
-          <a:bodyPr/>
+          <a:bodyPr wrap="square" rtlCol="0">
+            <a:spAutoFit/>
+          </a:bodyPr>
           <a:lstStyle/>
           <a:p>
-            <a:endParaRPr lang="en-IN" dirty="0"/>
+            <a:r>
+              <a:rPr lang="en-US" dirty="0"/>
+              <a:t>Expected:</a:t>
+            </a:r>
+          </a:p>
+        </p:txBody>
+      </p:sp>
+      <p:sp>
+        <p:nvSpPr>
+          <p:cNvPr id="10" name="TextBox 9">
+            <a:extLst>
+              <a:ext uri="{FF2B5EF4-FFF2-40B4-BE49-F238E27FC236}">
+                <a16:creationId xmlns:a16="http://schemas.microsoft.com/office/drawing/2014/main" id="{5691C2CE-4EAF-2ECF-4EAF-571D43832ED5}"/>
+              </a:ext>
+            </a:extLst>
+          </p:cNvPr>
+          <p:cNvSpPr txBox="1"/>
+          <p:nvPr/>
+        </p:nvSpPr>
+        <p:spPr>
+          <a:xfrm>
+            <a:off x="1001752" y="3796067"/>
+            <a:ext cx="3122776" cy="369332"/>
+          </a:xfrm>
+          <a:prstGeom prst="rect">
+            <a:avLst/>
+          </a:prstGeom>
+          <a:noFill/>
+        </p:spPr>
+        <p:txBody>
+          <a:bodyPr wrap="square" rtlCol="0">
+            <a:spAutoFit/>
+          </a:bodyPr>
+          <a:lstStyle/>
+          <a:p>
+            <a:r>
+              <a:rPr lang="en-US" dirty="0"/>
+              <a:t>Simulation Result:</a:t>
+            </a:r>
           </a:p>
         </p:txBody>
       </p:sp>
     </p:spTree>
     <p:extLst>
       <p:ext uri="{BB962C8B-B14F-4D97-AF65-F5344CB8AC3E}">
-        <p14:creationId xmlns:p14="http://schemas.microsoft.com/office/powerpoint/2010/main" val="813091005"/>
+        <p14:creationId xmlns:p14="http://schemas.microsoft.com/office/powerpoint/2010/main" val="4055469462"/>
+      </p:ext>
+    </p:extLst>
+  </p:cSld>
+  <p:clrMapOvr>
+    <a:masterClrMapping/>
+  </p:clrMapOvr>
+</p:sld>
+</file>
+
+<file path=ppt/slides/slide13.xml><?xml version="1.0" encoding="utf-8"?>
+<p:sld xmlns:a="http://schemas.openxmlformats.org/drawingml/2006/main" xmlns:r="http://schemas.openxmlformats.org/officeDocument/2006/relationships" xmlns:p="http://schemas.openxmlformats.org/presentationml/2006/main">
+  <p:cSld>
+    <p:spTree>
+      <p:nvGrpSpPr>
+        <p:cNvPr id="1" name=""/>
+        <p:cNvGrpSpPr/>
+        <p:nvPr/>
+      </p:nvGrpSpPr>
+      <p:grpSpPr>
+        <a:xfrm>
+          <a:off x="0" y="0"/>
+          <a:ext cx="0" cy="0"/>
+          <a:chOff x="0" y="0"/>
+          <a:chExt cx="0" cy="0"/>
+        </a:xfrm>
+      </p:grpSpPr>
+      <p:sp>
+        <p:nvSpPr>
+          <p:cNvPr id="2" name="Title 1">
+            <a:extLst>
+              <a:ext uri="{FF2B5EF4-FFF2-40B4-BE49-F238E27FC236}">
+                <a16:creationId xmlns:a16="http://schemas.microsoft.com/office/drawing/2014/main" id="{5A16308F-3562-97BB-D6E7-1416BD670D61}"/>
+              </a:ext>
+            </a:extLst>
+          </p:cNvPr>
+          <p:cNvSpPr>
+            <a:spLocks noGrp="1"/>
+          </p:cNvSpPr>
+          <p:nvPr>
+            <p:ph type="title"/>
+          </p:nvPr>
+        </p:nvSpPr>
+        <p:spPr/>
+        <p:txBody>
+          <a:bodyPr/>
+          <a:lstStyle/>
+          <a:p>
+            <a:r>
+              <a:rPr lang="en-US" dirty="0"/>
+              <a:t>Tan function on oscilloscope </a:t>
+            </a:r>
+          </a:p>
+        </p:txBody>
+      </p:sp>
+      <p:pic>
+        <p:nvPicPr>
+          <p:cNvPr id="9" name="Content Placeholder 8" descr="A blue line on a black background&#10;&#10;Description automatically generated">
+            <a:extLst>
+              <a:ext uri="{FF2B5EF4-FFF2-40B4-BE49-F238E27FC236}">
+                <a16:creationId xmlns:a16="http://schemas.microsoft.com/office/drawing/2014/main" id="{C61DB086-7F61-0554-34F6-EE489B5C5A3D}"/>
+              </a:ext>
+            </a:extLst>
+          </p:cNvPr>
+          <p:cNvPicPr>
+            <a:picLocks noGrp="1" noChangeAspect="1"/>
+          </p:cNvPicPr>
+          <p:nvPr>
+            <p:ph idx="1"/>
+          </p:nvPr>
+        </p:nvPicPr>
+        <p:blipFill>
+          <a:blip r:embed="rId2">
+            <a:extLst>
+              <a:ext uri="{28A0092B-C50C-407E-A947-70E740481C1C}">
+                <a14:useLocalDpi xmlns:a14="http://schemas.microsoft.com/office/drawing/2010/main" val="0"/>
+              </a:ext>
+            </a:extLst>
+          </a:blip>
+          <a:stretch>
+            <a:fillRect/>
+          </a:stretch>
+        </p:blipFill>
+        <p:spPr>
+          <a:xfrm>
+            <a:off x="1065361" y="2553093"/>
+            <a:ext cx="9897878" cy="2059099"/>
+          </a:xfrm>
+        </p:spPr>
+      </p:pic>
+    </p:spTree>
+    <p:extLst>
+      <p:ext uri="{BB962C8B-B14F-4D97-AF65-F5344CB8AC3E}">
+        <p14:creationId xmlns:p14="http://schemas.microsoft.com/office/powerpoint/2010/main" val="893496642"/>
+      </p:ext>
+    </p:extLst>
+  </p:cSld>
+  <p:clrMapOvr>
+    <a:masterClrMapping/>
+  </p:clrMapOvr>
+</p:sld>
+</file>
+
+<file path=ppt/slides/slide14.xml><?xml version="1.0" encoding="utf-8"?>
+<p:sld xmlns:a="http://schemas.openxmlformats.org/drawingml/2006/main" xmlns:r="http://schemas.openxmlformats.org/officeDocument/2006/relationships" xmlns:p="http://schemas.openxmlformats.org/presentationml/2006/main">
+  <p:cSld>
+    <p:spTree>
+      <p:nvGrpSpPr>
+        <p:cNvPr id="1" name=""/>
+        <p:cNvGrpSpPr/>
+        <p:nvPr/>
+      </p:nvGrpSpPr>
+      <p:grpSpPr>
+        <a:xfrm>
+          <a:off x="0" y="0"/>
+          <a:ext cx="0" cy="0"/>
+          <a:chOff x="0" y="0"/>
+          <a:chExt cx="0" cy="0"/>
+        </a:xfrm>
+      </p:grpSpPr>
+      <p:sp>
+        <p:nvSpPr>
+          <p:cNvPr id="2" name="Title 1">
+            <a:extLst>
+              <a:ext uri="{FF2B5EF4-FFF2-40B4-BE49-F238E27FC236}">
+                <a16:creationId xmlns:a16="http://schemas.microsoft.com/office/drawing/2014/main" id="{BF360D97-CB5C-F68B-062F-7009B2E5EF2C}"/>
+              </a:ext>
+            </a:extLst>
+          </p:cNvPr>
+          <p:cNvSpPr>
+            <a:spLocks noGrp="1"/>
+          </p:cNvSpPr>
+          <p:nvPr>
+            <p:ph type="title"/>
+          </p:nvPr>
+        </p:nvSpPr>
+        <p:spPr/>
+        <p:txBody>
+          <a:bodyPr/>
+          <a:lstStyle/>
+          <a:p>
+            <a:r>
+              <a:rPr lang="en-US" dirty="0"/>
+              <a:t>Timing results: Tan function </a:t>
+            </a:r>
+          </a:p>
+        </p:txBody>
+      </p:sp>
+      <p:pic>
+        <p:nvPicPr>
+          <p:cNvPr id="5" name="Content Placeholder 4" descr="A screenshot of a computer&#10;&#10;Description automatically generated">
+            <a:extLst>
+              <a:ext uri="{FF2B5EF4-FFF2-40B4-BE49-F238E27FC236}">
+                <a16:creationId xmlns:a16="http://schemas.microsoft.com/office/drawing/2014/main" id="{4F8904F3-4C08-0D57-F83E-081BE74637FF}"/>
+              </a:ext>
+            </a:extLst>
+          </p:cNvPr>
+          <p:cNvPicPr>
+            <a:picLocks noGrp="1" noChangeAspect="1"/>
+          </p:cNvPicPr>
+          <p:nvPr>
+            <p:ph idx="1"/>
+          </p:nvPr>
+        </p:nvPicPr>
+        <p:blipFill>
+          <a:blip r:embed="rId2">
+            <a:extLst>
+              <a:ext uri="{28A0092B-C50C-407E-A947-70E740481C1C}">
+                <a14:useLocalDpi xmlns:a14="http://schemas.microsoft.com/office/drawing/2010/main" val="0"/>
+              </a:ext>
+            </a:extLst>
+          </a:blip>
+          <a:stretch>
+            <a:fillRect/>
+          </a:stretch>
+        </p:blipFill>
+        <p:spPr>
+          <a:xfrm>
+            <a:off x="850952" y="1810551"/>
+            <a:ext cx="9957645" cy="2051330"/>
+          </a:xfrm>
+        </p:spPr>
+      </p:pic>
+      <p:sp>
+        <p:nvSpPr>
+          <p:cNvPr id="6" name="TextBox 5">
+            <a:extLst>
+              <a:ext uri="{FF2B5EF4-FFF2-40B4-BE49-F238E27FC236}">
+                <a16:creationId xmlns:a16="http://schemas.microsoft.com/office/drawing/2014/main" id="{E48145B3-CAC4-8137-76B9-322EFE7C7A88}"/>
+              </a:ext>
+            </a:extLst>
+          </p:cNvPr>
+          <p:cNvSpPr txBox="1"/>
+          <p:nvPr/>
+        </p:nvSpPr>
+        <p:spPr>
+          <a:xfrm>
+            <a:off x="963038" y="4786009"/>
+            <a:ext cx="9698477" cy="1200329"/>
+          </a:xfrm>
+          <a:prstGeom prst="rect">
+            <a:avLst/>
+          </a:prstGeom>
+          <a:noFill/>
+        </p:spPr>
+        <p:txBody>
+          <a:bodyPr wrap="square" rtlCol="0">
+            <a:spAutoFit/>
+          </a:bodyPr>
+          <a:lstStyle/>
+          <a:p>
+            <a:pPr marL="285750" indent="-285750">
+              <a:buFont typeface="Arial" panose="020B0604020202020204" pitchFamily="34" charset="0"/>
+              <a:buChar char="•"/>
+            </a:pPr>
+            <a:r>
+              <a:rPr lang="en-US" sz="2400" dirty="0"/>
+              <a:t>Similar to sin and cos implementation, the 10ns clock is used to generate the slower clock signal clk2 for sending the values to the DAC at a slower frequency.</a:t>
+            </a:r>
+          </a:p>
+        </p:txBody>
+      </p:sp>
+    </p:spTree>
+    <p:extLst>
+      <p:ext uri="{BB962C8B-B14F-4D97-AF65-F5344CB8AC3E}">
+        <p14:creationId xmlns:p14="http://schemas.microsoft.com/office/powerpoint/2010/main" val="2256853002"/>
+      </p:ext>
+    </p:extLst>
+  </p:cSld>
+  <p:clrMapOvr>
+    <a:masterClrMapping/>
+  </p:clrMapOvr>
+</p:sld>
+</file>
+
+<file path=ppt/slides/slide15.xml><?xml version="1.0" encoding="utf-8"?>
+<p:sld xmlns:a="http://schemas.openxmlformats.org/drawingml/2006/main" xmlns:r="http://schemas.openxmlformats.org/officeDocument/2006/relationships" xmlns:p="http://schemas.openxmlformats.org/presentationml/2006/main">
+  <p:cSld>
+    <p:spTree>
+      <p:nvGrpSpPr>
+        <p:cNvPr id="1" name=""/>
+        <p:cNvGrpSpPr/>
+        <p:nvPr/>
+      </p:nvGrpSpPr>
+      <p:grpSpPr>
+        <a:xfrm>
+          <a:off x="0" y="0"/>
+          <a:ext cx="0" cy="0"/>
+          <a:chOff x="0" y="0"/>
+          <a:chExt cx="0" cy="0"/>
+        </a:xfrm>
+      </p:grpSpPr>
+      <mc:AlternateContent xmlns:mc="http://schemas.openxmlformats.org/markup-compatibility/2006">
+        <mc:Choice xmlns:a14="http://schemas.microsoft.com/office/drawing/2010/main" Requires="a14">
+          <p:sp>
+            <p:nvSpPr>
+              <p:cNvPr id="2" name="Title 1">
+                <a:extLst>
+                  <a:ext uri="{FF2B5EF4-FFF2-40B4-BE49-F238E27FC236}">
+                    <a16:creationId xmlns:a16="http://schemas.microsoft.com/office/drawing/2014/main" id="{4EF7DB5F-CF7C-2152-6E72-D6564F2BF8DC}"/>
+                  </a:ext>
+                </a:extLst>
+              </p:cNvPr>
+              <p:cNvSpPr>
+                <a:spLocks noGrp="1"/>
+              </p:cNvSpPr>
+              <p:nvPr>
+                <p:ph type="title"/>
+              </p:nvPr>
+            </p:nvSpPr>
+            <p:spPr/>
+            <p:txBody>
+              <a:bodyPr/>
+              <a:lstStyle/>
+              <a:p>
+                <a14:m>
+                  <m:oMath xmlns:m="http://schemas.openxmlformats.org/officeDocument/2006/math">
+                    <m:r>
+                      <a:rPr lang="en-US" b="0" i="1" smtClean="0">
+                        <a:latin typeface="Cambria Math" panose="02040503050406030204" pitchFamily="18" charset="0"/>
+                      </a:rPr>
+                      <m:t>𝑇𝑎</m:t>
+                    </m:r>
+                    <m:sSup>
+                      <m:sSupPr>
+                        <m:ctrlPr>
+                          <a:rPr lang="en-US" b="0" i="1" smtClean="0">
+                            <a:latin typeface="Cambria Math" panose="02040503050406030204" pitchFamily="18" charset="0"/>
+                          </a:rPr>
+                        </m:ctrlPr>
+                      </m:sSupPr>
+                      <m:e>
+                        <m:r>
+                          <a:rPr lang="en-US" b="0" i="1" smtClean="0">
+                            <a:latin typeface="Cambria Math" panose="02040503050406030204" pitchFamily="18" charset="0"/>
+                          </a:rPr>
+                          <m:t>𝑛</m:t>
+                        </m:r>
+                      </m:e>
+                      <m:sup>
+                        <m:r>
+                          <a:rPr lang="en-US" b="0" i="1" smtClean="0">
+                            <a:latin typeface="Cambria Math" panose="02040503050406030204" pitchFamily="18" charset="0"/>
+                          </a:rPr>
+                          <m:t>−1</m:t>
+                        </m:r>
+                      </m:sup>
+                    </m:sSup>
+                    <m:r>
+                      <a:rPr lang="en-US" b="0" i="1" smtClean="0">
+                        <a:latin typeface="Cambria Math" panose="02040503050406030204" pitchFamily="18" charset="0"/>
+                      </a:rPr>
+                      <m:t>(</m:t>
+                    </m:r>
+                    <m:r>
+                      <a:rPr lang="en-US" b="0" i="1" smtClean="0">
+                        <a:latin typeface="Cambria Math" panose="02040503050406030204" pitchFamily="18" charset="0"/>
+                      </a:rPr>
+                      <m:t>𝑦</m:t>
+                    </m:r>
+                    <m:r>
+                      <a:rPr lang="en-US" b="0" i="1" smtClean="0">
+                        <a:latin typeface="Cambria Math" panose="02040503050406030204" pitchFamily="18" charset="0"/>
+                      </a:rPr>
+                      <m:t>)</m:t>
+                    </m:r>
+                  </m:oMath>
+                </a14:m>
+                <a:r>
+                  <a:rPr lang="en-US" dirty="0"/>
+                  <a:t> function</a:t>
+                </a:r>
+              </a:p>
+            </p:txBody>
+          </p:sp>
+        </mc:Choice>
+        <mc:Fallback>
+          <p:sp>
+            <p:nvSpPr>
+              <p:cNvPr id="2" name="Title 1">
+                <a:extLst>
+                  <a:ext uri="{FF2B5EF4-FFF2-40B4-BE49-F238E27FC236}">
+                    <a16:creationId xmlns:a16="http://schemas.microsoft.com/office/drawing/2014/main" id="{4EF7DB5F-CF7C-2152-6E72-D6564F2BF8DC}"/>
+                  </a:ext>
+                </a:extLst>
+              </p:cNvPr>
+              <p:cNvSpPr>
+                <a:spLocks noGrp="1" noRot="1" noChangeAspect="1" noMove="1" noResize="1" noEditPoints="1" noAdjustHandles="1" noChangeArrowheads="1" noChangeShapeType="1" noTextEdit="1"/>
+              </p:cNvSpPr>
+              <p:nvPr>
+                <p:ph type="title"/>
+              </p:nvPr>
+            </p:nvSpPr>
+            <p:spPr>
+              <a:blipFill>
+                <a:blip r:embed="rId2"/>
+                <a:stretch>
+                  <a:fillRect b="-22120"/>
+                </a:stretch>
+              </a:blipFill>
+            </p:spPr>
+            <p:txBody>
+              <a:bodyPr/>
+              <a:lstStyle/>
+              <a:p>
+                <a:r>
+                  <a:rPr lang="en-US">
+                    <a:noFill/>
+                  </a:rPr>
+                  <a:t> </a:t>
+                </a:r>
+              </a:p>
+            </p:txBody>
+          </p:sp>
+        </mc:Fallback>
+      </mc:AlternateContent>
+      <mc:AlternateContent xmlns:mc="http://schemas.openxmlformats.org/markup-compatibility/2006">
+        <mc:Choice xmlns:a14="http://schemas.microsoft.com/office/drawing/2010/main" Requires="a14">
+          <p:sp>
+            <p:nvSpPr>
+              <p:cNvPr id="3" name="Content Placeholder 2">
+                <a:extLst>
+                  <a:ext uri="{FF2B5EF4-FFF2-40B4-BE49-F238E27FC236}">
+                    <a16:creationId xmlns:a16="http://schemas.microsoft.com/office/drawing/2014/main" id="{48AA4E78-9AC0-71A0-80F4-89BCF183E7C5}"/>
+                  </a:ext>
+                </a:extLst>
+              </p:cNvPr>
+              <p:cNvSpPr>
+                <a:spLocks noGrp="1"/>
+              </p:cNvSpPr>
+              <p:nvPr>
+                <p:ph idx="1"/>
+              </p:nvPr>
+            </p:nvSpPr>
+            <p:spPr>
+              <a:xfrm>
+                <a:off x="1261872" y="1828800"/>
+                <a:ext cx="8595360" cy="4805464"/>
+              </a:xfrm>
+            </p:spPr>
+            <p:txBody>
+              <a:bodyPr>
+                <a:noAutofit/>
+              </a:bodyPr>
+              <a:lstStyle/>
+              <a:p>
+                <a14:m>
+                  <m:oMath xmlns:m="http://schemas.openxmlformats.org/officeDocument/2006/math">
+                    <m:r>
+                      <a:rPr lang="en-US" b="0" i="1" smtClean="0">
+                        <a:latin typeface="Cambria Math" panose="02040503050406030204" pitchFamily="18" charset="0"/>
+                      </a:rPr>
+                      <m:t>𝑇𝑎</m:t>
+                    </m:r>
+                    <m:sSup>
+                      <m:sSupPr>
+                        <m:ctrlPr>
+                          <a:rPr lang="en-US" b="0" i="1" smtClean="0">
+                            <a:latin typeface="Cambria Math" panose="02040503050406030204" pitchFamily="18" charset="0"/>
+                          </a:rPr>
+                        </m:ctrlPr>
+                      </m:sSupPr>
+                      <m:e>
+                        <m:r>
+                          <a:rPr lang="en-US" b="0" i="1" smtClean="0">
+                            <a:latin typeface="Cambria Math" panose="02040503050406030204" pitchFamily="18" charset="0"/>
+                          </a:rPr>
+                          <m:t>𝑛</m:t>
+                        </m:r>
+                      </m:e>
+                      <m:sup>
+                        <m:r>
+                          <a:rPr lang="en-US" b="0" i="1" smtClean="0">
+                            <a:latin typeface="Cambria Math" panose="02040503050406030204" pitchFamily="18" charset="0"/>
+                          </a:rPr>
+                          <m:t>−1</m:t>
+                        </m:r>
+                      </m:sup>
+                    </m:sSup>
+                    <m:r>
+                      <a:rPr lang="en-US" b="0" i="1" smtClean="0">
+                        <a:latin typeface="Cambria Math" panose="02040503050406030204" pitchFamily="18" charset="0"/>
+                      </a:rPr>
+                      <m:t>(</m:t>
+                    </m:r>
+                    <m:r>
+                      <a:rPr lang="en-US" b="0" i="1" smtClean="0">
+                        <a:latin typeface="Cambria Math" panose="02040503050406030204" pitchFamily="18" charset="0"/>
+                      </a:rPr>
+                      <m:t>𝑦</m:t>
+                    </m:r>
+                    <m:r>
+                      <a:rPr lang="en-US" b="0" i="1" smtClean="0">
+                        <a:latin typeface="Cambria Math" panose="02040503050406030204" pitchFamily="18" charset="0"/>
+                      </a:rPr>
+                      <m:t>)</m:t>
+                    </m:r>
+                  </m:oMath>
+                </a14:m>
+                <a:r>
+                  <a:rPr lang="en-US" dirty="0"/>
+                  <a:t> function is evaluated using circular rotation in vectoring mode in Cordic algorithm.</a:t>
+                </a:r>
+              </a:p>
+              <a:p>
+                <a:r>
+                  <a:rPr lang="en-US" dirty="0"/>
+                  <a:t>Initially x set to 1. </a:t>
+                </a:r>
+              </a:p>
+              <a:p>
+                <a:r>
+                  <a:rPr lang="en-US" dirty="0"/>
+                  <a:t>After 10-12 iterations the y value converges to 0 and the z value converges to the </a:t>
+                </a:r>
+                <a14:m>
+                  <m:oMath xmlns:m="http://schemas.openxmlformats.org/officeDocument/2006/math">
+                    <m:func>
+                      <m:funcPr>
+                        <m:ctrlPr>
+                          <a:rPr lang="en-US" b="0" i="1" smtClean="0">
+                            <a:latin typeface="Cambria Math" panose="02040503050406030204" pitchFamily="18" charset="0"/>
+                          </a:rPr>
+                        </m:ctrlPr>
+                      </m:funcPr>
+                      <m:fName>
+                        <m:sSup>
+                          <m:sSupPr>
+                            <m:ctrlPr>
+                              <a:rPr lang="en-US" b="0" i="1" smtClean="0">
+                                <a:latin typeface="Cambria Math" panose="02040503050406030204" pitchFamily="18" charset="0"/>
+                              </a:rPr>
+                            </m:ctrlPr>
+                          </m:sSupPr>
+                          <m:e>
+                            <m:r>
+                              <m:rPr>
+                                <m:sty m:val="p"/>
+                              </m:rPr>
+                              <a:rPr lang="en-US" b="0" i="0" smtClean="0">
+                                <a:latin typeface="Cambria Math" panose="02040503050406030204" pitchFamily="18" charset="0"/>
+                              </a:rPr>
+                              <m:t>tan</m:t>
+                            </m:r>
+                          </m:e>
+                          <m:sup>
+                            <m:r>
+                              <a:rPr lang="en-US" b="0" i="1" smtClean="0">
+                                <a:latin typeface="Cambria Math" panose="02040503050406030204" pitchFamily="18" charset="0"/>
+                              </a:rPr>
+                              <m:t>−1</m:t>
+                            </m:r>
+                          </m:sup>
+                        </m:sSup>
+                      </m:fName>
+                      <m:e>
+                        <m:r>
+                          <a:rPr lang="en-US" b="0" i="1" smtClean="0">
+                            <a:latin typeface="Cambria Math" panose="02040503050406030204" pitchFamily="18" charset="0"/>
+                          </a:rPr>
+                          <m:t>𝑦</m:t>
+                        </m:r>
+                      </m:e>
+                    </m:func>
+                  </m:oMath>
+                </a14:m>
+                <a:r>
+                  <a:rPr lang="en-US" dirty="0"/>
+                  <a:t>.</a:t>
+                </a:r>
+              </a:p>
+              <a:p>
+                <a:endParaRPr lang="en-US" dirty="0"/>
+              </a:p>
+              <a:p>
+                <a:endParaRPr lang="en-US" dirty="0"/>
+              </a:p>
+              <a:p>
+                <a:endParaRPr lang="en-US" dirty="0"/>
+              </a:p>
+              <a:p>
+                <a:endParaRPr lang="en-US" dirty="0"/>
+              </a:p>
+              <a:p>
+                <a:pPr marL="0" indent="0">
+                  <a:buNone/>
+                </a:pPr>
+                <a:endParaRPr lang="en-US" dirty="0"/>
+              </a:p>
+              <a:p>
+                <a:r>
+                  <a:rPr lang="en-US" dirty="0"/>
+                  <a:t>Input format(simulation) : 16 bits for integer part and 4 bits for fractional part</a:t>
+                </a:r>
+              </a:p>
+              <a:p>
+                <a:endParaRPr lang="en-US" dirty="0"/>
+              </a:p>
+            </p:txBody>
+          </p:sp>
+        </mc:Choice>
+        <mc:Fallback>
+          <p:sp>
+            <p:nvSpPr>
+              <p:cNvPr id="3" name="Content Placeholder 2">
+                <a:extLst>
+                  <a:ext uri="{FF2B5EF4-FFF2-40B4-BE49-F238E27FC236}">
+                    <a16:creationId xmlns:a16="http://schemas.microsoft.com/office/drawing/2014/main" id="{48AA4E78-9AC0-71A0-80F4-89BCF183E7C5}"/>
+                  </a:ext>
+                </a:extLst>
+              </p:cNvPr>
+              <p:cNvSpPr>
+                <a:spLocks noGrp="1" noRot="1" noChangeAspect="1" noMove="1" noResize="1" noEditPoints="1" noAdjustHandles="1" noChangeArrowheads="1" noChangeShapeType="1" noTextEdit="1"/>
+              </p:cNvSpPr>
+              <p:nvPr>
+                <p:ph idx="1"/>
+              </p:nvPr>
+            </p:nvSpPr>
+            <p:spPr>
+              <a:xfrm>
+                <a:off x="1261872" y="1828800"/>
+                <a:ext cx="8595360" cy="4805464"/>
+              </a:xfrm>
+              <a:blipFill>
+                <a:blip r:embed="rId3"/>
+                <a:stretch>
+                  <a:fillRect l="-142" t="-1015" r="-1135" b="-2919"/>
+                </a:stretch>
+              </a:blipFill>
+            </p:spPr>
+            <p:txBody>
+              <a:bodyPr/>
+              <a:lstStyle/>
+              <a:p>
+                <a:r>
+                  <a:rPr lang="en-US">
+                    <a:noFill/>
+                  </a:rPr>
+                  <a:t> </a:t>
+                </a:r>
+              </a:p>
+            </p:txBody>
+          </p:sp>
+        </mc:Fallback>
+      </mc:AlternateContent>
+      <p:grpSp>
+        <p:nvGrpSpPr>
+          <p:cNvPr id="22" name="Group 21">
+            <a:extLst>
+              <a:ext uri="{FF2B5EF4-FFF2-40B4-BE49-F238E27FC236}">
+                <a16:creationId xmlns:a16="http://schemas.microsoft.com/office/drawing/2014/main" id="{8916B02A-9E5A-C101-DDDC-B19BDDCFB0BE}"/>
+              </a:ext>
+            </a:extLst>
+          </p:cNvPr>
+          <p:cNvGrpSpPr/>
+          <p:nvPr/>
+        </p:nvGrpSpPr>
+        <p:grpSpPr>
+          <a:xfrm>
+            <a:off x="3258766" y="3750080"/>
+            <a:ext cx="4426085" cy="1997243"/>
+            <a:chOff x="1021404" y="4273610"/>
+            <a:chExt cx="4426085" cy="1997243"/>
+          </a:xfrm>
+        </p:grpSpPr>
+        <p:sp>
+          <p:nvSpPr>
+            <p:cNvPr id="4" name="Rectangle 3">
+              <a:extLst>
+                <a:ext uri="{FF2B5EF4-FFF2-40B4-BE49-F238E27FC236}">
+                  <a16:creationId xmlns:a16="http://schemas.microsoft.com/office/drawing/2014/main" id="{9FBA5568-05BC-2595-D242-43C143A1983D}"/>
+                </a:ext>
+              </a:extLst>
+            </p:cNvPr>
+            <p:cNvSpPr/>
+            <p:nvPr/>
+          </p:nvSpPr>
+          <p:spPr>
+            <a:xfrm>
+              <a:off x="2120630" y="4273610"/>
+              <a:ext cx="1605064" cy="1997243"/>
+            </a:xfrm>
+            <a:prstGeom prst="rect">
+              <a:avLst/>
+            </a:prstGeom>
+            <a:ln>
+              <a:solidFill>
+                <a:schemeClr val="tx1"/>
+              </a:solidFill>
+            </a:ln>
+          </p:spPr>
+          <p:style>
+            <a:lnRef idx="2">
+              <a:schemeClr val="accent6"/>
+            </a:lnRef>
+            <a:fillRef idx="1">
+              <a:schemeClr val="lt1"/>
+            </a:fillRef>
+            <a:effectRef idx="0">
+              <a:schemeClr val="accent6"/>
+            </a:effectRef>
+            <a:fontRef idx="minor">
+              <a:schemeClr val="dk1"/>
+            </a:fontRef>
+          </p:style>
+          <p:txBody>
+            <a:bodyPr rtlCol="0" anchor="ctr"/>
+            <a:lstStyle/>
+            <a:p>
+              <a:pPr algn="ctr"/>
+              <a:endParaRPr lang="en-US"/>
+            </a:p>
+          </p:txBody>
+        </p:sp>
+        <p:sp>
+          <p:nvSpPr>
+            <p:cNvPr id="5" name="TextBox 4">
+              <a:extLst>
+                <a:ext uri="{FF2B5EF4-FFF2-40B4-BE49-F238E27FC236}">
+                  <a16:creationId xmlns:a16="http://schemas.microsoft.com/office/drawing/2014/main" id="{25834DAC-FD03-6350-A108-1FF6BEDD2AFE}"/>
+                </a:ext>
+              </a:extLst>
+            </p:cNvPr>
+            <p:cNvSpPr txBox="1"/>
+            <p:nvPr/>
+          </p:nvSpPr>
+          <p:spPr>
+            <a:xfrm>
+              <a:off x="2422187" y="5087566"/>
+              <a:ext cx="1303507" cy="369332"/>
+            </a:xfrm>
+            <a:prstGeom prst="rect">
+              <a:avLst/>
+            </a:prstGeom>
+            <a:noFill/>
+          </p:spPr>
+          <p:txBody>
+            <a:bodyPr wrap="square" rtlCol="0">
+              <a:spAutoFit/>
+            </a:bodyPr>
+            <a:lstStyle/>
+            <a:p>
+              <a:r>
+                <a:rPr lang="en-US" dirty="0"/>
+                <a:t>Cordic</a:t>
+              </a:r>
+            </a:p>
+          </p:txBody>
+        </p:sp>
+        <p:cxnSp>
+          <p:nvCxnSpPr>
+            <p:cNvPr id="7" name="Straight Arrow Connector 6">
+              <a:extLst>
+                <a:ext uri="{FF2B5EF4-FFF2-40B4-BE49-F238E27FC236}">
+                  <a16:creationId xmlns:a16="http://schemas.microsoft.com/office/drawing/2014/main" id="{CE2DADEF-6EDF-B290-B5B7-6E01B710E13F}"/>
+                </a:ext>
+              </a:extLst>
+            </p:cNvPr>
+            <p:cNvCxnSpPr/>
+            <p:nvPr/>
+          </p:nvCxnSpPr>
+          <p:spPr>
+            <a:xfrm>
+              <a:off x="1507787" y="4513634"/>
+              <a:ext cx="612843" cy="0"/>
+            </a:xfrm>
+            <a:prstGeom prst="straightConnector1">
+              <a:avLst/>
+            </a:prstGeom>
+            <a:ln>
+              <a:tailEnd type="triangle"/>
+            </a:ln>
+          </p:spPr>
+          <p:style>
+            <a:lnRef idx="1">
+              <a:schemeClr val="dk1"/>
+            </a:lnRef>
+            <a:fillRef idx="0">
+              <a:schemeClr val="dk1"/>
+            </a:fillRef>
+            <a:effectRef idx="0">
+              <a:schemeClr val="dk1"/>
+            </a:effectRef>
+            <a:fontRef idx="minor">
+              <a:schemeClr val="tx1"/>
+            </a:fontRef>
+          </p:style>
+        </p:cxnSp>
+        <p:cxnSp>
+          <p:nvCxnSpPr>
+            <p:cNvPr id="10" name="Straight Arrow Connector 9">
+              <a:extLst>
+                <a:ext uri="{FF2B5EF4-FFF2-40B4-BE49-F238E27FC236}">
+                  <a16:creationId xmlns:a16="http://schemas.microsoft.com/office/drawing/2014/main" id="{75750A7C-0A4F-3DC6-BCB7-F5B15691C086}"/>
+                </a:ext>
+              </a:extLst>
+            </p:cNvPr>
+            <p:cNvCxnSpPr/>
+            <p:nvPr/>
+          </p:nvCxnSpPr>
+          <p:spPr>
+            <a:xfrm>
+              <a:off x="1499680" y="5239805"/>
+              <a:ext cx="612843" cy="0"/>
+            </a:xfrm>
+            <a:prstGeom prst="straightConnector1">
+              <a:avLst/>
+            </a:prstGeom>
+            <a:ln>
+              <a:tailEnd type="triangle"/>
+            </a:ln>
+          </p:spPr>
+          <p:style>
+            <a:lnRef idx="1">
+              <a:schemeClr val="dk1"/>
+            </a:lnRef>
+            <a:fillRef idx="0">
+              <a:schemeClr val="dk1"/>
+            </a:fillRef>
+            <a:effectRef idx="0">
+              <a:schemeClr val="dk1"/>
+            </a:effectRef>
+            <a:fontRef idx="minor">
+              <a:schemeClr val="tx1"/>
+            </a:fontRef>
+          </p:style>
+        </p:cxnSp>
+        <p:cxnSp>
+          <p:nvCxnSpPr>
+            <p:cNvPr id="11" name="Straight Arrow Connector 10">
+              <a:extLst>
+                <a:ext uri="{FF2B5EF4-FFF2-40B4-BE49-F238E27FC236}">
+                  <a16:creationId xmlns:a16="http://schemas.microsoft.com/office/drawing/2014/main" id="{3FEEDF1A-823F-2E90-D651-82453F6A2CB6}"/>
+                </a:ext>
+              </a:extLst>
+            </p:cNvPr>
+            <p:cNvCxnSpPr/>
+            <p:nvPr/>
+          </p:nvCxnSpPr>
+          <p:spPr>
+            <a:xfrm>
+              <a:off x="1499679" y="5969540"/>
+              <a:ext cx="612843" cy="0"/>
+            </a:xfrm>
+            <a:prstGeom prst="straightConnector1">
+              <a:avLst/>
+            </a:prstGeom>
+            <a:ln>
+              <a:tailEnd type="triangle"/>
+            </a:ln>
+          </p:spPr>
+          <p:style>
+            <a:lnRef idx="1">
+              <a:schemeClr val="dk1"/>
+            </a:lnRef>
+            <a:fillRef idx="0">
+              <a:schemeClr val="dk1"/>
+            </a:fillRef>
+            <a:effectRef idx="0">
+              <a:schemeClr val="dk1"/>
+            </a:effectRef>
+            <a:fontRef idx="minor">
+              <a:schemeClr val="tx1"/>
+            </a:fontRef>
+          </p:style>
+        </p:cxnSp>
+        <p:cxnSp>
+          <p:nvCxnSpPr>
+            <p:cNvPr id="13" name="Straight Arrow Connector 12">
+              <a:extLst>
+                <a:ext uri="{FF2B5EF4-FFF2-40B4-BE49-F238E27FC236}">
+                  <a16:creationId xmlns:a16="http://schemas.microsoft.com/office/drawing/2014/main" id="{3879491A-1B84-CBAC-2421-DD85700D5360}"/>
+                </a:ext>
+              </a:extLst>
+            </p:cNvPr>
+            <p:cNvCxnSpPr/>
+            <p:nvPr/>
+          </p:nvCxnSpPr>
+          <p:spPr>
+            <a:xfrm>
+              <a:off x="3725693" y="5969540"/>
+              <a:ext cx="612843" cy="0"/>
+            </a:xfrm>
+            <a:prstGeom prst="straightConnector1">
+              <a:avLst/>
+            </a:prstGeom>
+            <a:ln>
+              <a:tailEnd type="triangle"/>
+            </a:ln>
+          </p:spPr>
+          <p:style>
+            <a:lnRef idx="1">
+              <a:schemeClr val="dk1"/>
+            </a:lnRef>
+            <a:fillRef idx="0">
+              <a:schemeClr val="dk1"/>
+            </a:fillRef>
+            <a:effectRef idx="0">
+              <a:schemeClr val="dk1"/>
+            </a:effectRef>
+            <a:fontRef idx="minor">
+              <a:schemeClr val="tx1"/>
+            </a:fontRef>
+          </p:style>
+        </p:cxnSp>
+        <p:cxnSp>
+          <p:nvCxnSpPr>
+            <p:cNvPr id="14" name="Straight Arrow Connector 13">
+              <a:extLst>
+                <a:ext uri="{FF2B5EF4-FFF2-40B4-BE49-F238E27FC236}">
+                  <a16:creationId xmlns:a16="http://schemas.microsoft.com/office/drawing/2014/main" id="{A2ECC17F-723E-A5EE-79E9-204705963BE5}"/>
+                </a:ext>
+              </a:extLst>
+            </p:cNvPr>
+            <p:cNvCxnSpPr/>
+            <p:nvPr/>
+          </p:nvCxnSpPr>
+          <p:spPr>
+            <a:xfrm>
+              <a:off x="3725693" y="5236562"/>
+              <a:ext cx="612843" cy="0"/>
+            </a:xfrm>
+            <a:prstGeom prst="straightConnector1">
+              <a:avLst/>
+            </a:prstGeom>
+            <a:ln>
+              <a:tailEnd type="triangle"/>
+            </a:ln>
+          </p:spPr>
+          <p:style>
+            <a:lnRef idx="1">
+              <a:schemeClr val="dk1"/>
+            </a:lnRef>
+            <a:fillRef idx="0">
+              <a:schemeClr val="dk1"/>
+            </a:fillRef>
+            <a:effectRef idx="0">
+              <a:schemeClr val="dk1"/>
+            </a:effectRef>
+            <a:fontRef idx="minor">
+              <a:schemeClr val="tx1"/>
+            </a:fontRef>
+          </p:style>
+        </p:cxnSp>
+        <p:sp>
+          <p:nvSpPr>
+            <p:cNvPr id="15" name="TextBox 14">
+              <a:extLst>
+                <a:ext uri="{FF2B5EF4-FFF2-40B4-BE49-F238E27FC236}">
+                  <a16:creationId xmlns:a16="http://schemas.microsoft.com/office/drawing/2014/main" id="{8775BD77-3E04-AA8E-62BF-9C1382B10E38}"/>
+                </a:ext>
+              </a:extLst>
+            </p:cNvPr>
+            <p:cNvSpPr txBox="1"/>
+            <p:nvPr/>
+          </p:nvSpPr>
+          <p:spPr>
+            <a:xfrm>
+              <a:off x="1032752" y="4318856"/>
+              <a:ext cx="486383" cy="369332"/>
+            </a:xfrm>
+            <a:prstGeom prst="rect">
+              <a:avLst/>
+            </a:prstGeom>
+            <a:noFill/>
+          </p:spPr>
+          <p:txBody>
+            <a:bodyPr wrap="square" rtlCol="0">
+              <a:spAutoFit/>
+            </a:bodyPr>
+            <a:lstStyle/>
+            <a:p>
+              <a:r>
+                <a:rPr lang="en-US" dirty="0"/>
+                <a:t>x</a:t>
+              </a:r>
+            </a:p>
+          </p:txBody>
+        </p:sp>
+        <p:sp>
+          <p:nvSpPr>
+            <p:cNvPr id="16" name="TextBox 15">
+              <a:extLst>
+                <a:ext uri="{FF2B5EF4-FFF2-40B4-BE49-F238E27FC236}">
+                  <a16:creationId xmlns:a16="http://schemas.microsoft.com/office/drawing/2014/main" id="{A12EF718-F23F-1937-9B7A-677A95AD6CCA}"/>
+                </a:ext>
+              </a:extLst>
+            </p:cNvPr>
+            <p:cNvSpPr txBox="1"/>
+            <p:nvPr/>
+          </p:nvSpPr>
+          <p:spPr>
+            <a:xfrm>
+              <a:off x="1021404" y="5087566"/>
+              <a:ext cx="486383" cy="369332"/>
+            </a:xfrm>
+            <a:prstGeom prst="rect">
+              <a:avLst/>
+            </a:prstGeom>
+            <a:noFill/>
+          </p:spPr>
+          <p:txBody>
+            <a:bodyPr wrap="square" rtlCol="0">
+              <a:spAutoFit/>
+            </a:bodyPr>
+            <a:lstStyle/>
+            <a:p>
+              <a:r>
+                <a:rPr lang="en-US" dirty="0"/>
+                <a:t>y</a:t>
+              </a:r>
+            </a:p>
+          </p:txBody>
+        </p:sp>
+        <p:sp>
+          <p:nvSpPr>
+            <p:cNvPr id="17" name="TextBox 16">
+              <a:extLst>
+                <a:ext uri="{FF2B5EF4-FFF2-40B4-BE49-F238E27FC236}">
+                  <a16:creationId xmlns:a16="http://schemas.microsoft.com/office/drawing/2014/main" id="{4EDEA11B-E2E1-4DDA-0159-787C5DD4E560}"/>
+                </a:ext>
+              </a:extLst>
+            </p:cNvPr>
+            <p:cNvSpPr txBox="1"/>
+            <p:nvPr/>
+          </p:nvSpPr>
+          <p:spPr>
+            <a:xfrm>
+              <a:off x="1031942" y="5703886"/>
+              <a:ext cx="204281" cy="369331"/>
+            </a:xfrm>
+            <a:prstGeom prst="rect">
+              <a:avLst/>
+            </a:prstGeom>
+            <a:noFill/>
+          </p:spPr>
+          <p:txBody>
+            <a:bodyPr wrap="square" rtlCol="0">
+              <a:spAutoFit/>
+            </a:bodyPr>
+            <a:lstStyle/>
+            <a:p>
+              <a:r>
+                <a:rPr lang="en-US" dirty="0"/>
+                <a:t>z</a:t>
+              </a:r>
+            </a:p>
+          </p:txBody>
+        </p:sp>
+        <p:sp>
+          <p:nvSpPr>
+            <p:cNvPr id="20" name="TextBox 19">
+              <a:extLst>
+                <a:ext uri="{FF2B5EF4-FFF2-40B4-BE49-F238E27FC236}">
+                  <a16:creationId xmlns:a16="http://schemas.microsoft.com/office/drawing/2014/main" id="{76EFDCE6-9603-41D5-1687-56B76FD3F9B1}"/>
+                </a:ext>
+              </a:extLst>
+            </p:cNvPr>
+            <p:cNvSpPr txBox="1"/>
+            <p:nvPr/>
+          </p:nvSpPr>
+          <p:spPr>
+            <a:xfrm>
+              <a:off x="4338537" y="5060718"/>
+              <a:ext cx="389106" cy="369332"/>
+            </a:xfrm>
+            <a:prstGeom prst="rect">
+              <a:avLst/>
+            </a:prstGeom>
+            <a:noFill/>
+          </p:spPr>
+          <p:txBody>
+            <a:bodyPr wrap="square" rtlCol="0">
+              <a:spAutoFit/>
+            </a:bodyPr>
+            <a:lstStyle/>
+            <a:p>
+              <a:r>
+                <a:rPr lang="en-US" dirty="0"/>
+                <a:t>0</a:t>
+              </a:r>
+            </a:p>
+          </p:txBody>
+        </p:sp>
+        <mc:AlternateContent xmlns:mc="http://schemas.openxmlformats.org/markup-compatibility/2006">
+          <mc:Choice xmlns:a14="http://schemas.microsoft.com/office/drawing/2010/main" Requires="a14">
+            <p:sp>
+              <p:nvSpPr>
+                <p:cNvPr id="21" name="TextBox 20">
+                  <a:extLst>
+                    <a:ext uri="{FF2B5EF4-FFF2-40B4-BE49-F238E27FC236}">
+                      <a16:creationId xmlns:a16="http://schemas.microsoft.com/office/drawing/2014/main" id="{48456DBA-74E9-21B0-F374-0EDDCD759B18}"/>
+                    </a:ext>
+                  </a:extLst>
+                </p:cNvPr>
+                <p:cNvSpPr txBox="1"/>
+                <p:nvPr/>
+              </p:nvSpPr>
+              <p:spPr>
+                <a:xfrm>
+                  <a:off x="4338536" y="5651061"/>
+                  <a:ext cx="1108953" cy="566630"/>
+                </a:xfrm>
+                <a:prstGeom prst="rect">
+                  <a:avLst/>
+                </a:prstGeom>
+                <a:noFill/>
+              </p:spPr>
+              <p:txBody>
+                <a:bodyPr wrap="square" rtlCol="0">
+                  <a:spAutoFit/>
+                </a:bodyPr>
+                <a:lstStyle/>
+                <a:p>
+                  <a14:m>
+                    <m:oMathPara xmlns:m="http://schemas.openxmlformats.org/officeDocument/2006/math">
+                      <m:oMathParaPr>
+                        <m:jc m:val="centerGroup"/>
+                      </m:oMathParaPr>
+                      <m:oMath xmlns:m="http://schemas.openxmlformats.org/officeDocument/2006/math">
+                        <m:func>
+                          <m:funcPr>
+                            <m:ctrlPr>
+                              <a:rPr lang="en-US" b="0" i="1" smtClean="0">
+                                <a:latin typeface="Cambria Math" panose="02040503050406030204" pitchFamily="18" charset="0"/>
+                              </a:rPr>
+                            </m:ctrlPr>
+                          </m:funcPr>
+                          <m:fName>
+                            <m:sSup>
+                              <m:sSupPr>
+                                <m:ctrlPr>
+                                  <a:rPr lang="en-US" b="0" i="1" smtClean="0">
+                                    <a:latin typeface="Cambria Math" panose="02040503050406030204" pitchFamily="18" charset="0"/>
+                                  </a:rPr>
+                                </m:ctrlPr>
+                              </m:sSupPr>
+                              <m:e>
+                                <m:r>
+                                  <m:rPr>
+                                    <m:sty m:val="p"/>
+                                  </m:rPr>
+                                  <a:rPr lang="en-US" b="0" i="0" smtClean="0">
+                                    <a:latin typeface="Cambria Math" panose="02040503050406030204" pitchFamily="18" charset="0"/>
+                                  </a:rPr>
+                                  <m:t>tan</m:t>
+                                </m:r>
+                              </m:e>
+                              <m:sup>
+                                <m:r>
+                                  <a:rPr lang="en-US" b="0" i="1" smtClean="0">
+                                    <a:latin typeface="Cambria Math" panose="02040503050406030204" pitchFamily="18" charset="0"/>
+                                  </a:rPr>
+                                  <m:t>−1</m:t>
+                                </m:r>
+                              </m:sup>
+                            </m:sSup>
+                          </m:fName>
+                          <m:e>
+                            <m:r>
+                              <a:rPr lang="en-US" b="0" i="1" smtClean="0">
+                                <a:latin typeface="Cambria Math" panose="02040503050406030204" pitchFamily="18" charset="0"/>
+                              </a:rPr>
+                              <m:t>(</m:t>
+                            </m:r>
+                            <m:f>
+                              <m:fPr>
+                                <m:ctrlPr>
+                                  <a:rPr lang="en-US" b="0" i="1" smtClean="0">
+                                    <a:latin typeface="Cambria Math" panose="02040503050406030204" pitchFamily="18" charset="0"/>
+                                  </a:rPr>
+                                </m:ctrlPr>
+                              </m:fPr>
+                              <m:num>
+                                <m:r>
+                                  <a:rPr lang="en-US" b="0" i="1" smtClean="0">
+                                    <a:latin typeface="Cambria Math" panose="02040503050406030204" pitchFamily="18" charset="0"/>
+                                  </a:rPr>
+                                  <m:t>𝑦</m:t>
+                                </m:r>
+                              </m:num>
+                              <m:den>
+                                <m:r>
+                                  <a:rPr lang="en-US" b="0" i="1" smtClean="0">
+                                    <a:latin typeface="Cambria Math" panose="02040503050406030204" pitchFamily="18" charset="0"/>
+                                  </a:rPr>
+                                  <m:t>𝑥</m:t>
+                                </m:r>
+                              </m:den>
+                            </m:f>
+                            <m:r>
+                              <a:rPr lang="en-US" b="0" i="1" smtClean="0">
+                                <a:latin typeface="Cambria Math" panose="02040503050406030204" pitchFamily="18" charset="0"/>
+                              </a:rPr>
+                              <m:t>)</m:t>
+                            </m:r>
+                          </m:e>
+                        </m:func>
+                      </m:oMath>
+                    </m:oMathPara>
+                  </a14:m>
+                  <a:endParaRPr lang="en-US" dirty="0"/>
+                </a:p>
+              </p:txBody>
+            </p:sp>
+          </mc:Choice>
+          <mc:Fallback>
+            <p:sp>
+              <p:nvSpPr>
+                <p:cNvPr id="21" name="TextBox 20">
+                  <a:extLst>
+                    <a:ext uri="{FF2B5EF4-FFF2-40B4-BE49-F238E27FC236}">
+                      <a16:creationId xmlns:a16="http://schemas.microsoft.com/office/drawing/2014/main" id="{48456DBA-74E9-21B0-F374-0EDDCD759B18}"/>
+                    </a:ext>
+                  </a:extLst>
+                </p:cNvPr>
+                <p:cNvSpPr txBox="1">
+                  <a:spLocks noRot="1" noChangeAspect="1" noMove="1" noResize="1" noEditPoints="1" noAdjustHandles="1" noChangeArrowheads="1" noChangeShapeType="1" noTextEdit="1"/>
+                </p:cNvSpPr>
+                <p:nvPr/>
+              </p:nvSpPr>
+              <p:spPr>
+                <a:xfrm>
+                  <a:off x="4338536" y="5651061"/>
+                  <a:ext cx="1108953" cy="566630"/>
+                </a:xfrm>
+                <a:prstGeom prst="rect">
+                  <a:avLst/>
+                </a:prstGeom>
+                <a:blipFill>
+                  <a:blip r:embed="rId4"/>
+                  <a:stretch>
+                    <a:fillRect/>
+                  </a:stretch>
+                </a:blipFill>
+              </p:spPr>
+              <p:txBody>
+                <a:bodyPr/>
+                <a:lstStyle/>
+                <a:p>
+                  <a:r>
+                    <a:rPr lang="en-US">
+                      <a:noFill/>
+                    </a:rPr>
+                    <a:t> </a:t>
+                  </a:r>
+                </a:p>
+              </p:txBody>
+            </p:sp>
+          </mc:Fallback>
+        </mc:AlternateContent>
+      </p:grpSp>
+    </p:spTree>
+    <p:extLst>
+      <p:ext uri="{BB962C8B-B14F-4D97-AF65-F5344CB8AC3E}">
+        <p14:creationId xmlns:p14="http://schemas.microsoft.com/office/powerpoint/2010/main" val="1974471137"/>
+      </p:ext>
+    </p:extLst>
+  </p:cSld>
+  <p:clrMapOvr>
+    <a:masterClrMapping/>
+  </p:clrMapOvr>
+</p:sld>
+</file>
+
+<file path=ppt/slides/slide16.xml><?xml version="1.0" encoding="utf-8"?>
+<p:sld xmlns:a="http://schemas.openxmlformats.org/drawingml/2006/main" xmlns:r="http://schemas.openxmlformats.org/officeDocument/2006/relationships" xmlns:p="http://schemas.openxmlformats.org/presentationml/2006/main">
+  <p:cSld>
+    <p:spTree>
+      <p:nvGrpSpPr>
+        <p:cNvPr id="1" name=""/>
+        <p:cNvGrpSpPr/>
+        <p:nvPr/>
+      </p:nvGrpSpPr>
+      <p:grpSpPr>
+        <a:xfrm>
+          <a:off x="0" y="0"/>
+          <a:ext cx="0" cy="0"/>
+          <a:chOff x="0" y="0"/>
+          <a:chExt cx="0" cy="0"/>
+        </a:xfrm>
+      </p:grpSpPr>
+      <mc:AlternateContent xmlns:mc="http://schemas.openxmlformats.org/markup-compatibility/2006">
+        <mc:Choice xmlns:a14="http://schemas.microsoft.com/office/drawing/2010/main" Requires="a14">
+          <p:sp>
+            <p:nvSpPr>
+              <p:cNvPr id="2" name="Title 1">
+                <a:extLst>
+                  <a:ext uri="{FF2B5EF4-FFF2-40B4-BE49-F238E27FC236}">
+                    <a16:creationId xmlns:a16="http://schemas.microsoft.com/office/drawing/2014/main" id="{14C7C36D-E760-3784-4E95-76B41644FEF5}"/>
+                  </a:ext>
+                </a:extLst>
+              </p:cNvPr>
+              <p:cNvSpPr>
+                <a:spLocks noGrp="1"/>
+              </p:cNvSpPr>
+              <p:nvPr>
+                <p:ph type="title"/>
+              </p:nvPr>
+            </p:nvSpPr>
+            <p:spPr/>
+            <p:txBody>
+              <a:bodyPr/>
+              <a:lstStyle/>
+              <a:p>
+                <a14:m>
+                  <m:oMath xmlns:m="http://schemas.openxmlformats.org/officeDocument/2006/math">
+                    <m:r>
+                      <a:rPr lang="en-US" b="0" i="1" smtClean="0">
+                        <a:latin typeface="Cambria Math" panose="02040503050406030204" pitchFamily="18" charset="0"/>
+                      </a:rPr>
+                      <m:t>𝑇𝑎</m:t>
+                    </m:r>
+                    <m:sSup>
+                      <m:sSupPr>
+                        <m:ctrlPr>
+                          <a:rPr lang="en-US" b="0" i="1" smtClean="0">
+                            <a:latin typeface="Cambria Math" panose="02040503050406030204" pitchFamily="18" charset="0"/>
+                          </a:rPr>
+                        </m:ctrlPr>
+                      </m:sSupPr>
+                      <m:e>
+                        <m:r>
+                          <a:rPr lang="en-US" b="0" i="1" smtClean="0">
+                            <a:latin typeface="Cambria Math" panose="02040503050406030204" pitchFamily="18" charset="0"/>
+                          </a:rPr>
+                          <m:t>𝑛</m:t>
+                        </m:r>
+                      </m:e>
+                      <m:sup>
+                        <m:r>
+                          <a:rPr lang="en-US" b="0" i="1" smtClean="0">
+                            <a:latin typeface="Cambria Math" panose="02040503050406030204" pitchFamily="18" charset="0"/>
+                          </a:rPr>
+                          <m:t>−1</m:t>
+                        </m:r>
+                      </m:sup>
+                    </m:sSup>
+                    <m:r>
+                      <a:rPr lang="en-US" b="0" i="1" smtClean="0">
+                        <a:latin typeface="Cambria Math" panose="02040503050406030204" pitchFamily="18" charset="0"/>
+                      </a:rPr>
+                      <m:t>(</m:t>
+                    </m:r>
+                    <m:r>
+                      <a:rPr lang="en-US" b="0" i="1" smtClean="0">
+                        <a:latin typeface="Cambria Math" panose="02040503050406030204" pitchFamily="18" charset="0"/>
+                      </a:rPr>
+                      <m:t>𝑦</m:t>
+                    </m:r>
+                    <m:r>
+                      <a:rPr lang="en-US" b="0" i="1" smtClean="0">
+                        <a:latin typeface="Cambria Math" panose="02040503050406030204" pitchFamily="18" charset="0"/>
+                      </a:rPr>
+                      <m:t>)</m:t>
+                    </m:r>
+                  </m:oMath>
+                </a14:m>
+                <a:r>
+                  <a:rPr lang="en-US" dirty="0"/>
+                  <a:t> simulation waveform</a:t>
+                </a:r>
+              </a:p>
+            </p:txBody>
+          </p:sp>
+        </mc:Choice>
+        <mc:Fallback>
+          <p:sp>
+            <p:nvSpPr>
+              <p:cNvPr id="2" name="Title 1">
+                <a:extLst>
+                  <a:ext uri="{FF2B5EF4-FFF2-40B4-BE49-F238E27FC236}">
+                    <a16:creationId xmlns:a16="http://schemas.microsoft.com/office/drawing/2014/main" id="{14C7C36D-E760-3784-4E95-76B41644FEF5}"/>
+                  </a:ext>
+                </a:extLst>
+              </p:cNvPr>
+              <p:cNvSpPr>
+                <a:spLocks noGrp="1" noRot="1" noChangeAspect="1" noMove="1" noResize="1" noEditPoints="1" noAdjustHandles="1" noChangeArrowheads="1" noChangeShapeType="1" noTextEdit="1"/>
+              </p:cNvSpPr>
+              <p:nvPr>
+                <p:ph type="title"/>
+              </p:nvPr>
+            </p:nvSpPr>
+            <p:spPr>
+              <a:blipFill>
+                <a:blip r:embed="rId2"/>
+                <a:stretch>
+                  <a:fillRect b="-22120"/>
+                </a:stretch>
+              </a:blipFill>
+            </p:spPr>
+            <p:txBody>
+              <a:bodyPr/>
+              <a:lstStyle/>
+              <a:p>
+                <a:r>
+                  <a:rPr lang="en-US">
+                    <a:noFill/>
+                  </a:rPr>
+                  <a:t> </a:t>
+                </a:r>
+              </a:p>
+            </p:txBody>
+          </p:sp>
+        </mc:Fallback>
+      </mc:AlternateContent>
+      <p:sp>
+        <p:nvSpPr>
+          <p:cNvPr id="9" name="TextBox 8">
+            <a:extLst>
+              <a:ext uri="{FF2B5EF4-FFF2-40B4-BE49-F238E27FC236}">
+                <a16:creationId xmlns:a16="http://schemas.microsoft.com/office/drawing/2014/main" id="{D3E59879-E395-8BE9-3ECA-367FD3767218}"/>
+              </a:ext>
+            </a:extLst>
+          </p:cNvPr>
+          <p:cNvSpPr txBox="1"/>
+          <p:nvPr/>
+        </p:nvSpPr>
+        <p:spPr>
+          <a:xfrm>
+            <a:off x="1001752" y="1848578"/>
+            <a:ext cx="2052536" cy="369332"/>
+          </a:xfrm>
+          <a:prstGeom prst="rect">
+            <a:avLst/>
+          </a:prstGeom>
+          <a:noFill/>
+        </p:spPr>
+        <p:txBody>
+          <a:bodyPr wrap="square" rtlCol="0">
+            <a:spAutoFit/>
+          </a:bodyPr>
+          <a:lstStyle/>
+          <a:p>
+            <a:r>
+              <a:rPr lang="en-US" dirty="0"/>
+              <a:t>Expected:</a:t>
+            </a:r>
+          </a:p>
+        </p:txBody>
+      </p:sp>
+      <p:sp>
+        <p:nvSpPr>
+          <p:cNvPr id="10" name="TextBox 9">
+            <a:extLst>
+              <a:ext uri="{FF2B5EF4-FFF2-40B4-BE49-F238E27FC236}">
+                <a16:creationId xmlns:a16="http://schemas.microsoft.com/office/drawing/2014/main" id="{5691C2CE-4EAF-2ECF-4EAF-571D43832ED5}"/>
+              </a:ext>
+            </a:extLst>
+          </p:cNvPr>
+          <p:cNvSpPr txBox="1"/>
+          <p:nvPr/>
+        </p:nvSpPr>
+        <p:spPr>
+          <a:xfrm>
+            <a:off x="1001752" y="3796067"/>
+            <a:ext cx="3122776" cy="369332"/>
+          </a:xfrm>
+          <a:prstGeom prst="rect">
+            <a:avLst/>
+          </a:prstGeom>
+          <a:noFill/>
+        </p:spPr>
+        <p:txBody>
+          <a:bodyPr wrap="square" rtlCol="0">
+            <a:spAutoFit/>
+          </a:bodyPr>
+          <a:lstStyle/>
+          <a:p>
+            <a:r>
+              <a:rPr lang="en-US" dirty="0"/>
+              <a:t>Simulation Result:</a:t>
+            </a:r>
+          </a:p>
+        </p:txBody>
+      </p:sp>
+      <p:pic>
+        <p:nvPicPr>
+          <p:cNvPr id="14" name="Picture 13" descr="A line of blue dots&#10;&#10;Description automatically generated">
+            <a:extLst>
+              <a:ext uri="{FF2B5EF4-FFF2-40B4-BE49-F238E27FC236}">
+                <a16:creationId xmlns:a16="http://schemas.microsoft.com/office/drawing/2014/main" id="{D5EA0D1A-A93B-9846-1271-0ECFECDF9673}"/>
+              </a:ext>
+            </a:extLst>
+          </p:cNvPr>
+          <p:cNvPicPr>
+            <a:picLocks noChangeAspect="1"/>
+          </p:cNvPicPr>
+          <p:nvPr/>
+        </p:nvPicPr>
+        <p:blipFill>
+          <a:blip r:embed="rId3">
+            <a:extLst>
+              <a:ext uri="{28A0092B-C50C-407E-A947-70E740481C1C}">
+                <a14:useLocalDpi xmlns:a14="http://schemas.microsoft.com/office/drawing/2010/main" val="0"/>
+              </a:ext>
+            </a:extLst>
+          </a:blip>
+          <a:stretch>
+            <a:fillRect/>
+          </a:stretch>
+        </p:blipFill>
+        <p:spPr>
+          <a:xfrm>
+            <a:off x="1012367" y="4492310"/>
+            <a:ext cx="9942145" cy="1899660"/>
+          </a:xfrm>
+          <a:prstGeom prst="rect">
+            <a:avLst/>
+          </a:prstGeom>
+        </p:spPr>
+      </p:pic>
+      <p:pic>
+        <p:nvPicPr>
+          <p:cNvPr id="16" name="Picture 15">
+            <a:extLst>
+              <a:ext uri="{FF2B5EF4-FFF2-40B4-BE49-F238E27FC236}">
+                <a16:creationId xmlns:a16="http://schemas.microsoft.com/office/drawing/2014/main" id="{81824CD6-7715-FE73-4649-23E10439A0AE}"/>
+              </a:ext>
+            </a:extLst>
+          </p:cNvPr>
+          <p:cNvPicPr>
+            <a:picLocks noChangeAspect="1"/>
+          </p:cNvPicPr>
+          <p:nvPr/>
+        </p:nvPicPr>
+        <p:blipFill>
+          <a:blip r:embed="rId4"/>
+          <a:stretch>
+            <a:fillRect/>
+          </a:stretch>
+        </p:blipFill>
+        <p:spPr>
+          <a:xfrm>
+            <a:off x="3253795" y="1908346"/>
+            <a:ext cx="4439270" cy="1724266"/>
+          </a:xfrm>
+          <a:prstGeom prst="rect">
+            <a:avLst/>
+          </a:prstGeom>
+        </p:spPr>
+      </p:pic>
+    </p:spTree>
+    <p:extLst>
+      <p:ext uri="{BB962C8B-B14F-4D97-AF65-F5344CB8AC3E}">
+        <p14:creationId xmlns:p14="http://schemas.microsoft.com/office/powerpoint/2010/main" val="3930453826"/>
+      </p:ext>
+    </p:extLst>
+  </p:cSld>
+  <p:clrMapOvr>
+    <a:masterClrMapping/>
+  </p:clrMapOvr>
+</p:sld>
+</file>
+
+<file path=ppt/slides/slide17.xml><?xml version="1.0" encoding="utf-8"?>
+<p:sld xmlns:a="http://schemas.openxmlformats.org/drawingml/2006/main" xmlns:r="http://schemas.openxmlformats.org/officeDocument/2006/relationships" xmlns:p="http://schemas.openxmlformats.org/presentationml/2006/main">
+  <p:cSld>
+    <p:spTree>
+      <p:nvGrpSpPr>
+        <p:cNvPr id="1" name=""/>
+        <p:cNvGrpSpPr/>
+        <p:nvPr/>
+      </p:nvGrpSpPr>
+      <p:grpSpPr>
+        <a:xfrm>
+          <a:off x="0" y="0"/>
+          <a:ext cx="0" cy="0"/>
+          <a:chOff x="0" y="0"/>
+          <a:chExt cx="0" cy="0"/>
+        </a:xfrm>
+      </p:grpSpPr>
+      <mc:AlternateContent xmlns:mc="http://schemas.openxmlformats.org/markup-compatibility/2006">
+        <mc:Choice xmlns:a14="http://schemas.microsoft.com/office/drawing/2010/main" Requires="a14">
+          <p:sp>
+            <p:nvSpPr>
+              <p:cNvPr id="2" name="Title 1">
+                <a:extLst>
+                  <a:ext uri="{FF2B5EF4-FFF2-40B4-BE49-F238E27FC236}">
+                    <a16:creationId xmlns:a16="http://schemas.microsoft.com/office/drawing/2014/main" id="{BF360D97-CB5C-F68B-062F-7009B2E5EF2C}"/>
+                  </a:ext>
+                </a:extLst>
+              </p:cNvPr>
+              <p:cNvSpPr>
+                <a:spLocks noGrp="1"/>
+              </p:cNvSpPr>
+              <p:nvPr>
+                <p:ph type="title"/>
+              </p:nvPr>
+            </p:nvSpPr>
+            <p:spPr/>
+            <p:txBody>
+              <a:bodyPr/>
+              <a:lstStyle/>
+              <a:p>
+                <a:r>
+                  <a:rPr lang="en-US" dirty="0"/>
+                  <a:t>Timing results: </a:t>
+                </a:r>
+                <a14:m>
+                  <m:oMath xmlns:m="http://schemas.openxmlformats.org/officeDocument/2006/math">
+                    <m:r>
+                      <a:rPr lang="en-US" b="0" i="1" smtClean="0">
+                        <a:latin typeface="Cambria Math" panose="02040503050406030204" pitchFamily="18" charset="0"/>
+                      </a:rPr>
+                      <m:t>𝑇𝑎</m:t>
+                    </m:r>
+                    <m:sSup>
+                      <m:sSupPr>
+                        <m:ctrlPr>
+                          <a:rPr lang="en-US" b="0" i="1" smtClean="0">
+                            <a:latin typeface="Cambria Math" panose="02040503050406030204" pitchFamily="18" charset="0"/>
+                          </a:rPr>
+                        </m:ctrlPr>
+                      </m:sSupPr>
+                      <m:e>
+                        <m:r>
+                          <a:rPr lang="en-US" b="0" i="1" smtClean="0">
+                            <a:latin typeface="Cambria Math" panose="02040503050406030204" pitchFamily="18" charset="0"/>
+                          </a:rPr>
+                          <m:t>𝑛</m:t>
+                        </m:r>
+                      </m:e>
+                      <m:sup>
+                        <m:r>
+                          <a:rPr lang="en-US" b="0" i="1" smtClean="0">
+                            <a:latin typeface="Cambria Math" panose="02040503050406030204" pitchFamily="18" charset="0"/>
+                          </a:rPr>
+                          <m:t>−1</m:t>
+                        </m:r>
+                      </m:sup>
+                    </m:sSup>
+                    <m:r>
+                      <a:rPr lang="en-US" b="0" i="1" smtClean="0">
+                        <a:latin typeface="Cambria Math" panose="02040503050406030204" pitchFamily="18" charset="0"/>
+                      </a:rPr>
+                      <m:t>(</m:t>
+                    </m:r>
+                    <m:r>
+                      <a:rPr lang="en-US" b="0" i="1" smtClean="0">
+                        <a:latin typeface="Cambria Math" panose="02040503050406030204" pitchFamily="18" charset="0"/>
+                      </a:rPr>
+                      <m:t>𝑦</m:t>
+                    </m:r>
+                    <m:r>
+                      <a:rPr lang="en-US" b="0" i="1" smtClean="0">
+                        <a:latin typeface="Cambria Math" panose="02040503050406030204" pitchFamily="18" charset="0"/>
+                      </a:rPr>
+                      <m:t>)</m:t>
+                    </m:r>
+                  </m:oMath>
+                </a14:m>
+                <a:r>
+                  <a:rPr lang="en-US" dirty="0"/>
+                  <a:t> function </a:t>
+                </a:r>
+              </a:p>
+            </p:txBody>
+          </p:sp>
+        </mc:Choice>
+        <mc:Fallback>
+          <p:sp>
+            <p:nvSpPr>
+              <p:cNvPr id="2" name="Title 1">
+                <a:extLst>
+                  <a:ext uri="{FF2B5EF4-FFF2-40B4-BE49-F238E27FC236}">
+                    <a16:creationId xmlns:a16="http://schemas.microsoft.com/office/drawing/2014/main" id="{BF360D97-CB5C-F68B-062F-7009B2E5EF2C}"/>
+                  </a:ext>
+                </a:extLst>
+              </p:cNvPr>
+              <p:cNvSpPr>
+                <a:spLocks noGrp="1" noRot="1" noChangeAspect="1" noMove="1" noResize="1" noEditPoints="1" noAdjustHandles="1" noChangeArrowheads="1" noChangeShapeType="1" noTextEdit="1"/>
+              </p:cNvSpPr>
+              <p:nvPr>
+                <p:ph type="title"/>
+              </p:nvPr>
+            </p:nvSpPr>
+            <p:spPr>
+              <a:blipFill>
+                <a:blip r:embed="rId2"/>
+                <a:stretch>
+                  <a:fillRect l="-2516" b="-22120"/>
+                </a:stretch>
+              </a:blipFill>
+            </p:spPr>
+            <p:txBody>
+              <a:bodyPr/>
+              <a:lstStyle/>
+              <a:p>
+                <a:r>
+                  <a:rPr lang="en-US">
+                    <a:noFill/>
+                  </a:rPr>
+                  <a:t> </a:t>
+                </a:r>
+              </a:p>
+            </p:txBody>
+          </p:sp>
+        </mc:Fallback>
+      </mc:AlternateContent>
+      <p:sp>
+        <p:nvSpPr>
+          <p:cNvPr id="6" name="TextBox 5">
+            <a:extLst>
+              <a:ext uri="{FF2B5EF4-FFF2-40B4-BE49-F238E27FC236}">
+                <a16:creationId xmlns:a16="http://schemas.microsoft.com/office/drawing/2014/main" id="{E48145B3-CAC4-8137-76B9-322EFE7C7A88}"/>
+              </a:ext>
+            </a:extLst>
+          </p:cNvPr>
+          <p:cNvSpPr txBox="1"/>
+          <p:nvPr/>
+        </p:nvSpPr>
+        <p:spPr>
+          <a:xfrm>
+            <a:off x="992221" y="4776282"/>
+            <a:ext cx="9698477" cy="1200329"/>
+          </a:xfrm>
+          <a:prstGeom prst="rect">
+            <a:avLst/>
+          </a:prstGeom>
+          <a:noFill/>
+        </p:spPr>
+        <p:txBody>
+          <a:bodyPr wrap="square" rtlCol="0">
+            <a:spAutoFit/>
+          </a:bodyPr>
+          <a:lstStyle/>
+          <a:p>
+            <a:pPr marL="285750" indent="-285750">
+              <a:buFont typeface="Arial" panose="020B0604020202020204" pitchFamily="34" charset="0"/>
+              <a:buChar char="•"/>
+            </a:pPr>
+            <a:r>
+              <a:rPr lang="en-US" sz="2400" dirty="0"/>
+              <a:t>The algorithm is run with 30ns clock period.</a:t>
+            </a:r>
+          </a:p>
+          <a:p>
+            <a:pPr marL="285750" indent="-285750">
+              <a:buFont typeface="Arial" panose="020B0604020202020204" pitchFamily="34" charset="0"/>
+              <a:buChar char="•"/>
+            </a:pPr>
+            <a:r>
+              <a:rPr lang="en-US" sz="2400" dirty="0"/>
+              <a:t>The max operating frequency = 1/(30ns – 0.079ns) </a:t>
+            </a:r>
+          </a:p>
+          <a:p>
+            <a:pPr lvl="8"/>
+            <a:r>
+              <a:rPr lang="en-US" sz="2400" dirty="0"/>
+              <a:t>	    = 33.42 MHz</a:t>
+            </a:r>
+          </a:p>
+        </p:txBody>
+      </p:sp>
+      <p:pic>
+        <p:nvPicPr>
+          <p:cNvPr id="10" name="Picture 9" descr="A screenshot of a computer&#10;&#10;Description automatically generated">
+            <a:extLst>
+              <a:ext uri="{FF2B5EF4-FFF2-40B4-BE49-F238E27FC236}">
+                <a16:creationId xmlns:a16="http://schemas.microsoft.com/office/drawing/2014/main" id="{8368A12E-9A01-1D08-8286-E59BF57C1C05}"/>
+              </a:ext>
+            </a:extLst>
+          </p:cNvPr>
+          <p:cNvPicPr>
+            <a:picLocks noChangeAspect="1"/>
+          </p:cNvPicPr>
+          <p:nvPr/>
+        </p:nvPicPr>
+        <p:blipFill>
+          <a:blip r:embed="rId3">
+            <a:extLst>
+              <a:ext uri="{28A0092B-C50C-407E-A947-70E740481C1C}">
+                <a14:useLocalDpi xmlns:a14="http://schemas.microsoft.com/office/drawing/2010/main" val="0"/>
+              </a:ext>
+            </a:extLst>
+          </a:blip>
+          <a:stretch>
+            <a:fillRect/>
+          </a:stretch>
+        </p:blipFill>
+        <p:spPr>
+          <a:xfrm>
+            <a:off x="1386646" y="2188722"/>
+            <a:ext cx="8598342" cy="1663786"/>
+          </a:xfrm>
+          <a:prstGeom prst="rect">
+            <a:avLst/>
+          </a:prstGeom>
+        </p:spPr>
+      </p:pic>
+    </p:spTree>
+    <p:extLst>
+      <p:ext uri="{BB962C8B-B14F-4D97-AF65-F5344CB8AC3E}">
+        <p14:creationId xmlns:p14="http://schemas.microsoft.com/office/powerpoint/2010/main" val="3576813913"/>
+      </p:ext>
+    </p:extLst>
+  </p:cSld>
+  <p:clrMapOvr>
+    <a:masterClrMapping/>
+  </p:clrMapOvr>
+</p:sld>
+</file>
+
+<file path=ppt/slides/slide18.xml><?xml version="1.0" encoding="utf-8"?>
+<p:sld xmlns:a="http://schemas.openxmlformats.org/drawingml/2006/main" xmlns:r="http://schemas.openxmlformats.org/officeDocument/2006/relationships" xmlns:p="http://schemas.openxmlformats.org/presentationml/2006/main">
+  <p:cSld>
+    <p:spTree>
+      <p:nvGrpSpPr>
+        <p:cNvPr id="1" name=""/>
+        <p:cNvGrpSpPr/>
+        <p:nvPr/>
+      </p:nvGrpSpPr>
+      <p:grpSpPr>
+        <a:xfrm>
+          <a:off x="0" y="0"/>
+          <a:ext cx="0" cy="0"/>
+          <a:chOff x="0" y="0"/>
+          <a:chExt cx="0" cy="0"/>
+        </a:xfrm>
+      </p:grpSpPr>
+      <mc:AlternateContent xmlns:mc="http://schemas.openxmlformats.org/markup-compatibility/2006">
+        <mc:Choice xmlns:a14="http://schemas.microsoft.com/office/drawing/2010/main" Requires="a14">
+          <p:sp>
+            <p:nvSpPr>
+              <p:cNvPr id="2" name="Title 1">
+                <a:extLst>
+                  <a:ext uri="{FF2B5EF4-FFF2-40B4-BE49-F238E27FC236}">
+                    <a16:creationId xmlns:a16="http://schemas.microsoft.com/office/drawing/2014/main" id="{45AA2D44-55DA-6BB2-6B72-D86EF88D1B51}"/>
+                  </a:ext>
+                </a:extLst>
+              </p:cNvPr>
+              <p:cNvSpPr>
+                <a:spLocks noGrp="1"/>
+              </p:cNvSpPr>
+              <p:nvPr>
+                <p:ph type="title"/>
+              </p:nvPr>
+            </p:nvSpPr>
+            <p:spPr>
+              <a:xfrm>
+                <a:off x="1261872" y="115461"/>
+                <a:ext cx="9692640" cy="875258"/>
+              </a:xfrm>
+            </p:spPr>
+            <p:txBody>
+              <a:bodyPr/>
+              <a:lstStyle/>
+              <a:p>
+                <a14:m>
+                  <m:oMath xmlns:m="http://schemas.openxmlformats.org/officeDocument/2006/math">
+                    <m:r>
+                      <a:rPr lang="en-US" b="0" i="1" smtClean="0">
+                        <a:latin typeface="Cambria Math" panose="02040503050406030204" pitchFamily="18" charset="0"/>
+                      </a:rPr>
+                      <m:t>𝑇𝑎</m:t>
+                    </m:r>
+                    <m:sSup>
+                      <m:sSupPr>
+                        <m:ctrlPr>
+                          <a:rPr lang="en-US" b="0" i="1" smtClean="0">
+                            <a:latin typeface="Cambria Math" panose="02040503050406030204" pitchFamily="18" charset="0"/>
+                          </a:rPr>
+                        </m:ctrlPr>
+                      </m:sSupPr>
+                      <m:e>
+                        <m:r>
+                          <a:rPr lang="en-US" b="0" i="1" smtClean="0">
+                            <a:latin typeface="Cambria Math" panose="02040503050406030204" pitchFamily="18" charset="0"/>
+                          </a:rPr>
+                          <m:t>𝑛</m:t>
+                        </m:r>
+                        <m:r>
+                          <a:rPr lang="en-US" b="0" i="1" smtClean="0">
+                            <a:latin typeface="Cambria Math" panose="02040503050406030204" pitchFamily="18" charset="0"/>
+                          </a:rPr>
+                          <m:t>h</m:t>
+                        </m:r>
+                      </m:e>
+                      <m:sup>
+                        <m:r>
+                          <a:rPr lang="en-US" b="0" i="1" smtClean="0">
+                            <a:latin typeface="Cambria Math" panose="02040503050406030204" pitchFamily="18" charset="0"/>
+                          </a:rPr>
+                          <m:t>−1</m:t>
+                        </m:r>
+                      </m:sup>
+                    </m:sSup>
+                    <m:r>
+                      <a:rPr lang="en-US" b="0" i="1" smtClean="0">
+                        <a:latin typeface="Cambria Math" panose="02040503050406030204" pitchFamily="18" charset="0"/>
+                      </a:rPr>
+                      <m:t>(</m:t>
+                    </m:r>
+                    <m:r>
+                      <a:rPr lang="en-US" b="0" i="1" smtClean="0">
+                        <a:latin typeface="Cambria Math" panose="02040503050406030204" pitchFamily="18" charset="0"/>
+                      </a:rPr>
+                      <m:t>𝑦</m:t>
+                    </m:r>
+                    <m:r>
+                      <a:rPr lang="en-US" b="0" i="1" smtClean="0">
+                        <a:latin typeface="Cambria Math" panose="02040503050406030204" pitchFamily="18" charset="0"/>
+                      </a:rPr>
+                      <m:t>)</m:t>
+                    </m:r>
+                  </m:oMath>
+                </a14:m>
+                <a:r>
+                  <a:rPr lang="en-US" dirty="0"/>
+                  <a:t> function</a:t>
+                </a:r>
+              </a:p>
+            </p:txBody>
+          </p:sp>
+        </mc:Choice>
+        <mc:Fallback>
+          <p:sp>
+            <p:nvSpPr>
+              <p:cNvPr id="2" name="Title 1">
+                <a:extLst>
+                  <a:ext uri="{FF2B5EF4-FFF2-40B4-BE49-F238E27FC236}">
+                    <a16:creationId xmlns:a16="http://schemas.microsoft.com/office/drawing/2014/main" id="{45AA2D44-55DA-6BB2-6B72-D86EF88D1B51}"/>
+                  </a:ext>
+                </a:extLst>
+              </p:cNvPr>
+              <p:cNvSpPr>
+                <a:spLocks noGrp="1" noRot="1" noChangeAspect="1" noMove="1" noResize="1" noEditPoints="1" noAdjustHandles="1" noChangeArrowheads="1" noChangeShapeType="1" noTextEdit="1"/>
+              </p:cNvSpPr>
+              <p:nvPr>
+                <p:ph type="title"/>
+              </p:nvPr>
+            </p:nvSpPr>
+            <p:spPr>
+              <a:xfrm>
+                <a:off x="1261872" y="115461"/>
+                <a:ext cx="9692640" cy="875258"/>
+              </a:xfrm>
+              <a:blipFill>
+                <a:blip r:embed="rId2"/>
+                <a:stretch>
+                  <a:fillRect t="-1389" b="-33333"/>
+                </a:stretch>
+              </a:blipFill>
+            </p:spPr>
+            <p:txBody>
+              <a:bodyPr/>
+              <a:lstStyle/>
+              <a:p>
+                <a:r>
+                  <a:rPr lang="en-US">
+                    <a:noFill/>
+                  </a:rPr>
+                  <a:t> </a:t>
+                </a:r>
+              </a:p>
+            </p:txBody>
+          </p:sp>
+        </mc:Fallback>
+      </mc:AlternateContent>
+      <mc:AlternateContent xmlns:mc="http://schemas.openxmlformats.org/markup-compatibility/2006">
+        <mc:Choice xmlns:a14="http://schemas.microsoft.com/office/drawing/2010/main" Requires="a14">
+          <p:sp>
+            <p:nvSpPr>
+              <p:cNvPr id="4" name="Content Placeholder 2">
+                <a:extLst>
+                  <a:ext uri="{FF2B5EF4-FFF2-40B4-BE49-F238E27FC236}">
+                    <a16:creationId xmlns:a16="http://schemas.microsoft.com/office/drawing/2014/main" id="{6B1C82C0-15D2-BE06-60F1-7E91F87DB7EE}"/>
+                  </a:ext>
+                </a:extLst>
+              </p:cNvPr>
+              <p:cNvSpPr>
+                <a:spLocks noGrp="1"/>
+              </p:cNvSpPr>
+              <p:nvPr>
+                <p:ph idx="1"/>
+              </p:nvPr>
+            </p:nvSpPr>
+            <p:spPr>
+              <a:xfrm>
+                <a:off x="1261872" y="1654120"/>
+                <a:ext cx="8595360" cy="4805464"/>
+              </a:xfrm>
+            </p:spPr>
+            <p:txBody>
+              <a:bodyPr>
+                <a:noAutofit/>
+              </a:bodyPr>
+              <a:lstStyle/>
+              <a:p>
+                <a14:m>
+                  <m:oMath xmlns:m="http://schemas.openxmlformats.org/officeDocument/2006/math">
+                    <m:r>
+                      <a:rPr lang="en-US" b="0" i="1" smtClean="0">
+                        <a:latin typeface="Cambria Math" panose="02040503050406030204" pitchFamily="18" charset="0"/>
+                      </a:rPr>
+                      <m:t>𝑇𝑎</m:t>
+                    </m:r>
+                    <m:sSup>
+                      <m:sSupPr>
+                        <m:ctrlPr>
+                          <a:rPr lang="en-US" b="0" i="1" smtClean="0">
+                            <a:latin typeface="Cambria Math" panose="02040503050406030204" pitchFamily="18" charset="0"/>
+                          </a:rPr>
+                        </m:ctrlPr>
+                      </m:sSupPr>
+                      <m:e>
+                        <m:r>
+                          <a:rPr lang="en-US" b="0" i="1" smtClean="0">
+                            <a:latin typeface="Cambria Math" panose="02040503050406030204" pitchFamily="18" charset="0"/>
+                          </a:rPr>
+                          <m:t>𝑛h</m:t>
+                        </m:r>
+                      </m:e>
+                      <m:sup>
+                        <m:r>
+                          <a:rPr lang="en-US" b="0" i="1" smtClean="0">
+                            <a:latin typeface="Cambria Math" panose="02040503050406030204" pitchFamily="18" charset="0"/>
+                          </a:rPr>
+                          <m:t>−1</m:t>
+                        </m:r>
+                      </m:sup>
+                    </m:sSup>
+                    <m:r>
+                      <a:rPr lang="en-US" b="0" i="1" smtClean="0">
+                        <a:latin typeface="Cambria Math" panose="02040503050406030204" pitchFamily="18" charset="0"/>
+                      </a:rPr>
+                      <m:t>(</m:t>
+                    </m:r>
+                    <m:r>
+                      <a:rPr lang="en-US" b="0" i="1" smtClean="0">
+                        <a:latin typeface="Cambria Math" panose="02040503050406030204" pitchFamily="18" charset="0"/>
+                      </a:rPr>
+                      <m:t>𝑦</m:t>
+                    </m:r>
+                    <m:r>
+                      <a:rPr lang="en-US" b="0" i="1" smtClean="0">
+                        <a:latin typeface="Cambria Math" panose="02040503050406030204" pitchFamily="18" charset="0"/>
+                      </a:rPr>
+                      <m:t>)</m:t>
+                    </m:r>
+                  </m:oMath>
+                </a14:m>
+                <a:r>
+                  <a:rPr lang="en-US" dirty="0"/>
+                  <a:t> function is evaluated using hyperbolic rotation in vectoring mode in Cordic algorithm.</a:t>
+                </a:r>
+              </a:p>
+              <a:p>
+                <a:r>
+                  <a:rPr lang="en-US" dirty="0"/>
+                  <a:t>Initially x set to 1. </a:t>
+                </a:r>
+              </a:p>
+              <a:p>
+                <a:r>
+                  <a:rPr lang="en-US" dirty="0"/>
+                  <a:t>After 10-12 iterations the y value converges to 0 and the z value converges to the </a:t>
+                </a:r>
+                <a14:m>
+                  <m:oMath xmlns:m="http://schemas.openxmlformats.org/officeDocument/2006/math">
+                    <m:func>
+                      <m:funcPr>
+                        <m:ctrlPr>
+                          <a:rPr lang="en-US" b="0" i="1" smtClean="0">
+                            <a:latin typeface="Cambria Math" panose="02040503050406030204" pitchFamily="18" charset="0"/>
+                          </a:rPr>
+                        </m:ctrlPr>
+                      </m:funcPr>
+                      <m:fName>
+                        <m:sSup>
+                          <m:sSupPr>
+                            <m:ctrlPr>
+                              <a:rPr lang="en-US" b="0" i="1" smtClean="0">
+                                <a:latin typeface="Cambria Math" panose="02040503050406030204" pitchFamily="18" charset="0"/>
+                              </a:rPr>
+                            </m:ctrlPr>
+                          </m:sSupPr>
+                          <m:e>
+                            <m:r>
+                              <m:rPr>
+                                <m:sty m:val="p"/>
+                              </m:rPr>
+                              <a:rPr lang="en-US" b="0" i="0" smtClean="0">
+                                <a:latin typeface="Cambria Math" panose="02040503050406030204" pitchFamily="18" charset="0"/>
+                              </a:rPr>
+                              <m:t>tanh</m:t>
+                            </m:r>
+                          </m:e>
+                          <m:sup>
+                            <m:r>
+                              <a:rPr lang="en-US" b="0" i="1" smtClean="0">
+                                <a:latin typeface="Cambria Math" panose="02040503050406030204" pitchFamily="18" charset="0"/>
+                              </a:rPr>
+                              <m:t>−1</m:t>
+                            </m:r>
+                          </m:sup>
+                        </m:sSup>
+                      </m:fName>
+                      <m:e>
+                        <m:r>
+                          <a:rPr lang="en-US" b="0" i="1" smtClean="0">
+                            <a:latin typeface="Cambria Math" panose="02040503050406030204" pitchFamily="18" charset="0"/>
+                          </a:rPr>
+                          <m:t>𝑦</m:t>
+                        </m:r>
+                      </m:e>
+                    </m:func>
+                  </m:oMath>
+                </a14:m>
+                <a:r>
+                  <a:rPr lang="en-US" dirty="0"/>
+                  <a:t>.</a:t>
+                </a:r>
+              </a:p>
+              <a:p>
+                <a:endParaRPr lang="en-US" dirty="0"/>
+              </a:p>
+              <a:p>
+                <a:endParaRPr lang="en-US" dirty="0"/>
+              </a:p>
+              <a:p>
+                <a:endParaRPr lang="en-US" dirty="0"/>
+              </a:p>
+              <a:p>
+                <a:r>
+                  <a:rPr lang="en-US" dirty="0"/>
+                  <a:t>Input format(simulation) : 4 bits for integer part and 16 bits for fractional part</a:t>
+                </a:r>
+              </a:p>
+              <a:p>
+                <a:r>
+                  <a:rPr lang="en-US" dirty="0"/>
+                  <a:t>Result format(simulation) : 6 bits for integer part and 14 bits for fractional part</a:t>
+                </a:r>
+              </a:p>
+              <a:p>
+                <a:endParaRPr lang="en-US" dirty="0"/>
+              </a:p>
+            </p:txBody>
+          </p:sp>
+        </mc:Choice>
+        <mc:Fallback>
+          <p:sp>
+            <p:nvSpPr>
+              <p:cNvPr id="4" name="Content Placeholder 2">
+                <a:extLst>
+                  <a:ext uri="{FF2B5EF4-FFF2-40B4-BE49-F238E27FC236}">
+                    <a16:creationId xmlns:a16="http://schemas.microsoft.com/office/drawing/2014/main" id="{6B1C82C0-15D2-BE06-60F1-7E91F87DB7EE}"/>
+                  </a:ext>
+                </a:extLst>
+              </p:cNvPr>
+              <p:cNvSpPr>
+                <a:spLocks noGrp="1" noRot="1" noChangeAspect="1" noMove="1" noResize="1" noEditPoints="1" noAdjustHandles="1" noChangeArrowheads="1" noChangeShapeType="1" noTextEdit="1"/>
+              </p:cNvSpPr>
+              <p:nvPr>
+                <p:ph idx="1"/>
+              </p:nvPr>
+            </p:nvSpPr>
+            <p:spPr>
+              <a:xfrm>
+                <a:off x="1261872" y="1654120"/>
+                <a:ext cx="8595360" cy="4805464"/>
+              </a:xfrm>
+              <a:blipFill>
+                <a:blip r:embed="rId3"/>
+                <a:stretch>
+                  <a:fillRect l="-142" t="-1014" r="-1135"/>
+                </a:stretch>
+              </a:blipFill>
+            </p:spPr>
+            <p:txBody>
+              <a:bodyPr/>
+              <a:lstStyle/>
+              <a:p>
+                <a:r>
+                  <a:rPr lang="en-US">
+                    <a:noFill/>
+                  </a:rPr>
+                  <a:t> </a:t>
+                </a:r>
+              </a:p>
+            </p:txBody>
+          </p:sp>
+        </mc:Fallback>
+      </mc:AlternateContent>
+      <p:grpSp>
+        <p:nvGrpSpPr>
+          <p:cNvPr id="5" name="Group 4">
+            <a:extLst>
+              <a:ext uri="{FF2B5EF4-FFF2-40B4-BE49-F238E27FC236}">
+                <a16:creationId xmlns:a16="http://schemas.microsoft.com/office/drawing/2014/main" id="{C530FBDB-91B8-62A8-6B54-26A3F6C1F202}"/>
+              </a:ext>
+            </a:extLst>
+          </p:cNvPr>
+          <p:cNvGrpSpPr/>
+          <p:nvPr/>
+        </p:nvGrpSpPr>
+        <p:grpSpPr>
+          <a:xfrm>
+            <a:off x="3852154" y="3510662"/>
+            <a:ext cx="3376419" cy="1285075"/>
+            <a:chOff x="1021404" y="4273610"/>
+            <a:chExt cx="4426085" cy="1997243"/>
+          </a:xfrm>
+        </p:grpSpPr>
+        <p:sp>
+          <p:nvSpPr>
+            <p:cNvPr id="6" name="Rectangle 5">
+              <a:extLst>
+                <a:ext uri="{FF2B5EF4-FFF2-40B4-BE49-F238E27FC236}">
+                  <a16:creationId xmlns:a16="http://schemas.microsoft.com/office/drawing/2014/main" id="{DA63F9BF-FEFE-EA64-E1E0-0203C9B78E41}"/>
+                </a:ext>
+              </a:extLst>
+            </p:cNvPr>
+            <p:cNvSpPr/>
+            <p:nvPr/>
+          </p:nvSpPr>
+          <p:spPr>
+            <a:xfrm>
+              <a:off x="2120630" y="4273610"/>
+              <a:ext cx="1605064" cy="1997243"/>
+            </a:xfrm>
+            <a:prstGeom prst="rect">
+              <a:avLst/>
+            </a:prstGeom>
+            <a:ln>
+              <a:solidFill>
+                <a:schemeClr val="tx1"/>
+              </a:solidFill>
+            </a:ln>
+          </p:spPr>
+          <p:style>
+            <a:lnRef idx="2">
+              <a:schemeClr val="accent6"/>
+            </a:lnRef>
+            <a:fillRef idx="1">
+              <a:schemeClr val="lt1"/>
+            </a:fillRef>
+            <a:effectRef idx="0">
+              <a:schemeClr val="accent6"/>
+            </a:effectRef>
+            <a:fontRef idx="minor">
+              <a:schemeClr val="dk1"/>
+            </a:fontRef>
+          </p:style>
+          <p:txBody>
+            <a:bodyPr rtlCol="0" anchor="ctr"/>
+            <a:lstStyle/>
+            <a:p>
+              <a:pPr algn="ctr"/>
+              <a:endParaRPr lang="en-US"/>
+            </a:p>
+          </p:txBody>
+        </p:sp>
+        <p:sp>
+          <p:nvSpPr>
+            <p:cNvPr id="7" name="TextBox 6">
+              <a:extLst>
+                <a:ext uri="{FF2B5EF4-FFF2-40B4-BE49-F238E27FC236}">
+                  <a16:creationId xmlns:a16="http://schemas.microsoft.com/office/drawing/2014/main" id="{57572C3F-1B84-6AD3-6C7A-8AFE9947AB1D}"/>
+                </a:ext>
+              </a:extLst>
+            </p:cNvPr>
+            <p:cNvSpPr txBox="1"/>
+            <p:nvPr/>
+          </p:nvSpPr>
+          <p:spPr>
+            <a:xfrm>
+              <a:off x="2422187" y="5087566"/>
+              <a:ext cx="1303507" cy="369332"/>
+            </a:xfrm>
+            <a:prstGeom prst="rect">
+              <a:avLst/>
+            </a:prstGeom>
+            <a:noFill/>
+          </p:spPr>
+          <p:txBody>
+            <a:bodyPr wrap="square" rtlCol="0">
+              <a:spAutoFit/>
+            </a:bodyPr>
+            <a:lstStyle/>
+            <a:p>
+              <a:r>
+                <a:rPr lang="en-US" dirty="0"/>
+                <a:t>Cordic</a:t>
+              </a:r>
+            </a:p>
+          </p:txBody>
+        </p:sp>
+        <p:cxnSp>
+          <p:nvCxnSpPr>
+            <p:cNvPr id="8" name="Straight Arrow Connector 7">
+              <a:extLst>
+                <a:ext uri="{FF2B5EF4-FFF2-40B4-BE49-F238E27FC236}">
+                  <a16:creationId xmlns:a16="http://schemas.microsoft.com/office/drawing/2014/main" id="{958B7FB4-ABB1-8B07-776F-8B949D55E66E}"/>
+                </a:ext>
+              </a:extLst>
+            </p:cNvPr>
+            <p:cNvCxnSpPr/>
+            <p:nvPr/>
+          </p:nvCxnSpPr>
+          <p:spPr>
+            <a:xfrm>
+              <a:off x="1507787" y="4513634"/>
+              <a:ext cx="612843" cy="0"/>
+            </a:xfrm>
+            <a:prstGeom prst="straightConnector1">
+              <a:avLst/>
+            </a:prstGeom>
+            <a:ln>
+              <a:tailEnd type="triangle"/>
+            </a:ln>
+          </p:spPr>
+          <p:style>
+            <a:lnRef idx="1">
+              <a:schemeClr val="dk1"/>
+            </a:lnRef>
+            <a:fillRef idx="0">
+              <a:schemeClr val="dk1"/>
+            </a:fillRef>
+            <a:effectRef idx="0">
+              <a:schemeClr val="dk1"/>
+            </a:effectRef>
+            <a:fontRef idx="minor">
+              <a:schemeClr val="tx1"/>
+            </a:fontRef>
+          </p:style>
+        </p:cxnSp>
+        <p:cxnSp>
+          <p:nvCxnSpPr>
+            <p:cNvPr id="9" name="Straight Arrow Connector 8">
+              <a:extLst>
+                <a:ext uri="{FF2B5EF4-FFF2-40B4-BE49-F238E27FC236}">
+                  <a16:creationId xmlns:a16="http://schemas.microsoft.com/office/drawing/2014/main" id="{EEAD88DD-69FA-B08B-3272-436F17D7DC0D}"/>
+                </a:ext>
+              </a:extLst>
+            </p:cNvPr>
+            <p:cNvCxnSpPr/>
+            <p:nvPr/>
+          </p:nvCxnSpPr>
+          <p:spPr>
+            <a:xfrm>
+              <a:off x="1499680" y="5239805"/>
+              <a:ext cx="612843" cy="0"/>
+            </a:xfrm>
+            <a:prstGeom prst="straightConnector1">
+              <a:avLst/>
+            </a:prstGeom>
+            <a:ln>
+              <a:tailEnd type="triangle"/>
+            </a:ln>
+          </p:spPr>
+          <p:style>
+            <a:lnRef idx="1">
+              <a:schemeClr val="dk1"/>
+            </a:lnRef>
+            <a:fillRef idx="0">
+              <a:schemeClr val="dk1"/>
+            </a:fillRef>
+            <a:effectRef idx="0">
+              <a:schemeClr val="dk1"/>
+            </a:effectRef>
+            <a:fontRef idx="minor">
+              <a:schemeClr val="tx1"/>
+            </a:fontRef>
+          </p:style>
+        </p:cxnSp>
+        <p:cxnSp>
+          <p:nvCxnSpPr>
+            <p:cNvPr id="10" name="Straight Arrow Connector 9">
+              <a:extLst>
+                <a:ext uri="{FF2B5EF4-FFF2-40B4-BE49-F238E27FC236}">
+                  <a16:creationId xmlns:a16="http://schemas.microsoft.com/office/drawing/2014/main" id="{E8988E75-2ECA-58B2-BB6F-D80D56011FDE}"/>
+                </a:ext>
+              </a:extLst>
+            </p:cNvPr>
+            <p:cNvCxnSpPr/>
+            <p:nvPr/>
+          </p:nvCxnSpPr>
+          <p:spPr>
+            <a:xfrm>
+              <a:off x="1499679" y="5969540"/>
+              <a:ext cx="612843" cy="0"/>
+            </a:xfrm>
+            <a:prstGeom prst="straightConnector1">
+              <a:avLst/>
+            </a:prstGeom>
+            <a:ln>
+              <a:tailEnd type="triangle"/>
+            </a:ln>
+          </p:spPr>
+          <p:style>
+            <a:lnRef idx="1">
+              <a:schemeClr val="dk1"/>
+            </a:lnRef>
+            <a:fillRef idx="0">
+              <a:schemeClr val="dk1"/>
+            </a:fillRef>
+            <a:effectRef idx="0">
+              <a:schemeClr val="dk1"/>
+            </a:effectRef>
+            <a:fontRef idx="minor">
+              <a:schemeClr val="tx1"/>
+            </a:fontRef>
+          </p:style>
+        </p:cxnSp>
+        <p:cxnSp>
+          <p:nvCxnSpPr>
+            <p:cNvPr id="12" name="Straight Arrow Connector 11">
+              <a:extLst>
+                <a:ext uri="{FF2B5EF4-FFF2-40B4-BE49-F238E27FC236}">
+                  <a16:creationId xmlns:a16="http://schemas.microsoft.com/office/drawing/2014/main" id="{118D8E18-72D5-6897-56B4-3A64444CF079}"/>
+                </a:ext>
+              </a:extLst>
+            </p:cNvPr>
+            <p:cNvCxnSpPr/>
+            <p:nvPr/>
+          </p:nvCxnSpPr>
+          <p:spPr>
+            <a:xfrm>
+              <a:off x="3725693" y="5969540"/>
+              <a:ext cx="612843" cy="0"/>
+            </a:xfrm>
+            <a:prstGeom prst="straightConnector1">
+              <a:avLst/>
+            </a:prstGeom>
+            <a:ln>
+              <a:tailEnd type="triangle"/>
+            </a:ln>
+          </p:spPr>
+          <p:style>
+            <a:lnRef idx="1">
+              <a:schemeClr val="dk1"/>
+            </a:lnRef>
+            <a:fillRef idx="0">
+              <a:schemeClr val="dk1"/>
+            </a:fillRef>
+            <a:effectRef idx="0">
+              <a:schemeClr val="dk1"/>
+            </a:effectRef>
+            <a:fontRef idx="minor">
+              <a:schemeClr val="tx1"/>
+            </a:fontRef>
+          </p:style>
+        </p:cxnSp>
+        <p:cxnSp>
+          <p:nvCxnSpPr>
+            <p:cNvPr id="13" name="Straight Arrow Connector 12">
+              <a:extLst>
+                <a:ext uri="{FF2B5EF4-FFF2-40B4-BE49-F238E27FC236}">
+                  <a16:creationId xmlns:a16="http://schemas.microsoft.com/office/drawing/2014/main" id="{3B6DDB20-8C2A-D6E6-3250-C1E92AA42371}"/>
+                </a:ext>
+              </a:extLst>
+            </p:cNvPr>
+            <p:cNvCxnSpPr/>
+            <p:nvPr/>
+          </p:nvCxnSpPr>
+          <p:spPr>
+            <a:xfrm>
+              <a:off x="3725693" y="5236562"/>
+              <a:ext cx="612843" cy="0"/>
+            </a:xfrm>
+            <a:prstGeom prst="straightConnector1">
+              <a:avLst/>
+            </a:prstGeom>
+            <a:ln>
+              <a:tailEnd type="triangle"/>
+            </a:ln>
+          </p:spPr>
+          <p:style>
+            <a:lnRef idx="1">
+              <a:schemeClr val="dk1"/>
+            </a:lnRef>
+            <a:fillRef idx="0">
+              <a:schemeClr val="dk1"/>
+            </a:fillRef>
+            <a:effectRef idx="0">
+              <a:schemeClr val="dk1"/>
+            </a:effectRef>
+            <a:fontRef idx="minor">
+              <a:schemeClr val="tx1"/>
+            </a:fontRef>
+          </p:style>
+        </p:cxnSp>
+        <p:sp>
+          <p:nvSpPr>
+            <p:cNvPr id="14" name="TextBox 13">
+              <a:extLst>
+                <a:ext uri="{FF2B5EF4-FFF2-40B4-BE49-F238E27FC236}">
+                  <a16:creationId xmlns:a16="http://schemas.microsoft.com/office/drawing/2014/main" id="{95D50B95-964F-EDD5-0553-39375EA2E1C3}"/>
+                </a:ext>
+              </a:extLst>
+            </p:cNvPr>
+            <p:cNvSpPr txBox="1"/>
+            <p:nvPr/>
+          </p:nvSpPr>
+          <p:spPr>
+            <a:xfrm>
+              <a:off x="1032752" y="4318856"/>
+              <a:ext cx="486383" cy="369332"/>
+            </a:xfrm>
+            <a:prstGeom prst="rect">
+              <a:avLst/>
+            </a:prstGeom>
+            <a:noFill/>
+          </p:spPr>
+          <p:txBody>
+            <a:bodyPr wrap="square" rtlCol="0">
+              <a:spAutoFit/>
+            </a:bodyPr>
+            <a:lstStyle/>
+            <a:p>
+              <a:r>
+                <a:rPr lang="en-US" dirty="0"/>
+                <a:t>x</a:t>
+              </a:r>
+            </a:p>
+          </p:txBody>
+        </p:sp>
+        <p:sp>
+          <p:nvSpPr>
+            <p:cNvPr id="15" name="TextBox 14">
+              <a:extLst>
+                <a:ext uri="{FF2B5EF4-FFF2-40B4-BE49-F238E27FC236}">
+                  <a16:creationId xmlns:a16="http://schemas.microsoft.com/office/drawing/2014/main" id="{3FB2C446-53A9-3400-2DAA-A8D9916A706C}"/>
+                </a:ext>
+              </a:extLst>
+            </p:cNvPr>
+            <p:cNvSpPr txBox="1"/>
+            <p:nvPr/>
+          </p:nvSpPr>
+          <p:spPr>
+            <a:xfrm>
+              <a:off x="1021404" y="5087566"/>
+              <a:ext cx="486383" cy="369332"/>
+            </a:xfrm>
+            <a:prstGeom prst="rect">
+              <a:avLst/>
+            </a:prstGeom>
+            <a:noFill/>
+          </p:spPr>
+          <p:txBody>
+            <a:bodyPr wrap="square" rtlCol="0">
+              <a:spAutoFit/>
+            </a:bodyPr>
+            <a:lstStyle/>
+            <a:p>
+              <a:r>
+                <a:rPr lang="en-US" dirty="0"/>
+                <a:t>y</a:t>
+              </a:r>
+            </a:p>
+          </p:txBody>
+        </p:sp>
+        <p:sp>
+          <p:nvSpPr>
+            <p:cNvPr id="16" name="TextBox 15">
+              <a:extLst>
+                <a:ext uri="{FF2B5EF4-FFF2-40B4-BE49-F238E27FC236}">
+                  <a16:creationId xmlns:a16="http://schemas.microsoft.com/office/drawing/2014/main" id="{E5F0E962-8921-79F9-6B8C-A89D2DE20FC7}"/>
+                </a:ext>
+              </a:extLst>
+            </p:cNvPr>
+            <p:cNvSpPr txBox="1"/>
+            <p:nvPr/>
+          </p:nvSpPr>
+          <p:spPr>
+            <a:xfrm>
+              <a:off x="1031942" y="5703886"/>
+              <a:ext cx="204281" cy="369331"/>
+            </a:xfrm>
+            <a:prstGeom prst="rect">
+              <a:avLst/>
+            </a:prstGeom>
+            <a:noFill/>
+          </p:spPr>
+          <p:txBody>
+            <a:bodyPr wrap="square" rtlCol="0">
+              <a:spAutoFit/>
+            </a:bodyPr>
+            <a:lstStyle/>
+            <a:p>
+              <a:r>
+                <a:rPr lang="en-US" dirty="0"/>
+                <a:t>z</a:t>
+              </a:r>
+            </a:p>
+          </p:txBody>
+        </p:sp>
+        <p:sp>
+          <p:nvSpPr>
+            <p:cNvPr id="18" name="TextBox 17">
+              <a:extLst>
+                <a:ext uri="{FF2B5EF4-FFF2-40B4-BE49-F238E27FC236}">
+                  <a16:creationId xmlns:a16="http://schemas.microsoft.com/office/drawing/2014/main" id="{FAF728F0-8855-1A39-9477-14852F151305}"/>
+                </a:ext>
+              </a:extLst>
+            </p:cNvPr>
+            <p:cNvSpPr txBox="1"/>
+            <p:nvPr/>
+          </p:nvSpPr>
+          <p:spPr>
+            <a:xfrm>
+              <a:off x="4307245" y="4937825"/>
+              <a:ext cx="389106" cy="369332"/>
+            </a:xfrm>
+            <a:prstGeom prst="rect">
+              <a:avLst/>
+            </a:prstGeom>
+            <a:noFill/>
+          </p:spPr>
+          <p:txBody>
+            <a:bodyPr wrap="square" rtlCol="0">
+              <a:spAutoFit/>
+            </a:bodyPr>
+            <a:lstStyle/>
+            <a:p>
+              <a:r>
+                <a:rPr lang="en-US" dirty="0"/>
+                <a:t>0</a:t>
+              </a:r>
+            </a:p>
+          </p:txBody>
+        </p:sp>
+        <mc:AlternateContent xmlns:mc="http://schemas.openxmlformats.org/markup-compatibility/2006">
+          <mc:Choice xmlns:a14="http://schemas.microsoft.com/office/drawing/2010/main" Requires="a14">
+            <p:sp>
+              <p:nvSpPr>
+                <p:cNvPr id="19" name="TextBox 18">
+                  <a:extLst>
+                    <a:ext uri="{FF2B5EF4-FFF2-40B4-BE49-F238E27FC236}">
+                      <a16:creationId xmlns:a16="http://schemas.microsoft.com/office/drawing/2014/main" id="{AAEB79EF-6C36-6F42-B41C-673429EEDDF8}"/>
+                    </a:ext>
+                  </a:extLst>
+                </p:cNvPr>
+                <p:cNvSpPr txBox="1"/>
+                <p:nvPr/>
+              </p:nvSpPr>
+              <p:spPr>
+                <a:xfrm>
+                  <a:off x="4338536" y="5651061"/>
+                  <a:ext cx="1108953" cy="566630"/>
+                </a:xfrm>
+                <a:prstGeom prst="rect">
+                  <a:avLst/>
+                </a:prstGeom>
+                <a:noFill/>
+              </p:spPr>
+              <p:txBody>
+                <a:bodyPr wrap="square" rtlCol="0">
+                  <a:spAutoFit/>
+                </a:bodyPr>
+                <a:lstStyle/>
+                <a:p>
+                  <a14:m>
+                    <m:oMathPara xmlns:m="http://schemas.openxmlformats.org/officeDocument/2006/math">
+                      <m:oMathParaPr>
+                        <m:jc m:val="centerGroup"/>
+                      </m:oMathParaPr>
+                      <m:oMath xmlns:m="http://schemas.openxmlformats.org/officeDocument/2006/math">
+                        <m:func>
+                          <m:funcPr>
+                            <m:ctrlPr>
+                              <a:rPr lang="en-US" b="0" i="1" smtClean="0">
+                                <a:latin typeface="Cambria Math" panose="02040503050406030204" pitchFamily="18" charset="0"/>
+                              </a:rPr>
+                            </m:ctrlPr>
+                          </m:funcPr>
+                          <m:fName>
+                            <m:sSup>
+                              <m:sSupPr>
+                                <m:ctrlPr>
+                                  <a:rPr lang="en-US" b="0" i="1" smtClean="0">
+                                    <a:latin typeface="Cambria Math" panose="02040503050406030204" pitchFamily="18" charset="0"/>
+                                  </a:rPr>
+                                </m:ctrlPr>
+                              </m:sSupPr>
+                              <m:e>
+                                <m:r>
+                                  <m:rPr>
+                                    <m:sty m:val="p"/>
+                                  </m:rPr>
+                                  <a:rPr lang="en-US" b="0" i="0" smtClean="0">
+                                    <a:latin typeface="Cambria Math" panose="02040503050406030204" pitchFamily="18" charset="0"/>
+                                  </a:rPr>
+                                  <m:t>tan</m:t>
+                                </m:r>
+                                <m:r>
+                                  <a:rPr lang="en-US" b="0" i="1" smtClean="0">
+                                    <a:latin typeface="Cambria Math" panose="02040503050406030204" pitchFamily="18" charset="0"/>
+                                  </a:rPr>
+                                  <m:t>h</m:t>
+                                </m:r>
+                              </m:e>
+                              <m:sup>
+                                <m:r>
+                                  <a:rPr lang="en-US" b="0" i="1" smtClean="0">
+                                    <a:latin typeface="Cambria Math" panose="02040503050406030204" pitchFamily="18" charset="0"/>
+                                  </a:rPr>
+                                  <m:t>−1</m:t>
+                                </m:r>
+                              </m:sup>
+                            </m:sSup>
+                          </m:fName>
+                          <m:e>
+                            <m:r>
+                              <a:rPr lang="en-US" b="0" i="1" smtClean="0">
+                                <a:latin typeface="Cambria Math" panose="02040503050406030204" pitchFamily="18" charset="0"/>
+                              </a:rPr>
+                              <m:t>(</m:t>
+                            </m:r>
+                            <m:f>
+                              <m:fPr>
+                                <m:ctrlPr>
+                                  <a:rPr lang="en-US" b="0" i="1" smtClean="0">
+                                    <a:latin typeface="Cambria Math" panose="02040503050406030204" pitchFamily="18" charset="0"/>
+                                  </a:rPr>
+                                </m:ctrlPr>
+                              </m:fPr>
+                              <m:num>
+                                <m:r>
+                                  <a:rPr lang="en-US" b="0" i="1" smtClean="0">
+                                    <a:latin typeface="Cambria Math" panose="02040503050406030204" pitchFamily="18" charset="0"/>
+                                  </a:rPr>
+                                  <m:t>𝑦</m:t>
+                                </m:r>
+                              </m:num>
+                              <m:den>
+                                <m:r>
+                                  <a:rPr lang="en-US" b="0" i="1" smtClean="0">
+                                    <a:latin typeface="Cambria Math" panose="02040503050406030204" pitchFamily="18" charset="0"/>
+                                  </a:rPr>
+                                  <m:t>𝑥</m:t>
+                                </m:r>
+                              </m:den>
+                            </m:f>
+                            <m:r>
+                              <a:rPr lang="en-US" b="0" i="1" smtClean="0">
+                                <a:latin typeface="Cambria Math" panose="02040503050406030204" pitchFamily="18" charset="0"/>
+                              </a:rPr>
+                              <m:t>)</m:t>
+                            </m:r>
+                          </m:e>
+                        </m:func>
+                      </m:oMath>
+                    </m:oMathPara>
+                  </a14:m>
+                  <a:endParaRPr lang="en-US" dirty="0"/>
+                </a:p>
+              </p:txBody>
+            </p:sp>
+          </mc:Choice>
+          <mc:Fallback>
+            <p:sp>
+              <p:nvSpPr>
+                <p:cNvPr id="19" name="TextBox 18">
+                  <a:extLst>
+                    <a:ext uri="{FF2B5EF4-FFF2-40B4-BE49-F238E27FC236}">
+                      <a16:creationId xmlns:a16="http://schemas.microsoft.com/office/drawing/2014/main" id="{AAEB79EF-6C36-6F42-B41C-673429EEDDF8}"/>
+                    </a:ext>
+                  </a:extLst>
+                </p:cNvPr>
+                <p:cNvSpPr txBox="1">
+                  <a:spLocks noRot="1" noChangeAspect="1" noMove="1" noResize="1" noEditPoints="1" noAdjustHandles="1" noChangeArrowheads="1" noChangeShapeType="1" noTextEdit="1"/>
+                </p:cNvSpPr>
+                <p:nvPr/>
+              </p:nvSpPr>
+              <p:spPr>
+                <a:xfrm>
+                  <a:off x="4338536" y="5651061"/>
+                  <a:ext cx="1108953" cy="566630"/>
+                </a:xfrm>
+                <a:prstGeom prst="rect">
+                  <a:avLst/>
+                </a:prstGeom>
+                <a:blipFill>
+                  <a:blip r:embed="rId4"/>
+                  <a:stretch>
+                    <a:fillRect r="-27338" b="-43333"/>
+                  </a:stretch>
+                </a:blipFill>
+              </p:spPr>
+              <p:txBody>
+                <a:bodyPr/>
+                <a:lstStyle/>
+                <a:p>
+                  <a:r>
+                    <a:rPr lang="en-US">
+                      <a:noFill/>
+                    </a:rPr>
+                    <a:t> </a:t>
+                  </a:r>
+                </a:p>
+              </p:txBody>
+            </p:sp>
+          </mc:Fallback>
+        </mc:AlternateContent>
+      </p:grpSp>
+    </p:spTree>
+    <p:extLst>
+      <p:ext uri="{BB962C8B-B14F-4D97-AF65-F5344CB8AC3E}">
+        <p14:creationId xmlns:p14="http://schemas.microsoft.com/office/powerpoint/2010/main" val="2260439660"/>
+      </p:ext>
+    </p:extLst>
+  </p:cSld>
+  <p:clrMapOvr>
+    <a:masterClrMapping/>
+  </p:clrMapOvr>
+</p:sld>
+</file>
+
+<file path=ppt/slides/slide19.xml><?xml version="1.0" encoding="utf-8"?>
+<p:sld xmlns:a="http://schemas.openxmlformats.org/drawingml/2006/main" xmlns:r="http://schemas.openxmlformats.org/officeDocument/2006/relationships" xmlns:p="http://schemas.openxmlformats.org/presentationml/2006/main">
+  <p:cSld>
+    <p:spTree>
+      <p:nvGrpSpPr>
+        <p:cNvPr id="1" name=""/>
+        <p:cNvGrpSpPr/>
+        <p:nvPr/>
+      </p:nvGrpSpPr>
+      <p:grpSpPr>
+        <a:xfrm>
+          <a:off x="0" y="0"/>
+          <a:ext cx="0" cy="0"/>
+          <a:chOff x="0" y="0"/>
+          <a:chExt cx="0" cy="0"/>
+        </a:xfrm>
+      </p:grpSpPr>
+      <mc:AlternateContent xmlns:mc="http://schemas.openxmlformats.org/markup-compatibility/2006">
+        <mc:Choice xmlns:a14="http://schemas.microsoft.com/office/drawing/2010/main" Requires="a14">
+          <p:sp>
+            <p:nvSpPr>
+              <p:cNvPr id="2" name="Title 1">
+                <a:extLst>
+                  <a:ext uri="{FF2B5EF4-FFF2-40B4-BE49-F238E27FC236}">
+                    <a16:creationId xmlns:a16="http://schemas.microsoft.com/office/drawing/2014/main" id="{8D7A94A3-7A6B-2751-39DA-5D5BED538436}"/>
+                  </a:ext>
+                </a:extLst>
+              </p:cNvPr>
+              <p:cNvSpPr>
+                <a:spLocks noGrp="1"/>
+              </p:cNvSpPr>
+              <p:nvPr>
+                <p:ph type="title"/>
+              </p:nvPr>
+            </p:nvSpPr>
+            <p:spPr/>
+            <p:txBody>
+              <a:bodyPr>
+                <a:normAutofit/>
+              </a:bodyPr>
+              <a:lstStyle/>
+              <a:p>
+                <a:r>
+                  <a:rPr lang="en-US" dirty="0"/>
+                  <a:t>Limitations of </a:t>
+                </a:r>
+                <a14:m>
+                  <m:oMath xmlns:m="http://schemas.openxmlformats.org/officeDocument/2006/math">
+                    <m:r>
+                      <a:rPr lang="en-US" b="0" i="1" smtClean="0">
+                        <a:latin typeface="Cambria Math" panose="02040503050406030204" pitchFamily="18" charset="0"/>
+                      </a:rPr>
+                      <m:t>𝑇𝑎</m:t>
+                    </m:r>
+                    <m:sSup>
+                      <m:sSupPr>
+                        <m:ctrlPr>
+                          <a:rPr lang="en-US" b="0" i="1" smtClean="0">
+                            <a:latin typeface="Cambria Math" panose="02040503050406030204" pitchFamily="18" charset="0"/>
+                          </a:rPr>
+                        </m:ctrlPr>
+                      </m:sSupPr>
+                      <m:e>
+                        <m:r>
+                          <a:rPr lang="en-US" b="0" i="1" smtClean="0">
+                            <a:latin typeface="Cambria Math" panose="02040503050406030204" pitchFamily="18" charset="0"/>
+                          </a:rPr>
+                          <m:t>𝑛h</m:t>
+                        </m:r>
+                      </m:e>
+                      <m:sup>
+                        <m:r>
+                          <a:rPr lang="en-US" b="0" i="1" smtClean="0">
+                            <a:latin typeface="Cambria Math" panose="02040503050406030204" pitchFamily="18" charset="0"/>
+                          </a:rPr>
+                          <m:t>−1</m:t>
+                        </m:r>
+                      </m:sup>
+                    </m:sSup>
+                    <m:r>
+                      <a:rPr lang="en-US" b="0" i="1" smtClean="0">
+                        <a:latin typeface="Cambria Math" panose="02040503050406030204" pitchFamily="18" charset="0"/>
+                      </a:rPr>
+                      <m:t>(</m:t>
+                    </m:r>
+                    <m:r>
+                      <a:rPr lang="en-US" b="0" i="1" smtClean="0">
+                        <a:latin typeface="Cambria Math" panose="02040503050406030204" pitchFamily="18" charset="0"/>
+                      </a:rPr>
+                      <m:t>𝑦</m:t>
+                    </m:r>
+                    <m:r>
+                      <a:rPr lang="en-US" b="0" i="1" smtClean="0">
+                        <a:latin typeface="Cambria Math" panose="02040503050406030204" pitchFamily="18" charset="0"/>
+                      </a:rPr>
+                      <m:t>)</m:t>
+                    </m:r>
+                  </m:oMath>
+                </a14:m>
+                <a:r>
+                  <a:rPr lang="en-US" dirty="0"/>
+                  <a:t> implementation </a:t>
+                </a:r>
+              </a:p>
+            </p:txBody>
+          </p:sp>
+        </mc:Choice>
+        <mc:Fallback>
+          <p:sp>
+            <p:nvSpPr>
+              <p:cNvPr id="2" name="Title 1">
+                <a:extLst>
+                  <a:ext uri="{FF2B5EF4-FFF2-40B4-BE49-F238E27FC236}">
+                    <a16:creationId xmlns:a16="http://schemas.microsoft.com/office/drawing/2014/main" id="{8D7A94A3-7A6B-2751-39DA-5D5BED538436}"/>
+                  </a:ext>
+                </a:extLst>
+              </p:cNvPr>
+              <p:cNvSpPr>
+                <a:spLocks noGrp="1" noRot="1" noChangeAspect="1" noMove="1" noResize="1" noEditPoints="1" noAdjustHandles="1" noChangeArrowheads="1" noChangeShapeType="1" noTextEdit="1"/>
+              </p:cNvSpPr>
+              <p:nvPr>
+                <p:ph type="title"/>
+              </p:nvPr>
+            </p:nvSpPr>
+            <p:spPr>
+              <a:blipFill>
+                <a:blip r:embed="rId2"/>
+                <a:stretch>
+                  <a:fillRect l="-2516" t="-12442" b="-22120"/>
+                </a:stretch>
+              </a:blipFill>
+            </p:spPr>
+            <p:txBody>
+              <a:bodyPr/>
+              <a:lstStyle/>
+              <a:p>
+                <a:r>
+                  <a:rPr lang="en-US">
+                    <a:noFill/>
+                  </a:rPr>
+                  <a:t> </a:t>
+                </a:r>
+              </a:p>
+            </p:txBody>
+          </p:sp>
+        </mc:Fallback>
+      </mc:AlternateContent>
+      <mc:AlternateContent xmlns:mc="http://schemas.openxmlformats.org/markup-compatibility/2006">
+        <mc:Choice xmlns:a14="http://schemas.microsoft.com/office/drawing/2010/main" Requires="a14">
+          <p:sp>
+            <p:nvSpPr>
+              <p:cNvPr id="3" name="Content Placeholder 2">
+                <a:extLst>
+                  <a:ext uri="{FF2B5EF4-FFF2-40B4-BE49-F238E27FC236}">
+                    <a16:creationId xmlns:a16="http://schemas.microsoft.com/office/drawing/2014/main" id="{9634C85E-F6D3-2417-8A66-7A48C906201A}"/>
+                  </a:ext>
+                </a:extLst>
+              </p:cNvPr>
+              <p:cNvSpPr>
+                <a:spLocks noGrp="1"/>
+              </p:cNvSpPr>
+              <p:nvPr>
+                <p:ph idx="1"/>
+              </p:nvPr>
+            </p:nvSpPr>
+            <p:spPr>
+              <a:xfrm>
+                <a:off x="1261872" y="2003898"/>
+                <a:ext cx="8595360" cy="4351337"/>
+              </a:xfrm>
+            </p:spPr>
+            <p:txBody>
+              <a:bodyPr/>
+              <a:lstStyle/>
+              <a:p>
+                <a14:m>
+                  <m:oMath xmlns:m="http://schemas.openxmlformats.org/officeDocument/2006/math">
+                    <m:r>
+                      <a:rPr lang="en-US" b="0" i="1" smtClean="0">
+                        <a:latin typeface="Cambria Math" panose="02040503050406030204" pitchFamily="18" charset="0"/>
+                      </a:rPr>
+                      <m:t>𝑇𝑎</m:t>
+                    </m:r>
+                    <m:sSup>
+                      <m:sSupPr>
+                        <m:ctrlPr>
+                          <a:rPr lang="en-US" b="0" i="1" smtClean="0">
+                            <a:latin typeface="Cambria Math" panose="02040503050406030204" pitchFamily="18" charset="0"/>
+                          </a:rPr>
+                        </m:ctrlPr>
+                      </m:sSupPr>
+                      <m:e>
+                        <m:r>
+                          <a:rPr lang="en-US" b="0" i="1" smtClean="0">
+                            <a:latin typeface="Cambria Math" panose="02040503050406030204" pitchFamily="18" charset="0"/>
+                          </a:rPr>
+                          <m:t>𝑛h</m:t>
+                        </m:r>
+                      </m:e>
+                      <m:sup>
+                        <m:r>
+                          <a:rPr lang="en-US" b="0" i="1" smtClean="0">
+                            <a:latin typeface="Cambria Math" panose="02040503050406030204" pitchFamily="18" charset="0"/>
+                          </a:rPr>
+                          <m:t>−1</m:t>
+                        </m:r>
+                      </m:sup>
+                    </m:sSup>
+                    <m:r>
+                      <a:rPr lang="en-US" b="0" i="1" smtClean="0">
+                        <a:latin typeface="Cambria Math" panose="02040503050406030204" pitchFamily="18" charset="0"/>
+                      </a:rPr>
+                      <m:t>(</m:t>
+                    </m:r>
+                    <m:r>
+                      <a:rPr lang="en-US" b="0" i="1" smtClean="0">
+                        <a:latin typeface="Cambria Math" panose="02040503050406030204" pitchFamily="18" charset="0"/>
+                      </a:rPr>
+                      <m:t>𝑦</m:t>
+                    </m:r>
+                    <m:r>
+                      <a:rPr lang="en-US" b="0" i="1" smtClean="0">
+                        <a:latin typeface="Cambria Math" panose="02040503050406030204" pitchFamily="18" charset="0"/>
+                      </a:rPr>
+                      <m:t>)</m:t>
+                    </m:r>
+                  </m:oMath>
+                </a14:m>
+                <a:r>
+                  <a:rPr lang="en-US" dirty="0"/>
+                  <a:t> function asymptotically reaches </a:t>
+                </a:r>
+                <a14:m>
+                  <m:oMath xmlns:m="http://schemas.openxmlformats.org/officeDocument/2006/math">
+                    <m:r>
+                      <a:rPr lang="en-US" b="0" i="1" smtClean="0">
+                        <a:latin typeface="Cambria Math" panose="02040503050406030204" pitchFamily="18" charset="0"/>
+                      </a:rPr>
+                      <m:t>±</m:t>
+                    </m:r>
+                  </m:oMath>
+                </a14:m>
+                <a:r>
+                  <a:rPr lang="en-US" dirty="0"/>
+                  <a:t> infinity when y </a:t>
+                </a:r>
+                <a14:m>
+                  <m:oMath xmlns:m="http://schemas.openxmlformats.org/officeDocument/2006/math">
+                    <m:r>
+                      <a:rPr lang="en-US" b="0" i="1" smtClean="0">
+                        <a:latin typeface="Cambria Math" panose="02040503050406030204" pitchFamily="18" charset="0"/>
+                      </a:rPr>
+                      <m:t>→±1 .</m:t>
+                    </m:r>
+                  </m:oMath>
+                </a14:m>
+                <a:endParaRPr lang="en-US" dirty="0"/>
+              </a:p>
+              <a:p>
+                <a:r>
+                  <a:rPr lang="en-US" dirty="0"/>
+                  <a:t>In the implementation we have considered the inputs y </a:t>
+                </a:r>
+                <a14:m>
+                  <m:oMath xmlns:m="http://schemas.openxmlformats.org/officeDocument/2006/math">
+                    <m:r>
+                      <a:rPr lang="en-US" i="1" smtClean="0">
+                        <a:latin typeface="Cambria Math" panose="02040503050406030204" pitchFamily="18" charset="0"/>
+                        <a:ea typeface="Cambria Math" panose="02040503050406030204" pitchFamily="18" charset="0"/>
+                      </a:rPr>
+                      <m:t>∈</m:t>
+                    </m:r>
+                    <m:r>
+                      <a:rPr lang="en-US" b="0" i="1" smtClean="0">
+                        <a:latin typeface="Cambria Math" panose="02040503050406030204" pitchFamily="18" charset="0"/>
+                        <a:ea typeface="Cambria Math" panose="02040503050406030204" pitchFamily="18" charset="0"/>
+                      </a:rPr>
+                      <m:t>[−0.95, 0.95]</m:t>
+                    </m:r>
+                  </m:oMath>
+                </a14:m>
+                <a:r>
+                  <a:rPr lang="en-US" dirty="0"/>
+                  <a:t>.</a:t>
+                </a:r>
+              </a:p>
+              <a:p>
+                <a:r>
+                  <a:rPr lang="en-US" dirty="0"/>
+                  <a:t>Beyond this range, as </a:t>
+                </a:r>
+                <a14:m>
+                  <m:oMath xmlns:m="http://schemas.openxmlformats.org/officeDocument/2006/math">
+                    <m:r>
+                      <a:rPr lang="en-US" b="0" i="1" smtClean="0">
+                        <a:latin typeface="Cambria Math" panose="02040503050406030204" pitchFamily="18" charset="0"/>
+                      </a:rPr>
+                      <m:t>𝑇𝑎</m:t>
+                    </m:r>
+                    <m:sSup>
+                      <m:sSupPr>
+                        <m:ctrlPr>
+                          <a:rPr lang="en-US" b="0" i="1" smtClean="0">
+                            <a:latin typeface="Cambria Math" panose="02040503050406030204" pitchFamily="18" charset="0"/>
+                          </a:rPr>
+                        </m:ctrlPr>
+                      </m:sSupPr>
+                      <m:e>
+                        <m:r>
+                          <a:rPr lang="en-US" b="0" i="1" smtClean="0">
+                            <a:latin typeface="Cambria Math" panose="02040503050406030204" pitchFamily="18" charset="0"/>
+                          </a:rPr>
+                          <m:t>𝑛h</m:t>
+                        </m:r>
+                      </m:e>
+                      <m:sup>
+                        <m:r>
+                          <a:rPr lang="en-US" b="0" i="1" smtClean="0">
+                            <a:latin typeface="Cambria Math" panose="02040503050406030204" pitchFamily="18" charset="0"/>
+                          </a:rPr>
+                          <m:t>−1</m:t>
+                        </m:r>
+                      </m:sup>
+                    </m:sSup>
+                    <m:d>
+                      <m:dPr>
+                        <m:ctrlPr>
+                          <a:rPr lang="en-US" b="0" i="1" smtClean="0">
+                            <a:latin typeface="Cambria Math" panose="02040503050406030204" pitchFamily="18" charset="0"/>
+                          </a:rPr>
+                        </m:ctrlPr>
+                      </m:dPr>
+                      <m:e>
+                        <m:r>
+                          <a:rPr lang="en-US" b="0" i="1" smtClean="0">
+                            <a:latin typeface="Cambria Math" panose="02040503050406030204" pitchFamily="18" charset="0"/>
+                          </a:rPr>
+                          <m:t>𝑦</m:t>
+                        </m:r>
+                      </m:e>
+                    </m:d>
+                  </m:oMath>
+                </a14:m>
+                <a:r>
+                  <a:rPr lang="en-US" dirty="0"/>
+                  <a:t> grows towards </a:t>
+                </a:r>
+                <a14:m>
+                  <m:oMath xmlns:m="http://schemas.openxmlformats.org/officeDocument/2006/math">
+                    <m:r>
+                      <a:rPr lang="en-US" b="0" i="1" smtClean="0">
+                        <a:latin typeface="Cambria Math" panose="02040503050406030204" pitchFamily="18" charset="0"/>
+                      </a:rPr>
+                      <m:t>±</m:t>
+                    </m:r>
+                    <m:r>
+                      <a:rPr lang="en-US" b="0" i="1" smtClean="0">
+                        <a:latin typeface="Cambria Math" panose="02040503050406030204" pitchFamily="18" charset="0"/>
+                        <a:ea typeface="Cambria Math" panose="02040503050406030204" pitchFamily="18" charset="0"/>
+                      </a:rPr>
+                      <m:t>∞</m:t>
+                    </m:r>
+                  </m:oMath>
+                </a14:m>
+                <a:r>
+                  <a:rPr lang="en-US" dirty="0"/>
+                  <a:t>. Hence it is difficult to capture the result accurately due to fixed point representation and fixed number of iterations(10-12) in Cordic algorithm.</a:t>
+                </a:r>
+              </a:p>
+              <a:p>
+                <a:endParaRPr lang="en-US" dirty="0"/>
+              </a:p>
+              <a:p>
+                <a:endParaRPr lang="en-US" dirty="0"/>
+              </a:p>
+            </p:txBody>
+          </p:sp>
+        </mc:Choice>
+        <mc:Fallback>
+          <p:sp>
+            <p:nvSpPr>
+              <p:cNvPr id="3" name="Content Placeholder 2">
+                <a:extLst>
+                  <a:ext uri="{FF2B5EF4-FFF2-40B4-BE49-F238E27FC236}">
+                    <a16:creationId xmlns:a16="http://schemas.microsoft.com/office/drawing/2014/main" id="{9634C85E-F6D3-2417-8A66-7A48C906201A}"/>
+                  </a:ext>
+                </a:extLst>
+              </p:cNvPr>
+              <p:cNvSpPr>
+                <a:spLocks noGrp="1" noRot="1" noChangeAspect="1" noMove="1" noResize="1" noEditPoints="1" noAdjustHandles="1" noChangeArrowheads="1" noChangeShapeType="1" noTextEdit="1"/>
+              </p:cNvSpPr>
+              <p:nvPr>
+                <p:ph idx="1"/>
+              </p:nvPr>
+            </p:nvSpPr>
+            <p:spPr>
+              <a:xfrm>
+                <a:off x="1261872" y="2003898"/>
+                <a:ext cx="8595360" cy="4351337"/>
+              </a:xfrm>
+              <a:blipFill>
+                <a:blip r:embed="rId3"/>
+                <a:stretch>
+                  <a:fillRect l="-142" t="-1261"/>
+                </a:stretch>
+              </a:blipFill>
+            </p:spPr>
+            <p:txBody>
+              <a:bodyPr/>
+              <a:lstStyle/>
+              <a:p>
+                <a:r>
+                  <a:rPr lang="en-US">
+                    <a:noFill/>
+                  </a:rPr>
+                  <a:t> </a:t>
+                </a:r>
+              </a:p>
+            </p:txBody>
+          </p:sp>
+        </mc:Fallback>
+      </mc:AlternateContent>
+    </p:spTree>
+    <p:extLst>
+      <p:ext uri="{BB962C8B-B14F-4D97-AF65-F5344CB8AC3E}">
+        <p14:creationId xmlns:p14="http://schemas.microsoft.com/office/powerpoint/2010/main" val="3076387977"/>
       </p:ext>
     </p:extLst>
   </p:cSld>
@@ -3827,6 +9166,2504 @@
     <p:extLst>
       <p:ext uri="{BB962C8B-B14F-4D97-AF65-F5344CB8AC3E}">
         <p14:creationId xmlns:p14="http://schemas.microsoft.com/office/powerpoint/2010/main" val="3730841791"/>
+      </p:ext>
+    </p:extLst>
+  </p:cSld>
+  <p:clrMapOvr>
+    <a:masterClrMapping/>
+  </p:clrMapOvr>
+</p:sld>
+</file>
+
+<file path=ppt/slides/slide20.xml><?xml version="1.0" encoding="utf-8"?>
+<p:sld xmlns:a="http://schemas.openxmlformats.org/drawingml/2006/main" xmlns:r="http://schemas.openxmlformats.org/officeDocument/2006/relationships" xmlns:p="http://schemas.openxmlformats.org/presentationml/2006/main">
+  <p:cSld>
+    <p:spTree>
+      <p:nvGrpSpPr>
+        <p:cNvPr id="1" name=""/>
+        <p:cNvGrpSpPr/>
+        <p:nvPr/>
+      </p:nvGrpSpPr>
+      <p:grpSpPr>
+        <a:xfrm>
+          <a:off x="0" y="0"/>
+          <a:ext cx="0" cy="0"/>
+          <a:chOff x="0" y="0"/>
+          <a:chExt cx="0" cy="0"/>
+        </a:xfrm>
+      </p:grpSpPr>
+      <mc:AlternateContent xmlns:mc="http://schemas.openxmlformats.org/markup-compatibility/2006">
+        <mc:Choice xmlns:a14="http://schemas.microsoft.com/office/drawing/2010/main" Requires="a14">
+          <p:sp>
+            <p:nvSpPr>
+              <p:cNvPr id="2" name="Title 1">
+                <a:extLst>
+                  <a:ext uri="{FF2B5EF4-FFF2-40B4-BE49-F238E27FC236}">
+                    <a16:creationId xmlns:a16="http://schemas.microsoft.com/office/drawing/2014/main" id="{14C7C36D-E760-3784-4E95-76B41644FEF5}"/>
+                  </a:ext>
+                </a:extLst>
+              </p:cNvPr>
+              <p:cNvSpPr>
+                <a:spLocks noGrp="1"/>
+              </p:cNvSpPr>
+              <p:nvPr>
+                <p:ph type="title"/>
+              </p:nvPr>
+            </p:nvSpPr>
+            <p:spPr/>
+            <p:txBody>
+              <a:bodyPr/>
+              <a:lstStyle/>
+              <a:p>
+                <a14:m>
+                  <m:oMath xmlns:m="http://schemas.openxmlformats.org/officeDocument/2006/math">
+                    <m:r>
+                      <a:rPr lang="en-US" b="0" i="1" smtClean="0">
+                        <a:latin typeface="Cambria Math" panose="02040503050406030204" pitchFamily="18" charset="0"/>
+                      </a:rPr>
+                      <m:t>𝑇𝑎</m:t>
+                    </m:r>
+                    <m:sSup>
+                      <m:sSupPr>
+                        <m:ctrlPr>
+                          <a:rPr lang="en-US" b="0" i="1" smtClean="0">
+                            <a:latin typeface="Cambria Math" panose="02040503050406030204" pitchFamily="18" charset="0"/>
+                          </a:rPr>
+                        </m:ctrlPr>
+                      </m:sSupPr>
+                      <m:e>
+                        <m:r>
+                          <a:rPr lang="en-US" b="0" i="1" smtClean="0">
+                            <a:latin typeface="Cambria Math" panose="02040503050406030204" pitchFamily="18" charset="0"/>
+                          </a:rPr>
+                          <m:t>𝑛</m:t>
+                        </m:r>
+                        <m:r>
+                          <a:rPr lang="en-US" b="0" i="1" smtClean="0">
+                            <a:latin typeface="Cambria Math" panose="02040503050406030204" pitchFamily="18" charset="0"/>
+                          </a:rPr>
+                          <m:t>h</m:t>
+                        </m:r>
+                      </m:e>
+                      <m:sup>
+                        <m:r>
+                          <a:rPr lang="en-US" b="0" i="1" smtClean="0">
+                            <a:latin typeface="Cambria Math" panose="02040503050406030204" pitchFamily="18" charset="0"/>
+                          </a:rPr>
+                          <m:t>−1</m:t>
+                        </m:r>
+                      </m:sup>
+                    </m:sSup>
+                    <m:r>
+                      <a:rPr lang="en-US" b="0" i="1" smtClean="0">
+                        <a:latin typeface="Cambria Math" panose="02040503050406030204" pitchFamily="18" charset="0"/>
+                      </a:rPr>
+                      <m:t>(</m:t>
+                    </m:r>
+                    <m:r>
+                      <a:rPr lang="en-US" b="0" i="1" smtClean="0">
+                        <a:latin typeface="Cambria Math" panose="02040503050406030204" pitchFamily="18" charset="0"/>
+                      </a:rPr>
+                      <m:t>𝑦</m:t>
+                    </m:r>
+                    <m:r>
+                      <a:rPr lang="en-US" b="0" i="1" smtClean="0">
+                        <a:latin typeface="Cambria Math" panose="02040503050406030204" pitchFamily="18" charset="0"/>
+                      </a:rPr>
+                      <m:t>)</m:t>
+                    </m:r>
+                  </m:oMath>
+                </a14:m>
+                <a:r>
+                  <a:rPr lang="en-US" dirty="0"/>
+                  <a:t> simulation waveform</a:t>
+                </a:r>
+              </a:p>
+            </p:txBody>
+          </p:sp>
+        </mc:Choice>
+        <mc:Fallback>
+          <p:sp>
+            <p:nvSpPr>
+              <p:cNvPr id="2" name="Title 1">
+                <a:extLst>
+                  <a:ext uri="{FF2B5EF4-FFF2-40B4-BE49-F238E27FC236}">
+                    <a16:creationId xmlns:a16="http://schemas.microsoft.com/office/drawing/2014/main" id="{14C7C36D-E760-3784-4E95-76B41644FEF5}"/>
+                  </a:ext>
+                </a:extLst>
+              </p:cNvPr>
+              <p:cNvSpPr>
+                <a:spLocks noGrp="1" noRot="1" noChangeAspect="1" noMove="1" noResize="1" noEditPoints="1" noAdjustHandles="1" noChangeArrowheads="1" noChangeShapeType="1" noTextEdit="1"/>
+              </p:cNvSpPr>
+              <p:nvPr>
+                <p:ph type="title"/>
+              </p:nvPr>
+            </p:nvSpPr>
+            <p:spPr>
+              <a:blipFill>
+                <a:blip r:embed="rId2"/>
+                <a:stretch>
+                  <a:fillRect b="-22120"/>
+                </a:stretch>
+              </a:blipFill>
+            </p:spPr>
+            <p:txBody>
+              <a:bodyPr/>
+              <a:lstStyle/>
+              <a:p>
+                <a:r>
+                  <a:rPr lang="en-US">
+                    <a:noFill/>
+                  </a:rPr>
+                  <a:t> </a:t>
+                </a:r>
+              </a:p>
+            </p:txBody>
+          </p:sp>
+        </mc:Fallback>
+      </mc:AlternateContent>
+      <p:sp>
+        <p:nvSpPr>
+          <p:cNvPr id="9" name="TextBox 8">
+            <a:extLst>
+              <a:ext uri="{FF2B5EF4-FFF2-40B4-BE49-F238E27FC236}">
+                <a16:creationId xmlns:a16="http://schemas.microsoft.com/office/drawing/2014/main" id="{D3E59879-E395-8BE9-3ECA-367FD3767218}"/>
+              </a:ext>
+            </a:extLst>
+          </p:cNvPr>
+          <p:cNvSpPr txBox="1"/>
+          <p:nvPr/>
+        </p:nvSpPr>
+        <p:spPr>
+          <a:xfrm>
+            <a:off x="1001752" y="1848578"/>
+            <a:ext cx="2052536" cy="369332"/>
+          </a:xfrm>
+          <a:prstGeom prst="rect">
+            <a:avLst/>
+          </a:prstGeom>
+          <a:noFill/>
+        </p:spPr>
+        <p:txBody>
+          <a:bodyPr wrap="square" rtlCol="0">
+            <a:spAutoFit/>
+          </a:bodyPr>
+          <a:lstStyle/>
+          <a:p>
+            <a:r>
+              <a:rPr lang="en-US" dirty="0"/>
+              <a:t>Expected:</a:t>
+            </a:r>
+          </a:p>
+        </p:txBody>
+      </p:sp>
+      <p:sp>
+        <p:nvSpPr>
+          <p:cNvPr id="10" name="TextBox 9">
+            <a:extLst>
+              <a:ext uri="{FF2B5EF4-FFF2-40B4-BE49-F238E27FC236}">
+                <a16:creationId xmlns:a16="http://schemas.microsoft.com/office/drawing/2014/main" id="{5691C2CE-4EAF-2ECF-4EAF-571D43832ED5}"/>
+              </a:ext>
+            </a:extLst>
+          </p:cNvPr>
+          <p:cNvSpPr txBox="1"/>
+          <p:nvPr/>
+        </p:nvSpPr>
+        <p:spPr>
+          <a:xfrm>
+            <a:off x="1001752" y="4110777"/>
+            <a:ext cx="3122776" cy="369332"/>
+          </a:xfrm>
+          <a:prstGeom prst="rect">
+            <a:avLst/>
+          </a:prstGeom>
+          <a:noFill/>
+        </p:spPr>
+        <p:txBody>
+          <a:bodyPr wrap="square" rtlCol="0">
+            <a:spAutoFit/>
+          </a:bodyPr>
+          <a:lstStyle/>
+          <a:p>
+            <a:r>
+              <a:rPr lang="en-US" dirty="0"/>
+              <a:t>Simulation Result:</a:t>
+            </a:r>
+          </a:p>
+        </p:txBody>
+      </p:sp>
+      <p:grpSp>
+        <p:nvGrpSpPr>
+          <p:cNvPr id="19" name="Group 18">
+            <a:extLst>
+              <a:ext uri="{FF2B5EF4-FFF2-40B4-BE49-F238E27FC236}">
+                <a16:creationId xmlns:a16="http://schemas.microsoft.com/office/drawing/2014/main" id="{3D489933-8E7C-CB38-2308-D0573DAFA49D}"/>
+              </a:ext>
+            </a:extLst>
+          </p:cNvPr>
+          <p:cNvGrpSpPr/>
+          <p:nvPr/>
+        </p:nvGrpSpPr>
+        <p:grpSpPr>
+          <a:xfrm>
+            <a:off x="3054288" y="1980668"/>
+            <a:ext cx="6786214" cy="2314775"/>
+            <a:chOff x="797556" y="2649247"/>
+            <a:chExt cx="5486512" cy="3101003"/>
+          </a:xfrm>
+        </p:grpSpPr>
+        <p:pic>
+          <p:nvPicPr>
+            <p:cNvPr id="4" name="Picture 3">
+              <a:extLst>
+                <a:ext uri="{FF2B5EF4-FFF2-40B4-BE49-F238E27FC236}">
+                  <a16:creationId xmlns:a16="http://schemas.microsoft.com/office/drawing/2014/main" id="{9632B70E-8466-E59A-AC7B-DD0698343A4A}"/>
+                </a:ext>
+              </a:extLst>
+            </p:cNvPr>
+            <p:cNvPicPr>
+              <a:picLocks noChangeAspect="1"/>
+            </p:cNvPicPr>
+            <p:nvPr/>
+          </p:nvPicPr>
+          <p:blipFill>
+            <a:blip r:embed="rId3"/>
+            <a:stretch>
+              <a:fillRect/>
+            </a:stretch>
+          </p:blipFill>
+          <p:spPr>
+            <a:xfrm>
+              <a:off x="797556" y="2649247"/>
+              <a:ext cx="4696746" cy="3101003"/>
+            </a:xfrm>
+            <a:prstGeom prst="rect">
+              <a:avLst/>
+            </a:prstGeom>
+          </p:spPr>
+        </p:pic>
+        <p:pic>
+          <p:nvPicPr>
+            <p:cNvPr id="6" name="Picture 5">
+              <a:extLst>
+                <a:ext uri="{FF2B5EF4-FFF2-40B4-BE49-F238E27FC236}">
+                  <a16:creationId xmlns:a16="http://schemas.microsoft.com/office/drawing/2014/main" id="{9B5E5C73-7B81-F979-DEFF-8C7AFF85137A}"/>
+                </a:ext>
+              </a:extLst>
+            </p:cNvPr>
+            <p:cNvPicPr>
+              <a:picLocks noChangeAspect="1"/>
+            </p:cNvPicPr>
+            <p:nvPr/>
+          </p:nvPicPr>
+          <p:blipFill>
+            <a:blip r:embed="rId4"/>
+            <a:stretch>
+              <a:fillRect/>
+            </a:stretch>
+          </p:blipFill>
+          <p:spPr>
+            <a:xfrm>
+              <a:off x="4085991" y="3104056"/>
+              <a:ext cx="2198077" cy="2068778"/>
+            </a:xfrm>
+            <a:prstGeom prst="rect">
+              <a:avLst/>
+            </a:prstGeom>
+            <a:ln>
+              <a:solidFill>
+                <a:schemeClr val="tx1"/>
+              </a:solidFill>
+            </a:ln>
+          </p:spPr>
+        </p:pic>
+        <p:sp>
+          <p:nvSpPr>
+            <p:cNvPr id="8" name="Rectangle 7">
+              <a:extLst>
+                <a:ext uri="{FF2B5EF4-FFF2-40B4-BE49-F238E27FC236}">
+                  <a16:creationId xmlns:a16="http://schemas.microsoft.com/office/drawing/2014/main" id="{03E51FDC-2AAF-B822-AAC3-A8010444D810}"/>
+                </a:ext>
+              </a:extLst>
+            </p:cNvPr>
+            <p:cNvSpPr/>
+            <p:nvPr/>
+          </p:nvSpPr>
+          <p:spPr>
+            <a:xfrm>
+              <a:off x="2801566" y="3881336"/>
+              <a:ext cx="671208" cy="671209"/>
+            </a:xfrm>
+            <a:prstGeom prst="rect">
+              <a:avLst/>
+            </a:prstGeom>
+            <a:noFill/>
+            <a:ln>
+              <a:solidFill>
+                <a:schemeClr val="tx1"/>
+              </a:solidFill>
+            </a:ln>
+          </p:spPr>
+          <p:style>
+            <a:lnRef idx="2">
+              <a:schemeClr val="accent1">
+                <a:shade val="15000"/>
+              </a:schemeClr>
+            </a:lnRef>
+            <a:fillRef idx="1">
+              <a:schemeClr val="accent1"/>
+            </a:fillRef>
+            <a:effectRef idx="0">
+              <a:schemeClr val="accent1"/>
+            </a:effectRef>
+            <a:fontRef idx="minor">
+              <a:schemeClr val="lt1"/>
+            </a:fontRef>
+          </p:style>
+          <p:txBody>
+            <a:bodyPr rtlCol="0" anchor="ctr"/>
+            <a:lstStyle/>
+            <a:p>
+              <a:pPr algn="ctr"/>
+              <a:endParaRPr lang="en-US"/>
+            </a:p>
+          </p:txBody>
+        </p:sp>
+        <p:cxnSp>
+          <p:nvCxnSpPr>
+            <p:cNvPr id="12" name="Straight Connector 11">
+              <a:extLst>
+                <a:ext uri="{FF2B5EF4-FFF2-40B4-BE49-F238E27FC236}">
+                  <a16:creationId xmlns:a16="http://schemas.microsoft.com/office/drawing/2014/main" id="{5250C7D0-5C7C-3694-FB4C-FB11B3C8FA9E}"/>
+                </a:ext>
+              </a:extLst>
+            </p:cNvPr>
+            <p:cNvCxnSpPr/>
+            <p:nvPr/>
+          </p:nvCxnSpPr>
+          <p:spPr>
+            <a:xfrm flipV="1">
+              <a:off x="3472774" y="3104056"/>
+              <a:ext cx="613217" cy="777280"/>
+            </a:xfrm>
+            <a:prstGeom prst="line">
+              <a:avLst/>
+            </a:prstGeom>
+          </p:spPr>
+          <p:style>
+            <a:lnRef idx="1">
+              <a:schemeClr val="dk1"/>
+            </a:lnRef>
+            <a:fillRef idx="0">
+              <a:schemeClr val="dk1"/>
+            </a:fillRef>
+            <a:effectRef idx="0">
+              <a:schemeClr val="dk1"/>
+            </a:effectRef>
+            <a:fontRef idx="minor">
+              <a:schemeClr val="tx1"/>
+            </a:fontRef>
+          </p:style>
+        </p:cxnSp>
+        <p:cxnSp>
+          <p:nvCxnSpPr>
+            <p:cNvPr id="15" name="Straight Connector 14">
+              <a:extLst>
+                <a:ext uri="{FF2B5EF4-FFF2-40B4-BE49-F238E27FC236}">
+                  <a16:creationId xmlns:a16="http://schemas.microsoft.com/office/drawing/2014/main" id="{8D8D217E-ED76-975C-B03F-094530A7A95A}"/>
+                </a:ext>
+              </a:extLst>
+            </p:cNvPr>
+            <p:cNvCxnSpPr/>
+            <p:nvPr/>
+          </p:nvCxnSpPr>
+          <p:spPr>
+            <a:xfrm>
+              <a:off x="3472774" y="4552545"/>
+              <a:ext cx="613217" cy="620289"/>
+            </a:xfrm>
+            <a:prstGeom prst="line">
+              <a:avLst/>
+            </a:prstGeom>
+          </p:spPr>
+          <p:style>
+            <a:lnRef idx="1">
+              <a:schemeClr val="dk1"/>
+            </a:lnRef>
+            <a:fillRef idx="0">
+              <a:schemeClr val="dk1"/>
+            </a:fillRef>
+            <a:effectRef idx="0">
+              <a:schemeClr val="dk1"/>
+            </a:effectRef>
+            <a:fontRef idx="minor">
+              <a:schemeClr val="tx1"/>
+            </a:fontRef>
+          </p:style>
+        </p:cxnSp>
+      </p:grpSp>
+      <p:pic>
+        <p:nvPicPr>
+          <p:cNvPr id="21" name="Picture 20" descr="A green line on a black background&#10;&#10;Description automatically generated">
+            <a:extLst>
+              <a:ext uri="{FF2B5EF4-FFF2-40B4-BE49-F238E27FC236}">
+                <a16:creationId xmlns:a16="http://schemas.microsoft.com/office/drawing/2014/main" id="{570F5C58-1670-DAF0-6032-9B73B2438DE4}"/>
+              </a:ext>
+            </a:extLst>
+          </p:cNvPr>
+          <p:cNvPicPr>
+            <a:picLocks noChangeAspect="1"/>
+          </p:cNvPicPr>
+          <p:nvPr/>
+        </p:nvPicPr>
+        <p:blipFill>
+          <a:blip r:embed="rId5">
+            <a:extLst>
+              <a:ext uri="{28A0092B-C50C-407E-A947-70E740481C1C}">
+                <a14:useLocalDpi xmlns:a14="http://schemas.microsoft.com/office/drawing/2010/main" val="0"/>
+              </a:ext>
+            </a:extLst>
+          </a:blip>
+          <a:stretch>
+            <a:fillRect/>
+          </a:stretch>
+        </p:blipFill>
+        <p:spPr>
+          <a:xfrm>
+            <a:off x="1927067" y="4584789"/>
+            <a:ext cx="7445388" cy="1994740"/>
+          </a:xfrm>
+          <a:prstGeom prst="rect">
+            <a:avLst/>
+          </a:prstGeom>
+        </p:spPr>
+      </p:pic>
+    </p:spTree>
+    <p:extLst>
+      <p:ext uri="{BB962C8B-B14F-4D97-AF65-F5344CB8AC3E}">
+        <p14:creationId xmlns:p14="http://schemas.microsoft.com/office/powerpoint/2010/main" val="29838755"/>
+      </p:ext>
+    </p:extLst>
+  </p:cSld>
+  <p:clrMapOvr>
+    <a:masterClrMapping/>
+  </p:clrMapOvr>
+</p:sld>
+</file>
+
+<file path=ppt/slides/slide21.xml><?xml version="1.0" encoding="utf-8"?>
+<p:sld xmlns:a="http://schemas.openxmlformats.org/drawingml/2006/main" xmlns:r="http://schemas.openxmlformats.org/officeDocument/2006/relationships" xmlns:p="http://schemas.openxmlformats.org/presentationml/2006/main">
+  <p:cSld>
+    <p:spTree>
+      <p:nvGrpSpPr>
+        <p:cNvPr id="1" name=""/>
+        <p:cNvGrpSpPr/>
+        <p:nvPr/>
+      </p:nvGrpSpPr>
+      <p:grpSpPr>
+        <a:xfrm>
+          <a:off x="0" y="0"/>
+          <a:ext cx="0" cy="0"/>
+          <a:chOff x="0" y="0"/>
+          <a:chExt cx="0" cy="0"/>
+        </a:xfrm>
+      </p:grpSpPr>
+      <mc:AlternateContent xmlns:mc="http://schemas.openxmlformats.org/markup-compatibility/2006">
+        <mc:Choice xmlns:a14="http://schemas.microsoft.com/office/drawing/2010/main" Requires="a14">
+          <p:sp>
+            <p:nvSpPr>
+              <p:cNvPr id="2" name="Title 1">
+                <a:extLst>
+                  <a:ext uri="{FF2B5EF4-FFF2-40B4-BE49-F238E27FC236}">
+                    <a16:creationId xmlns:a16="http://schemas.microsoft.com/office/drawing/2014/main" id="{BF360D97-CB5C-F68B-062F-7009B2E5EF2C}"/>
+                  </a:ext>
+                </a:extLst>
+              </p:cNvPr>
+              <p:cNvSpPr>
+                <a:spLocks noGrp="1"/>
+              </p:cNvSpPr>
+              <p:nvPr>
+                <p:ph type="title"/>
+              </p:nvPr>
+            </p:nvSpPr>
+            <p:spPr/>
+            <p:txBody>
+              <a:bodyPr/>
+              <a:lstStyle/>
+              <a:p>
+                <a:r>
+                  <a:rPr lang="en-US" dirty="0"/>
+                  <a:t>Timing results: </a:t>
+                </a:r>
+                <a14:m>
+                  <m:oMath xmlns:m="http://schemas.openxmlformats.org/officeDocument/2006/math">
+                    <m:r>
+                      <a:rPr lang="en-US" b="0" i="1" smtClean="0">
+                        <a:latin typeface="Cambria Math" panose="02040503050406030204" pitchFamily="18" charset="0"/>
+                      </a:rPr>
+                      <m:t>𝑇𝑎</m:t>
+                    </m:r>
+                    <m:sSup>
+                      <m:sSupPr>
+                        <m:ctrlPr>
+                          <a:rPr lang="en-US" b="0" i="1" smtClean="0">
+                            <a:latin typeface="Cambria Math" panose="02040503050406030204" pitchFamily="18" charset="0"/>
+                          </a:rPr>
+                        </m:ctrlPr>
+                      </m:sSupPr>
+                      <m:e>
+                        <m:r>
+                          <a:rPr lang="en-US" b="0" i="1" smtClean="0">
+                            <a:latin typeface="Cambria Math" panose="02040503050406030204" pitchFamily="18" charset="0"/>
+                          </a:rPr>
+                          <m:t>𝑛</m:t>
+                        </m:r>
+                        <m:r>
+                          <a:rPr lang="en-US" b="0" i="1" smtClean="0">
+                            <a:latin typeface="Cambria Math" panose="02040503050406030204" pitchFamily="18" charset="0"/>
+                          </a:rPr>
+                          <m:t>h</m:t>
+                        </m:r>
+                      </m:e>
+                      <m:sup>
+                        <m:r>
+                          <a:rPr lang="en-US" b="0" i="1" smtClean="0">
+                            <a:latin typeface="Cambria Math" panose="02040503050406030204" pitchFamily="18" charset="0"/>
+                          </a:rPr>
+                          <m:t>−1</m:t>
+                        </m:r>
+                      </m:sup>
+                    </m:sSup>
+                    <m:r>
+                      <a:rPr lang="en-US" b="0" i="1" smtClean="0">
+                        <a:latin typeface="Cambria Math" panose="02040503050406030204" pitchFamily="18" charset="0"/>
+                      </a:rPr>
+                      <m:t>(</m:t>
+                    </m:r>
+                    <m:r>
+                      <a:rPr lang="en-US" b="0" i="1" smtClean="0">
+                        <a:latin typeface="Cambria Math" panose="02040503050406030204" pitchFamily="18" charset="0"/>
+                      </a:rPr>
+                      <m:t>𝑦</m:t>
+                    </m:r>
+                    <m:r>
+                      <a:rPr lang="en-US" b="0" i="1" smtClean="0">
+                        <a:latin typeface="Cambria Math" panose="02040503050406030204" pitchFamily="18" charset="0"/>
+                      </a:rPr>
+                      <m:t>)</m:t>
+                    </m:r>
+                  </m:oMath>
+                </a14:m>
+                <a:r>
+                  <a:rPr lang="en-US" dirty="0"/>
+                  <a:t> function </a:t>
+                </a:r>
+              </a:p>
+            </p:txBody>
+          </p:sp>
+        </mc:Choice>
+        <mc:Fallback>
+          <p:sp>
+            <p:nvSpPr>
+              <p:cNvPr id="2" name="Title 1">
+                <a:extLst>
+                  <a:ext uri="{FF2B5EF4-FFF2-40B4-BE49-F238E27FC236}">
+                    <a16:creationId xmlns:a16="http://schemas.microsoft.com/office/drawing/2014/main" id="{BF360D97-CB5C-F68B-062F-7009B2E5EF2C}"/>
+                  </a:ext>
+                </a:extLst>
+              </p:cNvPr>
+              <p:cNvSpPr>
+                <a:spLocks noGrp="1" noRot="1" noChangeAspect="1" noMove="1" noResize="1" noEditPoints="1" noAdjustHandles="1" noChangeArrowheads="1" noChangeShapeType="1" noTextEdit="1"/>
+              </p:cNvSpPr>
+              <p:nvPr>
+                <p:ph type="title"/>
+              </p:nvPr>
+            </p:nvSpPr>
+            <p:spPr>
+              <a:blipFill>
+                <a:blip r:embed="rId2"/>
+                <a:stretch>
+                  <a:fillRect l="-2516" b="-22120"/>
+                </a:stretch>
+              </a:blipFill>
+            </p:spPr>
+            <p:txBody>
+              <a:bodyPr/>
+              <a:lstStyle/>
+              <a:p>
+                <a:r>
+                  <a:rPr lang="en-US">
+                    <a:noFill/>
+                  </a:rPr>
+                  <a:t> </a:t>
+                </a:r>
+              </a:p>
+            </p:txBody>
+          </p:sp>
+        </mc:Fallback>
+      </mc:AlternateContent>
+      <p:sp>
+        <p:nvSpPr>
+          <p:cNvPr id="6" name="TextBox 5">
+            <a:extLst>
+              <a:ext uri="{FF2B5EF4-FFF2-40B4-BE49-F238E27FC236}">
+                <a16:creationId xmlns:a16="http://schemas.microsoft.com/office/drawing/2014/main" id="{E48145B3-CAC4-8137-76B9-322EFE7C7A88}"/>
+              </a:ext>
+            </a:extLst>
+          </p:cNvPr>
+          <p:cNvSpPr txBox="1"/>
+          <p:nvPr/>
+        </p:nvSpPr>
+        <p:spPr>
+          <a:xfrm>
+            <a:off x="992221" y="4776282"/>
+            <a:ext cx="9698477" cy="1200329"/>
+          </a:xfrm>
+          <a:prstGeom prst="rect">
+            <a:avLst/>
+          </a:prstGeom>
+          <a:noFill/>
+        </p:spPr>
+        <p:txBody>
+          <a:bodyPr wrap="square" rtlCol="0">
+            <a:spAutoFit/>
+          </a:bodyPr>
+          <a:lstStyle/>
+          <a:p>
+            <a:pPr marL="285750" indent="-285750">
+              <a:buFont typeface="Arial" panose="020B0604020202020204" pitchFamily="34" charset="0"/>
+              <a:buChar char="•"/>
+            </a:pPr>
+            <a:r>
+              <a:rPr lang="en-US" sz="2400" dirty="0"/>
+              <a:t>The algorithm is run with 30ns clock period.</a:t>
+            </a:r>
+          </a:p>
+          <a:p>
+            <a:pPr marL="285750" indent="-285750">
+              <a:buFont typeface="Arial" panose="020B0604020202020204" pitchFamily="34" charset="0"/>
+              <a:buChar char="•"/>
+            </a:pPr>
+            <a:r>
+              <a:rPr lang="en-US" sz="2400" dirty="0"/>
+              <a:t>The max operating frequency = 1/(30ns – 1.17ns) </a:t>
+            </a:r>
+          </a:p>
+          <a:p>
+            <a:pPr lvl="8"/>
+            <a:r>
+              <a:rPr lang="en-US" sz="2400" dirty="0"/>
+              <a:t>	    = 34.68 MHz</a:t>
+            </a:r>
+          </a:p>
+        </p:txBody>
+      </p:sp>
+      <p:pic>
+        <p:nvPicPr>
+          <p:cNvPr id="4" name="Picture 3" descr="A screenshot of a computer&#10;&#10;Description automatically generated">
+            <a:extLst>
+              <a:ext uri="{FF2B5EF4-FFF2-40B4-BE49-F238E27FC236}">
+                <a16:creationId xmlns:a16="http://schemas.microsoft.com/office/drawing/2014/main" id="{5B5958D4-8E27-AA3B-D646-5D0643E68622}"/>
+              </a:ext>
+            </a:extLst>
+          </p:cNvPr>
+          <p:cNvPicPr>
+            <a:picLocks noChangeAspect="1"/>
+          </p:cNvPicPr>
+          <p:nvPr/>
+        </p:nvPicPr>
+        <p:blipFill>
+          <a:blip r:embed="rId3">
+            <a:extLst>
+              <a:ext uri="{28A0092B-C50C-407E-A947-70E740481C1C}">
+                <a14:useLocalDpi xmlns:a14="http://schemas.microsoft.com/office/drawing/2010/main" val="0"/>
+              </a:ext>
+            </a:extLst>
+          </a:blip>
+          <a:stretch>
+            <a:fillRect/>
+          </a:stretch>
+        </p:blipFill>
+        <p:spPr>
+          <a:xfrm>
+            <a:off x="1761374" y="2081718"/>
+            <a:ext cx="8160169" cy="2025754"/>
+          </a:xfrm>
+          <a:prstGeom prst="rect">
+            <a:avLst/>
+          </a:prstGeom>
+        </p:spPr>
+      </p:pic>
+    </p:spTree>
+    <p:extLst>
+      <p:ext uri="{BB962C8B-B14F-4D97-AF65-F5344CB8AC3E}">
+        <p14:creationId xmlns:p14="http://schemas.microsoft.com/office/powerpoint/2010/main" val="49838901"/>
+      </p:ext>
+    </p:extLst>
+  </p:cSld>
+  <p:clrMapOvr>
+    <a:masterClrMapping/>
+  </p:clrMapOvr>
+</p:sld>
+</file>
+
+<file path=ppt/slides/slide22.xml><?xml version="1.0" encoding="utf-8"?>
+<p:sld xmlns:a="http://schemas.openxmlformats.org/drawingml/2006/main" xmlns:r="http://schemas.openxmlformats.org/officeDocument/2006/relationships" xmlns:p="http://schemas.openxmlformats.org/presentationml/2006/main">
+  <p:cSld>
+    <p:spTree>
+      <p:nvGrpSpPr>
+        <p:cNvPr id="1" name=""/>
+        <p:cNvGrpSpPr/>
+        <p:nvPr/>
+      </p:nvGrpSpPr>
+      <p:grpSpPr>
+        <a:xfrm>
+          <a:off x="0" y="0"/>
+          <a:ext cx="0" cy="0"/>
+          <a:chOff x="0" y="0"/>
+          <a:chExt cx="0" cy="0"/>
+        </a:xfrm>
+      </p:grpSpPr>
+      <p:sp>
+        <p:nvSpPr>
+          <p:cNvPr id="2" name="Title 1">
+            <a:extLst>
+              <a:ext uri="{FF2B5EF4-FFF2-40B4-BE49-F238E27FC236}">
+                <a16:creationId xmlns:a16="http://schemas.microsoft.com/office/drawing/2014/main" id="{F2BCA29A-1B46-66A0-0B1C-6091429138EF}"/>
+              </a:ext>
+            </a:extLst>
+          </p:cNvPr>
+          <p:cNvSpPr>
+            <a:spLocks noGrp="1"/>
+          </p:cNvSpPr>
+          <p:nvPr>
+            <p:ph type="title"/>
+          </p:nvPr>
+        </p:nvSpPr>
+        <p:spPr/>
+        <p:txBody>
+          <a:bodyPr/>
+          <a:lstStyle/>
+          <a:p>
+            <a:r>
+              <a:rPr lang="en-US" dirty="0"/>
+              <a:t>Tanh function</a:t>
+            </a:r>
+          </a:p>
+        </p:txBody>
+      </p:sp>
+      <p:sp>
+        <p:nvSpPr>
+          <p:cNvPr id="4" name="Content Placeholder 2">
+            <a:extLst>
+              <a:ext uri="{FF2B5EF4-FFF2-40B4-BE49-F238E27FC236}">
+                <a16:creationId xmlns:a16="http://schemas.microsoft.com/office/drawing/2014/main" id="{0C8B841E-F2DA-8134-B603-48028AAD96B6}"/>
+              </a:ext>
+            </a:extLst>
+          </p:cNvPr>
+          <p:cNvSpPr txBox="1">
+            <a:spLocks/>
+          </p:cNvSpPr>
+          <p:nvPr/>
+        </p:nvSpPr>
+        <p:spPr>
+          <a:xfrm>
+            <a:off x="1261872" y="1869286"/>
+            <a:ext cx="8595360" cy="4805464"/>
+          </a:xfrm>
+          <a:prstGeom prst="rect">
+            <a:avLst/>
+          </a:prstGeom>
+        </p:spPr>
+        <p:txBody>
+          <a:bodyPr vert="horz" lIns="91440" tIns="45720" rIns="91440" bIns="45720" rtlCol="0">
+            <a:noAutofit/>
+          </a:bodyPr>
+          <a:lstStyle>
+            <a:lvl1pPr marL="182880" indent="-182880" algn="l" defTabSz="914400" rtl="0" eaLnBrk="1" latinLnBrk="0" hangingPunct="1">
+              <a:lnSpc>
+                <a:spcPct val="95000"/>
+              </a:lnSpc>
+              <a:spcBef>
+                <a:spcPts val="1400"/>
+              </a:spcBef>
+              <a:spcAft>
+                <a:spcPts val="200"/>
+              </a:spcAft>
+              <a:buClr>
+                <a:schemeClr val="accent1"/>
+              </a:buClr>
+              <a:buSzPct val="80000"/>
+              <a:buFont typeface="Arial" pitchFamily="34" charset="0"/>
+              <a:buChar char="•"/>
+              <a:defRPr sz="1800" kern="1200" spc="10" baseline="0">
+                <a:solidFill>
+                  <a:schemeClr val="tx1"/>
+                </a:solidFill>
+                <a:latin typeface="+mn-lt"/>
+                <a:ea typeface="+mn-ea"/>
+                <a:cs typeface="+mn-cs"/>
+              </a:defRPr>
+            </a:lvl1pPr>
+            <a:lvl2pPr marL="457200" indent="-182880" algn="l" defTabSz="914400" rtl="0" eaLnBrk="1" latinLnBrk="0" hangingPunct="1">
+              <a:lnSpc>
+                <a:spcPct val="90000"/>
+              </a:lnSpc>
+              <a:spcBef>
+                <a:spcPts val="300"/>
+              </a:spcBef>
+              <a:spcAft>
+                <a:spcPts val="300"/>
+              </a:spcAft>
+              <a:buClr>
+                <a:schemeClr val="accent1"/>
+              </a:buClr>
+              <a:buFont typeface="Wingdings 2" pitchFamily="18" charset="2"/>
+              <a:buChar char=""/>
+              <a:defRPr sz="1600" kern="1200">
+                <a:solidFill>
+                  <a:schemeClr val="tx1">
+                    <a:lumMod val="85000"/>
+                    <a:lumOff val="15000"/>
+                  </a:schemeClr>
+                </a:solidFill>
+                <a:latin typeface="+mn-lt"/>
+                <a:ea typeface="+mn-ea"/>
+                <a:cs typeface="+mn-cs"/>
+              </a:defRPr>
+            </a:lvl2pPr>
+            <a:lvl3pPr marL="731520" indent="-182880" algn="l" defTabSz="914400" rtl="0" eaLnBrk="1" latinLnBrk="0" hangingPunct="1">
+              <a:lnSpc>
+                <a:spcPct val="90000"/>
+              </a:lnSpc>
+              <a:spcBef>
+                <a:spcPts val="300"/>
+              </a:spcBef>
+              <a:spcAft>
+                <a:spcPts val="300"/>
+              </a:spcAft>
+              <a:buClr>
+                <a:schemeClr val="accent1"/>
+              </a:buClr>
+              <a:buFont typeface="Wingdings 2" pitchFamily="18" charset="2"/>
+              <a:buChar char=""/>
+              <a:defRPr sz="1400" kern="1200">
+                <a:solidFill>
+                  <a:schemeClr val="tx1">
+                    <a:lumMod val="85000"/>
+                    <a:lumOff val="15000"/>
+                  </a:schemeClr>
+                </a:solidFill>
+                <a:latin typeface="+mn-lt"/>
+                <a:ea typeface="+mn-ea"/>
+                <a:cs typeface="+mn-cs"/>
+              </a:defRPr>
+            </a:lvl3pPr>
+            <a:lvl4pPr marL="1005840" indent="-182880" algn="l" defTabSz="914400" rtl="0" eaLnBrk="1" latinLnBrk="0" hangingPunct="1">
+              <a:lnSpc>
+                <a:spcPct val="90000"/>
+              </a:lnSpc>
+              <a:spcBef>
+                <a:spcPts val="300"/>
+              </a:spcBef>
+              <a:spcAft>
+                <a:spcPts val="300"/>
+              </a:spcAft>
+              <a:buClr>
+                <a:schemeClr val="accent1"/>
+              </a:buClr>
+              <a:buFont typeface="Wingdings 2" pitchFamily="18" charset="2"/>
+              <a:buChar char=""/>
+              <a:defRPr sz="1400" kern="1200">
+                <a:solidFill>
+                  <a:schemeClr val="tx1">
+                    <a:lumMod val="85000"/>
+                    <a:lumOff val="15000"/>
+                  </a:schemeClr>
+                </a:solidFill>
+                <a:latin typeface="+mn-lt"/>
+                <a:ea typeface="+mn-ea"/>
+                <a:cs typeface="+mn-cs"/>
+              </a:defRPr>
+            </a:lvl4pPr>
+            <a:lvl5pPr marL="1280160" indent="-182880" algn="l" defTabSz="914400" rtl="0" eaLnBrk="1" latinLnBrk="0" hangingPunct="1">
+              <a:lnSpc>
+                <a:spcPct val="90000"/>
+              </a:lnSpc>
+              <a:spcBef>
+                <a:spcPts val="300"/>
+              </a:spcBef>
+              <a:spcAft>
+                <a:spcPts val="300"/>
+              </a:spcAft>
+              <a:buClr>
+                <a:schemeClr val="accent1"/>
+              </a:buClr>
+              <a:buFont typeface="Wingdings 2" pitchFamily="18" charset="2"/>
+              <a:buChar char=""/>
+              <a:defRPr sz="1400" kern="1200">
+                <a:solidFill>
+                  <a:schemeClr val="tx1">
+                    <a:lumMod val="85000"/>
+                    <a:lumOff val="15000"/>
+                  </a:schemeClr>
+                </a:solidFill>
+                <a:latin typeface="+mn-lt"/>
+                <a:ea typeface="+mn-ea"/>
+                <a:cs typeface="+mn-cs"/>
+              </a:defRPr>
+            </a:lvl5pPr>
+            <a:lvl6pPr marL="1600000" indent="-228600" algn="l" defTabSz="914400" rtl="0" eaLnBrk="1" latinLnBrk="0" hangingPunct="1">
+              <a:lnSpc>
+                <a:spcPct val="90000"/>
+              </a:lnSpc>
+              <a:spcBef>
+                <a:spcPts val="300"/>
+              </a:spcBef>
+              <a:spcAft>
+                <a:spcPts val="300"/>
+              </a:spcAft>
+              <a:buClr>
+                <a:schemeClr val="accent1"/>
+              </a:buClr>
+              <a:buFont typeface="Wingdings 2" pitchFamily="18" charset="2"/>
+              <a:buChar char=""/>
+              <a:defRPr sz="1400" kern="1200">
+                <a:solidFill>
+                  <a:schemeClr val="tx1">
+                    <a:lumMod val="85000"/>
+                    <a:lumOff val="15000"/>
+                  </a:schemeClr>
+                </a:solidFill>
+                <a:latin typeface="+mn-lt"/>
+                <a:ea typeface="+mn-ea"/>
+                <a:cs typeface="+mn-cs"/>
+              </a:defRPr>
+            </a:lvl6pPr>
+            <a:lvl7pPr marL="1900000" indent="-228600" algn="l" defTabSz="914400" rtl="0" eaLnBrk="1" latinLnBrk="0" hangingPunct="1">
+              <a:lnSpc>
+                <a:spcPct val="90000"/>
+              </a:lnSpc>
+              <a:spcBef>
+                <a:spcPts val="300"/>
+              </a:spcBef>
+              <a:spcAft>
+                <a:spcPts val="300"/>
+              </a:spcAft>
+              <a:buClr>
+                <a:schemeClr val="accent1"/>
+              </a:buClr>
+              <a:buFont typeface="Wingdings 2" pitchFamily="18" charset="2"/>
+              <a:buChar char=""/>
+              <a:defRPr sz="1400" kern="1200">
+                <a:solidFill>
+                  <a:schemeClr val="tx1">
+                    <a:lumMod val="85000"/>
+                    <a:lumOff val="15000"/>
+                  </a:schemeClr>
+                </a:solidFill>
+                <a:latin typeface="+mn-lt"/>
+                <a:ea typeface="+mn-ea"/>
+                <a:cs typeface="+mn-cs"/>
+              </a:defRPr>
+            </a:lvl7pPr>
+            <a:lvl8pPr marL="2200000" indent="-228600" algn="l" defTabSz="914400" rtl="0" eaLnBrk="1" latinLnBrk="0" hangingPunct="1">
+              <a:lnSpc>
+                <a:spcPct val="90000"/>
+              </a:lnSpc>
+              <a:spcBef>
+                <a:spcPts val="300"/>
+              </a:spcBef>
+              <a:spcAft>
+                <a:spcPts val="300"/>
+              </a:spcAft>
+              <a:buClr>
+                <a:schemeClr val="accent1"/>
+              </a:buClr>
+              <a:buFont typeface="Wingdings 2" pitchFamily="18" charset="2"/>
+              <a:buChar char=""/>
+              <a:defRPr sz="1400" kern="1200">
+                <a:solidFill>
+                  <a:schemeClr val="tx1">
+                    <a:lumMod val="85000"/>
+                    <a:lumOff val="15000"/>
+                  </a:schemeClr>
+                </a:solidFill>
+                <a:latin typeface="+mn-lt"/>
+                <a:ea typeface="+mn-ea"/>
+                <a:cs typeface="+mn-cs"/>
+              </a:defRPr>
+            </a:lvl8pPr>
+            <a:lvl9pPr marL="2500000" indent="-228600" algn="l" defTabSz="914400" rtl="0" eaLnBrk="1" latinLnBrk="0" hangingPunct="1">
+              <a:lnSpc>
+                <a:spcPct val="90000"/>
+              </a:lnSpc>
+              <a:spcBef>
+                <a:spcPts val="300"/>
+              </a:spcBef>
+              <a:spcAft>
+                <a:spcPts val="300"/>
+              </a:spcAft>
+              <a:buClr>
+                <a:schemeClr val="accent1"/>
+              </a:buClr>
+              <a:buFont typeface="Wingdings 2" pitchFamily="18" charset="2"/>
+              <a:buChar char=""/>
+              <a:defRPr sz="1400" kern="1200">
+                <a:solidFill>
+                  <a:schemeClr val="tx1">
+                    <a:lumMod val="85000"/>
+                    <a:lumOff val="15000"/>
+                  </a:schemeClr>
+                </a:solidFill>
+                <a:latin typeface="+mn-lt"/>
+                <a:ea typeface="+mn-ea"/>
+                <a:cs typeface="+mn-cs"/>
+              </a:defRPr>
+            </a:lvl9pPr>
+          </a:lstStyle>
+          <a:p>
+            <a:r>
+              <a:rPr lang="en-US" dirty="0"/>
+              <a:t>Tanh function is evaluated by evaluating </a:t>
+            </a:r>
+            <a:r>
+              <a:rPr lang="en-US" dirty="0" err="1"/>
+              <a:t>sinh</a:t>
+            </a:r>
+            <a:r>
+              <a:rPr lang="en-US" dirty="0"/>
+              <a:t> and </a:t>
+            </a:r>
+            <a:r>
+              <a:rPr lang="en-US" dirty="0" err="1"/>
+              <a:t>cosh</a:t>
+            </a:r>
+            <a:r>
+              <a:rPr lang="en-US" dirty="0"/>
+              <a:t> function using hyperbolic rotations in vectoring mode in Cordic algorithm and dividing </a:t>
+            </a:r>
+            <a:r>
+              <a:rPr lang="en-US" dirty="0" err="1"/>
+              <a:t>sinh</a:t>
+            </a:r>
+            <a:r>
+              <a:rPr lang="en-US" dirty="0"/>
+              <a:t> by </a:t>
+            </a:r>
+            <a:r>
+              <a:rPr lang="en-US" dirty="0" err="1"/>
+              <a:t>cosh</a:t>
+            </a:r>
+            <a:r>
+              <a:rPr lang="en-US" dirty="0"/>
+              <a:t> values using Cordic division algorithm.</a:t>
+            </a:r>
+          </a:p>
+          <a:p>
+            <a:r>
+              <a:rPr lang="en-US" dirty="0"/>
+              <a:t>After 10-12 iterations the x and y values converge to </a:t>
+            </a:r>
+            <a:r>
+              <a:rPr lang="en-US" dirty="0" err="1"/>
+              <a:t>sinh</a:t>
+            </a:r>
+            <a:r>
+              <a:rPr lang="en-US" dirty="0"/>
+              <a:t> and </a:t>
+            </a:r>
+            <a:r>
+              <a:rPr lang="en-US" dirty="0" err="1"/>
+              <a:t>cosh</a:t>
+            </a:r>
+            <a:r>
+              <a:rPr lang="en-US" dirty="0"/>
+              <a:t>. </a:t>
+            </a:r>
+          </a:p>
+          <a:p>
+            <a:endParaRPr lang="en-US" dirty="0"/>
+          </a:p>
+          <a:p>
+            <a:endParaRPr lang="en-US" dirty="0"/>
+          </a:p>
+          <a:p>
+            <a:pPr marL="0" indent="0">
+              <a:buNone/>
+            </a:pPr>
+            <a:endParaRPr lang="en-US" dirty="0"/>
+          </a:p>
+          <a:p>
+            <a:r>
+              <a:rPr lang="en-US" dirty="0"/>
+              <a:t>Input format(simulation) : 10 bits for integer part and 10 bits for fractional part</a:t>
+            </a:r>
+          </a:p>
+          <a:p>
+            <a:r>
+              <a:rPr lang="en-US" dirty="0"/>
+              <a:t>Result format(simulation) : 10 bits for integer part and 10 bits for fractional part</a:t>
+            </a:r>
+          </a:p>
+          <a:p>
+            <a:endParaRPr lang="en-US" dirty="0"/>
+          </a:p>
+        </p:txBody>
+      </p:sp>
+      <p:grpSp>
+        <p:nvGrpSpPr>
+          <p:cNvPr id="20" name="Group 19">
+            <a:extLst>
+              <a:ext uri="{FF2B5EF4-FFF2-40B4-BE49-F238E27FC236}">
+                <a16:creationId xmlns:a16="http://schemas.microsoft.com/office/drawing/2014/main" id="{668F7B0A-731D-EFBD-688C-8588F60FE97D}"/>
+              </a:ext>
+            </a:extLst>
+          </p:cNvPr>
+          <p:cNvGrpSpPr/>
+          <p:nvPr/>
+        </p:nvGrpSpPr>
+        <p:grpSpPr>
+          <a:xfrm>
+            <a:off x="1366021" y="3268996"/>
+            <a:ext cx="6926359" cy="1285074"/>
+            <a:chOff x="3895213" y="3395455"/>
+            <a:chExt cx="6926359" cy="1285074"/>
+          </a:xfrm>
+        </p:grpSpPr>
+        <p:grpSp>
+          <p:nvGrpSpPr>
+            <p:cNvPr id="5" name="Group 4">
+              <a:extLst>
+                <a:ext uri="{FF2B5EF4-FFF2-40B4-BE49-F238E27FC236}">
+                  <a16:creationId xmlns:a16="http://schemas.microsoft.com/office/drawing/2014/main" id="{39EBAA34-9AD5-FD46-4AB7-34512CF2BEA2}"/>
+                </a:ext>
+              </a:extLst>
+            </p:cNvPr>
+            <p:cNvGrpSpPr/>
+            <p:nvPr/>
+          </p:nvGrpSpPr>
+          <p:grpSpPr>
+            <a:xfrm>
+              <a:off x="3895213" y="3395455"/>
+              <a:ext cx="6926359" cy="1285074"/>
+              <a:chOff x="1021404" y="4273610"/>
+              <a:chExt cx="9079636" cy="1997243"/>
+            </a:xfrm>
+          </p:grpSpPr>
+          <p:sp>
+            <p:nvSpPr>
+              <p:cNvPr id="6" name="Rectangle 5">
+                <a:extLst>
+                  <a:ext uri="{FF2B5EF4-FFF2-40B4-BE49-F238E27FC236}">
+                    <a16:creationId xmlns:a16="http://schemas.microsoft.com/office/drawing/2014/main" id="{F177C6BB-3519-1D80-2660-C580082436BA}"/>
+                  </a:ext>
+                </a:extLst>
+              </p:cNvPr>
+              <p:cNvSpPr/>
+              <p:nvPr/>
+            </p:nvSpPr>
+            <p:spPr>
+              <a:xfrm>
+                <a:off x="2120630" y="4273610"/>
+                <a:ext cx="1605064" cy="1997243"/>
+              </a:xfrm>
+              <a:prstGeom prst="rect">
+                <a:avLst/>
+              </a:prstGeom>
+              <a:ln>
+                <a:solidFill>
+                  <a:schemeClr val="tx1"/>
+                </a:solidFill>
+              </a:ln>
+            </p:spPr>
+            <p:style>
+              <a:lnRef idx="2">
+                <a:schemeClr val="accent6"/>
+              </a:lnRef>
+              <a:fillRef idx="1">
+                <a:schemeClr val="lt1"/>
+              </a:fillRef>
+              <a:effectRef idx="0">
+                <a:schemeClr val="accent6"/>
+              </a:effectRef>
+              <a:fontRef idx="minor">
+                <a:schemeClr val="dk1"/>
+              </a:fontRef>
+            </p:style>
+            <p:txBody>
+              <a:bodyPr rtlCol="0" anchor="ctr"/>
+              <a:lstStyle/>
+              <a:p>
+                <a:pPr algn="ctr"/>
+                <a:endParaRPr lang="en-US"/>
+              </a:p>
+            </p:txBody>
+          </p:sp>
+          <p:sp>
+            <p:nvSpPr>
+              <p:cNvPr id="7" name="TextBox 6">
+                <a:extLst>
+                  <a:ext uri="{FF2B5EF4-FFF2-40B4-BE49-F238E27FC236}">
+                    <a16:creationId xmlns:a16="http://schemas.microsoft.com/office/drawing/2014/main" id="{A4F2F80E-E8FD-E236-2B7A-2155D539AAE7}"/>
+                  </a:ext>
+                </a:extLst>
+              </p:cNvPr>
+              <p:cNvSpPr txBox="1"/>
+              <p:nvPr/>
+            </p:nvSpPr>
+            <p:spPr>
+              <a:xfrm>
+                <a:off x="2422187" y="5087566"/>
+                <a:ext cx="1303507" cy="369332"/>
+              </a:xfrm>
+              <a:prstGeom prst="rect">
+                <a:avLst/>
+              </a:prstGeom>
+              <a:noFill/>
+            </p:spPr>
+            <p:txBody>
+              <a:bodyPr wrap="square" rtlCol="0">
+                <a:spAutoFit/>
+              </a:bodyPr>
+              <a:lstStyle/>
+              <a:p>
+                <a:r>
+                  <a:rPr lang="en-US" dirty="0"/>
+                  <a:t>Cordic</a:t>
+                </a:r>
+              </a:p>
+            </p:txBody>
+          </p:sp>
+          <p:cxnSp>
+            <p:nvCxnSpPr>
+              <p:cNvPr id="8" name="Straight Arrow Connector 7">
+                <a:extLst>
+                  <a:ext uri="{FF2B5EF4-FFF2-40B4-BE49-F238E27FC236}">
+                    <a16:creationId xmlns:a16="http://schemas.microsoft.com/office/drawing/2014/main" id="{C301D1D0-7895-9037-0EC2-F05B6E8DEECD}"/>
+                  </a:ext>
+                </a:extLst>
+              </p:cNvPr>
+              <p:cNvCxnSpPr/>
+              <p:nvPr/>
+            </p:nvCxnSpPr>
+            <p:spPr>
+              <a:xfrm>
+                <a:off x="1507787" y="4513634"/>
+                <a:ext cx="612843" cy="0"/>
+              </a:xfrm>
+              <a:prstGeom prst="straightConnector1">
+                <a:avLst/>
+              </a:prstGeom>
+              <a:ln>
+                <a:tailEnd type="triangle"/>
+              </a:ln>
+            </p:spPr>
+            <p:style>
+              <a:lnRef idx="1">
+                <a:schemeClr val="dk1"/>
+              </a:lnRef>
+              <a:fillRef idx="0">
+                <a:schemeClr val="dk1"/>
+              </a:fillRef>
+              <a:effectRef idx="0">
+                <a:schemeClr val="dk1"/>
+              </a:effectRef>
+              <a:fontRef idx="minor">
+                <a:schemeClr val="tx1"/>
+              </a:fontRef>
+            </p:style>
+          </p:cxnSp>
+          <p:cxnSp>
+            <p:nvCxnSpPr>
+              <p:cNvPr id="9" name="Straight Arrow Connector 8">
+                <a:extLst>
+                  <a:ext uri="{FF2B5EF4-FFF2-40B4-BE49-F238E27FC236}">
+                    <a16:creationId xmlns:a16="http://schemas.microsoft.com/office/drawing/2014/main" id="{91E77C36-BECD-B28B-668A-88DBF7B3F511}"/>
+                  </a:ext>
+                </a:extLst>
+              </p:cNvPr>
+              <p:cNvCxnSpPr/>
+              <p:nvPr/>
+            </p:nvCxnSpPr>
+            <p:spPr>
+              <a:xfrm>
+                <a:off x="1499680" y="5239805"/>
+                <a:ext cx="612843" cy="0"/>
+              </a:xfrm>
+              <a:prstGeom prst="straightConnector1">
+                <a:avLst/>
+              </a:prstGeom>
+              <a:ln>
+                <a:tailEnd type="triangle"/>
+              </a:ln>
+            </p:spPr>
+            <p:style>
+              <a:lnRef idx="1">
+                <a:schemeClr val="dk1"/>
+              </a:lnRef>
+              <a:fillRef idx="0">
+                <a:schemeClr val="dk1"/>
+              </a:fillRef>
+              <a:effectRef idx="0">
+                <a:schemeClr val="dk1"/>
+              </a:effectRef>
+              <a:fontRef idx="minor">
+                <a:schemeClr val="tx1"/>
+              </a:fontRef>
+            </p:style>
+          </p:cxnSp>
+          <p:cxnSp>
+            <p:nvCxnSpPr>
+              <p:cNvPr id="10" name="Straight Arrow Connector 9">
+                <a:extLst>
+                  <a:ext uri="{FF2B5EF4-FFF2-40B4-BE49-F238E27FC236}">
+                    <a16:creationId xmlns:a16="http://schemas.microsoft.com/office/drawing/2014/main" id="{B7FFEA78-846D-5F1D-C4C0-EAC0599E0390}"/>
+                  </a:ext>
+                </a:extLst>
+              </p:cNvPr>
+              <p:cNvCxnSpPr/>
+              <p:nvPr/>
+            </p:nvCxnSpPr>
+            <p:spPr>
+              <a:xfrm>
+                <a:off x="1499679" y="5969540"/>
+                <a:ext cx="612843" cy="0"/>
+              </a:xfrm>
+              <a:prstGeom prst="straightConnector1">
+                <a:avLst/>
+              </a:prstGeom>
+              <a:ln>
+                <a:tailEnd type="triangle"/>
+              </a:ln>
+            </p:spPr>
+            <p:style>
+              <a:lnRef idx="1">
+                <a:schemeClr val="dk1"/>
+              </a:lnRef>
+              <a:fillRef idx="0">
+                <a:schemeClr val="dk1"/>
+              </a:fillRef>
+              <a:effectRef idx="0">
+                <a:schemeClr val="dk1"/>
+              </a:effectRef>
+              <a:fontRef idx="minor">
+                <a:schemeClr val="tx1"/>
+              </a:fontRef>
+            </p:style>
+          </p:cxnSp>
+          <p:cxnSp>
+            <p:nvCxnSpPr>
+              <p:cNvPr id="11" name="Straight Arrow Connector 10">
+                <a:extLst>
+                  <a:ext uri="{FF2B5EF4-FFF2-40B4-BE49-F238E27FC236}">
+                    <a16:creationId xmlns:a16="http://schemas.microsoft.com/office/drawing/2014/main" id="{26838BA1-D97C-C51E-ACDD-06D5587C54FD}"/>
+                  </a:ext>
+                </a:extLst>
+              </p:cNvPr>
+              <p:cNvCxnSpPr/>
+              <p:nvPr/>
+            </p:nvCxnSpPr>
+            <p:spPr>
+              <a:xfrm>
+                <a:off x="3725693" y="5969540"/>
+                <a:ext cx="612843" cy="0"/>
+              </a:xfrm>
+              <a:prstGeom prst="straightConnector1">
+                <a:avLst/>
+              </a:prstGeom>
+              <a:ln>
+                <a:tailEnd type="triangle"/>
+              </a:ln>
+            </p:spPr>
+            <p:style>
+              <a:lnRef idx="1">
+                <a:schemeClr val="dk1"/>
+              </a:lnRef>
+              <a:fillRef idx="0">
+                <a:schemeClr val="dk1"/>
+              </a:fillRef>
+              <a:effectRef idx="0">
+                <a:schemeClr val="dk1"/>
+              </a:effectRef>
+              <a:fontRef idx="minor">
+                <a:schemeClr val="tx1"/>
+              </a:fontRef>
+            </p:style>
+          </p:cxnSp>
+          <p:cxnSp>
+            <p:nvCxnSpPr>
+              <p:cNvPr id="12" name="Straight Arrow Connector 11">
+                <a:extLst>
+                  <a:ext uri="{FF2B5EF4-FFF2-40B4-BE49-F238E27FC236}">
+                    <a16:creationId xmlns:a16="http://schemas.microsoft.com/office/drawing/2014/main" id="{2931F569-0B9E-35AB-A5A8-B17CCD51642A}"/>
+                  </a:ext>
+                </a:extLst>
+              </p:cNvPr>
+              <p:cNvCxnSpPr/>
+              <p:nvPr/>
+            </p:nvCxnSpPr>
+            <p:spPr>
+              <a:xfrm>
+                <a:off x="3725693" y="5236562"/>
+                <a:ext cx="612843" cy="0"/>
+              </a:xfrm>
+              <a:prstGeom prst="straightConnector1">
+                <a:avLst/>
+              </a:prstGeom>
+              <a:ln>
+                <a:tailEnd type="triangle"/>
+              </a:ln>
+            </p:spPr>
+            <p:style>
+              <a:lnRef idx="1">
+                <a:schemeClr val="dk1"/>
+              </a:lnRef>
+              <a:fillRef idx="0">
+                <a:schemeClr val="dk1"/>
+              </a:fillRef>
+              <a:effectRef idx="0">
+                <a:schemeClr val="dk1"/>
+              </a:effectRef>
+              <a:fontRef idx="minor">
+                <a:schemeClr val="tx1"/>
+              </a:fontRef>
+            </p:style>
+          </p:cxnSp>
+          <p:sp>
+            <p:nvSpPr>
+              <p:cNvPr id="13" name="TextBox 12">
+                <a:extLst>
+                  <a:ext uri="{FF2B5EF4-FFF2-40B4-BE49-F238E27FC236}">
+                    <a16:creationId xmlns:a16="http://schemas.microsoft.com/office/drawing/2014/main" id="{85C2F085-CBC8-4543-1D41-874BE29925C1}"/>
+                  </a:ext>
+                </a:extLst>
+              </p:cNvPr>
+              <p:cNvSpPr txBox="1"/>
+              <p:nvPr/>
+            </p:nvSpPr>
+            <p:spPr>
+              <a:xfrm>
+                <a:off x="1032752" y="4318856"/>
+                <a:ext cx="486383" cy="369332"/>
+              </a:xfrm>
+              <a:prstGeom prst="rect">
+                <a:avLst/>
+              </a:prstGeom>
+              <a:noFill/>
+            </p:spPr>
+            <p:txBody>
+              <a:bodyPr wrap="square" rtlCol="0">
+                <a:spAutoFit/>
+              </a:bodyPr>
+              <a:lstStyle/>
+              <a:p>
+                <a:r>
+                  <a:rPr lang="en-US" dirty="0"/>
+                  <a:t>x</a:t>
+                </a:r>
+              </a:p>
+            </p:txBody>
+          </p:sp>
+          <p:sp>
+            <p:nvSpPr>
+              <p:cNvPr id="14" name="TextBox 13">
+                <a:extLst>
+                  <a:ext uri="{FF2B5EF4-FFF2-40B4-BE49-F238E27FC236}">
+                    <a16:creationId xmlns:a16="http://schemas.microsoft.com/office/drawing/2014/main" id="{9E14960E-0A18-8CE5-A3F0-3BB224EBC69F}"/>
+                  </a:ext>
+                </a:extLst>
+              </p:cNvPr>
+              <p:cNvSpPr txBox="1"/>
+              <p:nvPr/>
+            </p:nvSpPr>
+            <p:spPr>
+              <a:xfrm>
+                <a:off x="1021404" y="5087566"/>
+                <a:ext cx="486383" cy="369332"/>
+              </a:xfrm>
+              <a:prstGeom prst="rect">
+                <a:avLst/>
+              </a:prstGeom>
+              <a:noFill/>
+            </p:spPr>
+            <p:txBody>
+              <a:bodyPr wrap="square" rtlCol="0">
+                <a:spAutoFit/>
+              </a:bodyPr>
+              <a:lstStyle/>
+              <a:p>
+                <a:r>
+                  <a:rPr lang="en-US" dirty="0"/>
+                  <a:t>y</a:t>
+                </a:r>
+              </a:p>
+            </p:txBody>
+          </p:sp>
+          <p:sp>
+            <p:nvSpPr>
+              <p:cNvPr id="15" name="TextBox 14">
+                <a:extLst>
+                  <a:ext uri="{FF2B5EF4-FFF2-40B4-BE49-F238E27FC236}">
+                    <a16:creationId xmlns:a16="http://schemas.microsoft.com/office/drawing/2014/main" id="{F5BFD154-E957-E5C7-FB4D-B70CF4A39455}"/>
+                  </a:ext>
+                </a:extLst>
+              </p:cNvPr>
+              <p:cNvSpPr txBox="1"/>
+              <p:nvPr/>
+            </p:nvSpPr>
+            <p:spPr>
+              <a:xfrm>
+                <a:off x="1031942" y="5703886"/>
+                <a:ext cx="204281" cy="369331"/>
+              </a:xfrm>
+              <a:prstGeom prst="rect">
+                <a:avLst/>
+              </a:prstGeom>
+              <a:noFill/>
+            </p:spPr>
+            <p:txBody>
+              <a:bodyPr wrap="square" rtlCol="0">
+                <a:spAutoFit/>
+              </a:bodyPr>
+              <a:lstStyle/>
+              <a:p>
+                <a:r>
+                  <a:rPr lang="en-US" dirty="0"/>
+                  <a:t>z</a:t>
+                </a:r>
+              </a:p>
+            </p:txBody>
+          </p:sp>
+          <p:sp>
+            <p:nvSpPr>
+              <p:cNvPr id="16" name="TextBox 15">
+                <a:extLst>
+                  <a:ext uri="{FF2B5EF4-FFF2-40B4-BE49-F238E27FC236}">
+                    <a16:creationId xmlns:a16="http://schemas.microsoft.com/office/drawing/2014/main" id="{2BBC3F90-6883-87A7-9394-22B164092EC3}"/>
+                  </a:ext>
+                </a:extLst>
+              </p:cNvPr>
+              <p:cNvSpPr txBox="1"/>
+              <p:nvPr/>
+            </p:nvSpPr>
+            <p:spPr>
+              <a:xfrm>
+                <a:off x="4307244" y="4937825"/>
+                <a:ext cx="5793796" cy="574010"/>
+              </a:xfrm>
+              <a:prstGeom prst="rect">
+                <a:avLst/>
+              </a:prstGeom>
+              <a:noFill/>
+            </p:spPr>
+            <p:txBody>
+              <a:bodyPr wrap="square" rtlCol="0">
+                <a:spAutoFit/>
+              </a:bodyPr>
+              <a:lstStyle/>
+              <a:p>
+                <a:r>
+                  <a:rPr lang="en-US" dirty="0"/>
+                  <a:t> y*</a:t>
+                </a:r>
+                <a:r>
+                  <a:rPr lang="en-US" dirty="0" err="1"/>
+                  <a:t>cosh</a:t>
+                </a:r>
+                <a:r>
+                  <a:rPr lang="en-US" dirty="0"/>
+                  <a:t>(z) + x*</a:t>
+                </a:r>
+                <a:r>
+                  <a:rPr lang="en-US" dirty="0" err="1"/>
+                  <a:t>sinh</a:t>
+                </a:r>
+                <a:r>
+                  <a:rPr lang="en-US" dirty="0"/>
+                  <a:t> (z)</a:t>
+                </a:r>
+              </a:p>
+            </p:txBody>
+          </p:sp>
+          <p:sp>
+            <p:nvSpPr>
+              <p:cNvPr id="17" name="TextBox 16">
+                <a:extLst>
+                  <a:ext uri="{FF2B5EF4-FFF2-40B4-BE49-F238E27FC236}">
+                    <a16:creationId xmlns:a16="http://schemas.microsoft.com/office/drawing/2014/main" id="{98BEBE72-68C4-F624-9892-F5FEE13DFE6A}"/>
+                  </a:ext>
+                </a:extLst>
+              </p:cNvPr>
+              <p:cNvSpPr txBox="1"/>
+              <p:nvPr/>
+            </p:nvSpPr>
+            <p:spPr>
+              <a:xfrm>
+                <a:off x="4338536" y="5651062"/>
+                <a:ext cx="1108953" cy="574010"/>
+              </a:xfrm>
+              <a:prstGeom prst="rect">
+                <a:avLst/>
+              </a:prstGeom>
+              <a:noFill/>
+            </p:spPr>
+            <p:txBody>
+              <a:bodyPr wrap="square" rtlCol="0">
+                <a:spAutoFit/>
+              </a:bodyPr>
+              <a:lstStyle/>
+              <a:p>
+                <a:r>
+                  <a:rPr lang="en-US" dirty="0"/>
+                  <a:t>0</a:t>
+                </a:r>
+              </a:p>
+            </p:txBody>
+          </p:sp>
+        </p:grpSp>
+        <p:sp>
+          <p:nvSpPr>
+            <p:cNvPr id="18" name="TextBox 17">
+              <a:extLst>
+                <a:ext uri="{FF2B5EF4-FFF2-40B4-BE49-F238E27FC236}">
+                  <a16:creationId xmlns:a16="http://schemas.microsoft.com/office/drawing/2014/main" id="{A83AD1E4-4879-D503-31EF-1CD15672FC87}"/>
+                </a:ext>
+              </a:extLst>
+            </p:cNvPr>
+            <p:cNvSpPr txBox="1"/>
+            <p:nvPr/>
+          </p:nvSpPr>
+          <p:spPr>
+            <a:xfrm>
+              <a:off x="6401801" y="3395455"/>
+              <a:ext cx="4419771" cy="369332"/>
+            </a:xfrm>
+            <a:prstGeom prst="rect">
+              <a:avLst/>
+            </a:prstGeom>
+            <a:noFill/>
+          </p:spPr>
+          <p:txBody>
+            <a:bodyPr wrap="square" rtlCol="0">
+              <a:spAutoFit/>
+            </a:bodyPr>
+            <a:lstStyle/>
+            <a:p>
+              <a:r>
+                <a:rPr lang="en-US" dirty="0"/>
+                <a:t> x*</a:t>
+              </a:r>
+              <a:r>
+                <a:rPr lang="en-US" dirty="0" err="1"/>
+                <a:t>cosh</a:t>
+              </a:r>
+              <a:r>
+                <a:rPr lang="en-US" dirty="0"/>
+                <a:t>(z) -y*</a:t>
+              </a:r>
+              <a:r>
+                <a:rPr lang="en-US" dirty="0" err="1"/>
+                <a:t>sinh</a:t>
+              </a:r>
+              <a:r>
+                <a:rPr lang="en-US" dirty="0"/>
+                <a:t> (z)		</a:t>
+              </a:r>
+            </a:p>
+          </p:txBody>
+        </p:sp>
+        <p:cxnSp>
+          <p:nvCxnSpPr>
+            <p:cNvPr id="19" name="Straight Arrow Connector 18">
+              <a:extLst>
+                <a:ext uri="{FF2B5EF4-FFF2-40B4-BE49-F238E27FC236}">
+                  <a16:creationId xmlns:a16="http://schemas.microsoft.com/office/drawing/2014/main" id="{2797F883-5785-E57A-E7F9-29C4ADF60A05}"/>
+                </a:ext>
+              </a:extLst>
+            </p:cNvPr>
+            <p:cNvCxnSpPr/>
+            <p:nvPr/>
+          </p:nvCxnSpPr>
+          <p:spPr>
+            <a:xfrm>
+              <a:off x="5960950" y="3620979"/>
+              <a:ext cx="467504" cy="0"/>
+            </a:xfrm>
+            <a:prstGeom prst="straightConnector1">
+              <a:avLst/>
+            </a:prstGeom>
+            <a:ln>
+              <a:tailEnd type="triangle"/>
+            </a:ln>
+          </p:spPr>
+          <p:style>
+            <a:lnRef idx="1">
+              <a:schemeClr val="dk1"/>
+            </a:lnRef>
+            <a:fillRef idx="0">
+              <a:schemeClr val="dk1"/>
+            </a:fillRef>
+            <a:effectRef idx="0">
+              <a:schemeClr val="dk1"/>
+            </a:effectRef>
+            <a:fontRef idx="minor">
+              <a:schemeClr val="tx1"/>
+            </a:fontRef>
+          </p:style>
+        </p:cxnSp>
+      </p:grpSp>
+      <p:grpSp>
+        <p:nvGrpSpPr>
+          <p:cNvPr id="21" name="Group 20">
+            <a:extLst>
+              <a:ext uri="{FF2B5EF4-FFF2-40B4-BE49-F238E27FC236}">
+                <a16:creationId xmlns:a16="http://schemas.microsoft.com/office/drawing/2014/main" id="{93321EEE-3719-E1B4-7484-3BC652DA5A9E}"/>
+              </a:ext>
+            </a:extLst>
+          </p:cNvPr>
+          <p:cNvGrpSpPr/>
+          <p:nvPr/>
+        </p:nvGrpSpPr>
+        <p:grpSpPr>
+          <a:xfrm>
+            <a:off x="6108192" y="3284061"/>
+            <a:ext cx="3918928" cy="1289607"/>
+            <a:chOff x="3903252" y="3395455"/>
+            <a:chExt cx="3918928" cy="1289607"/>
+          </a:xfrm>
+        </p:grpSpPr>
+        <p:grpSp>
+          <p:nvGrpSpPr>
+            <p:cNvPr id="22" name="Group 21">
+              <a:extLst>
+                <a:ext uri="{FF2B5EF4-FFF2-40B4-BE49-F238E27FC236}">
+                  <a16:creationId xmlns:a16="http://schemas.microsoft.com/office/drawing/2014/main" id="{FDA315F4-468A-8A84-58C0-7D3ACF29B2AE}"/>
+                </a:ext>
+              </a:extLst>
+            </p:cNvPr>
+            <p:cNvGrpSpPr/>
+            <p:nvPr/>
+          </p:nvGrpSpPr>
+          <p:grpSpPr>
+            <a:xfrm>
+              <a:off x="3903252" y="3395456"/>
+              <a:ext cx="2200933" cy="1289606"/>
+              <a:chOff x="1031942" y="4273610"/>
+              <a:chExt cx="2885162" cy="2004286"/>
+            </a:xfrm>
+          </p:grpSpPr>
+          <p:sp>
+            <p:nvSpPr>
+              <p:cNvPr id="25" name="Rectangle 24">
+                <a:extLst>
+                  <a:ext uri="{FF2B5EF4-FFF2-40B4-BE49-F238E27FC236}">
+                    <a16:creationId xmlns:a16="http://schemas.microsoft.com/office/drawing/2014/main" id="{B64A3CA9-96C7-9F48-1249-641044D56073}"/>
+                  </a:ext>
+                </a:extLst>
+              </p:cNvPr>
+              <p:cNvSpPr/>
+              <p:nvPr/>
+            </p:nvSpPr>
+            <p:spPr>
+              <a:xfrm>
+                <a:off x="2120630" y="4273610"/>
+                <a:ext cx="1605064" cy="1997243"/>
+              </a:xfrm>
+              <a:prstGeom prst="rect">
+                <a:avLst/>
+              </a:prstGeom>
+              <a:ln>
+                <a:solidFill>
+                  <a:schemeClr val="tx1"/>
+                </a:solidFill>
+              </a:ln>
+            </p:spPr>
+            <p:style>
+              <a:lnRef idx="2">
+                <a:schemeClr val="accent6"/>
+              </a:lnRef>
+              <a:fillRef idx="1">
+                <a:schemeClr val="lt1"/>
+              </a:fillRef>
+              <a:effectRef idx="0">
+                <a:schemeClr val="accent6"/>
+              </a:effectRef>
+              <a:fontRef idx="minor">
+                <a:schemeClr val="dk1"/>
+              </a:fontRef>
+            </p:style>
+            <p:txBody>
+              <a:bodyPr rtlCol="0" anchor="ctr"/>
+              <a:lstStyle/>
+              <a:p>
+                <a:pPr algn="ctr"/>
+                <a:endParaRPr lang="en-US" dirty="0"/>
+              </a:p>
+            </p:txBody>
+          </p:sp>
+          <p:sp>
+            <p:nvSpPr>
+              <p:cNvPr id="26" name="TextBox 25">
+                <a:extLst>
+                  <a:ext uri="{FF2B5EF4-FFF2-40B4-BE49-F238E27FC236}">
+                    <a16:creationId xmlns:a16="http://schemas.microsoft.com/office/drawing/2014/main" id="{20D319B7-93E2-4497-86F3-4DCFA2AE3D00}"/>
+                  </a:ext>
+                </a:extLst>
+              </p:cNvPr>
+              <p:cNvSpPr txBox="1"/>
+              <p:nvPr/>
+            </p:nvSpPr>
+            <p:spPr>
+              <a:xfrm>
+                <a:off x="2343333" y="4620975"/>
+                <a:ext cx="1573771" cy="1004518"/>
+              </a:xfrm>
+              <a:prstGeom prst="rect">
+                <a:avLst/>
+              </a:prstGeom>
+              <a:noFill/>
+            </p:spPr>
+            <p:txBody>
+              <a:bodyPr wrap="square" rtlCol="0">
+                <a:spAutoFit/>
+              </a:bodyPr>
+              <a:lstStyle/>
+              <a:p>
+                <a:r>
+                  <a:rPr lang="en-US" dirty="0"/>
+                  <a:t>Cordic division</a:t>
+                </a:r>
+              </a:p>
+            </p:txBody>
+          </p:sp>
+          <p:cxnSp>
+            <p:nvCxnSpPr>
+              <p:cNvPr id="27" name="Straight Arrow Connector 26">
+                <a:extLst>
+                  <a:ext uri="{FF2B5EF4-FFF2-40B4-BE49-F238E27FC236}">
+                    <a16:creationId xmlns:a16="http://schemas.microsoft.com/office/drawing/2014/main" id="{FA11060A-19EF-0A25-5047-E1876C394B10}"/>
+                  </a:ext>
+                </a:extLst>
+              </p:cNvPr>
+              <p:cNvCxnSpPr/>
+              <p:nvPr/>
+            </p:nvCxnSpPr>
+            <p:spPr>
+              <a:xfrm>
+                <a:off x="1499680" y="4532665"/>
+                <a:ext cx="612842" cy="0"/>
+              </a:xfrm>
+              <a:prstGeom prst="straightConnector1">
+                <a:avLst/>
+              </a:prstGeom>
+              <a:ln>
+                <a:tailEnd type="triangle"/>
+              </a:ln>
+            </p:spPr>
+            <p:style>
+              <a:lnRef idx="1">
+                <a:schemeClr val="dk1"/>
+              </a:lnRef>
+              <a:fillRef idx="0">
+                <a:schemeClr val="dk1"/>
+              </a:fillRef>
+              <a:effectRef idx="0">
+                <a:schemeClr val="dk1"/>
+              </a:effectRef>
+              <a:fontRef idx="minor">
+                <a:schemeClr val="tx1"/>
+              </a:fontRef>
+            </p:style>
+          </p:cxnSp>
+          <p:cxnSp>
+            <p:nvCxnSpPr>
+              <p:cNvPr id="28" name="Straight Arrow Connector 27">
+                <a:extLst>
+                  <a:ext uri="{FF2B5EF4-FFF2-40B4-BE49-F238E27FC236}">
+                    <a16:creationId xmlns:a16="http://schemas.microsoft.com/office/drawing/2014/main" id="{61BDE678-3988-DC52-27E7-BF6235BEEE23}"/>
+                  </a:ext>
+                </a:extLst>
+              </p:cNvPr>
+              <p:cNvCxnSpPr/>
+              <p:nvPr/>
+            </p:nvCxnSpPr>
+            <p:spPr>
+              <a:xfrm>
+                <a:off x="1499680" y="5239805"/>
+                <a:ext cx="612843" cy="0"/>
+              </a:xfrm>
+              <a:prstGeom prst="straightConnector1">
+                <a:avLst/>
+              </a:prstGeom>
+              <a:ln>
+                <a:tailEnd type="triangle"/>
+              </a:ln>
+            </p:spPr>
+            <p:style>
+              <a:lnRef idx="1">
+                <a:schemeClr val="dk1"/>
+              </a:lnRef>
+              <a:fillRef idx="0">
+                <a:schemeClr val="dk1"/>
+              </a:fillRef>
+              <a:effectRef idx="0">
+                <a:schemeClr val="dk1"/>
+              </a:effectRef>
+              <a:fontRef idx="minor">
+                <a:schemeClr val="tx1"/>
+              </a:fontRef>
+            </p:style>
+          </p:cxnSp>
+          <p:sp>
+            <p:nvSpPr>
+              <p:cNvPr id="34" name="TextBox 33">
+                <a:extLst>
+                  <a:ext uri="{FF2B5EF4-FFF2-40B4-BE49-F238E27FC236}">
+                    <a16:creationId xmlns:a16="http://schemas.microsoft.com/office/drawing/2014/main" id="{2A6C5ED3-104E-B2B9-4B3D-182C8CB83153}"/>
+                  </a:ext>
+                </a:extLst>
+              </p:cNvPr>
+              <p:cNvSpPr txBox="1"/>
+              <p:nvPr/>
+            </p:nvSpPr>
+            <p:spPr>
+              <a:xfrm>
+                <a:off x="1031942" y="5703886"/>
+                <a:ext cx="204281" cy="574010"/>
+              </a:xfrm>
+              <a:prstGeom prst="rect">
+                <a:avLst/>
+              </a:prstGeom>
+              <a:noFill/>
+            </p:spPr>
+            <p:txBody>
+              <a:bodyPr wrap="square" rtlCol="0">
+                <a:spAutoFit/>
+              </a:bodyPr>
+              <a:lstStyle/>
+              <a:p>
+                <a:endParaRPr lang="en-US" dirty="0"/>
+              </a:p>
+            </p:txBody>
+          </p:sp>
+        </p:grpSp>
+        <p:sp>
+          <p:nvSpPr>
+            <p:cNvPr id="23" name="TextBox 22">
+              <a:extLst>
+                <a:ext uri="{FF2B5EF4-FFF2-40B4-BE49-F238E27FC236}">
+                  <a16:creationId xmlns:a16="http://schemas.microsoft.com/office/drawing/2014/main" id="{D02A0052-5EF2-7A53-F892-E0ED93EFA3C2}"/>
+                </a:ext>
+              </a:extLst>
+            </p:cNvPr>
+            <p:cNvSpPr txBox="1"/>
+            <p:nvPr/>
+          </p:nvSpPr>
+          <p:spPr>
+            <a:xfrm>
+              <a:off x="6401801" y="3395455"/>
+              <a:ext cx="1420379" cy="646331"/>
+            </a:xfrm>
+            <a:prstGeom prst="rect">
+              <a:avLst/>
+            </a:prstGeom>
+            <a:noFill/>
+          </p:spPr>
+          <p:txBody>
+            <a:bodyPr wrap="square" rtlCol="0">
+              <a:spAutoFit/>
+            </a:bodyPr>
+            <a:lstStyle/>
+            <a:p>
+              <a:r>
+                <a:rPr lang="en-US" dirty="0"/>
+                <a:t> tanh(z)		</a:t>
+              </a:r>
+            </a:p>
+          </p:txBody>
+        </p:sp>
+        <p:cxnSp>
+          <p:nvCxnSpPr>
+            <p:cNvPr id="24" name="Straight Arrow Connector 23">
+              <a:extLst>
+                <a:ext uri="{FF2B5EF4-FFF2-40B4-BE49-F238E27FC236}">
+                  <a16:creationId xmlns:a16="http://schemas.microsoft.com/office/drawing/2014/main" id="{C4D58863-02A1-1FA9-01B5-B1A87140DF10}"/>
+                </a:ext>
+              </a:extLst>
+            </p:cNvPr>
+            <p:cNvCxnSpPr/>
+            <p:nvPr/>
+          </p:nvCxnSpPr>
+          <p:spPr>
+            <a:xfrm>
+              <a:off x="5960950" y="3620979"/>
+              <a:ext cx="467504" cy="0"/>
+            </a:xfrm>
+            <a:prstGeom prst="straightConnector1">
+              <a:avLst/>
+            </a:prstGeom>
+            <a:ln>
+              <a:tailEnd type="triangle"/>
+            </a:ln>
+          </p:spPr>
+          <p:style>
+            <a:lnRef idx="1">
+              <a:schemeClr val="dk1"/>
+            </a:lnRef>
+            <a:fillRef idx="0">
+              <a:schemeClr val="dk1"/>
+            </a:fillRef>
+            <a:effectRef idx="0">
+              <a:schemeClr val="dk1"/>
+            </a:effectRef>
+            <a:fontRef idx="minor">
+              <a:schemeClr val="tx1"/>
+            </a:fontRef>
+          </p:style>
+        </p:cxnSp>
+      </p:grpSp>
+    </p:spTree>
+    <p:extLst>
+      <p:ext uri="{BB962C8B-B14F-4D97-AF65-F5344CB8AC3E}">
+        <p14:creationId xmlns:p14="http://schemas.microsoft.com/office/powerpoint/2010/main" val="2268069877"/>
+      </p:ext>
+    </p:extLst>
+  </p:cSld>
+  <p:clrMapOvr>
+    <a:masterClrMapping/>
+  </p:clrMapOvr>
+</p:sld>
+</file>
+
+<file path=ppt/slides/slide23.xml><?xml version="1.0" encoding="utf-8"?>
+<p:sld xmlns:a="http://schemas.openxmlformats.org/drawingml/2006/main" xmlns:r="http://schemas.openxmlformats.org/officeDocument/2006/relationships" xmlns:p="http://schemas.openxmlformats.org/presentationml/2006/main">
+  <p:cSld>
+    <p:spTree>
+      <p:nvGrpSpPr>
+        <p:cNvPr id="1" name=""/>
+        <p:cNvGrpSpPr/>
+        <p:nvPr/>
+      </p:nvGrpSpPr>
+      <p:grpSpPr>
+        <a:xfrm>
+          <a:off x="0" y="0"/>
+          <a:ext cx="0" cy="0"/>
+          <a:chOff x="0" y="0"/>
+          <a:chExt cx="0" cy="0"/>
+        </a:xfrm>
+      </p:grpSpPr>
+      <p:sp>
+        <p:nvSpPr>
+          <p:cNvPr id="2" name="Title 1">
+            <a:extLst>
+              <a:ext uri="{FF2B5EF4-FFF2-40B4-BE49-F238E27FC236}">
+                <a16:creationId xmlns:a16="http://schemas.microsoft.com/office/drawing/2014/main" id="{A509657F-A79C-4284-72AE-C81359345CAC}"/>
+              </a:ext>
+            </a:extLst>
+          </p:cNvPr>
+          <p:cNvSpPr>
+            <a:spLocks noGrp="1"/>
+          </p:cNvSpPr>
+          <p:nvPr>
+            <p:ph type="title"/>
+          </p:nvPr>
+        </p:nvSpPr>
+        <p:spPr/>
+        <p:txBody>
+          <a:bodyPr/>
+          <a:lstStyle/>
+          <a:p>
+            <a:r>
+              <a:rPr lang="en-US" dirty="0"/>
+              <a:t>Tanh simulation waveform</a:t>
+            </a:r>
+          </a:p>
+        </p:txBody>
+      </p:sp>
+      <p:pic>
+        <p:nvPicPr>
+          <p:cNvPr id="5" name="Content Placeholder 4">
+            <a:extLst>
+              <a:ext uri="{FF2B5EF4-FFF2-40B4-BE49-F238E27FC236}">
+                <a16:creationId xmlns:a16="http://schemas.microsoft.com/office/drawing/2014/main" id="{C0832C66-00A8-FD6E-9766-AAE135D02AAE}"/>
+              </a:ext>
+            </a:extLst>
+          </p:cNvPr>
+          <p:cNvPicPr>
+            <a:picLocks noGrp="1" noChangeAspect="1"/>
+          </p:cNvPicPr>
+          <p:nvPr>
+            <p:ph idx="1"/>
+          </p:nvPr>
+        </p:nvPicPr>
+        <p:blipFill>
+          <a:blip r:embed="rId2"/>
+          <a:stretch>
+            <a:fillRect/>
+          </a:stretch>
+        </p:blipFill>
+        <p:spPr>
+          <a:xfrm>
+            <a:off x="3920645" y="1834382"/>
+            <a:ext cx="4571601" cy="1895669"/>
+          </a:xfrm>
+        </p:spPr>
+      </p:pic>
+      <p:sp>
+        <p:nvSpPr>
+          <p:cNvPr id="6" name="TextBox 5">
+            <a:extLst>
+              <a:ext uri="{FF2B5EF4-FFF2-40B4-BE49-F238E27FC236}">
+                <a16:creationId xmlns:a16="http://schemas.microsoft.com/office/drawing/2014/main" id="{E1A5B87E-0AC2-A80F-0741-9D81D247AE2A}"/>
+              </a:ext>
+            </a:extLst>
+          </p:cNvPr>
+          <p:cNvSpPr txBox="1"/>
+          <p:nvPr/>
+        </p:nvSpPr>
+        <p:spPr>
+          <a:xfrm>
+            <a:off x="1459149" y="2023353"/>
+            <a:ext cx="2324911" cy="369332"/>
+          </a:xfrm>
+          <a:prstGeom prst="rect">
+            <a:avLst/>
+          </a:prstGeom>
+          <a:noFill/>
+        </p:spPr>
+        <p:txBody>
+          <a:bodyPr wrap="square" rtlCol="0">
+            <a:spAutoFit/>
+          </a:bodyPr>
+          <a:lstStyle/>
+          <a:p>
+            <a:r>
+              <a:rPr lang="en-US" dirty="0"/>
+              <a:t>Expected:</a:t>
+            </a:r>
+          </a:p>
+        </p:txBody>
+      </p:sp>
+      <p:sp>
+        <p:nvSpPr>
+          <p:cNvPr id="7" name="TextBox 6">
+            <a:extLst>
+              <a:ext uri="{FF2B5EF4-FFF2-40B4-BE49-F238E27FC236}">
+                <a16:creationId xmlns:a16="http://schemas.microsoft.com/office/drawing/2014/main" id="{E8ABB9E3-56F3-87E7-C3BE-9B7B0ED6AACD}"/>
+              </a:ext>
+            </a:extLst>
+          </p:cNvPr>
+          <p:cNvSpPr txBox="1"/>
+          <p:nvPr/>
+        </p:nvSpPr>
+        <p:spPr>
+          <a:xfrm>
+            <a:off x="1459149" y="3796220"/>
+            <a:ext cx="2324911" cy="369332"/>
+          </a:xfrm>
+          <a:prstGeom prst="rect">
+            <a:avLst/>
+          </a:prstGeom>
+          <a:noFill/>
+        </p:spPr>
+        <p:txBody>
+          <a:bodyPr wrap="square" rtlCol="0">
+            <a:spAutoFit/>
+          </a:bodyPr>
+          <a:lstStyle/>
+          <a:p>
+            <a:r>
+              <a:rPr lang="en-US" dirty="0"/>
+              <a:t>Result:</a:t>
+            </a:r>
+          </a:p>
+        </p:txBody>
+      </p:sp>
+      <p:pic>
+        <p:nvPicPr>
+          <p:cNvPr id="9" name="Picture 8" descr="A graph on a black background&#10;&#10;Description automatically generated">
+            <a:extLst>
+              <a:ext uri="{FF2B5EF4-FFF2-40B4-BE49-F238E27FC236}">
+                <a16:creationId xmlns:a16="http://schemas.microsoft.com/office/drawing/2014/main" id="{837579BD-ED18-7D2C-A9DD-0E1D249DFFEB}"/>
+              </a:ext>
+            </a:extLst>
+          </p:cNvPr>
+          <p:cNvPicPr>
+            <a:picLocks noChangeAspect="1"/>
+          </p:cNvPicPr>
+          <p:nvPr/>
+        </p:nvPicPr>
+        <p:blipFill>
+          <a:blip r:embed="rId3">
+            <a:extLst>
+              <a:ext uri="{28A0092B-C50C-407E-A947-70E740481C1C}">
+                <a14:useLocalDpi xmlns:a14="http://schemas.microsoft.com/office/drawing/2010/main" val="0"/>
+              </a:ext>
+            </a:extLst>
+          </a:blip>
+          <a:stretch>
+            <a:fillRect/>
+          </a:stretch>
+        </p:blipFill>
+        <p:spPr>
+          <a:xfrm>
+            <a:off x="1649272" y="4328809"/>
+            <a:ext cx="9186516" cy="2163432"/>
+          </a:xfrm>
+          <a:prstGeom prst="rect">
+            <a:avLst/>
+          </a:prstGeom>
+        </p:spPr>
+      </p:pic>
+    </p:spTree>
+    <p:extLst>
+      <p:ext uri="{BB962C8B-B14F-4D97-AF65-F5344CB8AC3E}">
+        <p14:creationId xmlns:p14="http://schemas.microsoft.com/office/powerpoint/2010/main" val="3888671500"/>
+      </p:ext>
+    </p:extLst>
+  </p:cSld>
+  <p:clrMapOvr>
+    <a:masterClrMapping/>
+  </p:clrMapOvr>
+</p:sld>
+</file>
+
+<file path=ppt/slides/slide24.xml><?xml version="1.0" encoding="utf-8"?>
+<p:sld xmlns:a="http://schemas.openxmlformats.org/drawingml/2006/main" xmlns:r="http://schemas.openxmlformats.org/officeDocument/2006/relationships" xmlns:p="http://schemas.openxmlformats.org/presentationml/2006/main">
+  <p:cSld>
+    <p:spTree>
+      <p:nvGrpSpPr>
+        <p:cNvPr id="1" name=""/>
+        <p:cNvGrpSpPr/>
+        <p:nvPr/>
+      </p:nvGrpSpPr>
+      <p:grpSpPr>
+        <a:xfrm>
+          <a:off x="0" y="0"/>
+          <a:ext cx="0" cy="0"/>
+          <a:chOff x="0" y="0"/>
+          <a:chExt cx="0" cy="0"/>
+        </a:xfrm>
+      </p:grpSpPr>
+      <p:sp>
+        <p:nvSpPr>
+          <p:cNvPr id="2" name="Title 1">
+            <a:extLst>
+              <a:ext uri="{FF2B5EF4-FFF2-40B4-BE49-F238E27FC236}">
+                <a16:creationId xmlns:a16="http://schemas.microsoft.com/office/drawing/2014/main" id="{8F0D46E7-43A0-2B80-8643-354544F63C09}"/>
+              </a:ext>
+            </a:extLst>
+          </p:cNvPr>
+          <p:cNvSpPr>
+            <a:spLocks noGrp="1"/>
+          </p:cNvSpPr>
+          <p:nvPr>
+            <p:ph type="title"/>
+          </p:nvPr>
+        </p:nvSpPr>
+        <p:spPr/>
+        <p:txBody>
+          <a:bodyPr/>
+          <a:lstStyle/>
+          <a:p>
+            <a:r>
+              <a:rPr lang="en-US" dirty="0"/>
+              <a:t>Timing results: Tanh function</a:t>
+            </a:r>
+          </a:p>
+        </p:txBody>
+      </p:sp>
+      <p:pic>
+        <p:nvPicPr>
+          <p:cNvPr id="8" name="Content Placeholder 7" descr="A screenshot of a computer&#10;&#10;Description automatically generated">
+            <a:extLst>
+              <a:ext uri="{FF2B5EF4-FFF2-40B4-BE49-F238E27FC236}">
+                <a16:creationId xmlns:a16="http://schemas.microsoft.com/office/drawing/2014/main" id="{01A31696-DED6-5120-3725-0255BC283470}"/>
+              </a:ext>
+            </a:extLst>
+          </p:cNvPr>
+          <p:cNvPicPr>
+            <a:picLocks noGrp="1" noChangeAspect="1"/>
+          </p:cNvPicPr>
+          <p:nvPr>
+            <p:ph idx="1"/>
+          </p:nvPr>
+        </p:nvPicPr>
+        <p:blipFill>
+          <a:blip r:embed="rId2">
+            <a:extLst>
+              <a:ext uri="{28A0092B-C50C-407E-A947-70E740481C1C}">
+                <a14:useLocalDpi xmlns:a14="http://schemas.microsoft.com/office/drawing/2010/main" val="0"/>
+              </a:ext>
+            </a:extLst>
+          </a:blip>
+          <a:stretch>
+            <a:fillRect/>
+          </a:stretch>
+        </p:blipFill>
+        <p:spPr>
+          <a:xfrm>
+            <a:off x="1135604" y="2248916"/>
+            <a:ext cx="8594725" cy="1799038"/>
+          </a:xfrm>
+        </p:spPr>
+      </p:pic>
+      <p:sp>
+        <p:nvSpPr>
+          <p:cNvPr id="5" name="TextBox 4">
+            <a:extLst>
+              <a:ext uri="{FF2B5EF4-FFF2-40B4-BE49-F238E27FC236}">
+                <a16:creationId xmlns:a16="http://schemas.microsoft.com/office/drawing/2014/main" id="{FD592D65-1D0D-D716-2CFE-EA99EF88E2D3}"/>
+              </a:ext>
+            </a:extLst>
+          </p:cNvPr>
+          <p:cNvSpPr txBox="1"/>
+          <p:nvPr/>
+        </p:nvSpPr>
+        <p:spPr>
+          <a:xfrm>
+            <a:off x="1261872" y="5117286"/>
+            <a:ext cx="9623379" cy="1200329"/>
+          </a:xfrm>
+          <a:prstGeom prst="rect">
+            <a:avLst/>
+          </a:prstGeom>
+          <a:noFill/>
+        </p:spPr>
+        <p:txBody>
+          <a:bodyPr wrap="square">
+            <a:spAutoFit/>
+          </a:bodyPr>
+          <a:lstStyle/>
+          <a:p>
+            <a:pPr marL="285750" indent="-285750">
+              <a:buFont typeface="Arial" panose="020B0604020202020204" pitchFamily="34" charset="0"/>
+              <a:buChar char="•"/>
+            </a:pPr>
+            <a:r>
+              <a:rPr lang="en-US" sz="2400" dirty="0"/>
+              <a:t>The algorithm is run with 30ns clock period.</a:t>
+            </a:r>
+          </a:p>
+          <a:p>
+            <a:pPr marL="285750" indent="-285750">
+              <a:buFont typeface="Arial" panose="020B0604020202020204" pitchFamily="34" charset="0"/>
+              <a:buChar char="•"/>
+            </a:pPr>
+            <a:r>
+              <a:rPr lang="en-US" sz="2400" dirty="0"/>
+              <a:t>The max operating frequency = 1/(30ns – 1.881ns) </a:t>
+            </a:r>
+          </a:p>
+          <a:p>
+            <a:pPr lvl="8"/>
+            <a:r>
+              <a:rPr lang="en-US" sz="2400" dirty="0"/>
+              <a:t>	    = 35.53 MHz</a:t>
+            </a:r>
+          </a:p>
+        </p:txBody>
+      </p:sp>
+    </p:spTree>
+    <p:extLst>
+      <p:ext uri="{BB962C8B-B14F-4D97-AF65-F5344CB8AC3E}">
+        <p14:creationId xmlns:p14="http://schemas.microsoft.com/office/powerpoint/2010/main" val="454843114"/>
+      </p:ext>
+    </p:extLst>
+  </p:cSld>
+  <p:clrMapOvr>
+    <a:masterClrMapping/>
+  </p:clrMapOvr>
+</p:sld>
+</file>
+
+<file path=ppt/slides/slide25.xml><?xml version="1.0" encoding="utf-8"?>
+<p:sld xmlns:a="http://schemas.openxmlformats.org/drawingml/2006/main" xmlns:r="http://schemas.openxmlformats.org/officeDocument/2006/relationships" xmlns:p="http://schemas.openxmlformats.org/presentationml/2006/main">
+  <p:cSld>
+    <p:spTree>
+      <p:nvGrpSpPr>
+        <p:cNvPr id="1" name=""/>
+        <p:cNvGrpSpPr/>
+        <p:nvPr/>
+      </p:nvGrpSpPr>
+      <p:grpSpPr>
+        <a:xfrm>
+          <a:off x="0" y="0"/>
+          <a:ext cx="0" cy="0"/>
+          <a:chOff x="0" y="0"/>
+          <a:chExt cx="0" cy="0"/>
+        </a:xfrm>
+      </p:grpSpPr>
+      <p:sp>
+        <p:nvSpPr>
+          <p:cNvPr id="2" name="Title 1">
+            <a:extLst>
+              <a:ext uri="{FF2B5EF4-FFF2-40B4-BE49-F238E27FC236}">
+                <a16:creationId xmlns:a16="http://schemas.microsoft.com/office/drawing/2014/main" id="{B99F6E54-112C-228A-A70F-5E4EEE2E6D9E}"/>
+              </a:ext>
+            </a:extLst>
+          </p:cNvPr>
+          <p:cNvSpPr>
+            <a:spLocks noGrp="1"/>
+          </p:cNvSpPr>
+          <p:nvPr>
+            <p:ph type="title"/>
+          </p:nvPr>
+        </p:nvSpPr>
+        <p:spPr/>
+        <p:txBody>
+          <a:bodyPr/>
+          <a:lstStyle/>
+          <a:p>
+            <a:r>
+              <a:rPr lang="en-US" dirty="0"/>
+              <a:t>Possible Improvements</a:t>
+            </a:r>
+          </a:p>
+        </p:txBody>
+      </p:sp>
+      <p:sp>
+        <p:nvSpPr>
+          <p:cNvPr id="3" name="Content Placeholder 2">
+            <a:extLst>
+              <a:ext uri="{FF2B5EF4-FFF2-40B4-BE49-F238E27FC236}">
+                <a16:creationId xmlns:a16="http://schemas.microsoft.com/office/drawing/2014/main" id="{AB83155D-C3BD-1B5D-5D2F-C7A05D5C1A5F}"/>
+              </a:ext>
+            </a:extLst>
+          </p:cNvPr>
+          <p:cNvSpPr>
+            <a:spLocks noGrp="1"/>
+          </p:cNvSpPr>
+          <p:nvPr>
+            <p:ph idx="1"/>
+          </p:nvPr>
+        </p:nvSpPr>
+        <p:spPr/>
+        <p:txBody>
+          <a:bodyPr/>
+          <a:lstStyle/>
+          <a:p>
+            <a:r>
+              <a:rPr lang="en-US" dirty="0"/>
+              <a:t>Pipeline the Cordic algorithm to increase the operating frequency.</a:t>
+            </a:r>
+          </a:p>
+          <a:p>
+            <a:r>
+              <a:rPr lang="en-US" dirty="0"/>
+              <a:t>Increase the accuracy of hyperbolic functions by increasing the number of iterations.</a:t>
+            </a:r>
+          </a:p>
+          <a:p>
+            <a:endParaRPr lang="en-US" dirty="0"/>
+          </a:p>
+        </p:txBody>
+      </p:sp>
+    </p:spTree>
+    <p:extLst>
+      <p:ext uri="{BB962C8B-B14F-4D97-AF65-F5344CB8AC3E}">
+        <p14:creationId xmlns:p14="http://schemas.microsoft.com/office/powerpoint/2010/main" val="691039929"/>
       </p:ext>
     </p:extLst>
   </p:cSld>
@@ -3892,8 +11729,8 @@
           </a:p>
         </p:txBody>
       </p:sp>
-      <mc:AlternateContent xmlns:mc="http://schemas.openxmlformats.org/markup-compatibility/2006">
-        <mc:Choice xmlns:a14="http://schemas.microsoft.com/office/drawing/2010/main" Requires="a14">
+      <mc:AlternateContent xmlns:mc="http://schemas.openxmlformats.org/markup-compatibility/2006" xmlns:a14="http://schemas.microsoft.com/office/drawing/2010/main">
+        <mc:Choice Requires="a14">
           <p:sp>
             <p:nvSpPr>
               <p:cNvPr id="3" name="Content Placeholder 2">
@@ -5037,7 +12874,7 @@
             </p:txBody>
           </p:sp>
         </mc:Choice>
-        <mc:Fallback>
+        <mc:Fallback xmlns="">
           <p:sp>
             <p:nvSpPr>
               <p:cNvPr id="3" name="Content Placeholder 2">
@@ -5116,6 +12953,177 @@
           <p:cNvPr id="2" name="Title 1">
             <a:extLst>
               <a:ext uri="{FF2B5EF4-FFF2-40B4-BE49-F238E27FC236}">
+                <a16:creationId xmlns:a16="http://schemas.microsoft.com/office/drawing/2014/main" id="{AAA2F816-288A-6C4E-6D40-6FF7291C9EBD}"/>
+              </a:ext>
+            </a:extLst>
+          </p:cNvPr>
+          <p:cNvSpPr>
+            <a:spLocks noGrp="1"/>
+          </p:cNvSpPr>
+          <p:nvPr>
+            <p:ph type="title"/>
+          </p:nvPr>
+        </p:nvSpPr>
+        <p:spPr/>
+        <p:txBody>
+          <a:bodyPr/>
+          <a:lstStyle/>
+          <a:p>
+            <a:r>
+              <a:rPr lang="en-US" dirty="0">
+                <a:solidFill>
+                  <a:srgbClr val="7030A0"/>
+                </a:solidFill>
+              </a:rPr>
+              <a:t>Precision and Convergence</a:t>
+            </a:r>
+          </a:p>
+        </p:txBody>
+      </p:sp>
+      <p:sp>
+        <p:nvSpPr>
+          <p:cNvPr id="3" name="Content Placeholder 2">
+            <a:extLst>
+              <a:ext uri="{FF2B5EF4-FFF2-40B4-BE49-F238E27FC236}">
+                <a16:creationId xmlns:a16="http://schemas.microsoft.com/office/drawing/2014/main" id="{B8DFA559-345C-755A-B0A1-9209C13AD58B}"/>
+              </a:ext>
+            </a:extLst>
+          </p:cNvPr>
+          <p:cNvSpPr>
+            <a:spLocks noGrp="1"/>
+          </p:cNvSpPr>
+          <p:nvPr>
+            <p:ph idx="1"/>
+          </p:nvPr>
+        </p:nvSpPr>
+        <p:spPr/>
+        <p:txBody>
+          <a:bodyPr/>
+          <a:lstStyle/>
+          <a:p>
+            <a:r>
+              <a:rPr lang="en-US" dirty="0"/>
+              <a:t>For k bits of precision in trigonometric functions, k iterations are required.</a:t>
+            </a:r>
+          </a:p>
+          <a:p>
+            <a:r>
+              <a:rPr lang="en-US" dirty="0"/>
+              <a:t>For sin and cos in the input range (-90</a:t>
+            </a:r>
+            <a:r>
+              <a:rPr lang="en-US" dirty="0">
+                <a:latin typeface="Times New Roman" panose="02020603050405020304" pitchFamily="18" charset="0"/>
+                <a:cs typeface="Times New Roman" panose="02020603050405020304" pitchFamily="18" charset="0"/>
+              </a:rPr>
+              <a:t>⁰</a:t>
+            </a:r>
+            <a:r>
+              <a:rPr lang="en-US" dirty="0"/>
+              <a:t>,90</a:t>
+            </a:r>
+            <a:r>
+              <a:rPr lang="en-US" dirty="0">
+                <a:latin typeface="Times New Roman" panose="02020603050405020304" pitchFamily="18" charset="0"/>
+                <a:cs typeface="Times New Roman" panose="02020603050405020304" pitchFamily="18" charset="0"/>
+              </a:rPr>
+              <a:t>⁰</a:t>
+            </a:r>
+            <a:r>
+              <a:rPr lang="en-US" dirty="0"/>
+              <a:t>) Cordic algorithm was used directly. </a:t>
+            </a:r>
+          </a:p>
+          <a:p>
+            <a:r>
+              <a:rPr lang="en-US" dirty="0"/>
+              <a:t>For the input angles in the 2</a:t>
+            </a:r>
+            <a:r>
+              <a:rPr lang="en-US" baseline="30000" dirty="0"/>
+              <a:t>nd</a:t>
+            </a:r>
+            <a:r>
+              <a:rPr lang="en-US" dirty="0"/>
+              <a:t> and 3</a:t>
+            </a:r>
+            <a:r>
+              <a:rPr lang="en-US" baseline="30000" dirty="0"/>
+              <a:t>rd</a:t>
+            </a:r>
+            <a:r>
+              <a:rPr lang="en-US" dirty="0"/>
+              <a:t> quadrant, the angles were converted to be in the 1</a:t>
+            </a:r>
+            <a:r>
+              <a:rPr lang="en-US" baseline="30000" dirty="0"/>
+              <a:t>st</a:t>
+            </a:r>
+            <a:r>
+              <a:rPr lang="en-US" dirty="0"/>
+              <a:t> quadrant and sign of the outputs are corrected finally.</a:t>
+            </a:r>
+          </a:p>
+          <a:p>
+            <a:r>
+              <a:rPr lang="en-US" dirty="0"/>
+              <a:t>Elemental rotations using hyperbolic Cordic do not converge.</a:t>
+            </a:r>
+          </a:p>
+          <a:p>
+            <a:r>
+              <a:rPr lang="en-US" dirty="0"/>
+              <a:t>Convergence is achieved if certain iterations are repeated,</a:t>
+            </a:r>
+          </a:p>
+          <a:p>
+            <a:pPr lvl="1"/>
+            <a:r>
+              <a:rPr lang="en-US" dirty="0" err="1"/>
+              <a:t>i</a:t>
+            </a:r>
+            <a:r>
+              <a:rPr lang="en-US" dirty="0"/>
+              <a:t> = 4, 13, 40, …, k, 3k+1.</a:t>
+            </a:r>
+          </a:p>
+        </p:txBody>
+      </p:sp>
+    </p:spTree>
+    <p:extLst>
+      <p:ext uri="{BB962C8B-B14F-4D97-AF65-F5344CB8AC3E}">
+        <p14:creationId xmlns:p14="http://schemas.microsoft.com/office/powerpoint/2010/main" val="2812091804"/>
+      </p:ext>
+    </p:extLst>
+  </p:cSld>
+  <p:clrMapOvr>
+    <a:masterClrMapping/>
+  </p:clrMapOvr>
+</p:sld>
+</file>
+
+<file path=ppt/slides/slide5.xml><?xml version="1.0" encoding="utf-8"?>
+<p:sld xmlns:a="http://schemas.openxmlformats.org/drawingml/2006/main" xmlns:r="http://schemas.openxmlformats.org/officeDocument/2006/relationships" xmlns:p="http://schemas.openxmlformats.org/presentationml/2006/main">
+  <p:cSld>
+    <p:spTree>
+      <p:nvGrpSpPr>
+        <p:cNvPr id="1" name=""/>
+        <p:cNvGrpSpPr/>
+        <p:nvPr/>
+      </p:nvGrpSpPr>
+      <p:grpSpPr>
+        <a:xfrm>
+          <a:off x="0" y="0"/>
+          <a:ext cx="0" cy="0"/>
+          <a:chOff x="0" y="0"/>
+          <a:chExt cx="0" cy="0"/>
+        </a:xfrm>
+      </p:grpSpPr>
+      <p:sp>
+        <p:nvSpPr>
+          <p:cNvPr id="2" name="Title 1">
+            <a:extLst>
+              <a:ext uri="{FF2B5EF4-FFF2-40B4-BE49-F238E27FC236}">
                 <a16:creationId xmlns:a16="http://schemas.microsoft.com/office/drawing/2014/main" id="{9116A7AE-10BE-2E54-DA07-C0F0DC7792FC}"/>
               </a:ext>
             </a:extLst>
@@ -5196,7 +13204,7 @@
           <a:p>
             <a:r>
               <a:rPr lang="en-IN" sz="2400" dirty="0"/>
-              <a:t>Range of Frequencies for which distortion less waveform was observed is 800Hz to 50KHz. </a:t>
+              <a:t>Range of Frequencies for which distortion less waveform was observed is 800Hz to 52KHz. </a:t>
             </a:r>
           </a:p>
           <a:p>
@@ -5223,7 +13231,7 @@
 </p:sld>
 </file>
 
-<file path=ppt/slides/slide5.xml><?xml version="1.0" encoding="utf-8"?>
+<file path=ppt/slides/slide6.xml><?xml version="1.0" encoding="utf-8"?>
 <p:sld xmlns:a="http://schemas.openxmlformats.org/drawingml/2006/main" xmlns:r="http://schemas.openxmlformats.org/officeDocument/2006/relationships" xmlns:p="http://schemas.openxmlformats.org/presentationml/2006/main">
   <p:cSld>
     <p:spTree>
@@ -5728,7 +13736,7 @@
 </p:sld>
 </file>
 
-<file path=ppt/slides/slide6.xml><?xml version="1.0" encoding="utf-8"?>
+<file path=ppt/slides/slide7.xml><?xml version="1.0" encoding="utf-8"?>
 <p:sld xmlns:a="http://schemas.openxmlformats.org/drawingml/2006/main" xmlns:r="http://schemas.openxmlformats.org/officeDocument/2006/relationships" xmlns:p="http://schemas.openxmlformats.org/presentationml/2006/main">
   <p:cSld>
     <p:spTree>
@@ -5819,7 +13827,7 @@
 </p:sld>
 </file>
 
-<file path=ppt/slides/slide7.xml><?xml version="1.0" encoding="utf-8"?>
+<file path=ppt/slides/slide8.xml><?xml version="1.0" encoding="utf-8"?>
 <p:sld xmlns:a="http://schemas.openxmlformats.org/drawingml/2006/main" xmlns:r="http://schemas.openxmlformats.org/officeDocument/2006/relationships" xmlns:p="http://schemas.openxmlformats.org/presentationml/2006/main">
   <p:cSld>
     <p:spTree>
@@ -5911,7 +13919,7 @@
 </p:sld>
 </file>
 
-<file path=ppt/slides/slide8.xml><?xml version="1.0" encoding="utf-8"?>
+<file path=ppt/slides/slide9.xml><?xml version="1.0" encoding="utf-8"?>
 <p:sld xmlns:a="http://schemas.openxmlformats.org/drawingml/2006/main" xmlns:r="http://schemas.openxmlformats.org/officeDocument/2006/relationships" xmlns:p="http://schemas.openxmlformats.org/presentationml/2006/main">
   <p:cSld>
     <p:spTree>
@@ -5951,7 +13959,7 @@
           <a:p>
             <a:r>
               <a:rPr lang="en-IN" dirty="0"/>
-              <a:t>Timing Results </a:t>
+              <a:t>Timing Results: sin and cos functions </a:t>
             </a:r>
           </a:p>
         </p:txBody>
@@ -5989,12 +13997,6 @@
               <a:t>Angles were generated at a lower frequency to feed the results to the DAC. The original clock of 100MHz frequency was used only to generate the slower clock signal clk2. Hence we get positive slack in the timing results. </a:t>
             </a:r>
           </a:p>
-          <a:p>
-            <a:r>
-              <a:rPr lang="en-IN" sz="2200" b="1" dirty="0"/>
-              <a:t>Max Frequency of Operation : 1 / (10n – 2.117n) = 126.855MHz</a:t>
-            </a:r>
-          </a:p>
         </p:txBody>
       </p:sp>
       <p:pic>
@@ -6012,7 +14014,7 @@
           <p:nvPr/>
         </p:nvPicPr>
         <p:blipFill>
-          <a:blip r:embed="rId2"/>
+          <a:blip r:embed="rId3"/>
           <a:stretch>
             <a:fillRect/>
           </a:stretch>
@@ -6031,835 +14033,6 @@
     <p:extLst>
       <p:ext uri="{BB962C8B-B14F-4D97-AF65-F5344CB8AC3E}">
         <p14:creationId xmlns:p14="http://schemas.microsoft.com/office/powerpoint/2010/main" val="2848675956"/>
-      </p:ext>
-    </p:extLst>
-  </p:cSld>
-  <p:clrMapOvr>
-    <a:masterClrMapping/>
-  </p:clrMapOvr>
-</p:sld>
-</file>
-
-<file path=ppt/slides/slide9.xml><?xml version="1.0" encoding="utf-8"?>
-<p:sld xmlns:a="http://schemas.openxmlformats.org/drawingml/2006/main" xmlns:r="http://schemas.openxmlformats.org/officeDocument/2006/relationships" xmlns:p="http://schemas.openxmlformats.org/presentationml/2006/main">
-  <p:cSld>
-    <p:spTree>
-      <p:nvGrpSpPr>
-        <p:cNvPr id="1" name=""/>
-        <p:cNvGrpSpPr/>
-        <p:nvPr/>
-      </p:nvGrpSpPr>
-      <p:grpSpPr>
-        <a:xfrm>
-          <a:off x="0" y="0"/>
-          <a:ext cx="0" cy="0"/>
-          <a:chOff x="0" y="0"/>
-          <a:chExt cx="0" cy="0"/>
-        </a:xfrm>
-      </p:grpSpPr>
-      <p:sp>
-        <p:nvSpPr>
-          <p:cNvPr id="2" name="Title 1">
-            <a:extLst>
-              <a:ext uri="{FF2B5EF4-FFF2-40B4-BE49-F238E27FC236}">
-                <a16:creationId xmlns:a16="http://schemas.microsoft.com/office/drawing/2014/main" id="{64DA88CB-C799-35B4-21BD-7353D01A4D95}"/>
-              </a:ext>
-            </a:extLst>
-          </p:cNvPr>
-          <p:cNvSpPr>
-            <a:spLocks noGrp="1"/>
-          </p:cNvSpPr>
-          <p:nvPr>
-            <p:ph type="title"/>
-          </p:nvPr>
-        </p:nvSpPr>
-        <p:spPr>
-          <a:xfrm>
-            <a:off x="533400" y="426459"/>
-            <a:ext cx="10802112" cy="494210"/>
-          </a:xfrm>
-        </p:spPr>
-        <p:txBody>
-          <a:bodyPr>
-            <a:normAutofit fontScale="90000"/>
-          </a:bodyPr>
-          <a:lstStyle/>
-          <a:p>
-            <a:r>
-              <a:rPr lang="en-IN" dirty="0"/>
-              <a:t>Tan Function Generation</a:t>
-            </a:r>
-          </a:p>
-        </p:txBody>
-      </p:sp>
-      <p:sp>
-        <p:nvSpPr>
-          <p:cNvPr id="3" name="Content Placeholder 2">
-            <a:extLst>
-              <a:ext uri="{FF2B5EF4-FFF2-40B4-BE49-F238E27FC236}">
-                <a16:creationId xmlns:a16="http://schemas.microsoft.com/office/drawing/2014/main" id="{20857021-E8FB-B8F7-0357-51020C2A43AC}"/>
-              </a:ext>
-            </a:extLst>
-          </p:cNvPr>
-          <p:cNvSpPr>
-            <a:spLocks noGrp="1"/>
-          </p:cNvSpPr>
-          <p:nvPr>
-            <p:ph idx="1"/>
-          </p:nvPr>
-        </p:nvSpPr>
-        <p:spPr>
-          <a:xfrm>
-            <a:off x="793786" y="1186543"/>
-            <a:ext cx="8323217" cy="5181599"/>
-          </a:xfrm>
-        </p:spPr>
-        <p:txBody>
-          <a:bodyPr>
-            <a:normAutofit/>
-          </a:bodyPr>
-          <a:lstStyle/>
-          <a:p>
-            <a:r>
-              <a:rPr lang="en-IN" sz="2400" dirty="0"/>
-              <a:t>It is not possible to generate tan function directly using CORDIC. But we can perform </a:t>
-            </a:r>
-            <a:r>
-              <a:rPr lang="en-IN" sz="2400" i="1" dirty="0"/>
-              <a:t>Division</a:t>
-            </a:r>
-            <a:r>
-              <a:rPr lang="en-IN" sz="2400" dirty="0"/>
-              <a:t> using CORDIC in </a:t>
-            </a:r>
-            <a:r>
-              <a:rPr lang="en-IN" sz="2400" i="1" dirty="0"/>
-              <a:t>Vectoring Mode </a:t>
-            </a:r>
-            <a:r>
-              <a:rPr lang="en-IN" sz="2400" dirty="0"/>
-              <a:t>using </a:t>
-            </a:r>
-            <a:r>
-              <a:rPr lang="en-IN" sz="2400" i="1" dirty="0"/>
-              <a:t>Linear Rotations</a:t>
-            </a:r>
-            <a:r>
-              <a:rPr lang="en-IN" sz="2400" dirty="0"/>
-              <a:t>. </a:t>
-            </a:r>
-          </a:p>
-          <a:p>
-            <a:r>
-              <a:rPr lang="en-IN" sz="2400" dirty="0"/>
-              <a:t>Since we already have Cos and Sin functions, we pass those results into the Divider block to get tan waveform.</a:t>
-            </a:r>
-          </a:p>
-          <a:p>
-            <a:pPr marL="0" indent="0">
-              <a:buNone/>
-            </a:pPr>
-            <a:endParaRPr lang="en-IN" sz="2400" dirty="0"/>
-          </a:p>
-        </p:txBody>
-      </p:sp>
-      <p:sp>
-        <p:nvSpPr>
-          <p:cNvPr id="4" name="Rectangle 3">
-            <a:extLst>
-              <a:ext uri="{FF2B5EF4-FFF2-40B4-BE49-F238E27FC236}">
-                <a16:creationId xmlns:a16="http://schemas.microsoft.com/office/drawing/2014/main" id="{74449DBA-8052-6D24-C2F5-89967B2A6324}"/>
-              </a:ext>
-            </a:extLst>
-          </p:cNvPr>
-          <p:cNvSpPr/>
-          <p:nvPr/>
-        </p:nvSpPr>
-        <p:spPr>
-          <a:xfrm>
-            <a:off x="2340429" y="3635828"/>
-            <a:ext cx="1621971" cy="2307772"/>
-          </a:xfrm>
-          <a:prstGeom prst="rect">
-            <a:avLst/>
-          </a:prstGeom>
-        </p:spPr>
-        <p:style>
-          <a:lnRef idx="2">
-            <a:schemeClr val="accent5"/>
-          </a:lnRef>
-          <a:fillRef idx="1">
-            <a:schemeClr val="lt1"/>
-          </a:fillRef>
-          <a:effectRef idx="0">
-            <a:schemeClr val="accent5"/>
-          </a:effectRef>
-          <a:fontRef idx="minor">
-            <a:schemeClr val="dk1"/>
-          </a:fontRef>
-        </p:style>
-        <p:txBody>
-          <a:bodyPr rtlCol="0" anchor="ctr"/>
-          <a:lstStyle/>
-          <a:p>
-            <a:pPr algn="ctr"/>
-            <a:endParaRPr lang="en-IN"/>
-          </a:p>
-        </p:txBody>
-      </p:sp>
-      <p:cxnSp>
-        <p:nvCxnSpPr>
-          <p:cNvPr id="6" name="Straight Arrow Connector 5">
-            <a:extLst>
-              <a:ext uri="{FF2B5EF4-FFF2-40B4-BE49-F238E27FC236}">
-                <a16:creationId xmlns:a16="http://schemas.microsoft.com/office/drawing/2014/main" id="{BD8C537E-B31C-C280-7B18-318342FD7F4E}"/>
-              </a:ext>
-            </a:extLst>
-          </p:cNvPr>
-          <p:cNvCxnSpPr>
-            <a:cxnSpLocks/>
-            <a:endCxn id="4" idx="1"/>
-          </p:cNvCxnSpPr>
-          <p:nvPr/>
-        </p:nvCxnSpPr>
-        <p:spPr>
-          <a:xfrm>
-            <a:off x="718458" y="4789714"/>
-            <a:ext cx="1621971" cy="0"/>
-          </a:xfrm>
-          <a:prstGeom prst="straightConnector1">
-            <a:avLst/>
-          </a:prstGeom>
-          <a:ln>
-            <a:tailEnd type="triangle"/>
-          </a:ln>
-        </p:spPr>
-        <p:style>
-          <a:lnRef idx="1">
-            <a:schemeClr val="accent1"/>
-          </a:lnRef>
-          <a:fillRef idx="0">
-            <a:schemeClr val="accent1"/>
-          </a:fillRef>
-          <a:effectRef idx="0">
-            <a:schemeClr val="accent1"/>
-          </a:effectRef>
-          <a:fontRef idx="minor">
-            <a:schemeClr val="tx1"/>
-          </a:fontRef>
-        </p:style>
-      </p:cxnSp>
-      <p:cxnSp>
-        <p:nvCxnSpPr>
-          <p:cNvPr id="9" name="Straight Arrow Connector 8">
-            <a:extLst>
-              <a:ext uri="{FF2B5EF4-FFF2-40B4-BE49-F238E27FC236}">
-                <a16:creationId xmlns:a16="http://schemas.microsoft.com/office/drawing/2014/main" id="{9DDCC040-021F-1FC9-D39D-C81D95AACDAC}"/>
-              </a:ext>
-            </a:extLst>
-          </p:cNvPr>
-          <p:cNvCxnSpPr>
-            <a:cxnSpLocks/>
-          </p:cNvCxnSpPr>
-          <p:nvPr/>
-        </p:nvCxnSpPr>
-        <p:spPr>
-          <a:xfrm>
-            <a:off x="3962400" y="4071256"/>
-            <a:ext cx="1621971" cy="0"/>
-          </a:xfrm>
-          <a:prstGeom prst="straightConnector1">
-            <a:avLst/>
-          </a:prstGeom>
-          <a:ln>
-            <a:tailEnd type="triangle"/>
-          </a:ln>
-        </p:spPr>
-        <p:style>
-          <a:lnRef idx="1">
-            <a:schemeClr val="accent1"/>
-          </a:lnRef>
-          <a:fillRef idx="0">
-            <a:schemeClr val="accent1"/>
-          </a:fillRef>
-          <a:effectRef idx="0">
-            <a:schemeClr val="accent1"/>
-          </a:effectRef>
-          <a:fontRef idx="minor">
-            <a:schemeClr val="tx1"/>
-          </a:fontRef>
-        </p:style>
-      </p:cxnSp>
-      <p:cxnSp>
-        <p:nvCxnSpPr>
-          <p:cNvPr id="10" name="Straight Arrow Connector 9">
-            <a:extLst>
-              <a:ext uri="{FF2B5EF4-FFF2-40B4-BE49-F238E27FC236}">
-                <a16:creationId xmlns:a16="http://schemas.microsoft.com/office/drawing/2014/main" id="{9FC13B67-FF50-87D9-0083-3E8A4A8DB51D}"/>
-              </a:ext>
-            </a:extLst>
-          </p:cNvPr>
-          <p:cNvCxnSpPr>
-            <a:cxnSpLocks/>
-          </p:cNvCxnSpPr>
-          <p:nvPr/>
-        </p:nvCxnSpPr>
-        <p:spPr>
-          <a:xfrm>
-            <a:off x="3962400" y="5268686"/>
-            <a:ext cx="1621971" cy="0"/>
-          </a:xfrm>
-          <a:prstGeom prst="straightConnector1">
-            <a:avLst/>
-          </a:prstGeom>
-          <a:ln>
-            <a:tailEnd type="triangle"/>
-          </a:ln>
-        </p:spPr>
-        <p:style>
-          <a:lnRef idx="1">
-            <a:schemeClr val="accent1"/>
-          </a:lnRef>
-          <a:fillRef idx="0">
-            <a:schemeClr val="accent1"/>
-          </a:fillRef>
-          <a:effectRef idx="0">
-            <a:schemeClr val="accent1"/>
-          </a:effectRef>
-          <a:fontRef idx="minor">
-            <a:schemeClr val="tx1"/>
-          </a:fontRef>
-        </p:style>
-      </p:cxnSp>
-      <p:sp>
-        <p:nvSpPr>
-          <p:cNvPr id="11" name="Rectangle 10">
-            <a:extLst>
-              <a:ext uri="{FF2B5EF4-FFF2-40B4-BE49-F238E27FC236}">
-                <a16:creationId xmlns:a16="http://schemas.microsoft.com/office/drawing/2014/main" id="{6495E230-2B53-5B8D-0EA5-613F20D93BCE}"/>
-              </a:ext>
-            </a:extLst>
-          </p:cNvPr>
-          <p:cNvSpPr/>
-          <p:nvPr/>
-        </p:nvSpPr>
-        <p:spPr>
-          <a:xfrm>
-            <a:off x="5595584" y="3661294"/>
-            <a:ext cx="1621971" cy="2307772"/>
-          </a:xfrm>
-          <a:prstGeom prst="rect">
-            <a:avLst/>
-          </a:prstGeom>
-        </p:spPr>
-        <p:style>
-          <a:lnRef idx="2">
-            <a:schemeClr val="accent5"/>
-          </a:lnRef>
-          <a:fillRef idx="1">
-            <a:schemeClr val="lt1"/>
-          </a:fillRef>
-          <a:effectRef idx="0">
-            <a:schemeClr val="accent5"/>
-          </a:effectRef>
-          <a:fontRef idx="minor">
-            <a:schemeClr val="dk1"/>
-          </a:fontRef>
-        </p:style>
-        <p:txBody>
-          <a:bodyPr rtlCol="0" anchor="ctr"/>
-          <a:lstStyle/>
-          <a:p>
-            <a:pPr algn="ctr"/>
-            <a:endParaRPr lang="en-IN" dirty="0"/>
-          </a:p>
-        </p:txBody>
-      </p:sp>
-      <p:cxnSp>
-        <p:nvCxnSpPr>
-          <p:cNvPr id="12" name="Straight Arrow Connector 11">
-            <a:extLst>
-              <a:ext uri="{FF2B5EF4-FFF2-40B4-BE49-F238E27FC236}">
-                <a16:creationId xmlns:a16="http://schemas.microsoft.com/office/drawing/2014/main" id="{A0266DCD-F8E2-0143-9A07-E32831C4007D}"/>
-              </a:ext>
-            </a:extLst>
-          </p:cNvPr>
-          <p:cNvCxnSpPr>
-            <a:cxnSpLocks/>
-          </p:cNvCxnSpPr>
-          <p:nvPr/>
-        </p:nvCxnSpPr>
-        <p:spPr>
-          <a:xfrm>
-            <a:off x="7206342" y="4093316"/>
-            <a:ext cx="1621971" cy="0"/>
-          </a:xfrm>
-          <a:prstGeom prst="straightConnector1">
-            <a:avLst/>
-          </a:prstGeom>
-          <a:ln>
-            <a:tailEnd type="triangle"/>
-          </a:ln>
-        </p:spPr>
-        <p:style>
-          <a:lnRef idx="1">
-            <a:schemeClr val="accent1"/>
-          </a:lnRef>
-          <a:fillRef idx="0">
-            <a:schemeClr val="accent1"/>
-          </a:fillRef>
-          <a:effectRef idx="0">
-            <a:schemeClr val="accent1"/>
-          </a:effectRef>
-          <a:fontRef idx="minor">
-            <a:schemeClr val="tx1"/>
-          </a:fontRef>
-        </p:style>
-      </p:cxnSp>
-      <p:sp>
-        <p:nvSpPr>
-          <p:cNvPr id="13" name="TextBox 12">
-            <a:extLst>
-              <a:ext uri="{FF2B5EF4-FFF2-40B4-BE49-F238E27FC236}">
-                <a16:creationId xmlns:a16="http://schemas.microsoft.com/office/drawing/2014/main" id="{1EA96093-9478-8168-EAD2-D5FCB9F9F2EC}"/>
-              </a:ext>
-            </a:extLst>
-          </p:cNvPr>
-          <p:cNvSpPr txBox="1"/>
-          <p:nvPr/>
-        </p:nvSpPr>
-        <p:spPr>
-          <a:xfrm>
-            <a:off x="793787" y="4466549"/>
-            <a:ext cx="1382486" cy="323165"/>
-          </a:xfrm>
-          <a:prstGeom prst="rect">
-            <a:avLst/>
-          </a:prstGeom>
-          <a:noFill/>
-        </p:spPr>
-        <p:txBody>
-          <a:bodyPr wrap="square" rtlCol="0">
-            <a:spAutoFit/>
-          </a:bodyPr>
-          <a:lstStyle/>
-          <a:p>
-            <a:r>
-              <a:rPr lang="en-IN" sz="1500" dirty="0"/>
-              <a:t>Target Angle</a:t>
-            </a:r>
-          </a:p>
-        </p:txBody>
-      </p:sp>
-      <p:sp>
-        <p:nvSpPr>
-          <p:cNvPr id="14" name="TextBox 13">
-            <a:extLst>
-              <a:ext uri="{FF2B5EF4-FFF2-40B4-BE49-F238E27FC236}">
-                <a16:creationId xmlns:a16="http://schemas.microsoft.com/office/drawing/2014/main" id="{803C4D33-D528-CECB-9F1F-6FBEAD7B7902}"/>
-              </a:ext>
-            </a:extLst>
-          </p:cNvPr>
-          <p:cNvSpPr txBox="1"/>
-          <p:nvPr/>
-        </p:nvSpPr>
-        <p:spPr>
-          <a:xfrm>
-            <a:off x="3429435" y="3909673"/>
-            <a:ext cx="1065930" cy="323165"/>
-          </a:xfrm>
-          <a:prstGeom prst="rect">
-            <a:avLst/>
-          </a:prstGeom>
-          <a:noFill/>
-        </p:spPr>
-        <p:txBody>
-          <a:bodyPr wrap="square" rtlCol="0">
-            <a:spAutoFit/>
-          </a:bodyPr>
-          <a:lstStyle/>
-          <a:p>
-            <a:r>
-              <a:rPr lang="en-IN" sz="1500" dirty="0" err="1">
-                <a:solidFill>
-                  <a:srgbClr val="0000FF"/>
-                </a:solidFill>
-              </a:rPr>
-              <a:t>cosx</a:t>
-            </a:r>
-            <a:endParaRPr lang="en-IN" sz="1500" dirty="0">
-              <a:solidFill>
-                <a:srgbClr val="0000FF"/>
-              </a:solidFill>
-            </a:endParaRPr>
-          </a:p>
-        </p:txBody>
-      </p:sp>
-      <p:sp>
-        <p:nvSpPr>
-          <p:cNvPr id="15" name="TextBox 14">
-            <a:extLst>
-              <a:ext uri="{FF2B5EF4-FFF2-40B4-BE49-F238E27FC236}">
-                <a16:creationId xmlns:a16="http://schemas.microsoft.com/office/drawing/2014/main" id="{9CE67C51-4BFC-99CB-65A1-17767FD77285}"/>
-              </a:ext>
-            </a:extLst>
-          </p:cNvPr>
-          <p:cNvSpPr txBox="1"/>
-          <p:nvPr/>
-        </p:nvSpPr>
-        <p:spPr>
-          <a:xfrm>
-            <a:off x="3418222" y="5107102"/>
-            <a:ext cx="1065930" cy="323165"/>
-          </a:xfrm>
-          <a:prstGeom prst="rect">
-            <a:avLst/>
-          </a:prstGeom>
-          <a:noFill/>
-        </p:spPr>
-        <p:txBody>
-          <a:bodyPr wrap="square" rtlCol="0">
-            <a:spAutoFit/>
-          </a:bodyPr>
-          <a:lstStyle/>
-          <a:p>
-            <a:r>
-              <a:rPr lang="en-IN" sz="1500" dirty="0" err="1">
-                <a:solidFill>
-                  <a:srgbClr val="0000FF"/>
-                </a:solidFill>
-              </a:rPr>
-              <a:t>sinx</a:t>
-            </a:r>
-            <a:endParaRPr lang="en-IN" sz="1500" dirty="0">
-              <a:solidFill>
-                <a:srgbClr val="0000FF"/>
-              </a:solidFill>
-            </a:endParaRPr>
-          </a:p>
-        </p:txBody>
-      </p:sp>
-      <p:sp>
-        <p:nvSpPr>
-          <p:cNvPr id="16" name="TextBox 15">
-            <a:extLst>
-              <a:ext uri="{FF2B5EF4-FFF2-40B4-BE49-F238E27FC236}">
-                <a16:creationId xmlns:a16="http://schemas.microsoft.com/office/drawing/2014/main" id="{79C874EA-3725-8F94-61FC-AA696CA89FD9}"/>
-              </a:ext>
-            </a:extLst>
-          </p:cNvPr>
-          <p:cNvSpPr txBox="1"/>
-          <p:nvPr/>
-        </p:nvSpPr>
-        <p:spPr>
-          <a:xfrm>
-            <a:off x="5572014" y="3899364"/>
-            <a:ext cx="1065930" cy="323165"/>
-          </a:xfrm>
-          <a:prstGeom prst="rect">
-            <a:avLst/>
-          </a:prstGeom>
-          <a:noFill/>
-        </p:spPr>
-        <p:txBody>
-          <a:bodyPr wrap="square" rtlCol="0">
-            <a:spAutoFit/>
-          </a:bodyPr>
-          <a:lstStyle/>
-          <a:p>
-            <a:r>
-              <a:rPr lang="en-IN" sz="1500" dirty="0">
-                <a:solidFill>
-                  <a:srgbClr val="0000FF"/>
-                </a:solidFill>
-              </a:rPr>
-              <a:t>x</a:t>
-            </a:r>
-          </a:p>
-        </p:txBody>
-      </p:sp>
-      <p:sp>
-        <p:nvSpPr>
-          <p:cNvPr id="17" name="TextBox 16">
-            <a:extLst>
-              <a:ext uri="{FF2B5EF4-FFF2-40B4-BE49-F238E27FC236}">
-                <a16:creationId xmlns:a16="http://schemas.microsoft.com/office/drawing/2014/main" id="{DEE7E5BB-5D1E-09E8-F0A8-E5C05CB8CDE9}"/>
-              </a:ext>
-            </a:extLst>
-          </p:cNvPr>
-          <p:cNvSpPr txBox="1"/>
-          <p:nvPr/>
-        </p:nvSpPr>
-        <p:spPr>
-          <a:xfrm>
-            <a:off x="5563470" y="5107103"/>
-            <a:ext cx="1065930" cy="323165"/>
-          </a:xfrm>
-          <a:prstGeom prst="rect">
-            <a:avLst/>
-          </a:prstGeom>
-          <a:noFill/>
-        </p:spPr>
-        <p:txBody>
-          <a:bodyPr wrap="square" rtlCol="0">
-            <a:spAutoFit/>
-          </a:bodyPr>
-          <a:lstStyle/>
-          <a:p>
-            <a:r>
-              <a:rPr lang="en-IN" sz="1500" dirty="0">
-                <a:solidFill>
-                  <a:srgbClr val="0000FF"/>
-                </a:solidFill>
-              </a:rPr>
-              <a:t>y</a:t>
-            </a:r>
-          </a:p>
-        </p:txBody>
-      </p:sp>
-      <p:sp>
-        <p:nvSpPr>
-          <p:cNvPr id="18" name="TextBox 17">
-            <a:extLst>
-              <a:ext uri="{FF2B5EF4-FFF2-40B4-BE49-F238E27FC236}">
-                <a16:creationId xmlns:a16="http://schemas.microsoft.com/office/drawing/2014/main" id="{3D5CBD4D-A224-A4EC-D6D0-254BBDB220BA}"/>
-              </a:ext>
-            </a:extLst>
-          </p:cNvPr>
-          <p:cNvSpPr txBox="1"/>
-          <p:nvPr/>
-        </p:nvSpPr>
-        <p:spPr>
-          <a:xfrm>
-            <a:off x="8148391" y="3770151"/>
-            <a:ext cx="1065930" cy="323165"/>
-          </a:xfrm>
-          <a:prstGeom prst="rect">
-            <a:avLst/>
-          </a:prstGeom>
-          <a:noFill/>
-        </p:spPr>
-        <p:txBody>
-          <a:bodyPr wrap="square" rtlCol="0">
-            <a:spAutoFit/>
-          </a:bodyPr>
-          <a:lstStyle/>
-          <a:p>
-            <a:r>
-              <a:rPr lang="en-IN" sz="1500" dirty="0" err="1"/>
-              <a:t>tanx</a:t>
-            </a:r>
-            <a:endParaRPr lang="en-IN" sz="1500" dirty="0"/>
-          </a:p>
-        </p:txBody>
-      </p:sp>
-      <mc:AlternateContent xmlns:mc="http://schemas.openxmlformats.org/markup-compatibility/2006" xmlns:a14="http://schemas.microsoft.com/office/drawing/2010/main">
-        <mc:Choice Requires="a14">
-          <p:sp>
-            <p:nvSpPr>
-              <p:cNvPr id="19" name="TextBox 18">
-                <a:extLst>
-                  <a:ext uri="{FF2B5EF4-FFF2-40B4-BE49-F238E27FC236}">
-                    <a16:creationId xmlns:a16="http://schemas.microsoft.com/office/drawing/2014/main" id="{86203040-198E-2990-4542-F289B38E31D3}"/>
-                  </a:ext>
-                </a:extLst>
-              </p:cNvPr>
-              <p:cNvSpPr txBox="1"/>
-              <p:nvPr/>
-            </p:nvSpPr>
-            <p:spPr>
-              <a:xfrm>
-                <a:off x="6505519" y="3913972"/>
-                <a:ext cx="1065930" cy="358688"/>
-              </a:xfrm>
-              <a:prstGeom prst="rect">
-                <a:avLst/>
-              </a:prstGeom>
-              <a:noFill/>
-            </p:spPr>
-            <p:txBody>
-              <a:bodyPr wrap="square" rtlCol="0">
-                <a:spAutoFit/>
-              </a:bodyPr>
-              <a:lstStyle/>
-              <a:p>
-                <a:pPr/>
-                <a14:m>
-                  <m:oMathPara xmlns:m="http://schemas.openxmlformats.org/officeDocument/2006/math">
-                    <m:oMathParaPr>
-                      <m:jc m:val="centerGroup"/>
-                    </m:oMathParaPr>
-                    <m:oMath xmlns:m="http://schemas.openxmlformats.org/officeDocument/2006/math">
-                      <m:f>
-                        <m:fPr>
-                          <m:type m:val="skw"/>
-                          <m:ctrlPr>
-                            <a:rPr lang="en-IN" sz="1500" i="1" smtClean="0">
-                              <a:solidFill>
-                                <a:srgbClr val="0000FF"/>
-                              </a:solidFill>
-                              <a:latin typeface="Cambria Math" panose="02040503050406030204" pitchFamily="18" charset="0"/>
-                            </a:rPr>
-                          </m:ctrlPr>
-                        </m:fPr>
-                        <m:num>
-                          <m:r>
-                            <a:rPr lang="en-IN" sz="1500" b="0" i="1" smtClean="0">
-                              <a:solidFill>
-                                <a:srgbClr val="0000FF"/>
-                              </a:solidFill>
-                              <a:latin typeface="Cambria Math" panose="02040503050406030204" pitchFamily="18" charset="0"/>
-                            </a:rPr>
-                            <m:t>𝑥</m:t>
-                          </m:r>
-                        </m:num>
-                        <m:den>
-                          <m:r>
-                            <a:rPr lang="en-IN" sz="1500" b="0" i="1" smtClean="0">
-                              <a:solidFill>
-                                <a:srgbClr val="0000FF"/>
-                              </a:solidFill>
-                              <a:latin typeface="Cambria Math" panose="02040503050406030204" pitchFamily="18" charset="0"/>
-                            </a:rPr>
-                            <m:t>𝑦</m:t>
-                          </m:r>
-                        </m:den>
-                      </m:f>
-                    </m:oMath>
-                  </m:oMathPara>
-                </a14:m>
-                <a:endParaRPr lang="en-IN" sz="1500" dirty="0"/>
-              </a:p>
-            </p:txBody>
-          </p:sp>
-        </mc:Choice>
-        <mc:Fallback xmlns="">
-          <p:sp>
-            <p:nvSpPr>
-              <p:cNvPr id="19" name="TextBox 18">
-                <a:extLst>
-                  <a:ext uri="{FF2B5EF4-FFF2-40B4-BE49-F238E27FC236}">
-                    <a16:creationId xmlns:a16="http://schemas.microsoft.com/office/drawing/2014/main" id="{86203040-198E-2990-4542-F289B38E31D3}"/>
-                  </a:ext>
-                </a:extLst>
-              </p:cNvPr>
-              <p:cNvSpPr txBox="1">
-                <a:spLocks noRot="1" noChangeAspect="1" noMove="1" noResize="1" noEditPoints="1" noAdjustHandles="1" noChangeArrowheads="1" noChangeShapeType="1" noTextEdit="1"/>
-              </p:cNvSpPr>
-              <p:nvPr/>
-            </p:nvSpPr>
-            <p:spPr>
-              <a:xfrm>
-                <a:off x="6505519" y="3913972"/>
-                <a:ext cx="1065930" cy="358688"/>
-              </a:xfrm>
-              <a:prstGeom prst="rect">
-                <a:avLst/>
-              </a:prstGeom>
-              <a:blipFill>
-                <a:blip r:embed="rId2"/>
-                <a:stretch>
-                  <a:fillRect t="-123729" r="-22286" b="-193220"/>
-                </a:stretch>
-              </a:blipFill>
-            </p:spPr>
-            <p:txBody>
-              <a:bodyPr/>
-              <a:lstStyle/>
-              <a:p>
-                <a:r>
-                  <a:rPr lang="en-IN">
-                    <a:noFill/>
-                  </a:rPr>
-                  <a:t> </a:t>
-                </a:r>
-              </a:p>
-            </p:txBody>
-          </p:sp>
-        </mc:Fallback>
-      </mc:AlternateContent>
-      <p:sp>
-        <p:nvSpPr>
-          <p:cNvPr id="20" name="TextBox 19">
-            <a:extLst>
-              <a:ext uri="{FF2B5EF4-FFF2-40B4-BE49-F238E27FC236}">
-                <a16:creationId xmlns:a16="http://schemas.microsoft.com/office/drawing/2014/main" id="{CEB6363C-D12A-1B25-E087-7B0C8A7843B7}"/>
-              </a:ext>
-            </a:extLst>
-          </p:cNvPr>
-          <p:cNvSpPr txBox="1"/>
-          <p:nvPr/>
-        </p:nvSpPr>
-        <p:spPr>
-          <a:xfrm>
-            <a:off x="2449720" y="4283528"/>
-            <a:ext cx="1544793" cy="784830"/>
-          </a:xfrm>
-          <a:prstGeom prst="rect">
-            <a:avLst/>
-          </a:prstGeom>
-          <a:noFill/>
-        </p:spPr>
-        <p:txBody>
-          <a:bodyPr wrap="square" rtlCol="0">
-            <a:spAutoFit/>
-          </a:bodyPr>
-          <a:lstStyle/>
-          <a:p>
-            <a:r>
-              <a:rPr lang="en-IN" sz="1500" dirty="0">
-                <a:solidFill>
-                  <a:srgbClr val="FF0000"/>
-                </a:solidFill>
-              </a:rPr>
-              <a:t>CORDIC cos and sine generator</a:t>
-            </a:r>
-          </a:p>
-        </p:txBody>
-      </p:sp>
-      <p:sp>
-        <p:nvSpPr>
-          <p:cNvPr id="21" name="TextBox 20">
-            <a:extLst>
-              <a:ext uri="{FF2B5EF4-FFF2-40B4-BE49-F238E27FC236}">
-                <a16:creationId xmlns:a16="http://schemas.microsoft.com/office/drawing/2014/main" id="{58CFCD95-4330-B77B-2828-5D9275A47915}"/>
-              </a:ext>
-            </a:extLst>
-          </p:cNvPr>
-          <p:cNvSpPr txBox="1"/>
-          <p:nvPr/>
-        </p:nvSpPr>
-        <p:spPr>
-          <a:xfrm>
-            <a:off x="5834142" y="4345034"/>
-            <a:ext cx="1260676" cy="784830"/>
-          </a:xfrm>
-          <a:prstGeom prst="rect">
-            <a:avLst/>
-          </a:prstGeom>
-          <a:noFill/>
-        </p:spPr>
-        <p:txBody>
-          <a:bodyPr wrap="square" rtlCol="0">
-            <a:spAutoFit/>
-          </a:bodyPr>
-          <a:lstStyle/>
-          <a:p>
-            <a:r>
-              <a:rPr lang="en-IN" sz="1500" dirty="0">
-                <a:solidFill>
-                  <a:srgbClr val="FF0000"/>
-                </a:solidFill>
-              </a:rPr>
-              <a:t>CORDIC Divider Block</a:t>
-            </a:r>
-          </a:p>
-        </p:txBody>
-      </p:sp>
-    </p:spTree>
-    <p:extLst>
-      <p:ext uri="{BB962C8B-B14F-4D97-AF65-F5344CB8AC3E}">
-        <p14:creationId xmlns:p14="http://schemas.microsoft.com/office/powerpoint/2010/main" val="755792711"/>
       </p:ext>
     </p:extLst>
   </p:cSld>
@@ -7120,4 +14293,319 @@
     </a:ext>
   </a:extLst>
 </a:theme>
+</file>
+
+<file path=ppt/theme/theme2.xml><?xml version="1.0" encoding="utf-8"?>
+<a:theme xmlns:a="http://schemas.openxmlformats.org/drawingml/2006/main" name="Office Theme">
+  <a:themeElements>
+    <a:clrScheme name="Office">
+      <a:dk1>
+        <a:sysClr val="windowText" lastClr="000000"/>
+      </a:dk1>
+      <a:lt1>
+        <a:sysClr val="window" lastClr="FFFFFF"/>
+      </a:lt1>
+      <a:dk2>
+        <a:srgbClr val="0E2841"/>
+      </a:dk2>
+      <a:lt2>
+        <a:srgbClr val="E8E8E8"/>
+      </a:lt2>
+      <a:accent1>
+        <a:srgbClr val="156082"/>
+      </a:accent1>
+      <a:accent2>
+        <a:srgbClr val="E97132"/>
+      </a:accent2>
+      <a:accent3>
+        <a:srgbClr val="196B24"/>
+      </a:accent3>
+      <a:accent4>
+        <a:srgbClr val="0F9ED5"/>
+      </a:accent4>
+      <a:accent5>
+        <a:srgbClr val="A02B93"/>
+      </a:accent5>
+      <a:accent6>
+        <a:srgbClr val="4EA72E"/>
+      </a:accent6>
+      <a:hlink>
+        <a:srgbClr val="467886"/>
+      </a:hlink>
+      <a:folHlink>
+        <a:srgbClr val="96607D"/>
+      </a:folHlink>
+    </a:clrScheme>
+    <a:fontScheme name="Office">
+      <a:majorFont>
+        <a:latin typeface="Aptos Display" panose="02110004020202020204"/>
+        <a:ea typeface=""/>
+        <a:cs typeface=""/>
+        <a:font script="Jpan" typeface="游ゴシック Light"/>
+        <a:font script="Hang" typeface="맑은 고딕"/>
+        <a:font script="Hans" typeface="等线 Light"/>
+        <a:font script="Hant" typeface="新細明體"/>
+        <a:font script="Arab" typeface="Times New Roman"/>
+        <a:font script="Hebr" typeface="Times New Roman"/>
+        <a:font script="Thai" typeface="Angsana New"/>
+        <a:font script="Ethi" typeface="Nyala"/>
+        <a:font script="Beng" typeface="Vrinda"/>
+        <a:font script="Gujr" typeface="Shruti"/>
+        <a:font script="Khmr" typeface="MoolBoran"/>
+        <a:font script="Knda" typeface="Tunga"/>
+        <a:font script="Guru" typeface="Raavi"/>
+        <a:font script="Cans" typeface="Euphemia"/>
+        <a:font script="Cher" typeface="Plantagenet Cherokee"/>
+        <a:font script="Yiii" typeface="Microsoft Yi Baiti"/>
+        <a:font script="Tibt" typeface="Microsoft Himalaya"/>
+        <a:font script="Thaa" typeface="MV Boli"/>
+        <a:font script="Deva" typeface="Mangal"/>
+        <a:font script="Telu" typeface="Gautami"/>
+        <a:font script="Taml" typeface="Latha"/>
+        <a:font script="Syrc" typeface="Estrangelo Edessa"/>
+        <a:font script="Orya" typeface="Kalinga"/>
+        <a:font script="Mlym" typeface="Kartika"/>
+        <a:font script="Laoo" typeface="DokChampa"/>
+        <a:font script="Sinh" typeface="Iskoola Pota"/>
+        <a:font script="Mong" typeface="Mongolian Baiti"/>
+        <a:font script="Viet" typeface="Times New Roman"/>
+        <a:font script="Uigh" typeface="Microsoft Uighur"/>
+        <a:font script="Geor" typeface="Sylfaen"/>
+        <a:font script="Armn" typeface="Arial"/>
+        <a:font script="Bugi" typeface="Leelawadee UI"/>
+        <a:font script="Bopo" typeface="Microsoft JhengHei"/>
+        <a:font script="Java" typeface="Javanese Text"/>
+        <a:font script="Lisu" typeface="Segoe UI"/>
+        <a:font script="Mymr" typeface="Myanmar Text"/>
+        <a:font script="Nkoo" typeface="Ebrima"/>
+        <a:font script="Olck" typeface="Nirmala UI"/>
+        <a:font script="Osma" typeface="Ebrima"/>
+        <a:font script="Phag" typeface="Phagspa"/>
+        <a:font script="Syrn" typeface="Estrangelo Edessa"/>
+        <a:font script="Syrj" typeface="Estrangelo Edessa"/>
+        <a:font script="Syre" typeface="Estrangelo Edessa"/>
+        <a:font script="Sora" typeface="Nirmala UI"/>
+        <a:font script="Tale" typeface="Microsoft Tai Le"/>
+        <a:font script="Talu" typeface="Microsoft New Tai Lue"/>
+        <a:font script="Tfng" typeface="Ebrima"/>
+      </a:majorFont>
+      <a:minorFont>
+        <a:latin typeface="Aptos" panose="02110004020202020204"/>
+        <a:ea typeface=""/>
+        <a:cs typeface=""/>
+        <a:font script="Jpan" typeface="游ゴシック"/>
+        <a:font script="Hang" typeface="맑은 고딕"/>
+        <a:font script="Hans" typeface="等线"/>
+        <a:font script="Hant" typeface="新細明體"/>
+        <a:font script="Arab" typeface="Arial"/>
+        <a:font script="Hebr" typeface="Arial"/>
+        <a:font script="Thai" typeface="Cordia New"/>
+        <a:font script="Ethi" typeface="Nyala"/>
+        <a:font script="Beng" typeface="Vrinda"/>
+        <a:font script="Gujr" typeface="Shruti"/>
+        <a:font script="Khmr" typeface="DaunPenh"/>
+        <a:font script="Knda" typeface="Tunga"/>
+        <a:font script="Guru" typeface="Raavi"/>
+        <a:font script="Cans" typeface="Euphemia"/>
+        <a:font script="Cher" typeface="Plantagenet Cherokee"/>
+        <a:font script="Yiii" typeface="Microsoft Yi Baiti"/>
+        <a:font script="Tibt" typeface="Microsoft Himalaya"/>
+        <a:font script="Thaa" typeface="MV Boli"/>
+        <a:font script="Deva" typeface="Mangal"/>
+        <a:font script="Telu" typeface="Gautami"/>
+        <a:font script="Taml" typeface="Latha"/>
+        <a:font script="Syrc" typeface="Estrangelo Edessa"/>
+        <a:font script="Orya" typeface="Kalinga"/>
+        <a:font script="Mlym" typeface="Kartika"/>
+        <a:font script="Laoo" typeface="DokChampa"/>
+        <a:font script="Sinh" typeface="Iskoola Pota"/>
+        <a:font script="Mong" typeface="Mongolian Baiti"/>
+        <a:font script="Viet" typeface="Arial"/>
+        <a:font script="Uigh" typeface="Microsoft Uighur"/>
+        <a:font script="Geor" typeface="Sylfaen"/>
+        <a:font script="Armn" typeface="Arial"/>
+        <a:font script="Bugi" typeface="Leelawadee UI"/>
+        <a:font script="Bopo" typeface="Microsoft JhengHei"/>
+        <a:font script="Java" typeface="Javanese Text"/>
+        <a:font script="Lisu" typeface="Segoe UI"/>
+        <a:font script="Mymr" typeface="Myanmar Text"/>
+        <a:font script="Nkoo" typeface="Ebrima"/>
+        <a:font script="Olck" typeface="Nirmala UI"/>
+        <a:font script="Osma" typeface="Ebrima"/>
+        <a:font script="Phag" typeface="Phagspa"/>
+        <a:font script="Syrn" typeface="Estrangelo Edessa"/>
+        <a:font script="Syrj" typeface="Estrangelo Edessa"/>
+        <a:font script="Syre" typeface="Estrangelo Edessa"/>
+        <a:font script="Sora" typeface="Nirmala UI"/>
+        <a:font script="Tale" typeface="Microsoft Tai Le"/>
+        <a:font script="Talu" typeface="Microsoft New Tai Lue"/>
+        <a:font script="Tfng" typeface="Ebrima"/>
+      </a:minorFont>
+    </a:fontScheme>
+    <a:fmtScheme name="Office">
+      <a:fillStyleLst>
+        <a:solidFill>
+          <a:schemeClr val="phClr"/>
+        </a:solidFill>
+        <a:gradFill rotWithShape="1">
+          <a:gsLst>
+            <a:gs pos="0">
+              <a:schemeClr val="phClr">
+                <a:lumMod val="110000"/>
+                <a:satMod val="105000"/>
+                <a:tint val="67000"/>
+              </a:schemeClr>
+            </a:gs>
+            <a:gs pos="50000">
+              <a:schemeClr val="phClr">
+                <a:lumMod val="105000"/>
+                <a:satMod val="103000"/>
+                <a:tint val="73000"/>
+              </a:schemeClr>
+            </a:gs>
+            <a:gs pos="100000">
+              <a:schemeClr val="phClr">
+                <a:lumMod val="105000"/>
+                <a:satMod val="109000"/>
+                <a:tint val="81000"/>
+              </a:schemeClr>
+            </a:gs>
+          </a:gsLst>
+          <a:lin ang="5400000" scaled="0"/>
+        </a:gradFill>
+        <a:gradFill rotWithShape="1">
+          <a:gsLst>
+            <a:gs pos="0">
+              <a:schemeClr val="phClr">
+                <a:satMod val="103000"/>
+                <a:lumMod val="102000"/>
+                <a:tint val="94000"/>
+              </a:schemeClr>
+            </a:gs>
+            <a:gs pos="50000">
+              <a:schemeClr val="phClr">
+                <a:satMod val="110000"/>
+                <a:lumMod val="100000"/>
+                <a:shade val="100000"/>
+              </a:schemeClr>
+            </a:gs>
+            <a:gs pos="100000">
+              <a:schemeClr val="phClr">
+                <a:lumMod val="99000"/>
+                <a:satMod val="120000"/>
+                <a:shade val="78000"/>
+              </a:schemeClr>
+            </a:gs>
+          </a:gsLst>
+          <a:lin ang="5400000" scaled="0"/>
+        </a:gradFill>
+      </a:fillStyleLst>
+      <a:lnStyleLst>
+        <a:ln w="12700" cap="flat" cmpd="sng" algn="ctr">
+          <a:solidFill>
+            <a:schemeClr val="phClr"/>
+          </a:solidFill>
+          <a:prstDash val="solid"/>
+          <a:miter lim="800000"/>
+        </a:ln>
+        <a:ln w="19050" cap="flat" cmpd="sng" algn="ctr">
+          <a:solidFill>
+            <a:schemeClr val="phClr"/>
+          </a:solidFill>
+          <a:prstDash val="solid"/>
+          <a:miter lim="800000"/>
+        </a:ln>
+        <a:ln w="25400" cap="flat" cmpd="sng" algn="ctr">
+          <a:solidFill>
+            <a:schemeClr val="phClr"/>
+          </a:solidFill>
+          <a:prstDash val="solid"/>
+          <a:miter lim="800000"/>
+        </a:ln>
+      </a:lnStyleLst>
+      <a:effectStyleLst>
+        <a:effectStyle>
+          <a:effectLst/>
+        </a:effectStyle>
+        <a:effectStyle>
+          <a:effectLst/>
+        </a:effectStyle>
+        <a:effectStyle>
+          <a:effectLst>
+            <a:outerShdw blurRad="57150" dist="19050" dir="5400000" algn="ctr" rotWithShape="0">
+              <a:srgbClr val="000000">
+                <a:alpha val="63000"/>
+              </a:srgbClr>
+            </a:outerShdw>
+          </a:effectLst>
+        </a:effectStyle>
+      </a:effectStyleLst>
+      <a:bgFillStyleLst>
+        <a:solidFill>
+          <a:schemeClr val="phClr"/>
+        </a:solidFill>
+        <a:solidFill>
+          <a:schemeClr val="phClr">
+            <a:tint val="95000"/>
+            <a:satMod val="170000"/>
+          </a:schemeClr>
+        </a:solidFill>
+        <a:gradFill rotWithShape="1">
+          <a:gsLst>
+            <a:gs pos="0">
+              <a:schemeClr val="phClr">
+                <a:tint val="93000"/>
+                <a:satMod val="150000"/>
+                <a:shade val="98000"/>
+                <a:lumMod val="102000"/>
+              </a:schemeClr>
+            </a:gs>
+            <a:gs pos="50000">
+              <a:schemeClr val="phClr">
+                <a:tint val="98000"/>
+                <a:satMod val="130000"/>
+                <a:shade val="90000"/>
+                <a:lumMod val="103000"/>
+              </a:schemeClr>
+            </a:gs>
+            <a:gs pos="100000">
+              <a:schemeClr val="phClr">
+                <a:shade val="63000"/>
+                <a:satMod val="120000"/>
+              </a:schemeClr>
+            </a:gs>
+          </a:gsLst>
+          <a:lin ang="5400000" scaled="0"/>
+        </a:gradFill>
+      </a:bgFillStyleLst>
+    </a:fmtScheme>
+  </a:themeElements>
+  <a:objectDefaults>
+    <a:lnDef>
+      <a:spPr/>
+      <a:bodyPr/>
+      <a:lstStyle/>
+      <a:style>
+        <a:lnRef idx="2">
+          <a:schemeClr val="accent1"/>
+        </a:lnRef>
+        <a:fillRef idx="0">
+          <a:schemeClr val="accent1"/>
+        </a:fillRef>
+        <a:effectRef idx="1">
+          <a:schemeClr val="accent1"/>
+        </a:effectRef>
+        <a:fontRef idx="minor">
+          <a:schemeClr val="tx1"/>
+        </a:fontRef>
+      </a:style>
+    </a:lnDef>
+  </a:objectDefaults>
+  <a:extraClrSchemeLst/>
+  <a:extLst>
+    <a:ext uri="{05A4C25C-085E-4340-85A3-A5531E510DB2}">
+      <thm15:themeFamily xmlns:thm15="http://schemas.microsoft.com/office/thememl/2012/main" name="Office Theme" id="{2E142A2C-CD16-42D6-873A-C26D2A0506FA}" vid="{1BDDFF52-6CD6-40A5-AB3C-68EB2F1E4D0A}"/>
+    </a:ext>
+  </a:extLst>
+</a:theme>
 </file>
--- a/Mini_Project/Demo_PPT.pptx
+++ b/Mini_Project/Demo_PPT.pptx
@@ -22,13 +22,13 @@
     <p:sldId id="267" r:id="rId13"/>
     <p:sldId id="266" r:id="rId14"/>
     <p:sldId id="268" r:id="rId15"/>
-    <p:sldId id="269" r:id="rId16"/>
-    <p:sldId id="270" r:id="rId17"/>
-    <p:sldId id="272" r:id="rId18"/>
-    <p:sldId id="273" r:id="rId19"/>
-    <p:sldId id="276" r:id="rId20"/>
-    <p:sldId id="274" r:id="rId21"/>
-    <p:sldId id="275" r:id="rId22"/>
+    <p:sldId id="273" r:id="rId16"/>
+    <p:sldId id="276" r:id="rId17"/>
+    <p:sldId id="274" r:id="rId18"/>
+    <p:sldId id="275" r:id="rId19"/>
+    <p:sldId id="269" r:id="rId20"/>
+    <p:sldId id="270" r:id="rId21"/>
+    <p:sldId id="272" r:id="rId22"/>
     <p:sldId id="277" r:id="rId23"/>
     <p:sldId id="279" r:id="rId24"/>
     <p:sldId id="278" r:id="rId25"/>
@@ -4688,8 +4688,8 @@
             </a:p>
           </p:txBody>
         </p:sp>
-        <mc:AlternateContent xmlns:mc="http://schemas.openxmlformats.org/markup-compatibility/2006">
-          <mc:Choice xmlns:a14="http://schemas.microsoft.com/office/drawing/2010/main" Requires="a14">
+        <mc:AlternateContent xmlns:mc="http://schemas.openxmlformats.org/markup-compatibility/2006" xmlns:a14="http://schemas.microsoft.com/office/drawing/2010/main">
+          <mc:Choice Requires="a14">
             <p:sp>
               <p:nvSpPr>
                 <p:cNvPr id="19" name="TextBox 18">
@@ -4768,7 +4768,7 @@
               </p:txBody>
             </p:sp>
           </mc:Choice>
-          <mc:Fallback>
+          <mc:Fallback xmlns="">
             <p:sp>
               <p:nvSpPr>
                 <p:cNvPr id="19" name="TextBox 18">
@@ -4955,8 +4955,8 @@
           </a:p>
         </p:txBody>
       </p:sp>
-      <mc:AlternateContent xmlns:mc="http://schemas.openxmlformats.org/markup-compatibility/2006">
-        <mc:Choice xmlns:a14="http://schemas.microsoft.com/office/drawing/2010/main" Requires="a14">
+      <mc:AlternateContent xmlns:mc="http://schemas.openxmlformats.org/markup-compatibility/2006" xmlns:a14="http://schemas.microsoft.com/office/drawing/2010/main">
+        <mc:Choice Requires="a14">
           <p:sp>
             <p:nvSpPr>
               <p:cNvPr id="3" name="Content Placeholder 2">
@@ -5542,7 +5542,7 @@
             </p:txBody>
           </p:sp>
         </mc:Choice>
-        <mc:Fallback>
+        <mc:Fallback xmlns="">
           <p:sp>
             <p:nvSpPr>
               <p:cNvPr id="3" name="Content Placeholder 2">
@@ -6033,8 +6033,2166 @@
           <a:chExt cx="0" cy="0"/>
         </a:xfrm>
       </p:grpSpPr>
-      <mc:AlternateContent xmlns:mc="http://schemas.openxmlformats.org/markup-compatibility/2006">
-        <mc:Choice xmlns:a14="http://schemas.microsoft.com/office/drawing/2010/main" Requires="a14">
+      <mc:AlternateContent xmlns:mc="http://schemas.openxmlformats.org/markup-compatibility/2006" xmlns:a14="http://schemas.microsoft.com/office/drawing/2010/main">
+        <mc:Choice Requires="a14">
+          <p:sp>
+            <p:nvSpPr>
+              <p:cNvPr id="2" name="Title 1">
+                <a:extLst>
+                  <a:ext uri="{FF2B5EF4-FFF2-40B4-BE49-F238E27FC236}">
+                    <a16:creationId xmlns:a16="http://schemas.microsoft.com/office/drawing/2014/main" id="{45AA2D44-55DA-6BB2-6B72-D86EF88D1B51}"/>
+                  </a:ext>
+                </a:extLst>
+              </p:cNvPr>
+              <p:cNvSpPr>
+                <a:spLocks noGrp="1"/>
+              </p:cNvSpPr>
+              <p:nvPr>
+                <p:ph type="title"/>
+              </p:nvPr>
+            </p:nvSpPr>
+            <p:spPr>
+              <a:xfrm>
+                <a:off x="1261872" y="115461"/>
+                <a:ext cx="9692640" cy="875258"/>
+              </a:xfrm>
+            </p:spPr>
+            <p:txBody>
+              <a:bodyPr/>
+              <a:lstStyle/>
+              <a:p>
+                <a14:m>
+                  <m:oMath xmlns:m="http://schemas.openxmlformats.org/officeDocument/2006/math">
+                    <m:r>
+                      <a:rPr lang="en-US" b="0" i="1" smtClean="0">
+                        <a:latin typeface="Cambria Math" panose="02040503050406030204" pitchFamily="18" charset="0"/>
+                      </a:rPr>
+                      <m:t>𝑇𝑎</m:t>
+                    </m:r>
+                    <m:sSup>
+                      <m:sSupPr>
+                        <m:ctrlPr>
+                          <a:rPr lang="en-US" b="0" i="1" smtClean="0">
+                            <a:latin typeface="Cambria Math" panose="02040503050406030204" pitchFamily="18" charset="0"/>
+                          </a:rPr>
+                        </m:ctrlPr>
+                      </m:sSupPr>
+                      <m:e>
+                        <m:r>
+                          <a:rPr lang="en-US" b="0" i="1" smtClean="0">
+                            <a:latin typeface="Cambria Math" panose="02040503050406030204" pitchFamily="18" charset="0"/>
+                          </a:rPr>
+                          <m:t>𝑛h</m:t>
+                        </m:r>
+                      </m:e>
+                      <m:sup>
+                        <m:r>
+                          <a:rPr lang="en-US" b="0" i="1" smtClean="0">
+                            <a:latin typeface="Cambria Math" panose="02040503050406030204" pitchFamily="18" charset="0"/>
+                          </a:rPr>
+                          <m:t>−1</m:t>
+                        </m:r>
+                      </m:sup>
+                    </m:sSup>
+                    <m:r>
+                      <a:rPr lang="en-US" b="0" i="1" smtClean="0">
+                        <a:latin typeface="Cambria Math" panose="02040503050406030204" pitchFamily="18" charset="0"/>
+                      </a:rPr>
+                      <m:t>(</m:t>
+                    </m:r>
+                    <m:r>
+                      <a:rPr lang="en-US" b="0" i="1" smtClean="0">
+                        <a:latin typeface="Cambria Math" panose="02040503050406030204" pitchFamily="18" charset="0"/>
+                      </a:rPr>
+                      <m:t>𝑦</m:t>
+                    </m:r>
+                    <m:r>
+                      <a:rPr lang="en-US" b="0" i="1" smtClean="0">
+                        <a:latin typeface="Cambria Math" panose="02040503050406030204" pitchFamily="18" charset="0"/>
+                      </a:rPr>
+                      <m:t>)</m:t>
+                    </m:r>
+                  </m:oMath>
+                </a14:m>
+                <a:r>
+                  <a:rPr lang="en-US" dirty="0"/>
+                  <a:t> function</a:t>
+                </a:r>
+              </a:p>
+            </p:txBody>
+          </p:sp>
+        </mc:Choice>
+        <mc:Fallback xmlns="">
+          <p:sp>
+            <p:nvSpPr>
+              <p:cNvPr id="2" name="Title 1">
+                <a:extLst>
+                  <a:ext uri="{FF2B5EF4-FFF2-40B4-BE49-F238E27FC236}">
+                    <a16:creationId xmlns:a16="http://schemas.microsoft.com/office/drawing/2014/main" id="{45AA2D44-55DA-6BB2-6B72-D86EF88D1B51}"/>
+                  </a:ext>
+                </a:extLst>
+              </p:cNvPr>
+              <p:cNvSpPr>
+                <a:spLocks noGrp="1" noRot="1" noChangeAspect="1" noMove="1" noResize="1" noEditPoints="1" noAdjustHandles="1" noChangeArrowheads="1" noChangeShapeType="1" noTextEdit="1"/>
+              </p:cNvSpPr>
+              <p:nvPr>
+                <p:ph type="title"/>
+              </p:nvPr>
+            </p:nvSpPr>
+            <p:spPr>
+              <a:xfrm>
+                <a:off x="1261872" y="115461"/>
+                <a:ext cx="9692640" cy="875258"/>
+              </a:xfrm>
+              <a:blipFill>
+                <a:blip r:embed="rId2"/>
+                <a:stretch>
+                  <a:fillRect t="-1389" b="-33333"/>
+                </a:stretch>
+              </a:blipFill>
+            </p:spPr>
+            <p:txBody>
+              <a:bodyPr/>
+              <a:lstStyle/>
+              <a:p>
+                <a:r>
+                  <a:rPr lang="en-US">
+                    <a:noFill/>
+                  </a:rPr>
+                  <a:t> </a:t>
+                </a:r>
+              </a:p>
+            </p:txBody>
+          </p:sp>
+        </mc:Fallback>
+      </mc:AlternateContent>
+      <mc:AlternateContent xmlns:mc="http://schemas.openxmlformats.org/markup-compatibility/2006" xmlns:a14="http://schemas.microsoft.com/office/drawing/2010/main">
+        <mc:Choice Requires="a14">
+          <p:sp>
+            <p:nvSpPr>
+              <p:cNvPr id="4" name="Content Placeholder 2">
+                <a:extLst>
+                  <a:ext uri="{FF2B5EF4-FFF2-40B4-BE49-F238E27FC236}">
+                    <a16:creationId xmlns:a16="http://schemas.microsoft.com/office/drawing/2014/main" id="{6B1C82C0-15D2-BE06-60F1-7E91F87DB7EE}"/>
+                  </a:ext>
+                </a:extLst>
+              </p:cNvPr>
+              <p:cNvSpPr>
+                <a:spLocks noGrp="1"/>
+              </p:cNvSpPr>
+              <p:nvPr>
+                <p:ph idx="1"/>
+              </p:nvPr>
+            </p:nvSpPr>
+            <p:spPr>
+              <a:xfrm>
+                <a:off x="1261872" y="1654120"/>
+                <a:ext cx="8595360" cy="4805464"/>
+              </a:xfrm>
+            </p:spPr>
+            <p:txBody>
+              <a:bodyPr>
+                <a:noAutofit/>
+              </a:bodyPr>
+              <a:lstStyle/>
+              <a:p>
+                <a14:m>
+                  <m:oMath xmlns:m="http://schemas.openxmlformats.org/officeDocument/2006/math">
+                    <m:r>
+                      <a:rPr lang="en-US" b="0" i="1" smtClean="0">
+                        <a:latin typeface="Cambria Math" panose="02040503050406030204" pitchFamily="18" charset="0"/>
+                      </a:rPr>
+                      <m:t>𝑇𝑎</m:t>
+                    </m:r>
+                    <m:sSup>
+                      <m:sSupPr>
+                        <m:ctrlPr>
+                          <a:rPr lang="en-US" b="0" i="1" smtClean="0">
+                            <a:latin typeface="Cambria Math" panose="02040503050406030204" pitchFamily="18" charset="0"/>
+                          </a:rPr>
+                        </m:ctrlPr>
+                      </m:sSupPr>
+                      <m:e>
+                        <m:r>
+                          <a:rPr lang="en-US" b="0" i="1" smtClean="0">
+                            <a:latin typeface="Cambria Math" panose="02040503050406030204" pitchFamily="18" charset="0"/>
+                          </a:rPr>
+                          <m:t>𝑛h</m:t>
+                        </m:r>
+                      </m:e>
+                      <m:sup>
+                        <m:r>
+                          <a:rPr lang="en-US" b="0" i="1" smtClean="0">
+                            <a:latin typeface="Cambria Math" panose="02040503050406030204" pitchFamily="18" charset="0"/>
+                          </a:rPr>
+                          <m:t>−1</m:t>
+                        </m:r>
+                      </m:sup>
+                    </m:sSup>
+                    <m:r>
+                      <a:rPr lang="en-US" b="0" i="1" smtClean="0">
+                        <a:latin typeface="Cambria Math" panose="02040503050406030204" pitchFamily="18" charset="0"/>
+                      </a:rPr>
+                      <m:t>(</m:t>
+                    </m:r>
+                    <m:r>
+                      <a:rPr lang="en-US" b="0" i="1" smtClean="0">
+                        <a:latin typeface="Cambria Math" panose="02040503050406030204" pitchFamily="18" charset="0"/>
+                      </a:rPr>
+                      <m:t>𝑦</m:t>
+                    </m:r>
+                    <m:r>
+                      <a:rPr lang="en-US" b="0" i="1" smtClean="0">
+                        <a:latin typeface="Cambria Math" panose="02040503050406030204" pitchFamily="18" charset="0"/>
+                      </a:rPr>
+                      <m:t>)</m:t>
+                    </m:r>
+                  </m:oMath>
+                </a14:m>
+                <a:r>
+                  <a:rPr lang="en-US" dirty="0"/>
+                  <a:t> function is evaluated using hyperbolic rotation in vectoring mode in Cordic algorithm.</a:t>
+                </a:r>
+              </a:p>
+              <a:p>
+                <a:r>
+                  <a:rPr lang="en-US" dirty="0"/>
+                  <a:t>Initially x set to 1. </a:t>
+                </a:r>
+              </a:p>
+              <a:p>
+                <a:r>
+                  <a:rPr lang="en-US" dirty="0"/>
+                  <a:t>After 10-12 iterations the y value converges to 0 and the z value converges to the </a:t>
+                </a:r>
+                <a14:m>
+                  <m:oMath xmlns:m="http://schemas.openxmlformats.org/officeDocument/2006/math">
+                    <m:func>
+                      <m:funcPr>
+                        <m:ctrlPr>
+                          <a:rPr lang="en-US" b="0" i="1" smtClean="0">
+                            <a:latin typeface="Cambria Math" panose="02040503050406030204" pitchFamily="18" charset="0"/>
+                          </a:rPr>
+                        </m:ctrlPr>
+                      </m:funcPr>
+                      <m:fName>
+                        <m:sSup>
+                          <m:sSupPr>
+                            <m:ctrlPr>
+                              <a:rPr lang="en-US" b="0" i="1" smtClean="0">
+                                <a:latin typeface="Cambria Math" panose="02040503050406030204" pitchFamily="18" charset="0"/>
+                              </a:rPr>
+                            </m:ctrlPr>
+                          </m:sSupPr>
+                          <m:e>
+                            <m:r>
+                              <m:rPr>
+                                <m:sty m:val="p"/>
+                              </m:rPr>
+                              <a:rPr lang="en-US" b="0" i="0" smtClean="0">
+                                <a:latin typeface="Cambria Math" panose="02040503050406030204" pitchFamily="18" charset="0"/>
+                              </a:rPr>
+                              <m:t>tanh</m:t>
+                            </m:r>
+                          </m:e>
+                          <m:sup>
+                            <m:r>
+                              <a:rPr lang="en-US" b="0" i="1" smtClean="0">
+                                <a:latin typeface="Cambria Math" panose="02040503050406030204" pitchFamily="18" charset="0"/>
+                              </a:rPr>
+                              <m:t>−1</m:t>
+                            </m:r>
+                          </m:sup>
+                        </m:sSup>
+                      </m:fName>
+                      <m:e>
+                        <m:r>
+                          <a:rPr lang="en-US" b="0" i="1" smtClean="0">
+                            <a:latin typeface="Cambria Math" panose="02040503050406030204" pitchFamily="18" charset="0"/>
+                          </a:rPr>
+                          <m:t>𝑦</m:t>
+                        </m:r>
+                      </m:e>
+                    </m:func>
+                  </m:oMath>
+                </a14:m>
+                <a:r>
+                  <a:rPr lang="en-US" dirty="0"/>
+                  <a:t>.</a:t>
+                </a:r>
+              </a:p>
+              <a:p>
+                <a:endParaRPr lang="en-US" dirty="0"/>
+              </a:p>
+              <a:p>
+                <a:endParaRPr lang="en-US" dirty="0"/>
+              </a:p>
+              <a:p>
+                <a:endParaRPr lang="en-US" dirty="0"/>
+              </a:p>
+              <a:p>
+                <a:r>
+                  <a:rPr lang="en-US" dirty="0"/>
+                  <a:t>Input format(simulation) : 4 bits for integer part and 16 bits for fractional part</a:t>
+                </a:r>
+              </a:p>
+              <a:p>
+                <a:r>
+                  <a:rPr lang="en-US" dirty="0"/>
+                  <a:t>Result format(simulation) : 6 bits for integer part and 14 bits for fractional part</a:t>
+                </a:r>
+              </a:p>
+              <a:p>
+                <a:endParaRPr lang="en-US" dirty="0"/>
+              </a:p>
+            </p:txBody>
+          </p:sp>
+        </mc:Choice>
+        <mc:Fallback xmlns="">
+          <p:sp>
+            <p:nvSpPr>
+              <p:cNvPr id="4" name="Content Placeholder 2">
+                <a:extLst>
+                  <a:ext uri="{FF2B5EF4-FFF2-40B4-BE49-F238E27FC236}">
+                    <a16:creationId xmlns:a16="http://schemas.microsoft.com/office/drawing/2014/main" id="{6B1C82C0-15D2-BE06-60F1-7E91F87DB7EE}"/>
+                  </a:ext>
+                </a:extLst>
+              </p:cNvPr>
+              <p:cNvSpPr>
+                <a:spLocks noGrp="1" noRot="1" noChangeAspect="1" noMove="1" noResize="1" noEditPoints="1" noAdjustHandles="1" noChangeArrowheads="1" noChangeShapeType="1" noTextEdit="1"/>
+              </p:cNvSpPr>
+              <p:nvPr>
+                <p:ph idx="1"/>
+              </p:nvPr>
+            </p:nvSpPr>
+            <p:spPr>
+              <a:xfrm>
+                <a:off x="1261872" y="1654120"/>
+                <a:ext cx="8595360" cy="4805464"/>
+              </a:xfrm>
+              <a:blipFill>
+                <a:blip r:embed="rId3"/>
+                <a:stretch>
+                  <a:fillRect l="-142" t="-1014" r="-1135"/>
+                </a:stretch>
+              </a:blipFill>
+            </p:spPr>
+            <p:txBody>
+              <a:bodyPr/>
+              <a:lstStyle/>
+              <a:p>
+                <a:r>
+                  <a:rPr lang="en-US">
+                    <a:noFill/>
+                  </a:rPr>
+                  <a:t> </a:t>
+                </a:r>
+              </a:p>
+            </p:txBody>
+          </p:sp>
+        </mc:Fallback>
+      </mc:AlternateContent>
+      <p:grpSp>
+        <p:nvGrpSpPr>
+          <p:cNvPr id="5" name="Group 4">
+            <a:extLst>
+              <a:ext uri="{FF2B5EF4-FFF2-40B4-BE49-F238E27FC236}">
+                <a16:creationId xmlns:a16="http://schemas.microsoft.com/office/drawing/2014/main" id="{C530FBDB-91B8-62A8-6B54-26A3F6C1F202}"/>
+              </a:ext>
+            </a:extLst>
+          </p:cNvPr>
+          <p:cNvGrpSpPr/>
+          <p:nvPr/>
+        </p:nvGrpSpPr>
+        <p:grpSpPr>
+          <a:xfrm>
+            <a:off x="3852154" y="3510662"/>
+            <a:ext cx="3376419" cy="1285075"/>
+            <a:chOff x="1021404" y="4273610"/>
+            <a:chExt cx="4426085" cy="1997243"/>
+          </a:xfrm>
+        </p:grpSpPr>
+        <p:sp>
+          <p:nvSpPr>
+            <p:cNvPr id="6" name="Rectangle 5">
+              <a:extLst>
+                <a:ext uri="{FF2B5EF4-FFF2-40B4-BE49-F238E27FC236}">
+                  <a16:creationId xmlns:a16="http://schemas.microsoft.com/office/drawing/2014/main" id="{DA63F9BF-FEFE-EA64-E1E0-0203C9B78E41}"/>
+                </a:ext>
+              </a:extLst>
+            </p:cNvPr>
+            <p:cNvSpPr/>
+            <p:nvPr/>
+          </p:nvSpPr>
+          <p:spPr>
+            <a:xfrm>
+              <a:off x="2120630" y="4273610"/>
+              <a:ext cx="1605064" cy="1997243"/>
+            </a:xfrm>
+            <a:prstGeom prst="rect">
+              <a:avLst/>
+            </a:prstGeom>
+            <a:ln>
+              <a:solidFill>
+                <a:schemeClr val="tx1"/>
+              </a:solidFill>
+            </a:ln>
+          </p:spPr>
+          <p:style>
+            <a:lnRef idx="2">
+              <a:schemeClr val="accent6"/>
+            </a:lnRef>
+            <a:fillRef idx="1">
+              <a:schemeClr val="lt1"/>
+            </a:fillRef>
+            <a:effectRef idx="0">
+              <a:schemeClr val="accent6"/>
+            </a:effectRef>
+            <a:fontRef idx="minor">
+              <a:schemeClr val="dk1"/>
+            </a:fontRef>
+          </p:style>
+          <p:txBody>
+            <a:bodyPr rtlCol="0" anchor="ctr"/>
+            <a:lstStyle/>
+            <a:p>
+              <a:pPr algn="ctr"/>
+              <a:endParaRPr lang="en-US"/>
+            </a:p>
+          </p:txBody>
+        </p:sp>
+        <p:sp>
+          <p:nvSpPr>
+            <p:cNvPr id="7" name="TextBox 6">
+              <a:extLst>
+                <a:ext uri="{FF2B5EF4-FFF2-40B4-BE49-F238E27FC236}">
+                  <a16:creationId xmlns:a16="http://schemas.microsoft.com/office/drawing/2014/main" id="{57572C3F-1B84-6AD3-6C7A-8AFE9947AB1D}"/>
+                </a:ext>
+              </a:extLst>
+            </p:cNvPr>
+            <p:cNvSpPr txBox="1"/>
+            <p:nvPr/>
+          </p:nvSpPr>
+          <p:spPr>
+            <a:xfrm>
+              <a:off x="2422187" y="5087566"/>
+              <a:ext cx="1303507" cy="369332"/>
+            </a:xfrm>
+            <a:prstGeom prst="rect">
+              <a:avLst/>
+            </a:prstGeom>
+            <a:noFill/>
+          </p:spPr>
+          <p:txBody>
+            <a:bodyPr wrap="square" rtlCol="0">
+              <a:spAutoFit/>
+            </a:bodyPr>
+            <a:lstStyle/>
+            <a:p>
+              <a:r>
+                <a:rPr lang="en-US" dirty="0"/>
+                <a:t>Cordic</a:t>
+              </a:r>
+            </a:p>
+          </p:txBody>
+        </p:sp>
+        <p:cxnSp>
+          <p:nvCxnSpPr>
+            <p:cNvPr id="8" name="Straight Arrow Connector 7">
+              <a:extLst>
+                <a:ext uri="{FF2B5EF4-FFF2-40B4-BE49-F238E27FC236}">
+                  <a16:creationId xmlns:a16="http://schemas.microsoft.com/office/drawing/2014/main" id="{958B7FB4-ABB1-8B07-776F-8B949D55E66E}"/>
+                </a:ext>
+              </a:extLst>
+            </p:cNvPr>
+            <p:cNvCxnSpPr/>
+            <p:nvPr/>
+          </p:nvCxnSpPr>
+          <p:spPr>
+            <a:xfrm>
+              <a:off x="1507787" y="4513634"/>
+              <a:ext cx="612843" cy="0"/>
+            </a:xfrm>
+            <a:prstGeom prst="straightConnector1">
+              <a:avLst/>
+            </a:prstGeom>
+            <a:ln>
+              <a:tailEnd type="triangle"/>
+            </a:ln>
+          </p:spPr>
+          <p:style>
+            <a:lnRef idx="1">
+              <a:schemeClr val="dk1"/>
+            </a:lnRef>
+            <a:fillRef idx="0">
+              <a:schemeClr val="dk1"/>
+            </a:fillRef>
+            <a:effectRef idx="0">
+              <a:schemeClr val="dk1"/>
+            </a:effectRef>
+            <a:fontRef idx="minor">
+              <a:schemeClr val="tx1"/>
+            </a:fontRef>
+          </p:style>
+        </p:cxnSp>
+        <p:cxnSp>
+          <p:nvCxnSpPr>
+            <p:cNvPr id="9" name="Straight Arrow Connector 8">
+              <a:extLst>
+                <a:ext uri="{FF2B5EF4-FFF2-40B4-BE49-F238E27FC236}">
+                  <a16:creationId xmlns:a16="http://schemas.microsoft.com/office/drawing/2014/main" id="{EEAD88DD-69FA-B08B-3272-436F17D7DC0D}"/>
+                </a:ext>
+              </a:extLst>
+            </p:cNvPr>
+            <p:cNvCxnSpPr/>
+            <p:nvPr/>
+          </p:nvCxnSpPr>
+          <p:spPr>
+            <a:xfrm>
+              <a:off x="1499680" y="5239805"/>
+              <a:ext cx="612843" cy="0"/>
+            </a:xfrm>
+            <a:prstGeom prst="straightConnector1">
+              <a:avLst/>
+            </a:prstGeom>
+            <a:ln>
+              <a:tailEnd type="triangle"/>
+            </a:ln>
+          </p:spPr>
+          <p:style>
+            <a:lnRef idx="1">
+              <a:schemeClr val="dk1"/>
+            </a:lnRef>
+            <a:fillRef idx="0">
+              <a:schemeClr val="dk1"/>
+            </a:fillRef>
+            <a:effectRef idx="0">
+              <a:schemeClr val="dk1"/>
+            </a:effectRef>
+            <a:fontRef idx="minor">
+              <a:schemeClr val="tx1"/>
+            </a:fontRef>
+          </p:style>
+        </p:cxnSp>
+        <p:cxnSp>
+          <p:nvCxnSpPr>
+            <p:cNvPr id="10" name="Straight Arrow Connector 9">
+              <a:extLst>
+                <a:ext uri="{FF2B5EF4-FFF2-40B4-BE49-F238E27FC236}">
+                  <a16:creationId xmlns:a16="http://schemas.microsoft.com/office/drawing/2014/main" id="{E8988E75-2ECA-58B2-BB6F-D80D56011FDE}"/>
+                </a:ext>
+              </a:extLst>
+            </p:cNvPr>
+            <p:cNvCxnSpPr/>
+            <p:nvPr/>
+          </p:nvCxnSpPr>
+          <p:spPr>
+            <a:xfrm>
+              <a:off x="1499679" y="5969540"/>
+              <a:ext cx="612843" cy="0"/>
+            </a:xfrm>
+            <a:prstGeom prst="straightConnector1">
+              <a:avLst/>
+            </a:prstGeom>
+            <a:ln>
+              <a:tailEnd type="triangle"/>
+            </a:ln>
+          </p:spPr>
+          <p:style>
+            <a:lnRef idx="1">
+              <a:schemeClr val="dk1"/>
+            </a:lnRef>
+            <a:fillRef idx="0">
+              <a:schemeClr val="dk1"/>
+            </a:fillRef>
+            <a:effectRef idx="0">
+              <a:schemeClr val="dk1"/>
+            </a:effectRef>
+            <a:fontRef idx="minor">
+              <a:schemeClr val="tx1"/>
+            </a:fontRef>
+          </p:style>
+        </p:cxnSp>
+        <p:cxnSp>
+          <p:nvCxnSpPr>
+            <p:cNvPr id="12" name="Straight Arrow Connector 11">
+              <a:extLst>
+                <a:ext uri="{FF2B5EF4-FFF2-40B4-BE49-F238E27FC236}">
+                  <a16:creationId xmlns:a16="http://schemas.microsoft.com/office/drawing/2014/main" id="{118D8E18-72D5-6897-56B4-3A64444CF079}"/>
+                </a:ext>
+              </a:extLst>
+            </p:cNvPr>
+            <p:cNvCxnSpPr/>
+            <p:nvPr/>
+          </p:nvCxnSpPr>
+          <p:spPr>
+            <a:xfrm>
+              <a:off x="3725693" y="5969540"/>
+              <a:ext cx="612843" cy="0"/>
+            </a:xfrm>
+            <a:prstGeom prst="straightConnector1">
+              <a:avLst/>
+            </a:prstGeom>
+            <a:ln>
+              <a:tailEnd type="triangle"/>
+            </a:ln>
+          </p:spPr>
+          <p:style>
+            <a:lnRef idx="1">
+              <a:schemeClr val="dk1"/>
+            </a:lnRef>
+            <a:fillRef idx="0">
+              <a:schemeClr val="dk1"/>
+            </a:fillRef>
+            <a:effectRef idx="0">
+              <a:schemeClr val="dk1"/>
+            </a:effectRef>
+            <a:fontRef idx="minor">
+              <a:schemeClr val="tx1"/>
+            </a:fontRef>
+          </p:style>
+        </p:cxnSp>
+        <p:cxnSp>
+          <p:nvCxnSpPr>
+            <p:cNvPr id="13" name="Straight Arrow Connector 12">
+              <a:extLst>
+                <a:ext uri="{FF2B5EF4-FFF2-40B4-BE49-F238E27FC236}">
+                  <a16:creationId xmlns:a16="http://schemas.microsoft.com/office/drawing/2014/main" id="{3B6DDB20-8C2A-D6E6-3250-C1E92AA42371}"/>
+                </a:ext>
+              </a:extLst>
+            </p:cNvPr>
+            <p:cNvCxnSpPr/>
+            <p:nvPr/>
+          </p:nvCxnSpPr>
+          <p:spPr>
+            <a:xfrm>
+              <a:off x="3725693" y="5236562"/>
+              <a:ext cx="612843" cy="0"/>
+            </a:xfrm>
+            <a:prstGeom prst="straightConnector1">
+              <a:avLst/>
+            </a:prstGeom>
+            <a:ln>
+              <a:tailEnd type="triangle"/>
+            </a:ln>
+          </p:spPr>
+          <p:style>
+            <a:lnRef idx="1">
+              <a:schemeClr val="dk1"/>
+            </a:lnRef>
+            <a:fillRef idx="0">
+              <a:schemeClr val="dk1"/>
+            </a:fillRef>
+            <a:effectRef idx="0">
+              <a:schemeClr val="dk1"/>
+            </a:effectRef>
+            <a:fontRef idx="minor">
+              <a:schemeClr val="tx1"/>
+            </a:fontRef>
+          </p:style>
+        </p:cxnSp>
+        <p:sp>
+          <p:nvSpPr>
+            <p:cNvPr id="14" name="TextBox 13">
+              <a:extLst>
+                <a:ext uri="{FF2B5EF4-FFF2-40B4-BE49-F238E27FC236}">
+                  <a16:creationId xmlns:a16="http://schemas.microsoft.com/office/drawing/2014/main" id="{95D50B95-964F-EDD5-0553-39375EA2E1C3}"/>
+                </a:ext>
+              </a:extLst>
+            </p:cNvPr>
+            <p:cNvSpPr txBox="1"/>
+            <p:nvPr/>
+          </p:nvSpPr>
+          <p:spPr>
+            <a:xfrm>
+              <a:off x="1032752" y="4318856"/>
+              <a:ext cx="486383" cy="369332"/>
+            </a:xfrm>
+            <a:prstGeom prst="rect">
+              <a:avLst/>
+            </a:prstGeom>
+            <a:noFill/>
+          </p:spPr>
+          <p:txBody>
+            <a:bodyPr wrap="square" rtlCol="0">
+              <a:spAutoFit/>
+            </a:bodyPr>
+            <a:lstStyle/>
+            <a:p>
+              <a:r>
+                <a:rPr lang="en-US" dirty="0"/>
+                <a:t>x</a:t>
+              </a:r>
+            </a:p>
+          </p:txBody>
+        </p:sp>
+        <p:sp>
+          <p:nvSpPr>
+            <p:cNvPr id="15" name="TextBox 14">
+              <a:extLst>
+                <a:ext uri="{FF2B5EF4-FFF2-40B4-BE49-F238E27FC236}">
+                  <a16:creationId xmlns:a16="http://schemas.microsoft.com/office/drawing/2014/main" id="{3FB2C446-53A9-3400-2DAA-A8D9916A706C}"/>
+                </a:ext>
+              </a:extLst>
+            </p:cNvPr>
+            <p:cNvSpPr txBox="1"/>
+            <p:nvPr/>
+          </p:nvSpPr>
+          <p:spPr>
+            <a:xfrm>
+              <a:off x="1021404" y="5087566"/>
+              <a:ext cx="486383" cy="369332"/>
+            </a:xfrm>
+            <a:prstGeom prst="rect">
+              <a:avLst/>
+            </a:prstGeom>
+            <a:noFill/>
+          </p:spPr>
+          <p:txBody>
+            <a:bodyPr wrap="square" rtlCol="0">
+              <a:spAutoFit/>
+            </a:bodyPr>
+            <a:lstStyle/>
+            <a:p>
+              <a:r>
+                <a:rPr lang="en-US" dirty="0"/>
+                <a:t>y</a:t>
+              </a:r>
+            </a:p>
+          </p:txBody>
+        </p:sp>
+        <p:sp>
+          <p:nvSpPr>
+            <p:cNvPr id="16" name="TextBox 15">
+              <a:extLst>
+                <a:ext uri="{FF2B5EF4-FFF2-40B4-BE49-F238E27FC236}">
+                  <a16:creationId xmlns:a16="http://schemas.microsoft.com/office/drawing/2014/main" id="{E5F0E962-8921-79F9-6B8C-A89D2DE20FC7}"/>
+                </a:ext>
+              </a:extLst>
+            </p:cNvPr>
+            <p:cNvSpPr txBox="1"/>
+            <p:nvPr/>
+          </p:nvSpPr>
+          <p:spPr>
+            <a:xfrm>
+              <a:off x="1031942" y="5703886"/>
+              <a:ext cx="204281" cy="369331"/>
+            </a:xfrm>
+            <a:prstGeom prst="rect">
+              <a:avLst/>
+            </a:prstGeom>
+            <a:noFill/>
+          </p:spPr>
+          <p:txBody>
+            <a:bodyPr wrap="square" rtlCol="0">
+              <a:spAutoFit/>
+            </a:bodyPr>
+            <a:lstStyle/>
+            <a:p>
+              <a:r>
+                <a:rPr lang="en-US" dirty="0"/>
+                <a:t>z</a:t>
+              </a:r>
+            </a:p>
+          </p:txBody>
+        </p:sp>
+        <p:sp>
+          <p:nvSpPr>
+            <p:cNvPr id="18" name="TextBox 17">
+              <a:extLst>
+                <a:ext uri="{FF2B5EF4-FFF2-40B4-BE49-F238E27FC236}">
+                  <a16:creationId xmlns:a16="http://schemas.microsoft.com/office/drawing/2014/main" id="{FAF728F0-8855-1A39-9477-14852F151305}"/>
+                </a:ext>
+              </a:extLst>
+            </p:cNvPr>
+            <p:cNvSpPr txBox="1"/>
+            <p:nvPr/>
+          </p:nvSpPr>
+          <p:spPr>
+            <a:xfrm>
+              <a:off x="4307245" y="4937825"/>
+              <a:ext cx="389106" cy="369332"/>
+            </a:xfrm>
+            <a:prstGeom prst="rect">
+              <a:avLst/>
+            </a:prstGeom>
+            <a:noFill/>
+          </p:spPr>
+          <p:txBody>
+            <a:bodyPr wrap="square" rtlCol="0">
+              <a:spAutoFit/>
+            </a:bodyPr>
+            <a:lstStyle/>
+            <a:p>
+              <a:r>
+                <a:rPr lang="en-US" dirty="0"/>
+                <a:t>0</a:t>
+              </a:r>
+            </a:p>
+          </p:txBody>
+        </p:sp>
+        <mc:AlternateContent xmlns:mc="http://schemas.openxmlformats.org/markup-compatibility/2006" xmlns:a14="http://schemas.microsoft.com/office/drawing/2010/main">
+          <mc:Choice Requires="a14">
+            <p:sp>
+              <p:nvSpPr>
+                <p:cNvPr id="19" name="TextBox 18">
+                  <a:extLst>
+                    <a:ext uri="{FF2B5EF4-FFF2-40B4-BE49-F238E27FC236}">
+                      <a16:creationId xmlns:a16="http://schemas.microsoft.com/office/drawing/2014/main" id="{AAEB79EF-6C36-6F42-B41C-673429EEDDF8}"/>
+                    </a:ext>
+                  </a:extLst>
+                </p:cNvPr>
+                <p:cNvSpPr txBox="1"/>
+                <p:nvPr/>
+              </p:nvSpPr>
+              <p:spPr>
+                <a:xfrm>
+                  <a:off x="4338536" y="5651061"/>
+                  <a:ext cx="1108953" cy="566630"/>
+                </a:xfrm>
+                <a:prstGeom prst="rect">
+                  <a:avLst/>
+                </a:prstGeom>
+                <a:noFill/>
+              </p:spPr>
+              <p:txBody>
+                <a:bodyPr wrap="square" rtlCol="0">
+                  <a:spAutoFit/>
+                </a:bodyPr>
+                <a:lstStyle/>
+                <a:p>
+                  <a:pPr/>
+                  <a14:m>
+                    <m:oMathPara xmlns:m="http://schemas.openxmlformats.org/officeDocument/2006/math">
+                      <m:oMathParaPr>
+                        <m:jc m:val="centerGroup"/>
+                      </m:oMathParaPr>
+                      <m:oMath xmlns:m="http://schemas.openxmlformats.org/officeDocument/2006/math">
+                        <m:func>
+                          <m:funcPr>
+                            <m:ctrlPr>
+                              <a:rPr lang="en-US" b="0" i="1" smtClean="0">
+                                <a:latin typeface="Cambria Math" panose="02040503050406030204" pitchFamily="18" charset="0"/>
+                              </a:rPr>
+                            </m:ctrlPr>
+                          </m:funcPr>
+                          <m:fName>
+                            <m:sSup>
+                              <m:sSupPr>
+                                <m:ctrlPr>
+                                  <a:rPr lang="en-US" b="0" i="1" smtClean="0">
+                                    <a:latin typeface="Cambria Math" panose="02040503050406030204" pitchFamily="18" charset="0"/>
+                                  </a:rPr>
+                                </m:ctrlPr>
+                              </m:sSupPr>
+                              <m:e>
+                                <m:r>
+                                  <m:rPr>
+                                    <m:sty m:val="p"/>
+                                  </m:rPr>
+                                  <a:rPr lang="en-US" b="0" i="0" smtClean="0">
+                                    <a:latin typeface="Cambria Math" panose="02040503050406030204" pitchFamily="18" charset="0"/>
+                                  </a:rPr>
+                                  <m:t>tan</m:t>
+                                </m:r>
+                                <m:r>
+                                  <a:rPr lang="en-US" b="0" i="1" smtClean="0">
+                                    <a:latin typeface="Cambria Math" panose="02040503050406030204" pitchFamily="18" charset="0"/>
+                                  </a:rPr>
+                                  <m:t>h</m:t>
+                                </m:r>
+                              </m:e>
+                              <m:sup>
+                                <m:r>
+                                  <a:rPr lang="en-US" b="0" i="1" smtClean="0">
+                                    <a:latin typeface="Cambria Math" panose="02040503050406030204" pitchFamily="18" charset="0"/>
+                                  </a:rPr>
+                                  <m:t>−1</m:t>
+                                </m:r>
+                              </m:sup>
+                            </m:sSup>
+                          </m:fName>
+                          <m:e>
+                            <m:r>
+                              <a:rPr lang="en-US" b="0" i="1" smtClean="0">
+                                <a:latin typeface="Cambria Math" panose="02040503050406030204" pitchFamily="18" charset="0"/>
+                              </a:rPr>
+                              <m:t>(</m:t>
+                            </m:r>
+                            <m:f>
+                              <m:fPr>
+                                <m:ctrlPr>
+                                  <a:rPr lang="en-US" b="0" i="1" smtClean="0">
+                                    <a:latin typeface="Cambria Math" panose="02040503050406030204" pitchFamily="18" charset="0"/>
+                                  </a:rPr>
+                                </m:ctrlPr>
+                              </m:fPr>
+                              <m:num>
+                                <m:r>
+                                  <a:rPr lang="en-US" b="0" i="1" smtClean="0">
+                                    <a:latin typeface="Cambria Math" panose="02040503050406030204" pitchFamily="18" charset="0"/>
+                                  </a:rPr>
+                                  <m:t>𝑦</m:t>
+                                </m:r>
+                              </m:num>
+                              <m:den>
+                                <m:r>
+                                  <a:rPr lang="en-US" b="0" i="1" smtClean="0">
+                                    <a:latin typeface="Cambria Math" panose="02040503050406030204" pitchFamily="18" charset="0"/>
+                                  </a:rPr>
+                                  <m:t>𝑥</m:t>
+                                </m:r>
+                              </m:den>
+                            </m:f>
+                            <m:r>
+                              <a:rPr lang="en-US" b="0" i="1" smtClean="0">
+                                <a:latin typeface="Cambria Math" panose="02040503050406030204" pitchFamily="18" charset="0"/>
+                              </a:rPr>
+                              <m:t>)</m:t>
+                            </m:r>
+                          </m:e>
+                        </m:func>
+                      </m:oMath>
+                    </m:oMathPara>
+                  </a14:m>
+                  <a:endParaRPr lang="en-US" dirty="0"/>
+                </a:p>
+              </p:txBody>
+            </p:sp>
+          </mc:Choice>
+          <mc:Fallback xmlns="">
+            <p:sp>
+              <p:nvSpPr>
+                <p:cNvPr id="19" name="TextBox 18">
+                  <a:extLst>
+                    <a:ext uri="{FF2B5EF4-FFF2-40B4-BE49-F238E27FC236}">
+                      <a16:creationId xmlns:a16="http://schemas.microsoft.com/office/drawing/2014/main" id="{AAEB79EF-6C36-6F42-B41C-673429EEDDF8}"/>
+                    </a:ext>
+                  </a:extLst>
+                </p:cNvPr>
+                <p:cNvSpPr txBox="1">
+                  <a:spLocks noRot="1" noChangeAspect="1" noMove="1" noResize="1" noEditPoints="1" noAdjustHandles="1" noChangeArrowheads="1" noChangeShapeType="1" noTextEdit="1"/>
+                </p:cNvSpPr>
+                <p:nvPr/>
+              </p:nvSpPr>
+              <p:spPr>
+                <a:xfrm>
+                  <a:off x="4338536" y="5651061"/>
+                  <a:ext cx="1108953" cy="566630"/>
+                </a:xfrm>
+                <a:prstGeom prst="rect">
+                  <a:avLst/>
+                </a:prstGeom>
+                <a:blipFill>
+                  <a:blip r:embed="rId4"/>
+                  <a:stretch>
+                    <a:fillRect r="-27338" b="-43333"/>
+                  </a:stretch>
+                </a:blipFill>
+              </p:spPr>
+              <p:txBody>
+                <a:bodyPr/>
+                <a:lstStyle/>
+                <a:p>
+                  <a:r>
+                    <a:rPr lang="en-US">
+                      <a:noFill/>
+                    </a:rPr>
+                    <a:t> </a:t>
+                  </a:r>
+                </a:p>
+              </p:txBody>
+            </p:sp>
+          </mc:Fallback>
+        </mc:AlternateContent>
+      </p:grpSp>
+    </p:spTree>
+    <p:extLst>
+      <p:ext uri="{BB962C8B-B14F-4D97-AF65-F5344CB8AC3E}">
+        <p14:creationId xmlns:p14="http://schemas.microsoft.com/office/powerpoint/2010/main" val="2260439660"/>
+      </p:ext>
+    </p:extLst>
+  </p:cSld>
+  <p:clrMapOvr>
+    <a:masterClrMapping/>
+  </p:clrMapOvr>
+</p:sld>
+</file>
+
+<file path=ppt/slides/slide16.xml><?xml version="1.0" encoding="utf-8"?>
+<p:sld xmlns:a="http://schemas.openxmlformats.org/drawingml/2006/main" xmlns:r="http://schemas.openxmlformats.org/officeDocument/2006/relationships" xmlns:p="http://schemas.openxmlformats.org/presentationml/2006/main">
+  <p:cSld>
+    <p:spTree>
+      <p:nvGrpSpPr>
+        <p:cNvPr id="1" name=""/>
+        <p:cNvGrpSpPr/>
+        <p:nvPr/>
+      </p:nvGrpSpPr>
+      <p:grpSpPr>
+        <a:xfrm>
+          <a:off x="0" y="0"/>
+          <a:ext cx="0" cy="0"/>
+          <a:chOff x="0" y="0"/>
+          <a:chExt cx="0" cy="0"/>
+        </a:xfrm>
+      </p:grpSpPr>
+      <mc:AlternateContent xmlns:mc="http://schemas.openxmlformats.org/markup-compatibility/2006" xmlns:a14="http://schemas.microsoft.com/office/drawing/2010/main">
+        <mc:Choice Requires="a14">
+          <p:sp>
+            <p:nvSpPr>
+              <p:cNvPr id="2" name="Title 1">
+                <a:extLst>
+                  <a:ext uri="{FF2B5EF4-FFF2-40B4-BE49-F238E27FC236}">
+                    <a16:creationId xmlns:a16="http://schemas.microsoft.com/office/drawing/2014/main" id="{8D7A94A3-7A6B-2751-39DA-5D5BED538436}"/>
+                  </a:ext>
+                </a:extLst>
+              </p:cNvPr>
+              <p:cNvSpPr>
+                <a:spLocks noGrp="1"/>
+              </p:cNvSpPr>
+              <p:nvPr>
+                <p:ph type="title"/>
+              </p:nvPr>
+            </p:nvSpPr>
+            <p:spPr/>
+            <p:txBody>
+              <a:bodyPr>
+                <a:normAutofit/>
+              </a:bodyPr>
+              <a:lstStyle/>
+              <a:p>
+                <a:r>
+                  <a:rPr lang="en-US" dirty="0"/>
+                  <a:t>Limitations of </a:t>
+                </a:r>
+                <a14:m>
+                  <m:oMath xmlns:m="http://schemas.openxmlformats.org/officeDocument/2006/math">
+                    <m:r>
+                      <a:rPr lang="en-US" b="0" i="1" smtClean="0">
+                        <a:latin typeface="Cambria Math" panose="02040503050406030204" pitchFamily="18" charset="0"/>
+                      </a:rPr>
+                      <m:t>𝑇𝑎</m:t>
+                    </m:r>
+                    <m:sSup>
+                      <m:sSupPr>
+                        <m:ctrlPr>
+                          <a:rPr lang="en-US" b="0" i="1" smtClean="0">
+                            <a:latin typeface="Cambria Math" panose="02040503050406030204" pitchFamily="18" charset="0"/>
+                          </a:rPr>
+                        </m:ctrlPr>
+                      </m:sSupPr>
+                      <m:e>
+                        <m:r>
+                          <a:rPr lang="en-US" b="0" i="1" smtClean="0">
+                            <a:latin typeface="Cambria Math" panose="02040503050406030204" pitchFamily="18" charset="0"/>
+                          </a:rPr>
+                          <m:t>𝑛h</m:t>
+                        </m:r>
+                      </m:e>
+                      <m:sup>
+                        <m:r>
+                          <a:rPr lang="en-US" b="0" i="1" smtClean="0">
+                            <a:latin typeface="Cambria Math" panose="02040503050406030204" pitchFamily="18" charset="0"/>
+                          </a:rPr>
+                          <m:t>−1</m:t>
+                        </m:r>
+                      </m:sup>
+                    </m:sSup>
+                    <m:r>
+                      <a:rPr lang="en-US" b="0" i="1" smtClean="0">
+                        <a:latin typeface="Cambria Math" panose="02040503050406030204" pitchFamily="18" charset="0"/>
+                      </a:rPr>
+                      <m:t>(</m:t>
+                    </m:r>
+                    <m:r>
+                      <a:rPr lang="en-US" b="0" i="1" smtClean="0">
+                        <a:latin typeface="Cambria Math" panose="02040503050406030204" pitchFamily="18" charset="0"/>
+                      </a:rPr>
+                      <m:t>𝑦</m:t>
+                    </m:r>
+                    <m:r>
+                      <a:rPr lang="en-US" b="0" i="1" smtClean="0">
+                        <a:latin typeface="Cambria Math" panose="02040503050406030204" pitchFamily="18" charset="0"/>
+                      </a:rPr>
+                      <m:t>)</m:t>
+                    </m:r>
+                  </m:oMath>
+                </a14:m>
+                <a:r>
+                  <a:rPr lang="en-US" dirty="0"/>
+                  <a:t> implementation </a:t>
+                </a:r>
+              </a:p>
+            </p:txBody>
+          </p:sp>
+        </mc:Choice>
+        <mc:Fallback xmlns="">
+          <p:sp>
+            <p:nvSpPr>
+              <p:cNvPr id="2" name="Title 1">
+                <a:extLst>
+                  <a:ext uri="{FF2B5EF4-FFF2-40B4-BE49-F238E27FC236}">
+                    <a16:creationId xmlns:a16="http://schemas.microsoft.com/office/drawing/2014/main" id="{8D7A94A3-7A6B-2751-39DA-5D5BED538436}"/>
+                  </a:ext>
+                </a:extLst>
+              </p:cNvPr>
+              <p:cNvSpPr>
+                <a:spLocks noGrp="1" noRot="1" noChangeAspect="1" noMove="1" noResize="1" noEditPoints="1" noAdjustHandles="1" noChangeArrowheads="1" noChangeShapeType="1" noTextEdit="1"/>
+              </p:cNvSpPr>
+              <p:nvPr>
+                <p:ph type="title"/>
+              </p:nvPr>
+            </p:nvSpPr>
+            <p:spPr>
+              <a:blipFill>
+                <a:blip r:embed="rId2"/>
+                <a:stretch>
+                  <a:fillRect l="-2516" t="-12442" b="-22120"/>
+                </a:stretch>
+              </a:blipFill>
+            </p:spPr>
+            <p:txBody>
+              <a:bodyPr/>
+              <a:lstStyle/>
+              <a:p>
+                <a:r>
+                  <a:rPr lang="en-US">
+                    <a:noFill/>
+                  </a:rPr>
+                  <a:t> </a:t>
+                </a:r>
+              </a:p>
+            </p:txBody>
+          </p:sp>
+        </mc:Fallback>
+      </mc:AlternateContent>
+      <mc:AlternateContent xmlns:mc="http://schemas.openxmlformats.org/markup-compatibility/2006" xmlns:a14="http://schemas.microsoft.com/office/drawing/2010/main">
+        <mc:Choice Requires="a14">
+          <p:sp>
+            <p:nvSpPr>
+              <p:cNvPr id="3" name="Content Placeholder 2">
+                <a:extLst>
+                  <a:ext uri="{FF2B5EF4-FFF2-40B4-BE49-F238E27FC236}">
+                    <a16:creationId xmlns:a16="http://schemas.microsoft.com/office/drawing/2014/main" id="{9634C85E-F6D3-2417-8A66-7A48C906201A}"/>
+                  </a:ext>
+                </a:extLst>
+              </p:cNvPr>
+              <p:cNvSpPr>
+                <a:spLocks noGrp="1"/>
+              </p:cNvSpPr>
+              <p:nvPr>
+                <p:ph idx="1"/>
+              </p:nvPr>
+            </p:nvSpPr>
+            <p:spPr>
+              <a:xfrm>
+                <a:off x="1261872" y="2003898"/>
+                <a:ext cx="8595360" cy="4351337"/>
+              </a:xfrm>
+            </p:spPr>
+            <p:txBody>
+              <a:bodyPr/>
+              <a:lstStyle/>
+              <a:p>
+                <a14:m>
+                  <m:oMath xmlns:m="http://schemas.openxmlformats.org/officeDocument/2006/math">
+                    <m:r>
+                      <a:rPr lang="en-US" b="0" i="1" smtClean="0">
+                        <a:latin typeface="Cambria Math" panose="02040503050406030204" pitchFamily="18" charset="0"/>
+                      </a:rPr>
+                      <m:t>𝑇𝑎</m:t>
+                    </m:r>
+                    <m:sSup>
+                      <m:sSupPr>
+                        <m:ctrlPr>
+                          <a:rPr lang="en-US" b="0" i="1" smtClean="0">
+                            <a:latin typeface="Cambria Math" panose="02040503050406030204" pitchFamily="18" charset="0"/>
+                          </a:rPr>
+                        </m:ctrlPr>
+                      </m:sSupPr>
+                      <m:e>
+                        <m:r>
+                          <a:rPr lang="en-US" b="0" i="1" smtClean="0">
+                            <a:latin typeface="Cambria Math" panose="02040503050406030204" pitchFamily="18" charset="0"/>
+                          </a:rPr>
+                          <m:t>𝑛h</m:t>
+                        </m:r>
+                      </m:e>
+                      <m:sup>
+                        <m:r>
+                          <a:rPr lang="en-US" b="0" i="1" smtClean="0">
+                            <a:latin typeface="Cambria Math" panose="02040503050406030204" pitchFamily="18" charset="0"/>
+                          </a:rPr>
+                          <m:t>−1</m:t>
+                        </m:r>
+                      </m:sup>
+                    </m:sSup>
+                    <m:r>
+                      <a:rPr lang="en-US" b="0" i="1" smtClean="0">
+                        <a:latin typeface="Cambria Math" panose="02040503050406030204" pitchFamily="18" charset="0"/>
+                      </a:rPr>
+                      <m:t>(</m:t>
+                    </m:r>
+                    <m:r>
+                      <a:rPr lang="en-US" b="0" i="1" smtClean="0">
+                        <a:latin typeface="Cambria Math" panose="02040503050406030204" pitchFamily="18" charset="0"/>
+                      </a:rPr>
+                      <m:t>𝑦</m:t>
+                    </m:r>
+                    <m:r>
+                      <a:rPr lang="en-US" b="0" i="1" smtClean="0">
+                        <a:latin typeface="Cambria Math" panose="02040503050406030204" pitchFamily="18" charset="0"/>
+                      </a:rPr>
+                      <m:t>)</m:t>
+                    </m:r>
+                  </m:oMath>
+                </a14:m>
+                <a:r>
+                  <a:rPr lang="en-US" dirty="0"/>
+                  <a:t> function asymptotically reaches </a:t>
+                </a:r>
+                <a14:m>
+                  <m:oMath xmlns:m="http://schemas.openxmlformats.org/officeDocument/2006/math">
+                    <m:r>
+                      <a:rPr lang="en-US" b="0" i="1" smtClean="0">
+                        <a:latin typeface="Cambria Math" panose="02040503050406030204" pitchFamily="18" charset="0"/>
+                      </a:rPr>
+                      <m:t>±</m:t>
+                    </m:r>
+                  </m:oMath>
+                </a14:m>
+                <a:r>
+                  <a:rPr lang="en-US" dirty="0"/>
+                  <a:t> infinity when y </a:t>
+                </a:r>
+                <a14:m>
+                  <m:oMath xmlns:m="http://schemas.openxmlformats.org/officeDocument/2006/math">
+                    <m:r>
+                      <a:rPr lang="en-US" b="0" i="1" smtClean="0">
+                        <a:latin typeface="Cambria Math" panose="02040503050406030204" pitchFamily="18" charset="0"/>
+                      </a:rPr>
+                      <m:t>→±1 .</m:t>
+                    </m:r>
+                  </m:oMath>
+                </a14:m>
+                <a:endParaRPr lang="en-US" dirty="0"/>
+              </a:p>
+              <a:p>
+                <a:r>
+                  <a:rPr lang="en-US" dirty="0"/>
+                  <a:t>In the implementation we have considered the inputs y </a:t>
+                </a:r>
+                <a14:m>
+                  <m:oMath xmlns:m="http://schemas.openxmlformats.org/officeDocument/2006/math">
+                    <m:r>
+                      <a:rPr lang="en-US" i="1" smtClean="0">
+                        <a:latin typeface="Cambria Math" panose="02040503050406030204" pitchFamily="18" charset="0"/>
+                        <a:ea typeface="Cambria Math" panose="02040503050406030204" pitchFamily="18" charset="0"/>
+                      </a:rPr>
+                      <m:t>∈</m:t>
+                    </m:r>
+                    <m:r>
+                      <a:rPr lang="en-US" b="0" i="1" smtClean="0">
+                        <a:latin typeface="Cambria Math" panose="02040503050406030204" pitchFamily="18" charset="0"/>
+                        <a:ea typeface="Cambria Math" panose="02040503050406030204" pitchFamily="18" charset="0"/>
+                      </a:rPr>
+                      <m:t>[−0.95, 0.95]</m:t>
+                    </m:r>
+                  </m:oMath>
+                </a14:m>
+                <a:r>
+                  <a:rPr lang="en-US" dirty="0"/>
+                  <a:t>.</a:t>
+                </a:r>
+              </a:p>
+              <a:p>
+                <a:r>
+                  <a:rPr lang="en-US" dirty="0"/>
+                  <a:t>Beyond this range, as </a:t>
+                </a:r>
+                <a14:m>
+                  <m:oMath xmlns:m="http://schemas.openxmlformats.org/officeDocument/2006/math">
+                    <m:r>
+                      <a:rPr lang="en-US" b="0" i="1" smtClean="0">
+                        <a:latin typeface="Cambria Math" panose="02040503050406030204" pitchFamily="18" charset="0"/>
+                      </a:rPr>
+                      <m:t>𝑇𝑎</m:t>
+                    </m:r>
+                    <m:sSup>
+                      <m:sSupPr>
+                        <m:ctrlPr>
+                          <a:rPr lang="en-US" b="0" i="1" smtClean="0">
+                            <a:latin typeface="Cambria Math" panose="02040503050406030204" pitchFamily="18" charset="0"/>
+                          </a:rPr>
+                        </m:ctrlPr>
+                      </m:sSupPr>
+                      <m:e>
+                        <m:r>
+                          <a:rPr lang="en-US" b="0" i="1" smtClean="0">
+                            <a:latin typeface="Cambria Math" panose="02040503050406030204" pitchFamily="18" charset="0"/>
+                          </a:rPr>
+                          <m:t>𝑛h</m:t>
+                        </m:r>
+                      </m:e>
+                      <m:sup>
+                        <m:r>
+                          <a:rPr lang="en-US" b="0" i="1" smtClean="0">
+                            <a:latin typeface="Cambria Math" panose="02040503050406030204" pitchFamily="18" charset="0"/>
+                          </a:rPr>
+                          <m:t>−1</m:t>
+                        </m:r>
+                      </m:sup>
+                    </m:sSup>
+                    <m:d>
+                      <m:dPr>
+                        <m:ctrlPr>
+                          <a:rPr lang="en-US" b="0" i="1" smtClean="0">
+                            <a:latin typeface="Cambria Math" panose="02040503050406030204" pitchFamily="18" charset="0"/>
+                          </a:rPr>
+                        </m:ctrlPr>
+                      </m:dPr>
+                      <m:e>
+                        <m:r>
+                          <a:rPr lang="en-US" b="0" i="1" smtClean="0">
+                            <a:latin typeface="Cambria Math" panose="02040503050406030204" pitchFamily="18" charset="0"/>
+                          </a:rPr>
+                          <m:t>𝑦</m:t>
+                        </m:r>
+                      </m:e>
+                    </m:d>
+                  </m:oMath>
+                </a14:m>
+                <a:r>
+                  <a:rPr lang="en-US" dirty="0"/>
+                  <a:t> grows towards </a:t>
+                </a:r>
+                <a14:m>
+                  <m:oMath xmlns:m="http://schemas.openxmlformats.org/officeDocument/2006/math">
+                    <m:r>
+                      <a:rPr lang="en-US" b="0" i="1" smtClean="0">
+                        <a:latin typeface="Cambria Math" panose="02040503050406030204" pitchFamily="18" charset="0"/>
+                      </a:rPr>
+                      <m:t>±</m:t>
+                    </m:r>
+                    <m:r>
+                      <a:rPr lang="en-US" b="0" i="1" smtClean="0">
+                        <a:latin typeface="Cambria Math" panose="02040503050406030204" pitchFamily="18" charset="0"/>
+                        <a:ea typeface="Cambria Math" panose="02040503050406030204" pitchFamily="18" charset="0"/>
+                      </a:rPr>
+                      <m:t>∞</m:t>
+                    </m:r>
+                  </m:oMath>
+                </a14:m>
+                <a:r>
+                  <a:rPr lang="en-US" dirty="0"/>
+                  <a:t>. Hence it is difficult to capture the result accurately due to fixed point representation and fixed number of iterations(10-12) in Cordic algorithm.</a:t>
+                </a:r>
+              </a:p>
+              <a:p>
+                <a:endParaRPr lang="en-US" dirty="0"/>
+              </a:p>
+              <a:p>
+                <a:endParaRPr lang="en-US" dirty="0"/>
+              </a:p>
+            </p:txBody>
+          </p:sp>
+        </mc:Choice>
+        <mc:Fallback xmlns="">
+          <p:sp>
+            <p:nvSpPr>
+              <p:cNvPr id="3" name="Content Placeholder 2">
+                <a:extLst>
+                  <a:ext uri="{FF2B5EF4-FFF2-40B4-BE49-F238E27FC236}">
+                    <a16:creationId xmlns:a16="http://schemas.microsoft.com/office/drawing/2014/main" id="{9634C85E-F6D3-2417-8A66-7A48C906201A}"/>
+                  </a:ext>
+                </a:extLst>
+              </p:cNvPr>
+              <p:cNvSpPr>
+                <a:spLocks noGrp="1" noRot="1" noChangeAspect="1" noMove="1" noResize="1" noEditPoints="1" noAdjustHandles="1" noChangeArrowheads="1" noChangeShapeType="1" noTextEdit="1"/>
+              </p:cNvSpPr>
+              <p:nvPr>
+                <p:ph idx="1"/>
+              </p:nvPr>
+            </p:nvSpPr>
+            <p:spPr>
+              <a:xfrm>
+                <a:off x="1261872" y="2003898"/>
+                <a:ext cx="8595360" cy="4351337"/>
+              </a:xfrm>
+              <a:blipFill>
+                <a:blip r:embed="rId3"/>
+                <a:stretch>
+                  <a:fillRect l="-142" t="-1261"/>
+                </a:stretch>
+              </a:blipFill>
+            </p:spPr>
+            <p:txBody>
+              <a:bodyPr/>
+              <a:lstStyle/>
+              <a:p>
+                <a:r>
+                  <a:rPr lang="en-US">
+                    <a:noFill/>
+                  </a:rPr>
+                  <a:t> </a:t>
+                </a:r>
+              </a:p>
+            </p:txBody>
+          </p:sp>
+        </mc:Fallback>
+      </mc:AlternateContent>
+    </p:spTree>
+    <p:extLst>
+      <p:ext uri="{BB962C8B-B14F-4D97-AF65-F5344CB8AC3E}">
+        <p14:creationId xmlns:p14="http://schemas.microsoft.com/office/powerpoint/2010/main" val="3076387977"/>
+      </p:ext>
+    </p:extLst>
+  </p:cSld>
+  <p:clrMapOvr>
+    <a:masterClrMapping/>
+  </p:clrMapOvr>
+</p:sld>
+</file>
+
+<file path=ppt/slides/slide17.xml><?xml version="1.0" encoding="utf-8"?>
+<p:sld xmlns:a="http://schemas.openxmlformats.org/drawingml/2006/main" xmlns:r="http://schemas.openxmlformats.org/officeDocument/2006/relationships" xmlns:p="http://schemas.openxmlformats.org/presentationml/2006/main">
+  <p:cSld>
+    <p:spTree>
+      <p:nvGrpSpPr>
+        <p:cNvPr id="1" name=""/>
+        <p:cNvGrpSpPr/>
+        <p:nvPr/>
+      </p:nvGrpSpPr>
+      <p:grpSpPr>
+        <a:xfrm>
+          <a:off x="0" y="0"/>
+          <a:ext cx="0" cy="0"/>
+          <a:chOff x="0" y="0"/>
+          <a:chExt cx="0" cy="0"/>
+        </a:xfrm>
+      </p:grpSpPr>
+      <mc:AlternateContent xmlns:mc="http://schemas.openxmlformats.org/markup-compatibility/2006" xmlns:a14="http://schemas.microsoft.com/office/drawing/2010/main">
+        <mc:Choice Requires="a14">
+          <p:sp>
+            <p:nvSpPr>
+              <p:cNvPr id="2" name="Title 1">
+                <a:extLst>
+                  <a:ext uri="{FF2B5EF4-FFF2-40B4-BE49-F238E27FC236}">
+                    <a16:creationId xmlns:a16="http://schemas.microsoft.com/office/drawing/2014/main" id="{14C7C36D-E760-3784-4E95-76B41644FEF5}"/>
+                  </a:ext>
+                </a:extLst>
+              </p:cNvPr>
+              <p:cNvSpPr>
+                <a:spLocks noGrp="1"/>
+              </p:cNvSpPr>
+              <p:nvPr>
+                <p:ph type="title"/>
+              </p:nvPr>
+            </p:nvSpPr>
+            <p:spPr/>
+            <p:txBody>
+              <a:bodyPr/>
+              <a:lstStyle/>
+              <a:p>
+                <a14:m>
+                  <m:oMath xmlns:m="http://schemas.openxmlformats.org/officeDocument/2006/math">
+                    <m:r>
+                      <a:rPr lang="en-US" b="0" i="1" smtClean="0">
+                        <a:latin typeface="Cambria Math" panose="02040503050406030204" pitchFamily="18" charset="0"/>
+                      </a:rPr>
+                      <m:t>𝑇𝑎</m:t>
+                    </m:r>
+                    <m:sSup>
+                      <m:sSupPr>
+                        <m:ctrlPr>
+                          <a:rPr lang="en-US" b="0" i="1" smtClean="0">
+                            <a:latin typeface="Cambria Math" panose="02040503050406030204" pitchFamily="18" charset="0"/>
+                          </a:rPr>
+                        </m:ctrlPr>
+                      </m:sSupPr>
+                      <m:e>
+                        <m:r>
+                          <a:rPr lang="en-US" b="0" i="1" smtClean="0">
+                            <a:latin typeface="Cambria Math" panose="02040503050406030204" pitchFamily="18" charset="0"/>
+                          </a:rPr>
+                          <m:t>𝑛h</m:t>
+                        </m:r>
+                      </m:e>
+                      <m:sup>
+                        <m:r>
+                          <a:rPr lang="en-US" b="0" i="1" smtClean="0">
+                            <a:latin typeface="Cambria Math" panose="02040503050406030204" pitchFamily="18" charset="0"/>
+                          </a:rPr>
+                          <m:t>−1</m:t>
+                        </m:r>
+                      </m:sup>
+                    </m:sSup>
+                    <m:r>
+                      <a:rPr lang="en-US" b="0" i="1" smtClean="0">
+                        <a:latin typeface="Cambria Math" panose="02040503050406030204" pitchFamily="18" charset="0"/>
+                      </a:rPr>
+                      <m:t>(</m:t>
+                    </m:r>
+                    <m:r>
+                      <a:rPr lang="en-US" b="0" i="1" smtClean="0">
+                        <a:latin typeface="Cambria Math" panose="02040503050406030204" pitchFamily="18" charset="0"/>
+                      </a:rPr>
+                      <m:t>𝑦</m:t>
+                    </m:r>
+                    <m:r>
+                      <a:rPr lang="en-US" b="0" i="1" smtClean="0">
+                        <a:latin typeface="Cambria Math" panose="02040503050406030204" pitchFamily="18" charset="0"/>
+                      </a:rPr>
+                      <m:t>)</m:t>
+                    </m:r>
+                  </m:oMath>
+                </a14:m>
+                <a:r>
+                  <a:rPr lang="en-US" dirty="0"/>
+                  <a:t> simulation waveform</a:t>
+                </a:r>
+              </a:p>
+            </p:txBody>
+          </p:sp>
+        </mc:Choice>
+        <mc:Fallback xmlns="">
+          <p:sp>
+            <p:nvSpPr>
+              <p:cNvPr id="2" name="Title 1">
+                <a:extLst>
+                  <a:ext uri="{FF2B5EF4-FFF2-40B4-BE49-F238E27FC236}">
+                    <a16:creationId xmlns:a16="http://schemas.microsoft.com/office/drawing/2014/main" id="{14C7C36D-E760-3784-4E95-76B41644FEF5}"/>
+                  </a:ext>
+                </a:extLst>
+              </p:cNvPr>
+              <p:cNvSpPr>
+                <a:spLocks noGrp="1" noRot="1" noChangeAspect="1" noMove="1" noResize="1" noEditPoints="1" noAdjustHandles="1" noChangeArrowheads="1" noChangeShapeType="1" noTextEdit="1"/>
+              </p:cNvSpPr>
+              <p:nvPr>
+                <p:ph type="title"/>
+              </p:nvPr>
+            </p:nvSpPr>
+            <p:spPr>
+              <a:blipFill>
+                <a:blip r:embed="rId2"/>
+                <a:stretch>
+                  <a:fillRect b="-22120"/>
+                </a:stretch>
+              </a:blipFill>
+            </p:spPr>
+            <p:txBody>
+              <a:bodyPr/>
+              <a:lstStyle/>
+              <a:p>
+                <a:r>
+                  <a:rPr lang="en-US">
+                    <a:noFill/>
+                  </a:rPr>
+                  <a:t> </a:t>
+                </a:r>
+              </a:p>
+            </p:txBody>
+          </p:sp>
+        </mc:Fallback>
+      </mc:AlternateContent>
+      <p:sp>
+        <p:nvSpPr>
+          <p:cNvPr id="9" name="TextBox 8">
+            <a:extLst>
+              <a:ext uri="{FF2B5EF4-FFF2-40B4-BE49-F238E27FC236}">
+                <a16:creationId xmlns:a16="http://schemas.microsoft.com/office/drawing/2014/main" id="{D3E59879-E395-8BE9-3ECA-367FD3767218}"/>
+              </a:ext>
+            </a:extLst>
+          </p:cNvPr>
+          <p:cNvSpPr txBox="1"/>
+          <p:nvPr/>
+        </p:nvSpPr>
+        <p:spPr>
+          <a:xfrm>
+            <a:off x="1001752" y="1848578"/>
+            <a:ext cx="2052536" cy="369332"/>
+          </a:xfrm>
+          <a:prstGeom prst="rect">
+            <a:avLst/>
+          </a:prstGeom>
+          <a:noFill/>
+        </p:spPr>
+        <p:txBody>
+          <a:bodyPr wrap="square" rtlCol="0">
+            <a:spAutoFit/>
+          </a:bodyPr>
+          <a:lstStyle/>
+          <a:p>
+            <a:r>
+              <a:rPr lang="en-US" dirty="0"/>
+              <a:t>Expected:</a:t>
+            </a:r>
+          </a:p>
+        </p:txBody>
+      </p:sp>
+      <p:sp>
+        <p:nvSpPr>
+          <p:cNvPr id="10" name="TextBox 9">
+            <a:extLst>
+              <a:ext uri="{FF2B5EF4-FFF2-40B4-BE49-F238E27FC236}">
+                <a16:creationId xmlns:a16="http://schemas.microsoft.com/office/drawing/2014/main" id="{5691C2CE-4EAF-2ECF-4EAF-571D43832ED5}"/>
+              </a:ext>
+            </a:extLst>
+          </p:cNvPr>
+          <p:cNvSpPr txBox="1"/>
+          <p:nvPr/>
+        </p:nvSpPr>
+        <p:spPr>
+          <a:xfrm>
+            <a:off x="1001752" y="4110777"/>
+            <a:ext cx="3122776" cy="369332"/>
+          </a:xfrm>
+          <a:prstGeom prst="rect">
+            <a:avLst/>
+          </a:prstGeom>
+          <a:noFill/>
+        </p:spPr>
+        <p:txBody>
+          <a:bodyPr wrap="square" rtlCol="0">
+            <a:spAutoFit/>
+          </a:bodyPr>
+          <a:lstStyle/>
+          <a:p>
+            <a:r>
+              <a:rPr lang="en-US" dirty="0"/>
+              <a:t>Simulation Result:</a:t>
+            </a:r>
+          </a:p>
+        </p:txBody>
+      </p:sp>
+      <p:grpSp>
+        <p:nvGrpSpPr>
+          <p:cNvPr id="19" name="Group 18">
+            <a:extLst>
+              <a:ext uri="{FF2B5EF4-FFF2-40B4-BE49-F238E27FC236}">
+                <a16:creationId xmlns:a16="http://schemas.microsoft.com/office/drawing/2014/main" id="{3D489933-8E7C-CB38-2308-D0573DAFA49D}"/>
+              </a:ext>
+            </a:extLst>
+          </p:cNvPr>
+          <p:cNvGrpSpPr/>
+          <p:nvPr/>
+        </p:nvGrpSpPr>
+        <p:grpSpPr>
+          <a:xfrm>
+            <a:off x="3054288" y="1980668"/>
+            <a:ext cx="6786214" cy="2314775"/>
+            <a:chOff x="797556" y="2649247"/>
+            <a:chExt cx="5486512" cy="3101003"/>
+          </a:xfrm>
+        </p:grpSpPr>
+        <p:pic>
+          <p:nvPicPr>
+            <p:cNvPr id="4" name="Picture 3">
+              <a:extLst>
+                <a:ext uri="{FF2B5EF4-FFF2-40B4-BE49-F238E27FC236}">
+                  <a16:creationId xmlns:a16="http://schemas.microsoft.com/office/drawing/2014/main" id="{9632B70E-8466-E59A-AC7B-DD0698343A4A}"/>
+                </a:ext>
+              </a:extLst>
+            </p:cNvPr>
+            <p:cNvPicPr>
+              <a:picLocks noChangeAspect="1"/>
+            </p:cNvPicPr>
+            <p:nvPr/>
+          </p:nvPicPr>
+          <p:blipFill>
+            <a:blip r:embed="rId3"/>
+            <a:stretch>
+              <a:fillRect/>
+            </a:stretch>
+          </p:blipFill>
+          <p:spPr>
+            <a:xfrm>
+              <a:off x="797556" y="2649247"/>
+              <a:ext cx="4696746" cy="3101003"/>
+            </a:xfrm>
+            <a:prstGeom prst="rect">
+              <a:avLst/>
+            </a:prstGeom>
+          </p:spPr>
+        </p:pic>
+        <p:pic>
+          <p:nvPicPr>
+            <p:cNvPr id="6" name="Picture 5">
+              <a:extLst>
+                <a:ext uri="{FF2B5EF4-FFF2-40B4-BE49-F238E27FC236}">
+                  <a16:creationId xmlns:a16="http://schemas.microsoft.com/office/drawing/2014/main" id="{9B5E5C73-7B81-F979-DEFF-8C7AFF85137A}"/>
+                </a:ext>
+              </a:extLst>
+            </p:cNvPr>
+            <p:cNvPicPr>
+              <a:picLocks noChangeAspect="1"/>
+            </p:cNvPicPr>
+            <p:nvPr/>
+          </p:nvPicPr>
+          <p:blipFill>
+            <a:blip r:embed="rId4"/>
+            <a:stretch>
+              <a:fillRect/>
+            </a:stretch>
+          </p:blipFill>
+          <p:spPr>
+            <a:xfrm>
+              <a:off x="4085991" y="3104056"/>
+              <a:ext cx="2198077" cy="2068778"/>
+            </a:xfrm>
+            <a:prstGeom prst="rect">
+              <a:avLst/>
+            </a:prstGeom>
+            <a:ln>
+              <a:solidFill>
+                <a:schemeClr val="tx1"/>
+              </a:solidFill>
+            </a:ln>
+          </p:spPr>
+        </p:pic>
+        <p:sp>
+          <p:nvSpPr>
+            <p:cNvPr id="8" name="Rectangle 7">
+              <a:extLst>
+                <a:ext uri="{FF2B5EF4-FFF2-40B4-BE49-F238E27FC236}">
+                  <a16:creationId xmlns:a16="http://schemas.microsoft.com/office/drawing/2014/main" id="{03E51FDC-2AAF-B822-AAC3-A8010444D810}"/>
+                </a:ext>
+              </a:extLst>
+            </p:cNvPr>
+            <p:cNvSpPr/>
+            <p:nvPr/>
+          </p:nvSpPr>
+          <p:spPr>
+            <a:xfrm>
+              <a:off x="2801566" y="3881336"/>
+              <a:ext cx="671208" cy="671209"/>
+            </a:xfrm>
+            <a:prstGeom prst="rect">
+              <a:avLst/>
+            </a:prstGeom>
+            <a:noFill/>
+            <a:ln>
+              <a:solidFill>
+                <a:schemeClr val="tx1"/>
+              </a:solidFill>
+            </a:ln>
+          </p:spPr>
+          <p:style>
+            <a:lnRef idx="2">
+              <a:schemeClr val="accent1">
+                <a:shade val="15000"/>
+              </a:schemeClr>
+            </a:lnRef>
+            <a:fillRef idx="1">
+              <a:schemeClr val="accent1"/>
+            </a:fillRef>
+            <a:effectRef idx="0">
+              <a:schemeClr val="accent1"/>
+            </a:effectRef>
+            <a:fontRef idx="minor">
+              <a:schemeClr val="lt1"/>
+            </a:fontRef>
+          </p:style>
+          <p:txBody>
+            <a:bodyPr rtlCol="0" anchor="ctr"/>
+            <a:lstStyle/>
+            <a:p>
+              <a:pPr algn="ctr"/>
+              <a:endParaRPr lang="en-US"/>
+            </a:p>
+          </p:txBody>
+        </p:sp>
+        <p:cxnSp>
+          <p:nvCxnSpPr>
+            <p:cNvPr id="12" name="Straight Connector 11">
+              <a:extLst>
+                <a:ext uri="{FF2B5EF4-FFF2-40B4-BE49-F238E27FC236}">
+                  <a16:creationId xmlns:a16="http://schemas.microsoft.com/office/drawing/2014/main" id="{5250C7D0-5C7C-3694-FB4C-FB11B3C8FA9E}"/>
+                </a:ext>
+              </a:extLst>
+            </p:cNvPr>
+            <p:cNvCxnSpPr/>
+            <p:nvPr/>
+          </p:nvCxnSpPr>
+          <p:spPr>
+            <a:xfrm flipV="1">
+              <a:off x="3472774" y="3104056"/>
+              <a:ext cx="613217" cy="777280"/>
+            </a:xfrm>
+            <a:prstGeom prst="line">
+              <a:avLst/>
+            </a:prstGeom>
+          </p:spPr>
+          <p:style>
+            <a:lnRef idx="1">
+              <a:schemeClr val="dk1"/>
+            </a:lnRef>
+            <a:fillRef idx="0">
+              <a:schemeClr val="dk1"/>
+            </a:fillRef>
+            <a:effectRef idx="0">
+              <a:schemeClr val="dk1"/>
+            </a:effectRef>
+            <a:fontRef idx="minor">
+              <a:schemeClr val="tx1"/>
+            </a:fontRef>
+          </p:style>
+        </p:cxnSp>
+        <p:cxnSp>
+          <p:nvCxnSpPr>
+            <p:cNvPr id="15" name="Straight Connector 14">
+              <a:extLst>
+                <a:ext uri="{FF2B5EF4-FFF2-40B4-BE49-F238E27FC236}">
+                  <a16:creationId xmlns:a16="http://schemas.microsoft.com/office/drawing/2014/main" id="{8D8D217E-ED76-975C-B03F-094530A7A95A}"/>
+                </a:ext>
+              </a:extLst>
+            </p:cNvPr>
+            <p:cNvCxnSpPr/>
+            <p:nvPr/>
+          </p:nvCxnSpPr>
+          <p:spPr>
+            <a:xfrm>
+              <a:off x="3472774" y="4552545"/>
+              <a:ext cx="613217" cy="620289"/>
+            </a:xfrm>
+            <a:prstGeom prst="line">
+              <a:avLst/>
+            </a:prstGeom>
+          </p:spPr>
+          <p:style>
+            <a:lnRef idx="1">
+              <a:schemeClr val="dk1"/>
+            </a:lnRef>
+            <a:fillRef idx="0">
+              <a:schemeClr val="dk1"/>
+            </a:fillRef>
+            <a:effectRef idx="0">
+              <a:schemeClr val="dk1"/>
+            </a:effectRef>
+            <a:fontRef idx="minor">
+              <a:schemeClr val="tx1"/>
+            </a:fontRef>
+          </p:style>
+        </p:cxnSp>
+      </p:grpSp>
+      <p:pic>
+        <p:nvPicPr>
+          <p:cNvPr id="21" name="Picture 20" descr="A green line on a black background&#10;&#10;Description automatically generated">
+            <a:extLst>
+              <a:ext uri="{FF2B5EF4-FFF2-40B4-BE49-F238E27FC236}">
+                <a16:creationId xmlns:a16="http://schemas.microsoft.com/office/drawing/2014/main" id="{570F5C58-1670-DAF0-6032-9B73B2438DE4}"/>
+              </a:ext>
+            </a:extLst>
+          </p:cNvPr>
+          <p:cNvPicPr>
+            <a:picLocks noChangeAspect="1"/>
+          </p:cNvPicPr>
+          <p:nvPr/>
+        </p:nvPicPr>
+        <p:blipFill>
+          <a:blip r:embed="rId5">
+            <a:extLst>
+              <a:ext uri="{28A0092B-C50C-407E-A947-70E740481C1C}">
+                <a14:useLocalDpi xmlns:a14="http://schemas.microsoft.com/office/drawing/2010/main" val="0"/>
+              </a:ext>
+            </a:extLst>
+          </a:blip>
+          <a:stretch>
+            <a:fillRect/>
+          </a:stretch>
+        </p:blipFill>
+        <p:spPr>
+          <a:xfrm>
+            <a:off x="1927067" y="4584789"/>
+            <a:ext cx="7445388" cy="1994740"/>
+          </a:xfrm>
+          <a:prstGeom prst="rect">
+            <a:avLst/>
+          </a:prstGeom>
+        </p:spPr>
+      </p:pic>
+    </p:spTree>
+    <p:extLst>
+      <p:ext uri="{BB962C8B-B14F-4D97-AF65-F5344CB8AC3E}">
+        <p14:creationId xmlns:p14="http://schemas.microsoft.com/office/powerpoint/2010/main" val="29838755"/>
+      </p:ext>
+    </p:extLst>
+  </p:cSld>
+  <p:clrMapOvr>
+    <a:masterClrMapping/>
+  </p:clrMapOvr>
+</p:sld>
+</file>
+
+<file path=ppt/slides/slide18.xml><?xml version="1.0" encoding="utf-8"?>
+<p:sld xmlns:a="http://schemas.openxmlformats.org/drawingml/2006/main" xmlns:r="http://schemas.openxmlformats.org/officeDocument/2006/relationships" xmlns:p="http://schemas.openxmlformats.org/presentationml/2006/main">
+  <p:cSld>
+    <p:spTree>
+      <p:nvGrpSpPr>
+        <p:cNvPr id="1" name=""/>
+        <p:cNvGrpSpPr/>
+        <p:nvPr/>
+      </p:nvGrpSpPr>
+      <p:grpSpPr>
+        <a:xfrm>
+          <a:off x="0" y="0"/>
+          <a:ext cx="0" cy="0"/>
+          <a:chOff x="0" y="0"/>
+          <a:chExt cx="0" cy="0"/>
+        </a:xfrm>
+      </p:grpSpPr>
+      <mc:AlternateContent xmlns:mc="http://schemas.openxmlformats.org/markup-compatibility/2006" xmlns:a14="http://schemas.microsoft.com/office/drawing/2010/main">
+        <mc:Choice Requires="a14">
+          <p:sp>
+            <p:nvSpPr>
+              <p:cNvPr id="2" name="Title 1">
+                <a:extLst>
+                  <a:ext uri="{FF2B5EF4-FFF2-40B4-BE49-F238E27FC236}">
+                    <a16:creationId xmlns:a16="http://schemas.microsoft.com/office/drawing/2014/main" id="{BF360D97-CB5C-F68B-062F-7009B2E5EF2C}"/>
+                  </a:ext>
+                </a:extLst>
+              </p:cNvPr>
+              <p:cNvSpPr>
+                <a:spLocks noGrp="1"/>
+              </p:cNvSpPr>
+              <p:nvPr>
+                <p:ph type="title"/>
+              </p:nvPr>
+            </p:nvSpPr>
+            <p:spPr/>
+            <p:txBody>
+              <a:bodyPr/>
+              <a:lstStyle/>
+              <a:p>
+                <a:r>
+                  <a:rPr lang="en-US" dirty="0"/>
+                  <a:t>Timing results: </a:t>
+                </a:r>
+                <a14:m>
+                  <m:oMath xmlns:m="http://schemas.openxmlformats.org/officeDocument/2006/math">
+                    <m:r>
+                      <a:rPr lang="en-US" b="0" i="1" smtClean="0">
+                        <a:latin typeface="Cambria Math" panose="02040503050406030204" pitchFamily="18" charset="0"/>
+                      </a:rPr>
+                      <m:t>𝑇𝑎</m:t>
+                    </m:r>
+                    <m:sSup>
+                      <m:sSupPr>
+                        <m:ctrlPr>
+                          <a:rPr lang="en-US" b="0" i="1" smtClean="0">
+                            <a:latin typeface="Cambria Math" panose="02040503050406030204" pitchFamily="18" charset="0"/>
+                          </a:rPr>
+                        </m:ctrlPr>
+                      </m:sSupPr>
+                      <m:e>
+                        <m:r>
+                          <a:rPr lang="en-US" b="0" i="1" smtClean="0">
+                            <a:latin typeface="Cambria Math" panose="02040503050406030204" pitchFamily="18" charset="0"/>
+                          </a:rPr>
+                          <m:t>𝑛h</m:t>
+                        </m:r>
+                      </m:e>
+                      <m:sup>
+                        <m:r>
+                          <a:rPr lang="en-US" b="0" i="1" smtClean="0">
+                            <a:latin typeface="Cambria Math" panose="02040503050406030204" pitchFamily="18" charset="0"/>
+                          </a:rPr>
+                          <m:t>−1</m:t>
+                        </m:r>
+                      </m:sup>
+                    </m:sSup>
+                    <m:r>
+                      <a:rPr lang="en-US" b="0" i="1" smtClean="0">
+                        <a:latin typeface="Cambria Math" panose="02040503050406030204" pitchFamily="18" charset="0"/>
+                      </a:rPr>
+                      <m:t>(</m:t>
+                    </m:r>
+                    <m:r>
+                      <a:rPr lang="en-US" b="0" i="1" smtClean="0">
+                        <a:latin typeface="Cambria Math" panose="02040503050406030204" pitchFamily="18" charset="0"/>
+                      </a:rPr>
+                      <m:t>𝑦</m:t>
+                    </m:r>
+                    <m:r>
+                      <a:rPr lang="en-US" b="0" i="1" smtClean="0">
+                        <a:latin typeface="Cambria Math" panose="02040503050406030204" pitchFamily="18" charset="0"/>
+                      </a:rPr>
+                      <m:t>)</m:t>
+                    </m:r>
+                  </m:oMath>
+                </a14:m>
+                <a:r>
+                  <a:rPr lang="en-US" dirty="0"/>
+                  <a:t> function </a:t>
+                </a:r>
+              </a:p>
+            </p:txBody>
+          </p:sp>
+        </mc:Choice>
+        <mc:Fallback xmlns="">
+          <p:sp>
+            <p:nvSpPr>
+              <p:cNvPr id="2" name="Title 1">
+                <a:extLst>
+                  <a:ext uri="{FF2B5EF4-FFF2-40B4-BE49-F238E27FC236}">
+                    <a16:creationId xmlns:a16="http://schemas.microsoft.com/office/drawing/2014/main" id="{BF360D97-CB5C-F68B-062F-7009B2E5EF2C}"/>
+                  </a:ext>
+                </a:extLst>
+              </p:cNvPr>
+              <p:cNvSpPr>
+                <a:spLocks noGrp="1" noRot="1" noChangeAspect="1" noMove="1" noResize="1" noEditPoints="1" noAdjustHandles="1" noChangeArrowheads="1" noChangeShapeType="1" noTextEdit="1"/>
+              </p:cNvSpPr>
+              <p:nvPr>
+                <p:ph type="title"/>
+              </p:nvPr>
+            </p:nvSpPr>
+            <p:spPr>
+              <a:blipFill>
+                <a:blip r:embed="rId2"/>
+                <a:stretch>
+                  <a:fillRect l="-2516" b="-22120"/>
+                </a:stretch>
+              </a:blipFill>
+            </p:spPr>
+            <p:txBody>
+              <a:bodyPr/>
+              <a:lstStyle/>
+              <a:p>
+                <a:r>
+                  <a:rPr lang="en-US">
+                    <a:noFill/>
+                  </a:rPr>
+                  <a:t> </a:t>
+                </a:r>
+              </a:p>
+            </p:txBody>
+          </p:sp>
+        </mc:Fallback>
+      </mc:AlternateContent>
+      <p:sp>
+        <p:nvSpPr>
+          <p:cNvPr id="6" name="TextBox 5">
+            <a:extLst>
+              <a:ext uri="{FF2B5EF4-FFF2-40B4-BE49-F238E27FC236}">
+                <a16:creationId xmlns:a16="http://schemas.microsoft.com/office/drawing/2014/main" id="{E48145B3-CAC4-8137-76B9-322EFE7C7A88}"/>
+              </a:ext>
+            </a:extLst>
+          </p:cNvPr>
+          <p:cNvSpPr txBox="1"/>
+          <p:nvPr/>
+        </p:nvSpPr>
+        <p:spPr>
+          <a:xfrm>
+            <a:off x="992221" y="4776282"/>
+            <a:ext cx="9698477" cy="1200329"/>
+          </a:xfrm>
+          <a:prstGeom prst="rect">
+            <a:avLst/>
+          </a:prstGeom>
+          <a:noFill/>
+        </p:spPr>
+        <p:txBody>
+          <a:bodyPr wrap="square" rtlCol="0">
+            <a:spAutoFit/>
+          </a:bodyPr>
+          <a:lstStyle/>
+          <a:p>
+            <a:pPr marL="285750" indent="-285750">
+              <a:buFont typeface="Arial" panose="020B0604020202020204" pitchFamily="34" charset="0"/>
+              <a:buChar char="•"/>
+            </a:pPr>
+            <a:r>
+              <a:rPr lang="en-US" sz="2400" dirty="0"/>
+              <a:t>The algorithm is run with 30ns clock period.</a:t>
+            </a:r>
+          </a:p>
+          <a:p>
+            <a:pPr marL="285750" indent="-285750">
+              <a:buFont typeface="Arial" panose="020B0604020202020204" pitchFamily="34" charset="0"/>
+              <a:buChar char="•"/>
+            </a:pPr>
+            <a:r>
+              <a:rPr lang="en-US" sz="2400" dirty="0"/>
+              <a:t>The max operating frequency = 1/(30ns – 1.17ns) </a:t>
+            </a:r>
+          </a:p>
+          <a:p>
+            <a:pPr lvl="8"/>
+            <a:r>
+              <a:rPr lang="en-US" sz="2400" dirty="0"/>
+              <a:t>	    = 34.68 MHz</a:t>
+            </a:r>
+          </a:p>
+        </p:txBody>
+      </p:sp>
+      <p:pic>
+        <p:nvPicPr>
+          <p:cNvPr id="4" name="Picture 3" descr="A screenshot of a computer&#10;&#10;Description automatically generated">
+            <a:extLst>
+              <a:ext uri="{FF2B5EF4-FFF2-40B4-BE49-F238E27FC236}">
+                <a16:creationId xmlns:a16="http://schemas.microsoft.com/office/drawing/2014/main" id="{5B5958D4-8E27-AA3B-D646-5D0643E68622}"/>
+              </a:ext>
+            </a:extLst>
+          </p:cNvPr>
+          <p:cNvPicPr>
+            <a:picLocks noChangeAspect="1"/>
+          </p:cNvPicPr>
+          <p:nvPr/>
+        </p:nvPicPr>
+        <p:blipFill>
+          <a:blip r:embed="rId3">
+            <a:extLst>
+              <a:ext uri="{28A0092B-C50C-407E-A947-70E740481C1C}">
+                <a14:useLocalDpi xmlns:a14="http://schemas.microsoft.com/office/drawing/2010/main" val="0"/>
+              </a:ext>
+            </a:extLst>
+          </a:blip>
+          <a:stretch>
+            <a:fillRect/>
+          </a:stretch>
+        </p:blipFill>
+        <p:spPr>
+          <a:xfrm>
+            <a:off x="1761374" y="2081718"/>
+            <a:ext cx="8160169" cy="2025754"/>
+          </a:xfrm>
+          <a:prstGeom prst="rect">
+            <a:avLst/>
+          </a:prstGeom>
+        </p:spPr>
+      </p:pic>
+    </p:spTree>
+    <p:extLst>
+      <p:ext uri="{BB962C8B-B14F-4D97-AF65-F5344CB8AC3E}">
+        <p14:creationId xmlns:p14="http://schemas.microsoft.com/office/powerpoint/2010/main" val="49838901"/>
+      </p:ext>
+    </p:extLst>
+  </p:cSld>
+  <p:clrMapOvr>
+    <a:masterClrMapping/>
+  </p:clrMapOvr>
+</p:sld>
+</file>
+
+<file path=ppt/slides/slide19.xml><?xml version="1.0" encoding="utf-8"?>
+<p:sld xmlns:a="http://schemas.openxmlformats.org/drawingml/2006/main" xmlns:r="http://schemas.openxmlformats.org/officeDocument/2006/relationships" xmlns:p="http://schemas.openxmlformats.org/presentationml/2006/main">
+  <p:cSld>
+    <p:spTree>
+      <p:nvGrpSpPr>
+        <p:cNvPr id="1" name=""/>
+        <p:cNvGrpSpPr/>
+        <p:nvPr/>
+      </p:nvGrpSpPr>
+      <p:grpSpPr>
+        <a:xfrm>
+          <a:off x="0" y="0"/>
+          <a:ext cx="0" cy="0"/>
+          <a:chOff x="0" y="0"/>
+          <a:chExt cx="0" cy="0"/>
+        </a:xfrm>
+      </p:grpSpPr>
+      <mc:AlternateContent xmlns:mc="http://schemas.openxmlformats.org/markup-compatibility/2006" xmlns:a14="http://schemas.microsoft.com/office/drawing/2010/main">
+        <mc:Choice Requires="a14">
           <p:sp>
             <p:nvSpPr>
               <p:cNvPr id="2" name="Title 1">
@@ -6117,7 +8275,7 @@
             </p:txBody>
           </p:sp>
         </mc:Choice>
-        <mc:Fallback>
+        <mc:Fallback xmlns="">
           <p:sp>
             <p:nvSpPr>
               <p:cNvPr id="2" name="Title 1">
@@ -6157,8 +8315,8 @@
           </p:sp>
         </mc:Fallback>
       </mc:AlternateContent>
-      <mc:AlternateContent xmlns:mc="http://schemas.openxmlformats.org/markup-compatibility/2006">
-        <mc:Choice xmlns:a14="http://schemas.microsoft.com/office/drawing/2010/main" Requires="a14">
+      <mc:AlternateContent xmlns:mc="http://schemas.openxmlformats.org/markup-compatibility/2006" xmlns:a14="http://schemas.microsoft.com/office/drawing/2010/main">
+        <mc:Choice Requires="a14">
           <p:sp>
             <p:nvSpPr>
               <p:cNvPr id="3" name="Content Placeholder 2">
@@ -6342,7 +8500,7 @@
             </p:txBody>
           </p:sp>
         </mc:Choice>
-        <mc:Fallback>
+        <mc:Fallback xmlns="">
           <p:sp>
             <p:nvSpPr>
               <p:cNvPr id="3" name="Content Placeholder 2">
@@ -6825,8 +8983,8 @@
             </a:p>
           </p:txBody>
         </p:sp>
-        <mc:AlternateContent xmlns:mc="http://schemas.openxmlformats.org/markup-compatibility/2006">
-          <mc:Choice xmlns:a14="http://schemas.microsoft.com/office/drawing/2010/main" Requires="a14">
+        <mc:AlternateContent xmlns:mc="http://schemas.openxmlformats.org/markup-compatibility/2006" xmlns:a14="http://schemas.microsoft.com/office/drawing/2010/main">
+          <mc:Choice Requires="a14">
             <p:sp>
               <p:nvSpPr>
                 <p:cNvPr id="21" name="TextBox 20">
@@ -6855,6 +9013,7 @@
                 </a:bodyPr>
                 <a:lstStyle/>
                 <a:p>
+                  <a:pPr/>
                   <a14:m>
                     <m:oMathPara xmlns:m="http://schemas.openxmlformats.org/officeDocument/2006/math">
                       <m:oMathParaPr>
@@ -6947,7 +9106,7 @@
               </p:txBody>
             </p:sp>
           </mc:Choice>
-          <mc:Fallback>
+          <mc:Fallback xmlns="">
             <p:sp>
               <p:nvSpPr>
                 <p:cNvPr id="21" name="TextBox 20">
@@ -7006,7 +9165,7 @@
 </p:sld>
 </file>
 
-<file path=ppt/slides/slide16.xml><?xml version="1.0" encoding="utf-8"?>
+<file path=ppt/slides/slide2.xml><?xml version="1.0" encoding="utf-8"?>
 <p:sld xmlns:a="http://schemas.openxmlformats.org/drawingml/2006/main" xmlns:r="http://schemas.openxmlformats.org/officeDocument/2006/relationships" xmlns:p="http://schemas.openxmlformats.org/presentationml/2006/main">
   <p:cSld>
     <p:spTree>
@@ -7023,8 +9182,194 @@
           <a:chExt cx="0" cy="0"/>
         </a:xfrm>
       </p:grpSpPr>
-      <mc:AlternateContent xmlns:mc="http://schemas.openxmlformats.org/markup-compatibility/2006">
-        <mc:Choice xmlns:a14="http://schemas.microsoft.com/office/drawing/2010/main" Requires="a14">
+      <p:sp>
+        <p:nvSpPr>
+          <p:cNvPr id="3" name="Content Placeholder 2">
+            <a:extLst>
+              <a:ext uri="{FF2B5EF4-FFF2-40B4-BE49-F238E27FC236}">
+                <a16:creationId xmlns:a16="http://schemas.microsoft.com/office/drawing/2014/main" id="{7E3CE765-AFED-2883-5E12-8C2A0E398D40}"/>
+              </a:ext>
+            </a:extLst>
+          </p:cNvPr>
+          <p:cNvSpPr>
+            <a:spLocks noGrp="1"/>
+          </p:cNvSpPr>
+          <p:nvPr>
+            <p:ph idx="1"/>
+          </p:nvPr>
+        </p:nvSpPr>
+        <p:spPr>
+          <a:xfrm>
+            <a:off x="283029" y="141514"/>
+            <a:ext cx="11070771" cy="6035449"/>
+          </a:xfrm>
+        </p:spPr>
+        <p:txBody>
+          <a:bodyPr/>
+          <a:lstStyle/>
+          <a:p>
+            <a:r>
+              <a:rPr lang="en-IN" sz="2400" dirty="0">
+                <a:solidFill>
+                  <a:srgbClr val="7030A0"/>
+                </a:solidFill>
+              </a:rPr>
+              <a:t>Aim: </a:t>
+            </a:r>
+          </a:p>
+          <a:p>
+            <a:pPr marL="914400" lvl="1" indent="-457200">
+              <a:buFont typeface="+mj-lt"/>
+              <a:buAutoNum type="arabicPeriod"/>
+            </a:pPr>
+            <a:r>
+              <a:rPr lang="en-IN" sz="2400" dirty="0"/>
+              <a:t> To  generate trigonometric functions using CORDIC .</a:t>
+            </a:r>
+          </a:p>
+          <a:p>
+            <a:pPr marL="971550" lvl="1" indent="-514350">
+              <a:buFont typeface="+mj-lt"/>
+              <a:buAutoNum type="arabicPeriod"/>
+            </a:pPr>
+            <a:r>
+              <a:rPr lang="en-IN" sz="2400" dirty="0"/>
+              <a:t>Main focus is on hardware friendly implementation to get results with decent accuracy (Trade off between hardware resources and accuracy).</a:t>
+            </a:r>
+          </a:p>
+          <a:p>
+            <a:pPr marL="457200" lvl="1" indent="0">
+              <a:buNone/>
+            </a:pPr>
+            <a:endParaRPr lang="en-IN" dirty="0"/>
+          </a:p>
+          <a:p>
+            <a:r>
+              <a:rPr lang="en-IN" sz="2400" dirty="0">
+                <a:solidFill>
+                  <a:srgbClr val="7030A0"/>
+                </a:solidFill>
+              </a:rPr>
+              <a:t>Trigonometric  Functions Implemented Using CORDIC</a:t>
+            </a:r>
+          </a:p>
+          <a:p>
+            <a:pPr marL="971550" lvl="1" indent="-514350">
+              <a:buFont typeface="+mj-lt"/>
+              <a:buAutoNum type="arabicPeriod"/>
+            </a:pPr>
+            <a:r>
+              <a:rPr lang="en-IN" sz="2400" dirty="0"/>
+              <a:t>Sin </a:t>
+            </a:r>
+          </a:p>
+          <a:p>
+            <a:pPr marL="971550" lvl="1" indent="-514350">
+              <a:buFont typeface="+mj-lt"/>
+              <a:buAutoNum type="arabicPeriod"/>
+            </a:pPr>
+            <a:r>
+              <a:rPr lang="en-IN" sz="2400" dirty="0"/>
+              <a:t>Cos</a:t>
+            </a:r>
+          </a:p>
+          <a:p>
+            <a:pPr marL="971550" lvl="1" indent="-514350">
+              <a:buFont typeface="+mj-lt"/>
+              <a:buAutoNum type="arabicPeriod"/>
+            </a:pPr>
+            <a:r>
+              <a:rPr lang="en-IN" sz="2400" dirty="0"/>
+              <a:t>Tan</a:t>
+            </a:r>
+          </a:p>
+          <a:p>
+            <a:pPr marL="971550" lvl="1" indent="-514350">
+              <a:buFont typeface="+mj-lt"/>
+              <a:buAutoNum type="arabicPeriod"/>
+            </a:pPr>
+            <a:r>
+              <a:rPr lang="en-IN" sz="2400" dirty="0"/>
+              <a:t>Tan Inverse</a:t>
+            </a:r>
+          </a:p>
+          <a:p>
+            <a:pPr marL="971550" lvl="1" indent="-514350">
+              <a:buFont typeface="+mj-lt"/>
+              <a:buAutoNum type="arabicPeriod"/>
+            </a:pPr>
+            <a:r>
+              <a:rPr lang="en-IN" sz="2400" dirty="0"/>
+              <a:t>Tan </a:t>
+            </a:r>
+            <a:r>
+              <a:rPr lang="en-IN" sz="2400" dirty="0" err="1"/>
+              <a:t>Hyberbolic</a:t>
+            </a:r>
+            <a:r>
+              <a:rPr lang="en-IN" sz="2400" dirty="0"/>
+              <a:t> (Sin Hyperbolic and Cos Hyperbolic are implicitly used here)</a:t>
+            </a:r>
+          </a:p>
+          <a:p>
+            <a:pPr marL="971550" lvl="1" indent="-514350">
+              <a:buFont typeface="+mj-lt"/>
+              <a:buAutoNum type="arabicPeriod"/>
+            </a:pPr>
+            <a:r>
+              <a:rPr lang="en-IN" sz="2400" dirty="0"/>
+              <a:t>Tan </a:t>
+            </a:r>
+            <a:r>
+              <a:rPr lang="en-IN" sz="2400" dirty="0" err="1"/>
+              <a:t>Hyberbolic</a:t>
+            </a:r>
+            <a:r>
+              <a:rPr lang="en-IN" sz="2400" dirty="0"/>
+              <a:t> Inverse</a:t>
+            </a:r>
+          </a:p>
+          <a:p>
+            <a:pPr marL="971550" lvl="1" indent="-514350">
+              <a:buFont typeface="+mj-lt"/>
+              <a:buAutoNum type="arabicPeriod"/>
+            </a:pPr>
+            <a:endParaRPr lang="en-IN" dirty="0"/>
+          </a:p>
+        </p:txBody>
+      </p:sp>
+    </p:spTree>
+    <p:extLst>
+      <p:ext uri="{BB962C8B-B14F-4D97-AF65-F5344CB8AC3E}">
+        <p14:creationId xmlns:p14="http://schemas.microsoft.com/office/powerpoint/2010/main" val="3730841791"/>
+      </p:ext>
+    </p:extLst>
+  </p:cSld>
+  <p:clrMapOvr>
+    <a:masterClrMapping/>
+  </p:clrMapOvr>
+</p:sld>
+</file>
+
+<file path=ppt/slides/slide20.xml><?xml version="1.0" encoding="utf-8"?>
+<p:sld xmlns:a="http://schemas.openxmlformats.org/drawingml/2006/main" xmlns:r="http://schemas.openxmlformats.org/officeDocument/2006/relationships" xmlns:p="http://schemas.openxmlformats.org/presentationml/2006/main">
+  <p:cSld>
+    <p:spTree>
+      <p:nvGrpSpPr>
+        <p:cNvPr id="1" name=""/>
+        <p:cNvGrpSpPr/>
+        <p:nvPr/>
+      </p:nvGrpSpPr>
+      <p:grpSpPr>
+        <a:xfrm>
+          <a:off x="0" y="0"/>
+          <a:ext cx="0" cy="0"/>
+          <a:chOff x="0" y="0"/>
+          <a:chExt cx="0" cy="0"/>
+        </a:xfrm>
+      </p:grpSpPr>
+      <mc:AlternateContent xmlns:mc="http://schemas.openxmlformats.org/markup-compatibility/2006" xmlns:a14="http://schemas.microsoft.com/office/drawing/2010/main">
+        <mc:Choice Requires="a14">
           <p:sp>
             <p:nvSpPr>
               <p:cNvPr id="2" name="Title 1">
@@ -7107,7 +9452,7 @@
             </p:txBody>
           </p:sp>
         </mc:Choice>
-        <mc:Fallback>
+        <mc:Fallback xmlns="">
           <p:sp>
             <p:nvSpPr>
               <p:cNvPr id="2" name="Title 1">
@@ -7296,7 +9641,7 @@
 </p:sld>
 </file>
 
-<file path=ppt/slides/slide17.xml><?xml version="1.0" encoding="utf-8"?>
+<file path=ppt/slides/slide21.xml><?xml version="1.0" encoding="utf-8"?>
 <p:sld xmlns:a="http://schemas.openxmlformats.org/drawingml/2006/main" xmlns:r="http://schemas.openxmlformats.org/officeDocument/2006/relationships" xmlns:p="http://schemas.openxmlformats.org/presentationml/2006/main">
   <p:cSld>
     <p:spTree>
@@ -7313,8 +9658,8 @@
           <a:chExt cx="0" cy="0"/>
         </a:xfrm>
       </p:grpSpPr>
-      <mc:AlternateContent xmlns:mc="http://schemas.openxmlformats.org/markup-compatibility/2006">
-        <mc:Choice xmlns:a14="http://schemas.microsoft.com/office/drawing/2010/main" Requires="a14">
+      <mc:AlternateContent xmlns:mc="http://schemas.openxmlformats.org/markup-compatibility/2006" xmlns:a14="http://schemas.microsoft.com/office/drawing/2010/main">
+        <mc:Choice Requires="a14">
           <p:sp>
             <p:nvSpPr>
               <p:cNvPr id="2" name="Title 1">
@@ -7401,7 +9746,7 @@
             </p:txBody>
           </p:sp>
         </mc:Choice>
-        <mc:Fallback>
+        <mc:Fallback xmlns="">
           <p:sp>
             <p:nvSpPr>
               <p:cNvPr id="2" name="Title 1">
@@ -7537,2367 +9882,6 @@
     <p:extLst>
       <p:ext uri="{BB962C8B-B14F-4D97-AF65-F5344CB8AC3E}">
         <p14:creationId xmlns:p14="http://schemas.microsoft.com/office/powerpoint/2010/main" val="3576813913"/>
-      </p:ext>
-    </p:extLst>
-  </p:cSld>
-  <p:clrMapOvr>
-    <a:masterClrMapping/>
-  </p:clrMapOvr>
-</p:sld>
-</file>
-
-<file path=ppt/slides/slide18.xml><?xml version="1.0" encoding="utf-8"?>
-<p:sld xmlns:a="http://schemas.openxmlformats.org/drawingml/2006/main" xmlns:r="http://schemas.openxmlformats.org/officeDocument/2006/relationships" xmlns:p="http://schemas.openxmlformats.org/presentationml/2006/main">
-  <p:cSld>
-    <p:spTree>
-      <p:nvGrpSpPr>
-        <p:cNvPr id="1" name=""/>
-        <p:cNvGrpSpPr/>
-        <p:nvPr/>
-      </p:nvGrpSpPr>
-      <p:grpSpPr>
-        <a:xfrm>
-          <a:off x="0" y="0"/>
-          <a:ext cx="0" cy="0"/>
-          <a:chOff x="0" y="0"/>
-          <a:chExt cx="0" cy="0"/>
-        </a:xfrm>
-      </p:grpSpPr>
-      <mc:AlternateContent xmlns:mc="http://schemas.openxmlformats.org/markup-compatibility/2006">
-        <mc:Choice xmlns:a14="http://schemas.microsoft.com/office/drawing/2010/main" Requires="a14">
-          <p:sp>
-            <p:nvSpPr>
-              <p:cNvPr id="2" name="Title 1">
-                <a:extLst>
-                  <a:ext uri="{FF2B5EF4-FFF2-40B4-BE49-F238E27FC236}">
-                    <a16:creationId xmlns:a16="http://schemas.microsoft.com/office/drawing/2014/main" id="{45AA2D44-55DA-6BB2-6B72-D86EF88D1B51}"/>
-                  </a:ext>
-                </a:extLst>
-              </p:cNvPr>
-              <p:cNvSpPr>
-                <a:spLocks noGrp="1"/>
-              </p:cNvSpPr>
-              <p:nvPr>
-                <p:ph type="title"/>
-              </p:nvPr>
-            </p:nvSpPr>
-            <p:spPr>
-              <a:xfrm>
-                <a:off x="1261872" y="115461"/>
-                <a:ext cx="9692640" cy="875258"/>
-              </a:xfrm>
-            </p:spPr>
-            <p:txBody>
-              <a:bodyPr/>
-              <a:lstStyle/>
-              <a:p>
-                <a14:m>
-                  <m:oMath xmlns:m="http://schemas.openxmlformats.org/officeDocument/2006/math">
-                    <m:r>
-                      <a:rPr lang="en-US" b="0" i="1" smtClean="0">
-                        <a:latin typeface="Cambria Math" panose="02040503050406030204" pitchFamily="18" charset="0"/>
-                      </a:rPr>
-                      <m:t>𝑇𝑎</m:t>
-                    </m:r>
-                    <m:sSup>
-                      <m:sSupPr>
-                        <m:ctrlPr>
-                          <a:rPr lang="en-US" b="0" i="1" smtClean="0">
-                            <a:latin typeface="Cambria Math" panose="02040503050406030204" pitchFamily="18" charset="0"/>
-                          </a:rPr>
-                        </m:ctrlPr>
-                      </m:sSupPr>
-                      <m:e>
-                        <m:r>
-                          <a:rPr lang="en-US" b="0" i="1" smtClean="0">
-                            <a:latin typeface="Cambria Math" panose="02040503050406030204" pitchFamily="18" charset="0"/>
-                          </a:rPr>
-                          <m:t>𝑛</m:t>
-                        </m:r>
-                        <m:r>
-                          <a:rPr lang="en-US" b="0" i="1" smtClean="0">
-                            <a:latin typeface="Cambria Math" panose="02040503050406030204" pitchFamily="18" charset="0"/>
-                          </a:rPr>
-                          <m:t>h</m:t>
-                        </m:r>
-                      </m:e>
-                      <m:sup>
-                        <m:r>
-                          <a:rPr lang="en-US" b="0" i="1" smtClean="0">
-                            <a:latin typeface="Cambria Math" panose="02040503050406030204" pitchFamily="18" charset="0"/>
-                          </a:rPr>
-                          <m:t>−1</m:t>
-                        </m:r>
-                      </m:sup>
-                    </m:sSup>
-                    <m:r>
-                      <a:rPr lang="en-US" b="0" i="1" smtClean="0">
-                        <a:latin typeface="Cambria Math" panose="02040503050406030204" pitchFamily="18" charset="0"/>
-                      </a:rPr>
-                      <m:t>(</m:t>
-                    </m:r>
-                    <m:r>
-                      <a:rPr lang="en-US" b="0" i="1" smtClean="0">
-                        <a:latin typeface="Cambria Math" panose="02040503050406030204" pitchFamily="18" charset="0"/>
-                      </a:rPr>
-                      <m:t>𝑦</m:t>
-                    </m:r>
-                    <m:r>
-                      <a:rPr lang="en-US" b="0" i="1" smtClean="0">
-                        <a:latin typeface="Cambria Math" panose="02040503050406030204" pitchFamily="18" charset="0"/>
-                      </a:rPr>
-                      <m:t>)</m:t>
-                    </m:r>
-                  </m:oMath>
-                </a14:m>
-                <a:r>
-                  <a:rPr lang="en-US" dirty="0"/>
-                  <a:t> function</a:t>
-                </a:r>
-              </a:p>
-            </p:txBody>
-          </p:sp>
-        </mc:Choice>
-        <mc:Fallback>
-          <p:sp>
-            <p:nvSpPr>
-              <p:cNvPr id="2" name="Title 1">
-                <a:extLst>
-                  <a:ext uri="{FF2B5EF4-FFF2-40B4-BE49-F238E27FC236}">
-                    <a16:creationId xmlns:a16="http://schemas.microsoft.com/office/drawing/2014/main" id="{45AA2D44-55DA-6BB2-6B72-D86EF88D1B51}"/>
-                  </a:ext>
-                </a:extLst>
-              </p:cNvPr>
-              <p:cNvSpPr>
-                <a:spLocks noGrp="1" noRot="1" noChangeAspect="1" noMove="1" noResize="1" noEditPoints="1" noAdjustHandles="1" noChangeArrowheads="1" noChangeShapeType="1" noTextEdit="1"/>
-              </p:cNvSpPr>
-              <p:nvPr>
-                <p:ph type="title"/>
-              </p:nvPr>
-            </p:nvSpPr>
-            <p:spPr>
-              <a:xfrm>
-                <a:off x="1261872" y="115461"/>
-                <a:ext cx="9692640" cy="875258"/>
-              </a:xfrm>
-              <a:blipFill>
-                <a:blip r:embed="rId2"/>
-                <a:stretch>
-                  <a:fillRect t="-1389" b="-33333"/>
-                </a:stretch>
-              </a:blipFill>
-            </p:spPr>
-            <p:txBody>
-              <a:bodyPr/>
-              <a:lstStyle/>
-              <a:p>
-                <a:r>
-                  <a:rPr lang="en-US">
-                    <a:noFill/>
-                  </a:rPr>
-                  <a:t> </a:t>
-                </a:r>
-              </a:p>
-            </p:txBody>
-          </p:sp>
-        </mc:Fallback>
-      </mc:AlternateContent>
-      <mc:AlternateContent xmlns:mc="http://schemas.openxmlformats.org/markup-compatibility/2006">
-        <mc:Choice xmlns:a14="http://schemas.microsoft.com/office/drawing/2010/main" Requires="a14">
-          <p:sp>
-            <p:nvSpPr>
-              <p:cNvPr id="4" name="Content Placeholder 2">
-                <a:extLst>
-                  <a:ext uri="{FF2B5EF4-FFF2-40B4-BE49-F238E27FC236}">
-                    <a16:creationId xmlns:a16="http://schemas.microsoft.com/office/drawing/2014/main" id="{6B1C82C0-15D2-BE06-60F1-7E91F87DB7EE}"/>
-                  </a:ext>
-                </a:extLst>
-              </p:cNvPr>
-              <p:cNvSpPr>
-                <a:spLocks noGrp="1"/>
-              </p:cNvSpPr>
-              <p:nvPr>
-                <p:ph idx="1"/>
-              </p:nvPr>
-            </p:nvSpPr>
-            <p:spPr>
-              <a:xfrm>
-                <a:off x="1261872" y="1654120"/>
-                <a:ext cx="8595360" cy="4805464"/>
-              </a:xfrm>
-            </p:spPr>
-            <p:txBody>
-              <a:bodyPr>
-                <a:noAutofit/>
-              </a:bodyPr>
-              <a:lstStyle/>
-              <a:p>
-                <a14:m>
-                  <m:oMath xmlns:m="http://schemas.openxmlformats.org/officeDocument/2006/math">
-                    <m:r>
-                      <a:rPr lang="en-US" b="0" i="1" smtClean="0">
-                        <a:latin typeface="Cambria Math" panose="02040503050406030204" pitchFamily="18" charset="0"/>
-                      </a:rPr>
-                      <m:t>𝑇𝑎</m:t>
-                    </m:r>
-                    <m:sSup>
-                      <m:sSupPr>
-                        <m:ctrlPr>
-                          <a:rPr lang="en-US" b="0" i="1" smtClean="0">
-                            <a:latin typeface="Cambria Math" panose="02040503050406030204" pitchFamily="18" charset="0"/>
-                          </a:rPr>
-                        </m:ctrlPr>
-                      </m:sSupPr>
-                      <m:e>
-                        <m:r>
-                          <a:rPr lang="en-US" b="0" i="1" smtClean="0">
-                            <a:latin typeface="Cambria Math" panose="02040503050406030204" pitchFamily="18" charset="0"/>
-                          </a:rPr>
-                          <m:t>𝑛h</m:t>
-                        </m:r>
-                      </m:e>
-                      <m:sup>
-                        <m:r>
-                          <a:rPr lang="en-US" b="0" i="1" smtClean="0">
-                            <a:latin typeface="Cambria Math" panose="02040503050406030204" pitchFamily="18" charset="0"/>
-                          </a:rPr>
-                          <m:t>−1</m:t>
-                        </m:r>
-                      </m:sup>
-                    </m:sSup>
-                    <m:r>
-                      <a:rPr lang="en-US" b="0" i="1" smtClean="0">
-                        <a:latin typeface="Cambria Math" panose="02040503050406030204" pitchFamily="18" charset="0"/>
-                      </a:rPr>
-                      <m:t>(</m:t>
-                    </m:r>
-                    <m:r>
-                      <a:rPr lang="en-US" b="0" i="1" smtClean="0">
-                        <a:latin typeface="Cambria Math" panose="02040503050406030204" pitchFamily="18" charset="0"/>
-                      </a:rPr>
-                      <m:t>𝑦</m:t>
-                    </m:r>
-                    <m:r>
-                      <a:rPr lang="en-US" b="0" i="1" smtClean="0">
-                        <a:latin typeface="Cambria Math" panose="02040503050406030204" pitchFamily="18" charset="0"/>
-                      </a:rPr>
-                      <m:t>)</m:t>
-                    </m:r>
-                  </m:oMath>
-                </a14:m>
-                <a:r>
-                  <a:rPr lang="en-US" dirty="0"/>
-                  <a:t> function is evaluated using hyperbolic rotation in vectoring mode in Cordic algorithm.</a:t>
-                </a:r>
-              </a:p>
-              <a:p>
-                <a:r>
-                  <a:rPr lang="en-US" dirty="0"/>
-                  <a:t>Initially x set to 1. </a:t>
-                </a:r>
-              </a:p>
-              <a:p>
-                <a:r>
-                  <a:rPr lang="en-US" dirty="0"/>
-                  <a:t>After 10-12 iterations the y value converges to 0 and the z value converges to the </a:t>
-                </a:r>
-                <a14:m>
-                  <m:oMath xmlns:m="http://schemas.openxmlformats.org/officeDocument/2006/math">
-                    <m:func>
-                      <m:funcPr>
-                        <m:ctrlPr>
-                          <a:rPr lang="en-US" b="0" i="1" smtClean="0">
-                            <a:latin typeface="Cambria Math" panose="02040503050406030204" pitchFamily="18" charset="0"/>
-                          </a:rPr>
-                        </m:ctrlPr>
-                      </m:funcPr>
-                      <m:fName>
-                        <m:sSup>
-                          <m:sSupPr>
-                            <m:ctrlPr>
-                              <a:rPr lang="en-US" b="0" i="1" smtClean="0">
-                                <a:latin typeface="Cambria Math" panose="02040503050406030204" pitchFamily="18" charset="0"/>
-                              </a:rPr>
-                            </m:ctrlPr>
-                          </m:sSupPr>
-                          <m:e>
-                            <m:r>
-                              <m:rPr>
-                                <m:sty m:val="p"/>
-                              </m:rPr>
-                              <a:rPr lang="en-US" b="0" i="0" smtClean="0">
-                                <a:latin typeface="Cambria Math" panose="02040503050406030204" pitchFamily="18" charset="0"/>
-                              </a:rPr>
-                              <m:t>tanh</m:t>
-                            </m:r>
-                          </m:e>
-                          <m:sup>
-                            <m:r>
-                              <a:rPr lang="en-US" b="0" i="1" smtClean="0">
-                                <a:latin typeface="Cambria Math" panose="02040503050406030204" pitchFamily="18" charset="0"/>
-                              </a:rPr>
-                              <m:t>−1</m:t>
-                            </m:r>
-                          </m:sup>
-                        </m:sSup>
-                      </m:fName>
-                      <m:e>
-                        <m:r>
-                          <a:rPr lang="en-US" b="0" i="1" smtClean="0">
-                            <a:latin typeface="Cambria Math" panose="02040503050406030204" pitchFamily="18" charset="0"/>
-                          </a:rPr>
-                          <m:t>𝑦</m:t>
-                        </m:r>
-                      </m:e>
-                    </m:func>
-                  </m:oMath>
-                </a14:m>
-                <a:r>
-                  <a:rPr lang="en-US" dirty="0"/>
-                  <a:t>.</a:t>
-                </a:r>
-              </a:p>
-              <a:p>
-                <a:endParaRPr lang="en-US" dirty="0"/>
-              </a:p>
-              <a:p>
-                <a:endParaRPr lang="en-US" dirty="0"/>
-              </a:p>
-              <a:p>
-                <a:endParaRPr lang="en-US" dirty="0"/>
-              </a:p>
-              <a:p>
-                <a:r>
-                  <a:rPr lang="en-US" dirty="0"/>
-                  <a:t>Input format(simulation) : 4 bits for integer part and 16 bits for fractional part</a:t>
-                </a:r>
-              </a:p>
-              <a:p>
-                <a:r>
-                  <a:rPr lang="en-US" dirty="0"/>
-                  <a:t>Result format(simulation) : 6 bits for integer part and 14 bits for fractional part</a:t>
-                </a:r>
-              </a:p>
-              <a:p>
-                <a:endParaRPr lang="en-US" dirty="0"/>
-              </a:p>
-            </p:txBody>
-          </p:sp>
-        </mc:Choice>
-        <mc:Fallback>
-          <p:sp>
-            <p:nvSpPr>
-              <p:cNvPr id="4" name="Content Placeholder 2">
-                <a:extLst>
-                  <a:ext uri="{FF2B5EF4-FFF2-40B4-BE49-F238E27FC236}">
-                    <a16:creationId xmlns:a16="http://schemas.microsoft.com/office/drawing/2014/main" id="{6B1C82C0-15D2-BE06-60F1-7E91F87DB7EE}"/>
-                  </a:ext>
-                </a:extLst>
-              </p:cNvPr>
-              <p:cNvSpPr>
-                <a:spLocks noGrp="1" noRot="1" noChangeAspect="1" noMove="1" noResize="1" noEditPoints="1" noAdjustHandles="1" noChangeArrowheads="1" noChangeShapeType="1" noTextEdit="1"/>
-              </p:cNvSpPr>
-              <p:nvPr>
-                <p:ph idx="1"/>
-              </p:nvPr>
-            </p:nvSpPr>
-            <p:spPr>
-              <a:xfrm>
-                <a:off x="1261872" y="1654120"/>
-                <a:ext cx="8595360" cy="4805464"/>
-              </a:xfrm>
-              <a:blipFill>
-                <a:blip r:embed="rId3"/>
-                <a:stretch>
-                  <a:fillRect l="-142" t="-1014" r="-1135"/>
-                </a:stretch>
-              </a:blipFill>
-            </p:spPr>
-            <p:txBody>
-              <a:bodyPr/>
-              <a:lstStyle/>
-              <a:p>
-                <a:r>
-                  <a:rPr lang="en-US">
-                    <a:noFill/>
-                  </a:rPr>
-                  <a:t> </a:t>
-                </a:r>
-              </a:p>
-            </p:txBody>
-          </p:sp>
-        </mc:Fallback>
-      </mc:AlternateContent>
-      <p:grpSp>
-        <p:nvGrpSpPr>
-          <p:cNvPr id="5" name="Group 4">
-            <a:extLst>
-              <a:ext uri="{FF2B5EF4-FFF2-40B4-BE49-F238E27FC236}">
-                <a16:creationId xmlns:a16="http://schemas.microsoft.com/office/drawing/2014/main" id="{C530FBDB-91B8-62A8-6B54-26A3F6C1F202}"/>
-              </a:ext>
-            </a:extLst>
-          </p:cNvPr>
-          <p:cNvGrpSpPr/>
-          <p:nvPr/>
-        </p:nvGrpSpPr>
-        <p:grpSpPr>
-          <a:xfrm>
-            <a:off x="3852154" y="3510662"/>
-            <a:ext cx="3376419" cy="1285075"/>
-            <a:chOff x="1021404" y="4273610"/>
-            <a:chExt cx="4426085" cy="1997243"/>
-          </a:xfrm>
-        </p:grpSpPr>
-        <p:sp>
-          <p:nvSpPr>
-            <p:cNvPr id="6" name="Rectangle 5">
-              <a:extLst>
-                <a:ext uri="{FF2B5EF4-FFF2-40B4-BE49-F238E27FC236}">
-                  <a16:creationId xmlns:a16="http://schemas.microsoft.com/office/drawing/2014/main" id="{DA63F9BF-FEFE-EA64-E1E0-0203C9B78E41}"/>
-                </a:ext>
-              </a:extLst>
-            </p:cNvPr>
-            <p:cNvSpPr/>
-            <p:nvPr/>
-          </p:nvSpPr>
-          <p:spPr>
-            <a:xfrm>
-              <a:off x="2120630" y="4273610"/>
-              <a:ext cx="1605064" cy="1997243"/>
-            </a:xfrm>
-            <a:prstGeom prst="rect">
-              <a:avLst/>
-            </a:prstGeom>
-            <a:ln>
-              <a:solidFill>
-                <a:schemeClr val="tx1"/>
-              </a:solidFill>
-            </a:ln>
-          </p:spPr>
-          <p:style>
-            <a:lnRef idx="2">
-              <a:schemeClr val="accent6"/>
-            </a:lnRef>
-            <a:fillRef idx="1">
-              <a:schemeClr val="lt1"/>
-            </a:fillRef>
-            <a:effectRef idx="0">
-              <a:schemeClr val="accent6"/>
-            </a:effectRef>
-            <a:fontRef idx="minor">
-              <a:schemeClr val="dk1"/>
-            </a:fontRef>
-          </p:style>
-          <p:txBody>
-            <a:bodyPr rtlCol="0" anchor="ctr"/>
-            <a:lstStyle/>
-            <a:p>
-              <a:pPr algn="ctr"/>
-              <a:endParaRPr lang="en-US"/>
-            </a:p>
-          </p:txBody>
-        </p:sp>
-        <p:sp>
-          <p:nvSpPr>
-            <p:cNvPr id="7" name="TextBox 6">
-              <a:extLst>
-                <a:ext uri="{FF2B5EF4-FFF2-40B4-BE49-F238E27FC236}">
-                  <a16:creationId xmlns:a16="http://schemas.microsoft.com/office/drawing/2014/main" id="{57572C3F-1B84-6AD3-6C7A-8AFE9947AB1D}"/>
-                </a:ext>
-              </a:extLst>
-            </p:cNvPr>
-            <p:cNvSpPr txBox="1"/>
-            <p:nvPr/>
-          </p:nvSpPr>
-          <p:spPr>
-            <a:xfrm>
-              <a:off x="2422187" y="5087566"/>
-              <a:ext cx="1303507" cy="369332"/>
-            </a:xfrm>
-            <a:prstGeom prst="rect">
-              <a:avLst/>
-            </a:prstGeom>
-            <a:noFill/>
-          </p:spPr>
-          <p:txBody>
-            <a:bodyPr wrap="square" rtlCol="0">
-              <a:spAutoFit/>
-            </a:bodyPr>
-            <a:lstStyle/>
-            <a:p>
-              <a:r>
-                <a:rPr lang="en-US" dirty="0"/>
-                <a:t>Cordic</a:t>
-              </a:r>
-            </a:p>
-          </p:txBody>
-        </p:sp>
-        <p:cxnSp>
-          <p:nvCxnSpPr>
-            <p:cNvPr id="8" name="Straight Arrow Connector 7">
-              <a:extLst>
-                <a:ext uri="{FF2B5EF4-FFF2-40B4-BE49-F238E27FC236}">
-                  <a16:creationId xmlns:a16="http://schemas.microsoft.com/office/drawing/2014/main" id="{958B7FB4-ABB1-8B07-776F-8B949D55E66E}"/>
-                </a:ext>
-              </a:extLst>
-            </p:cNvPr>
-            <p:cNvCxnSpPr/>
-            <p:nvPr/>
-          </p:nvCxnSpPr>
-          <p:spPr>
-            <a:xfrm>
-              <a:off x="1507787" y="4513634"/>
-              <a:ext cx="612843" cy="0"/>
-            </a:xfrm>
-            <a:prstGeom prst="straightConnector1">
-              <a:avLst/>
-            </a:prstGeom>
-            <a:ln>
-              <a:tailEnd type="triangle"/>
-            </a:ln>
-          </p:spPr>
-          <p:style>
-            <a:lnRef idx="1">
-              <a:schemeClr val="dk1"/>
-            </a:lnRef>
-            <a:fillRef idx="0">
-              <a:schemeClr val="dk1"/>
-            </a:fillRef>
-            <a:effectRef idx="0">
-              <a:schemeClr val="dk1"/>
-            </a:effectRef>
-            <a:fontRef idx="minor">
-              <a:schemeClr val="tx1"/>
-            </a:fontRef>
-          </p:style>
-        </p:cxnSp>
-        <p:cxnSp>
-          <p:nvCxnSpPr>
-            <p:cNvPr id="9" name="Straight Arrow Connector 8">
-              <a:extLst>
-                <a:ext uri="{FF2B5EF4-FFF2-40B4-BE49-F238E27FC236}">
-                  <a16:creationId xmlns:a16="http://schemas.microsoft.com/office/drawing/2014/main" id="{EEAD88DD-69FA-B08B-3272-436F17D7DC0D}"/>
-                </a:ext>
-              </a:extLst>
-            </p:cNvPr>
-            <p:cNvCxnSpPr/>
-            <p:nvPr/>
-          </p:nvCxnSpPr>
-          <p:spPr>
-            <a:xfrm>
-              <a:off x="1499680" y="5239805"/>
-              <a:ext cx="612843" cy="0"/>
-            </a:xfrm>
-            <a:prstGeom prst="straightConnector1">
-              <a:avLst/>
-            </a:prstGeom>
-            <a:ln>
-              <a:tailEnd type="triangle"/>
-            </a:ln>
-          </p:spPr>
-          <p:style>
-            <a:lnRef idx="1">
-              <a:schemeClr val="dk1"/>
-            </a:lnRef>
-            <a:fillRef idx="0">
-              <a:schemeClr val="dk1"/>
-            </a:fillRef>
-            <a:effectRef idx="0">
-              <a:schemeClr val="dk1"/>
-            </a:effectRef>
-            <a:fontRef idx="minor">
-              <a:schemeClr val="tx1"/>
-            </a:fontRef>
-          </p:style>
-        </p:cxnSp>
-        <p:cxnSp>
-          <p:nvCxnSpPr>
-            <p:cNvPr id="10" name="Straight Arrow Connector 9">
-              <a:extLst>
-                <a:ext uri="{FF2B5EF4-FFF2-40B4-BE49-F238E27FC236}">
-                  <a16:creationId xmlns:a16="http://schemas.microsoft.com/office/drawing/2014/main" id="{E8988E75-2ECA-58B2-BB6F-D80D56011FDE}"/>
-                </a:ext>
-              </a:extLst>
-            </p:cNvPr>
-            <p:cNvCxnSpPr/>
-            <p:nvPr/>
-          </p:nvCxnSpPr>
-          <p:spPr>
-            <a:xfrm>
-              <a:off x="1499679" y="5969540"/>
-              <a:ext cx="612843" cy="0"/>
-            </a:xfrm>
-            <a:prstGeom prst="straightConnector1">
-              <a:avLst/>
-            </a:prstGeom>
-            <a:ln>
-              <a:tailEnd type="triangle"/>
-            </a:ln>
-          </p:spPr>
-          <p:style>
-            <a:lnRef idx="1">
-              <a:schemeClr val="dk1"/>
-            </a:lnRef>
-            <a:fillRef idx="0">
-              <a:schemeClr val="dk1"/>
-            </a:fillRef>
-            <a:effectRef idx="0">
-              <a:schemeClr val="dk1"/>
-            </a:effectRef>
-            <a:fontRef idx="minor">
-              <a:schemeClr val="tx1"/>
-            </a:fontRef>
-          </p:style>
-        </p:cxnSp>
-        <p:cxnSp>
-          <p:nvCxnSpPr>
-            <p:cNvPr id="12" name="Straight Arrow Connector 11">
-              <a:extLst>
-                <a:ext uri="{FF2B5EF4-FFF2-40B4-BE49-F238E27FC236}">
-                  <a16:creationId xmlns:a16="http://schemas.microsoft.com/office/drawing/2014/main" id="{118D8E18-72D5-6897-56B4-3A64444CF079}"/>
-                </a:ext>
-              </a:extLst>
-            </p:cNvPr>
-            <p:cNvCxnSpPr/>
-            <p:nvPr/>
-          </p:nvCxnSpPr>
-          <p:spPr>
-            <a:xfrm>
-              <a:off x="3725693" y="5969540"/>
-              <a:ext cx="612843" cy="0"/>
-            </a:xfrm>
-            <a:prstGeom prst="straightConnector1">
-              <a:avLst/>
-            </a:prstGeom>
-            <a:ln>
-              <a:tailEnd type="triangle"/>
-            </a:ln>
-          </p:spPr>
-          <p:style>
-            <a:lnRef idx="1">
-              <a:schemeClr val="dk1"/>
-            </a:lnRef>
-            <a:fillRef idx="0">
-              <a:schemeClr val="dk1"/>
-            </a:fillRef>
-            <a:effectRef idx="0">
-              <a:schemeClr val="dk1"/>
-            </a:effectRef>
-            <a:fontRef idx="minor">
-              <a:schemeClr val="tx1"/>
-            </a:fontRef>
-          </p:style>
-        </p:cxnSp>
-        <p:cxnSp>
-          <p:nvCxnSpPr>
-            <p:cNvPr id="13" name="Straight Arrow Connector 12">
-              <a:extLst>
-                <a:ext uri="{FF2B5EF4-FFF2-40B4-BE49-F238E27FC236}">
-                  <a16:creationId xmlns:a16="http://schemas.microsoft.com/office/drawing/2014/main" id="{3B6DDB20-8C2A-D6E6-3250-C1E92AA42371}"/>
-                </a:ext>
-              </a:extLst>
-            </p:cNvPr>
-            <p:cNvCxnSpPr/>
-            <p:nvPr/>
-          </p:nvCxnSpPr>
-          <p:spPr>
-            <a:xfrm>
-              <a:off x="3725693" y="5236562"/>
-              <a:ext cx="612843" cy="0"/>
-            </a:xfrm>
-            <a:prstGeom prst="straightConnector1">
-              <a:avLst/>
-            </a:prstGeom>
-            <a:ln>
-              <a:tailEnd type="triangle"/>
-            </a:ln>
-          </p:spPr>
-          <p:style>
-            <a:lnRef idx="1">
-              <a:schemeClr val="dk1"/>
-            </a:lnRef>
-            <a:fillRef idx="0">
-              <a:schemeClr val="dk1"/>
-            </a:fillRef>
-            <a:effectRef idx="0">
-              <a:schemeClr val="dk1"/>
-            </a:effectRef>
-            <a:fontRef idx="minor">
-              <a:schemeClr val="tx1"/>
-            </a:fontRef>
-          </p:style>
-        </p:cxnSp>
-        <p:sp>
-          <p:nvSpPr>
-            <p:cNvPr id="14" name="TextBox 13">
-              <a:extLst>
-                <a:ext uri="{FF2B5EF4-FFF2-40B4-BE49-F238E27FC236}">
-                  <a16:creationId xmlns:a16="http://schemas.microsoft.com/office/drawing/2014/main" id="{95D50B95-964F-EDD5-0553-39375EA2E1C3}"/>
-                </a:ext>
-              </a:extLst>
-            </p:cNvPr>
-            <p:cNvSpPr txBox="1"/>
-            <p:nvPr/>
-          </p:nvSpPr>
-          <p:spPr>
-            <a:xfrm>
-              <a:off x="1032752" y="4318856"/>
-              <a:ext cx="486383" cy="369332"/>
-            </a:xfrm>
-            <a:prstGeom prst="rect">
-              <a:avLst/>
-            </a:prstGeom>
-            <a:noFill/>
-          </p:spPr>
-          <p:txBody>
-            <a:bodyPr wrap="square" rtlCol="0">
-              <a:spAutoFit/>
-            </a:bodyPr>
-            <a:lstStyle/>
-            <a:p>
-              <a:r>
-                <a:rPr lang="en-US" dirty="0"/>
-                <a:t>x</a:t>
-              </a:r>
-            </a:p>
-          </p:txBody>
-        </p:sp>
-        <p:sp>
-          <p:nvSpPr>
-            <p:cNvPr id="15" name="TextBox 14">
-              <a:extLst>
-                <a:ext uri="{FF2B5EF4-FFF2-40B4-BE49-F238E27FC236}">
-                  <a16:creationId xmlns:a16="http://schemas.microsoft.com/office/drawing/2014/main" id="{3FB2C446-53A9-3400-2DAA-A8D9916A706C}"/>
-                </a:ext>
-              </a:extLst>
-            </p:cNvPr>
-            <p:cNvSpPr txBox="1"/>
-            <p:nvPr/>
-          </p:nvSpPr>
-          <p:spPr>
-            <a:xfrm>
-              <a:off x="1021404" y="5087566"/>
-              <a:ext cx="486383" cy="369332"/>
-            </a:xfrm>
-            <a:prstGeom prst="rect">
-              <a:avLst/>
-            </a:prstGeom>
-            <a:noFill/>
-          </p:spPr>
-          <p:txBody>
-            <a:bodyPr wrap="square" rtlCol="0">
-              <a:spAutoFit/>
-            </a:bodyPr>
-            <a:lstStyle/>
-            <a:p>
-              <a:r>
-                <a:rPr lang="en-US" dirty="0"/>
-                <a:t>y</a:t>
-              </a:r>
-            </a:p>
-          </p:txBody>
-        </p:sp>
-        <p:sp>
-          <p:nvSpPr>
-            <p:cNvPr id="16" name="TextBox 15">
-              <a:extLst>
-                <a:ext uri="{FF2B5EF4-FFF2-40B4-BE49-F238E27FC236}">
-                  <a16:creationId xmlns:a16="http://schemas.microsoft.com/office/drawing/2014/main" id="{E5F0E962-8921-79F9-6B8C-A89D2DE20FC7}"/>
-                </a:ext>
-              </a:extLst>
-            </p:cNvPr>
-            <p:cNvSpPr txBox="1"/>
-            <p:nvPr/>
-          </p:nvSpPr>
-          <p:spPr>
-            <a:xfrm>
-              <a:off x="1031942" y="5703886"/>
-              <a:ext cx="204281" cy="369331"/>
-            </a:xfrm>
-            <a:prstGeom prst="rect">
-              <a:avLst/>
-            </a:prstGeom>
-            <a:noFill/>
-          </p:spPr>
-          <p:txBody>
-            <a:bodyPr wrap="square" rtlCol="0">
-              <a:spAutoFit/>
-            </a:bodyPr>
-            <a:lstStyle/>
-            <a:p>
-              <a:r>
-                <a:rPr lang="en-US" dirty="0"/>
-                <a:t>z</a:t>
-              </a:r>
-            </a:p>
-          </p:txBody>
-        </p:sp>
-        <p:sp>
-          <p:nvSpPr>
-            <p:cNvPr id="18" name="TextBox 17">
-              <a:extLst>
-                <a:ext uri="{FF2B5EF4-FFF2-40B4-BE49-F238E27FC236}">
-                  <a16:creationId xmlns:a16="http://schemas.microsoft.com/office/drawing/2014/main" id="{FAF728F0-8855-1A39-9477-14852F151305}"/>
-                </a:ext>
-              </a:extLst>
-            </p:cNvPr>
-            <p:cNvSpPr txBox="1"/>
-            <p:nvPr/>
-          </p:nvSpPr>
-          <p:spPr>
-            <a:xfrm>
-              <a:off x="4307245" y="4937825"/>
-              <a:ext cx="389106" cy="369332"/>
-            </a:xfrm>
-            <a:prstGeom prst="rect">
-              <a:avLst/>
-            </a:prstGeom>
-            <a:noFill/>
-          </p:spPr>
-          <p:txBody>
-            <a:bodyPr wrap="square" rtlCol="0">
-              <a:spAutoFit/>
-            </a:bodyPr>
-            <a:lstStyle/>
-            <a:p>
-              <a:r>
-                <a:rPr lang="en-US" dirty="0"/>
-                <a:t>0</a:t>
-              </a:r>
-            </a:p>
-          </p:txBody>
-        </p:sp>
-        <mc:AlternateContent xmlns:mc="http://schemas.openxmlformats.org/markup-compatibility/2006">
-          <mc:Choice xmlns:a14="http://schemas.microsoft.com/office/drawing/2010/main" Requires="a14">
-            <p:sp>
-              <p:nvSpPr>
-                <p:cNvPr id="19" name="TextBox 18">
-                  <a:extLst>
-                    <a:ext uri="{FF2B5EF4-FFF2-40B4-BE49-F238E27FC236}">
-                      <a16:creationId xmlns:a16="http://schemas.microsoft.com/office/drawing/2014/main" id="{AAEB79EF-6C36-6F42-B41C-673429EEDDF8}"/>
-                    </a:ext>
-                  </a:extLst>
-                </p:cNvPr>
-                <p:cNvSpPr txBox="1"/>
-                <p:nvPr/>
-              </p:nvSpPr>
-              <p:spPr>
-                <a:xfrm>
-                  <a:off x="4338536" y="5651061"/>
-                  <a:ext cx="1108953" cy="566630"/>
-                </a:xfrm>
-                <a:prstGeom prst="rect">
-                  <a:avLst/>
-                </a:prstGeom>
-                <a:noFill/>
-              </p:spPr>
-              <p:txBody>
-                <a:bodyPr wrap="square" rtlCol="0">
-                  <a:spAutoFit/>
-                </a:bodyPr>
-                <a:lstStyle/>
-                <a:p>
-                  <a14:m>
-                    <m:oMathPara xmlns:m="http://schemas.openxmlformats.org/officeDocument/2006/math">
-                      <m:oMathParaPr>
-                        <m:jc m:val="centerGroup"/>
-                      </m:oMathParaPr>
-                      <m:oMath xmlns:m="http://schemas.openxmlformats.org/officeDocument/2006/math">
-                        <m:func>
-                          <m:funcPr>
-                            <m:ctrlPr>
-                              <a:rPr lang="en-US" b="0" i="1" smtClean="0">
-                                <a:latin typeface="Cambria Math" panose="02040503050406030204" pitchFamily="18" charset="0"/>
-                              </a:rPr>
-                            </m:ctrlPr>
-                          </m:funcPr>
-                          <m:fName>
-                            <m:sSup>
-                              <m:sSupPr>
-                                <m:ctrlPr>
-                                  <a:rPr lang="en-US" b="0" i="1" smtClean="0">
-                                    <a:latin typeface="Cambria Math" panose="02040503050406030204" pitchFamily="18" charset="0"/>
-                                  </a:rPr>
-                                </m:ctrlPr>
-                              </m:sSupPr>
-                              <m:e>
-                                <m:r>
-                                  <m:rPr>
-                                    <m:sty m:val="p"/>
-                                  </m:rPr>
-                                  <a:rPr lang="en-US" b="0" i="0" smtClean="0">
-                                    <a:latin typeface="Cambria Math" panose="02040503050406030204" pitchFamily="18" charset="0"/>
-                                  </a:rPr>
-                                  <m:t>tan</m:t>
-                                </m:r>
-                                <m:r>
-                                  <a:rPr lang="en-US" b="0" i="1" smtClean="0">
-                                    <a:latin typeface="Cambria Math" panose="02040503050406030204" pitchFamily="18" charset="0"/>
-                                  </a:rPr>
-                                  <m:t>h</m:t>
-                                </m:r>
-                              </m:e>
-                              <m:sup>
-                                <m:r>
-                                  <a:rPr lang="en-US" b="0" i="1" smtClean="0">
-                                    <a:latin typeface="Cambria Math" panose="02040503050406030204" pitchFamily="18" charset="0"/>
-                                  </a:rPr>
-                                  <m:t>−1</m:t>
-                                </m:r>
-                              </m:sup>
-                            </m:sSup>
-                          </m:fName>
-                          <m:e>
-                            <m:r>
-                              <a:rPr lang="en-US" b="0" i="1" smtClean="0">
-                                <a:latin typeface="Cambria Math" panose="02040503050406030204" pitchFamily="18" charset="0"/>
-                              </a:rPr>
-                              <m:t>(</m:t>
-                            </m:r>
-                            <m:f>
-                              <m:fPr>
-                                <m:ctrlPr>
-                                  <a:rPr lang="en-US" b="0" i="1" smtClean="0">
-                                    <a:latin typeface="Cambria Math" panose="02040503050406030204" pitchFamily="18" charset="0"/>
-                                  </a:rPr>
-                                </m:ctrlPr>
-                              </m:fPr>
-                              <m:num>
-                                <m:r>
-                                  <a:rPr lang="en-US" b="0" i="1" smtClean="0">
-                                    <a:latin typeface="Cambria Math" panose="02040503050406030204" pitchFamily="18" charset="0"/>
-                                  </a:rPr>
-                                  <m:t>𝑦</m:t>
-                                </m:r>
-                              </m:num>
-                              <m:den>
-                                <m:r>
-                                  <a:rPr lang="en-US" b="0" i="1" smtClean="0">
-                                    <a:latin typeface="Cambria Math" panose="02040503050406030204" pitchFamily="18" charset="0"/>
-                                  </a:rPr>
-                                  <m:t>𝑥</m:t>
-                                </m:r>
-                              </m:den>
-                            </m:f>
-                            <m:r>
-                              <a:rPr lang="en-US" b="0" i="1" smtClean="0">
-                                <a:latin typeface="Cambria Math" panose="02040503050406030204" pitchFamily="18" charset="0"/>
-                              </a:rPr>
-                              <m:t>)</m:t>
-                            </m:r>
-                          </m:e>
-                        </m:func>
-                      </m:oMath>
-                    </m:oMathPara>
-                  </a14:m>
-                  <a:endParaRPr lang="en-US" dirty="0"/>
-                </a:p>
-              </p:txBody>
-            </p:sp>
-          </mc:Choice>
-          <mc:Fallback>
-            <p:sp>
-              <p:nvSpPr>
-                <p:cNvPr id="19" name="TextBox 18">
-                  <a:extLst>
-                    <a:ext uri="{FF2B5EF4-FFF2-40B4-BE49-F238E27FC236}">
-                      <a16:creationId xmlns:a16="http://schemas.microsoft.com/office/drawing/2014/main" id="{AAEB79EF-6C36-6F42-B41C-673429EEDDF8}"/>
-                    </a:ext>
-                  </a:extLst>
-                </p:cNvPr>
-                <p:cNvSpPr txBox="1">
-                  <a:spLocks noRot="1" noChangeAspect="1" noMove="1" noResize="1" noEditPoints="1" noAdjustHandles="1" noChangeArrowheads="1" noChangeShapeType="1" noTextEdit="1"/>
-                </p:cNvSpPr>
-                <p:nvPr/>
-              </p:nvSpPr>
-              <p:spPr>
-                <a:xfrm>
-                  <a:off x="4338536" y="5651061"/>
-                  <a:ext cx="1108953" cy="566630"/>
-                </a:xfrm>
-                <a:prstGeom prst="rect">
-                  <a:avLst/>
-                </a:prstGeom>
-                <a:blipFill>
-                  <a:blip r:embed="rId4"/>
-                  <a:stretch>
-                    <a:fillRect r="-27338" b="-43333"/>
-                  </a:stretch>
-                </a:blipFill>
-              </p:spPr>
-              <p:txBody>
-                <a:bodyPr/>
-                <a:lstStyle/>
-                <a:p>
-                  <a:r>
-                    <a:rPr lang="en-US">
-                      <a:noFill/>
-                    </a:rPr>
-                    <a:t> </a:t>
-                  </a:r>
-                </a:p>
-              </p:txBody>
-            </p:sp>
-          </mc:Fallback>
-        </mc:AlternateContent>
-      </p:grpSp>
-    </p:spTree>
-    <p:extLst>
-      <p:ext uri="{BB962C8B-B14F-4D97-AF65-F5344CB8AC3E}">
-        <p14:creationId xmlns:p14="http://schemas.microsoft.com/office/powerpoint/2010/main" val="2260439660"/>
-      </p:ext>
-    </p:extLst>
-  </p:cSld>
-  <p:clrMapOvr>
-    <a:masterClrMapping/>
-  </p:clrMapOvr>
-</p:sld>
-</file>
-
-<file path=ppt/slides/slide19.xml><?xml version="1.0" encoding="utf-8"?>
-<p:sld xmlns:a="http://schemas.openxmlformats.org/drawingml/2006/main" xmlns:r="http://schemas.openxmlformats.org/officeDocument/2006/relationships" xmlns:p="http://schemas.openxmlformats.org/presentationml/2006/main">
-  <p:cSld>
-    <p:spTree>
-      <p:nvGrpSpPr>
-        <p:cNvPr id="1" name=""/>
-        <p:cNvGrpSpPr/>
-        <p:nvPr/>
-      </p:nvGrpSpPr>
-      <p:grpSpPr>
-        <a:xfrm>
-          <a:off x="0" y="0"/>
-          <a:ext cx="0" cy="0"/>
-          <a:chOff x="0" y="0"/>
-          <a:chExt cx="0" cy="0"/>
-        </a:xfrm>
-      </p:grpSpPr>
-      <mc:AlternateContent xmlns:mc="http://schemas.openxmlformats.org/markup-compatibility/2006">
-        <mc:Choice xmlns:a14="http://schemas.microsoft.com/office/drawing/2010/main" Requires="a14">
-          <p:sp>
-            <p:nvSpPr>
-              <p:cNvPr id="2" name="Title 1">
-                <a:extLst>
-                  <a:ext uri="{FF2B5EF4-FFF2-40B4-BE49-F238E27FC236}">
-                    <a16:creationId xmlns:a16="http://schemas.microsoft.com/office/drawing/2014/main" id="{8D7A94A3-7A6B-2751-39DA-5D5BED538436}"/>
-                  </a:ext>
-                </a:extLst>
-              </p:cNvPr>
-              <p:cNvSpPr>
-                <a:spLocks noGrp="1"/>
-              </p:cNvSpPr>
-              <p:nvPr>
-                <p:ph type="title"/>
-              </p:nvPr>
-            </p:nvSpPr>
-            <p:spPr/>
-            <p:txBody>
-              <a:bodyPr>
-                <a:normAutofit/>
-              </a:bodyPr>
-              <a:lstStyle/>
-              <a:p>
-                <a:r>
-                  <a:rPr lang="en-US" dirty="0"/>
-                  <a:t>Limitations of </a:t>
-                </a:r>
-                <a14:m>
-                  <m:oMath xmlns:m="http://schemas.openxmlformats.org/officeDocument/2006/math">
-                    <m:r>
-                      <a:rPr lang="en-US" b="0" i="1" smtClean="0">
-                        <a:latin typeface="Cambria Math" panose="02040503050406030204" pitchFamily="18" charset="0"/>
-                      </a:rPr>
-                      <m:t>𝑇𝑎</m:t>
-                    </m:r>
-                    <m:sSup>
-                      <m:sSupPr>
-                        <m:ctrlPr>
-                          <a:rPr lang="en-US" b="0" i="1" smtClean="0">
-                            <a:latin typeface="Cambria Math" panose="02040503050406030204" pitchFamily="18" charset="0"/>
-                          </a:rPr>
-                        </m:ctrlPr>
-                      </m:sSupPr>
-                      <m:e>
-                        <m:r>
-                          <a:rPr lang="en-US" b="0" i="1" smtClean="0">
-                            <a:latin typeface="Cambria Math" panose="02040503050406030204" pitchFamily="18" charset="0"/>
-                          </a:rPr>
-                          <m:t>𝑛h</m:t>
-                        </m:r>
-                      </m:e>
-                      <m:sup>
-                        <m:r>
-                          <a:rPr lang="en-US" b="0" i="1" smtClean="0">
-                            <a:latin typeface="Cambria Math" panose="02040503050406030204" pitchFamily="18" charset="0"/>
-                          </a:rPr>
-                          <m:t>−1</m:t>
-                        </m:r>
-                      </m:sup>
-                    </m:sSup>
-                    <m:r>
-                      <a:rPr lang="en-US" b="0" i="1" smtClean="0">
-                        <a:latin typeface="Cambria Math" panose="02040503050406030204" pitchFamily="18" charset="0"/>
-                      </a:rPr>
-                      <m:t>(</m:t>
-                    </m:r>
-                    <m:r>
-                      <a:rPr lang="en-US" b="0" i="1" smtClean="0">
-                        <a:latin typeface="Cambria Math" panose="02040503050406030204" pitchFamily="18" charset="0"/>
-                      </a:rPr>
-                      <m:t>𝑦</m:t>
-                    </m:r>
-                    <m:r>
-                      <a:rPr lang="en-US" b="0" i="1" smtClean="0">
-                        <a:latin typeface="Cambria Math" panose="02040503050406030204" pitchFamily="18" charset="0"/>
-                      </a:rPr>
-                      <m:t>)</m:t>
-                    </m:r>
-                  </m:oMath>
-                </a14:m>
-                <a:r>
-                  <a:rPr lang="en-US" dirty="0"/>
-                  <a:t> implementation </a:t>
-                </a:r>
-              </a:p>
-            </p:txBody>
-          </p:sp>
-        </mc:Choice>
-        <mc:Fallback>
-          <p:sp>
-            <p:nvSpPr>
-              <p:cNvPr id="2" name="Title 1">
-                <a:extLst>
-                  <a:ext uri="{FF2B5EF4-FFF2-40B4-BE49-F238E27FC236}">
-                    <a16:creationId xmlns:a16="http://schemas.microsoft.com/office/drawing/2014/main" id="{8D7A94A3-7A6B-2751-39DA-5D5BED538436}"/>
-                  </a:ext>
-                </a:extLst>
-              </p:cNvPr>
-              <p:cNvSpPr>
-                <a:spLocks noGrp="1" noRot="1" noChangeAspect="1" noMove="1" noResize="1" noEditPoints="1" noAdjustHandles="1" noChangeArrowheads="1" noChangeShapeType="1" noTextEdit="1"/>
-              </p:cNvSpPr>
-              <p:nvPr>
-                <p:ph type="title"/>
-              </p:nvPr>
-            </p:nvSpPr>
-            <p:spPr>
-              <a:blipFill>
-                <a:blip r:embed="rId2"/>
-                <a:stretch>
-                  <a:fillRect l="-2516" t="-12442" b="-22120"/>
-                </a:stretch>
-              </a:blipFill>
-            </p:spPr>
-            <p:txBody>
-              <a:bodyPr/>
-              <a:lstStyle/>
-              <a:p>
-                <a:r>
-                  <a:rPr lang="en-US">
-                    <a:noFill/>
-                  </a:rPr>
-                  <a:t> </a:t>
-                </a:r>
-              </a:p>
-            </p:txBody>
-          </p:sp>
-        </mc:Fallback>
-      </mc:AlternateContent>
-      <mc:AlternateContent xmlns:mc="http://schemas.openxmlformats.org/markup-compatibility/2006">
-        <mc:Choice xmlns:a14="http://schemas.microsoft.com/office/drawing/2010/main" Requires="a14">
-          <p:sp>
-            <p:nvSpPr>
-              <p:cNvPr id="3" name="Content Placeholder 2">
-                <a:extLst>
-                  <a:ext uri="{FF2B5EF4-FFF2-40B4-BE49-F238E27FC236}">
-                    <a16:creationId xmlns:a16="http://schemas.microsoft.com/office/drawing/2014/main" id="{9634C85E-F6D3-2417-8A66-7A48C906201A}"/>
-                  </a:ext>
-                </a:extLst>
-              </p:cNvPr>
-              <p:cNvSpPr>
-                <a:spLocks noGrp="1"/>
-              </p:cNvSpPr>
-              <p:nvPr>
-                <p:ph idx="1"/>
-              </p:nvPr>
-            </p:nvSpPr>
-            <p:spPr>
-              <a:xfrm>
-                <a:off x="1261872" y="2003898"/>
-                <a:ext cx="8595360" cy="4351337"/>
-              </a:xfrm>
-            </p:spPr>
-            <p:txBody>
-              <a:bodyPr/>
-              <a:lstStyle/>
-              <a:p>
-                <a14:m>
-                  <m:oMath xmlns:m="http://schemas.openxmlformats.org/officeDocument/2006/math">
-                    <m:r>
-                      <a:rPr lang="en-US" b="0" i="1" smtClean="0">
-                        <a:latin typeface="Cambria Math" panose="02040503050406030204" pitchFamily="18" charset="0"/>
-                      </a:rPr>
-                      <m:t>𝑇𝑎</m:t>
-                    </m:r>
-                    <m:sSup>
-                      <m:sSupPr>
-                        <m:ctrlPr>
-                          <a:rPr lang="en-US" b="0" i="1" smtClean="0">
-                            <a:latin typeface="Cambria Math" panose="02040503050406030204" pitchFamily="18" charset="0"/>
-                          </a:rPr>
-                        </m:ctrlPr>
-                      </m:sSupPr>
-                      <m:e>
-                        <m:r>
-                          <a:rPr lang="en-US" b="0" i="1" smtClean="0">
-                            <a:latin typeface="Cambria Math" panose="02040503050406030204" pitchFamily="18" charset="0"/>
-                          </a:rPr>
-                          <m:t>𝑛h</m:t>
-                        </m:r>
-                      </m:e>
-                      <m:sup>
-                        <m:r>
-                          <a:rPr lang="en-US" b="0" i="1" smtClean="0">
-                            <a:latin typeface="Cambria Math" panose="02040503050406030204" pitchFamily="18" charset="0"/>
-                          </a:rPr>
-                          <m:t>−1</m:t>
-                        </m:r>
-                      </m:sup>
-                    </m:sSup>
-                    <m:r>
-                      <a:rPr lang="en-US" b="0" i="1" smtClean="0">
-                        <a:latin typeface="Cambria Math" panose="02040503050406030204" pitchFamily="18" charset="0"/>
-                      </a:rPr>
-                      <m:t>(</m:t>
-                    </m:r>
-                    <m:r>
-                      <a:rPr lang="en-US" b="0" i="1" smtClean="0">
-                        <a:latin typeface="Cambria Math" panose="02040503050406030204" pitchFamily="18" charset="0"/>
-                      </a:rPr>
-                      <m:t>𝑦</m:t>
-                    </m:r>
-                    <m:r>
-                      <a:rPr lang="en-US" b="0" i="1" smtClean="0">
-                        <a:latin typeface="Cambria Math" panose="02040503050406030204" pitchFamily="18" charset="0"/>
-                      </a:rPr>
-                      <m:t>)</m:t>
-                    </m:r>
-                  </m:oMath>
-                </a14:m>
-                <a:r>
-                  <a:rPr lang="en-US" dirty="0"/>
-                  <a:t> function asymptotically reaches </a:t>
-                </a:r>
-                <a14:m>
-                  <m:oMath xmlns:m="http://schemas.openxmlformats.org/officeDocument/2006/math">
-                    <m:r>
-                      <a:rPr lang="en-US" b="0" i="1" smtClean="0">
-                        <a:latin typeface="Cambria Math" panose="02040503050406030204" pitchFamily="18" charset="0"/>
-                      </a:rPr>
-                      <m:t>±</m:t>
-                    </m:r>
-                  </m:oMath>
-                </a14:m>
-                <a:r>
-                  <a:rPr lang="en-US" dirty="0"/>
-                  <a:t> infinity when y </a:t>
-                </a:r>
-                <a14:m>
-                  <m:oMath xmlns:m="http://schemas.openxmlformats.org/officeDocument/2006/math">
-                    <m:r>
-                      <a:rPr lang="en-US" b="0" i="1" smtClean="0">
-                        <a:latin typeface="Cambria Math" panose="02040503050406030204" pitchFamily="18" charset="0"/>
-                      </a:rPr>
-                      <m:t>→±1 .</m:t>
-                    </m:r>
-                  </m:oMath>
-                </a14:m>
-                <a:endParaRPr lang="en-US" dirty="0"/>
-              </a:p>
-              <a:p>
-                <a:r>
-                  <a:rPr lang="en-US" dirty="0"/>
-                  <a:t>In the implementation we have considered the inputs y </a:t>
-                </a:r>
-                <a14:m>
-                  <m:oMath xmlns:m="http://schemas.openxmlformats.org/officeDocument/2006/math">
-                    <m:r>
-                      <a:rPr lang="en-US" i="1" smtClean="0">
-                        <a:latin typeface="Cambria Math" panose="02040503050406030204" pitchFamily="18" charset="0"/>
-                        <a:ea typeface="Cambria Math" panose="02040503050406030204" pitchFamily="18" charset="0"/>
-                      </a:rPr>
-                      <m:t>∈</m:t>
-                    </m:r>
-                    <m:r>
-                      <a:rPr lang="en-US" b="0" i="1" smtClean="0">
-                        <a:latin typeface="Cambria Math" panose="02040503050406030204" pitchFamily="18" charset="0"/>
-                        <a:ea typeface="Cambria Math" panose="02040503050406030204" pitchFamily="18" charset="0"/>
-                      </a:rPr>
-                      <m:t>[−0.95, 0.95]</m:t>
-                    </m:r>
-                  </m:oMath>
-                </a14:m>
-                <a:r>
-                  <a:rPr lang="en-US" dirty="0"/>
-                  <a:t>.</a:t>
-                </a:r>
-              </a:p>
-              <a:p>
-                <a:r>
-                  <a:rPr lang="en-US" dirty="0"/>
-                  <a:t>Beyond this range, as </a:t>
-                </a:r>
-                <a14:m>
-                  <m:oMath xmlns:m="http://schemas.openxmlformats.org/officeDocument/2006/math">
-                    <m:r>
-                      <a:rPr lang="en-US" b="0" i="1" smtClean="0">
-                        <a:latin typeface="Cambria Math" panose="02040503050406030204" pitchFamily="18" charset="0"/>
-                      </a:rPr>
-                      <m:t>𝑇𝑎</m:t>
-                    </m:r>
-                    <m:sSup>
-                      <m:sSupPr>
-                        <m:ctrlPr>
-                          <a:rPr lang="en-US" b="0" i="1" smtClean="0">
-                            <a:latin typeface="Cambria Math" panose="02040503050406030204" pitchFamily="18" charset="0"/>
-                          </a:rPr>
-                        </m:ctrlPr>
-                      </m:sSupPr>
-                      <m:e>
-                        <m:r>
-                          <a:rPr lang="en-US" b="0" i="1" smtClean="0">
-                            <a:latin typeface="Cambria Math" panose="02040503050406030204" pitchFamily="18" charset="0"/>
-                          </a:rPr>
-                          <m:t>𝑛h</m:t>
-                        </m:r>
-                      </m:e>
-                      <m:sup>
-                        <m:r>
-                          <a:rPr lang="en-US" b="0" i="1" smtClean="0">
-                            <a:latin typeface="Cambria Math" panose="02040503050406030204" pitchFamily="18" charset="0"/>
-                          </a:rPr>
-                          <m:t>−1</m:t>
-                        </m:r>
-                      </m:sup>
-                    </m:sSup>
-                    <m:d>
-                      <m:dPr>
-                        <m:ctrlPr>
-                          <a:rPr lang="en-US" b="0" i="1" smtClean="0">
-                            <a:latin typeface="Cambria Math" panose="02040503050406030204" pitchFamily="18" charset="0"/>
-                          </a:rPr>
-                        </m:ctrlPr>
-                      </m:dPr>
-                      <m:e>
-                        <m:r>
-                          <a:rPr lang="en-US" b="0" i="1" smtClean="0">
-                            <a:latin typeface="Cambria Math" panose="02040503050406030204" pitchFamily="18" charset="0"/>
-                          </a:rPr>
-                          <m:t>𝑦</m:t>
-                        </m:r>
-                      </m:e>
-                    </m:d>
-                  </m:oMath>
-                </a14:m>
-                <a:r>
-                  <a:rPr lang="en-US" dirty="0"/>
-                  <a:t> grows towards </a:t>
-                </a:r>
-                <a14:m>
-                  <m:oMath xmlns:m="http://schemas.openxmlformats.org/officeDocument/2006/math">
-                    <m:r>
-                      <a:rPr lang="en-US" b="0" i="1" smtClean="0">
-                        <a:latin typeface="Cambria Math" panose="02040503050406030204" pitchFamily="18" charset="0"/>
-                      </a:rPr>
-                      <m:t>±</m:t>
-                    </m:r>
-                    <m:r>
-                      <a:rPr lang="en-US" b="0" i="1" smtClean="0">
-                        <a:latin typeface="Cambria Math" panose="02040503050406030204" pitchFamily="18" charset="0"/>
-                        <a:ea typeface="Cambria Math" panose="02040503050406030204" pitchFamily="18" charset="0"/>
-                      </a:rPr>
-                      <m:t>∞</m:t>
-                    </m:r>
-                  </m:oMath>
-                </a14:m>
-                <a:r>
-                  <a:rPr lang="en-US" dirty="0"/>
-                  <a:t>. Hence it is difficult to capture the result accurately due to fixed point representation and fixed number of iterations(10-12) in Cordic algorithm.</a:t>
-                </a:r>
-              </a:p>
-              <a:p>
-                <a:endParaRPr lang="en-US" dirty="0"/>
-              </a:p>
-              <a:p>
-                <a:endParaRPr lang="en-US" dirty="0"/>
-              </a:p>
-            </p:txBody>
-          </p:sp>
-        </mc:Choice>
-        <mc:Fallback>
-          <p:sp>
-            <p:nvSpPr>
-              <p:cNvPr id="3" name="Content Placeholder 2">
-                <a:extLst>
-                  <a:ext uri="{FF2B5EF4-FFF2-40B4-BE49-F238E27FC236}">
-                    <a16:creationId xmlns:a16="http://schemas.microsoft.com/office/drawing/2014/main" id="{9634C85E-F6D3-2417-8A66-7A48C906201A}"/>
-                  </a:ext>
-                </a:extLst>
-              </p:cNvPr>
-              <p:cNvSpPr>
-                <a:spLocks noGrp="1" noRot="1" noChangeAspect="1" noMove="1" noResize="1" noEditPoints="1" noAdjustHandles="1" noChangeArrowheads="1" noChangeShapeType="1" noTextEdit="1"/>
-              </p:cNvSpPr>
-              <p:nvPr>
-                <p:ph idx="1"/>
-              </p:nvPr>
-            </p:nvSpPr>
-            <p:spPr>
-              <a:xfrm>
-                <a:off x="1261872" y="2003898"/>
-                <a:ext cx="8595360" cy="4351337"/>
-              </a:xfrm>
-              <a:blipFill>
-                <a:blip r:embed="rId3"/>
-                <a:stretch>
-                  <a:fillRect l="-142" t="-1261"/>
-                </a:stretch>
-              </a:blipFill>
-            </p:spPr>
-            <p:txBody>
-              <a:bodyPr/>
-              <a:lstStyle/>
-              <a:p>
-                <a:r>
-                  <a:rPr lang="en-US">
-                    <a:noFill/>
-                  </a:rPr>
-                  <a:t> </a:t>
-                </a:r>
-              </a:p>
-            </p:txBody>
-          </p:sp>
-        </mc:Fallback>
-      </mc:AlternateContent>
-    </p:spTree>
-    <p:extLst>
-      <p:ext uri="{BB962C8B-B14F-4D97-AF65-F5344CB8AC3E}">
-        <p14:creationId xmlns:p14="http://schemas.microsoft.com/office/powerpoint/2010/main" val="3076387977"/>
-      </p:ext>
-    </p:extLst>
-  </p:cSld>
-  <p:clrMapOvr>
-    <a:masterClrMapping/>
-  </p:clrMapOvr>
-</p:sld>
-</file>
-
-<file path=ppt/slides/slide2.xml><?xml version="1.0" encoding="utf-8"?>
-<p:sld xmlns:a="http://schemas.openxmlformats.org/drawingml/2006/main" xmlns:r="http://schemas.openxmlformats.org/officeDocument/2006/relationships" xmlns:p="http://schemas.openxmlformats.org/presentationml/2006/main">
-  <p:cSld>
-    <p:spTree>
-      <p:nvGrpSpPr>
-        <p:cNvPr id="1" name=""/>
-        <p:cNvGrpSpPr/>
-        <p:nvPr/>
-      </p:nvGrpSpPr>
-      <p:grpSpPr>
-        <a:xfrm>
-          <a:off x="0" y="0"/>
-          <a:ext cx="0" cy="0"/>
-          <a:chOff x="0" y="0"/>
-          <a:chExt cx="0" cy="0"/>
-        </a:xfrm>
-      </p:grpSpPr>
-      <p:sp>
-        <p:nvSpPr>
-          <p:cNvPr id="3" name="Content Placeholder 2">
-            <a:extLst>
-              <a:ext uri="{FF2B5EF4-FFF2-40B4-BE49-F238E27FC236}">
-                <a16:creationId xmlns:a16="http://schemas.microsoft.com/office/drawing/2014/main" id="{7E3CE765-AFED-2883-5E12-8C2A0E398D40}"/>
-              </a:ext>
-            </a:extLst>
-          </p:cNvPr>
-          <p:cNvSpPr>
-            <a:spLocks noGrp="1"/>
-          </p:cNvSpPr>
-          <p:nvPr>
-            <p:ph idx="1"/>
-          </p:nvPr>
-        </p:nvSpPr>
-        <p:spPr>
-          <a:xfrm>
-            <a:off x="283029" y="141514"/>
-            <a:ext cx="11070771" cy="6035449"/>
-          </a:xfrm>
-        </p:spPr>
-        <p:txBody>
-          <a:bodyPr/>
-          <a:lstStyle/>
-          <a:p>
-            <a:r>
-              <a:rPr lang="en-IN" sz="2400" dirty="0">
-                <a:solidFill>
-                  <a:srgbClr val="7030A0"/>
-                </a:solidFill>
-              </a:rPr>
-              <a:t>Aim: </a:t>
-            </a:r>
-          </a:p>
-          <a:p>
-            <a:pPr marL="914400" lvl="1" indent="-457200">
-              <a:buFont typeface="+mj-lt"/>
-              <a:buAutoNum type="arabicPeriod"/>
-            </a:pPr>
-            <a:r>
-              <a:rPr lang="en-IN" sz="2400" dirty="0"/>
-              <a:t> To  generate trigonometric functions using CORDIC .</a:t>
-            </a:r>
-          </a:p>
-          <a:p>
-            <a:pPr marL="971550" lvl="1" indent="-514350">
-              <a:buFont typeface="+mj-lt"/>
-              <a:buAutoNum type="arabicPeriod"/>
-            </a:pPr>
-            <a:r>
-              <a:rPr lang="en-IN" sz="2400" dirty="0"/>
-              <a:t>Main focus is on hardware friendly implementation to get results with decent accuracy (Trade off between hardware resources and accuracy).</a:t>
-            </a:r>
-          </a:p>
-          <a:p>
-            <a:pPr marL="457200" lvl="1" indent="0">
-              <a:buNone/>
-            </a:pPr>
-            <a:endParaRPr lang="en-IN" dirty="0"/>
-          </a:p>
-          <a:p>
-            <a:r>
-              <a:rPr lang="en-IN" sz="2400" dirty="0">
-                <a:solidFill>
-                  <a:srgbClr val="7030A0"/>
-                </a:solidFill>
-              </a:rPr>
-              <a:t>Trigonometric  Functions Implemented Using CORDIC</a:t>
-            </a:r>
-          </a:p>
-          <a:p>
-            <a:pPr marL="971550" lvl="1" indent="-514350">
-              <a:buFont typeface="+mj-lt"/>
-              <a:buAutoNum type="arabicPeriod"/>
-            </a:pPr>
-            <a:r>
-              <a:rPr lang="en-IN" sz="2400" dirty="0"/>
-              <a:t>Sin </a:t>
-            </a:r>
-          </a:p>
-          <a:p>
-            <a:pPr marL="971550" lvl="1" indent="-514350">
-              <a:buFont typeface="+mj-lt"/>
-              <a:buAutoNum type="arabicPeriod"/>
-            </a:pPr>
-            <a:r>
-              <a:rPr lang="en-IN" sz="2400" dirty="0"/>
-              <a:t>Cos</a:t>
-            </a:r>
-          </a:p>
-          <a:p>
-            <a:pPr marL="971550" lvl="1" indent="-514350">
-              <a:buFont typeface="+mj-lt"/>
-              <a:buAutoNum type="arabicPeriod"/>
-            </a:pPr>
-            <a:r>
-              <a:rPr lang="en-IN" sz="2400" dirty="0"/>
-              <a:t>Tan</a:t>
-            </a:r>
-          </a:p>
-          <a:p>
-            <a:pPr marL="971550" lvl="1" indent="-514350">
-              <a:buFont typeface="+mj-lt"/>
-              <a:buAutoNum type="arabicPeriod"/>
-            </a:pPr>
-            <a:r>
-              <a:rPr lang="en-IN" sz="2400" dirty="0"/>
-              <a:t>Tan Inverse</a:t>
-            </a:r>
-          </a:p>
-          <a:p>
-            <a:pPr marL="971550" lvl="1" indent="-514350">
-              <a:buFont typeface="+mj-lt"/>
-              <a:buAutoNum type="arabicPeriod"/>
-            </a:pPr>
-            <a:r>
-              <a:rPr lang="en-IN" sz="2400" dirty="0"/>
-              <a:t>Tan </a:t>
-            </a:r>
-            <a:r>
-              <a:rPr lang="en-IN" sz="2400" dirty="0" err="1"/>
-              <a:t>Hyberbolic</a:t>
-            </a:r>
-            <a:r>
-              <a:rPr lang="en-IN" sz="2400" dirty="0"/>
-              <a:t> (Sin Hyperbolic and Cos Hyperbolic are implicitly used here)</a:t>
-            </a:r>
-          </a:p>
-          <a:p>
-            <a:pPr marL="971550" lvl="1" indent="-514350">
-              <a:buFont typeface="+mj-lt"/>
-              <a:buAutoNum type="arabicPeriod"/>
-            </a:pPr>
-            <a:r>
-              <a:rPr lang="en-IN" sz="2400" dirty="0"/>
-              <a:t>Tan </a:t>
-            </a:r>
-            <a:r>
-              <a:rPr lang="en-IN" sz="2400" dirty="0" err="1"/>
-              <a:t>Hyberbolic</a:t>
-            </a:r>
-            <a:r>
-              <a:rPr lang="en-IN" sz="2400" dirty="0"/>
-              <a:t> Inverse</a:t>
-            </a:r>
-          </a:p>
-          <a:p>
-            <a:pPr marL="971550" lvl="1" indent="-514350">
-              <a:buFont typeface="+mj-lt"/>
-              <a:buAutoNum type="arabicPeriod"/>
-            </a:pPr>
-            <a:endParaRPr lang="en-IN" dirty="0"/>
-          </a:p>
-        </p:txBody>
-      </p:sp>
-    </p:spTree>
-    <p:extLst>
-      <p:ext uri="{BB962C8B-B14F-4D97-AF65-F5344CB8AC3E}">
-        <p14:creationId xmlns:p14="http://schemas.microsoft.com/office/powerpoint/2010/main" val="3730841791"/>
-      </p:ext>
-    </p:extLst>
-  </p:cSld>
-  <p:clrMapOvr>
-    <a:masterClrMapping/>
-  </p:clrMapOvr>
-</p:sld>
-</file>
-
-<file path=ppt/slides/slide20.xml><?xml version="1.0" encoding="utf-8"?>
-<p:sld xmlns:a="http://schemas.openxmlformats.org/drawingml/2006/main" xmlns:r="http://schemas.openxmlformats.org/officeDocument/2006/relationships" xmlns:p="http://schemas.openxmlformats.org/presentationml/2006/main">
-  <p:cSld>
-    <p:spTree>
-      <p:nvGrpSpPr>
-        <p:cNvPr id="1" name=""/>
-        <p:cNvGrpSpPr/>
-        <p:nvPr/>
-      </p:nvGrpSpPr>
-      <p:grpSpPr>
-        <a:xfrm>
-          <a:off x="0" y="0"/>
-          <a:ext cx="0" cy="0"/>
-          <a:chOff x="0" y="0"/>
-          <a:chExt cx="0" cy="0"/>
-        </a:xfrm>
-      </p:grpSpPr>
-      <mc:AlternateContent xmlns:mc="http://schemas.openxmlformats.org/markup-compatibility/2006">
-        <mc:Choice xmlns:a14="http://schemas.microsoft.com/office/drawing/2010/main" Requires="a14">
-          <p:sp>
-            <p:nvSpPr>
-              <p:cNvPr id="2" name="Title 1">
-                <a:extLst>
-                  <a:ext uri="{FF2B5EF4-FFF2-40B4-BE49-F238E27FC236}">
-                    <a16:creationId xmlns:a16="http://schemas.microsoft.com/office/drawing/2014/main" id="{14C7C36D-E760-3784-4E95-76B41644FEF5}"/>
-                  </a:ext>
-                </a:extLst>
-              </p:cNvPr>
-              <p:cNvSpPr>
-                <a:spLocks noGrp="1"/>
-              </p:cNvSpPr>
-              <p:nvPr>
-                <p:ph type="title"/>
-              </p:nvPr>
-            </p:nvSpPr>
-            <p:spPr/>
-            <p:txBody>
-              <a:bodyPr/>
-              <a:lstStyle/>
-              <a:p>
-                <a14:m>
-                  <m:oMath xmlns:m="http://schemas.openxmlformats.org/officeDocument/2006/math">
-                    <m:r>
-                      <a:rPr lang="en-US" b="0" i="1" smtClean="0">
-                        <a:latin typeface="Cambria Math" panose="02040503050406030204" pitchFamily="18" charset="0"/>
-                      </a:rPr>
-                      <m:t>𝑇𝑎</m:t>
-                    </m:r>
-                    <m:sSup>
-                      <m:sSupPr>
-                        <m:ctrlPr>
-                          <a:rPr lang="en-US" b="0" i="1" smtClean="0">
-                            <a:latin typeface="Cambria Math" panose="02040503050406030204" pitchFamily="18" charset="0"/>
-                          </a:rPr>
-                        </m:ctrlPr>
-                      </m:sSupPr>
-                      <m:e>
-                        <m:r>
-                          <a:rPr lang="en-US" b="0" i="1" smtClean="0">
-                            <a:latin typeface="Cambria Math" panose="02040503050406030204" pitchFamily="18" charset="0"/>
-                          </a:rPr>
-                          <m:t>𝑛</m:t>
-                        </m:r>
-                        <m:r>
-                          <a:rPr lang="en-US" b="0" i="1" smtClean="0">
-                            <a:latin typeface="Cambria Math" panose="02040503050406030204" pitchFamily="18" charset="0"/>
-                          </a:rPr>
-                          <m:t>h</m:t>
-                        </m:r>
-                      </m:e>
-                      <m:sup>
-                        <m:r>
-                          <a:rPr lang="en-US" b="0" i="1" smtClean="0">
-                            <a:latin typeface="Cambria Math" panose="02040503050406030204" pitchFamily="18" charset="0"/>
-                          </a:rPr>
-                          <m:t>−1</m:t>
-                        </m:r>
-                      </m:sup>
-                    </m:sSup>
-                    <m:r>
-                      <a:rPr lang="en-US" b="0" i="1" smtClean="0">
-                        <a:latin typeface="Cambria Math" panose="02040503050406030204" pitchFamily="18" charset="0"/>
-                      </a:rPr>
-                      <m:t>(</m:t>
-                    </m:r>
-                    <m:r>
-                      <a:rPr lang="en-US" b="0" i="1" smtClean="0">
-                        <a:latin typeface="Cambria Math" panose="02040503050406030204" pitchFamily="18" charset="0"/>
-                      </a:rPr>
-                      <m:t>𝑦</m:t>
-                    </m:r>
-                    <m:r>
-                      <a:rPr lang="en-US" b="0" i="1" smtClean="0">
-                        <a:latin typeface="Cambria Math" panose="02040503050406030204" pitchFamily="18" charset="0"/>
-                      </a:rPr>
-                      <m:t>)</m:t>
-                    </m:r>
-                  </m:oMath>
-                </a14:m>
-                <a:r>
-                  <a:rPr lang="en-US" dirty="0"/>
-                  <a:t> simulation waveform</a:t>
-                </a:r>
-              </a:p>
-            </p:txBody>
-          </p:sp>
-        </mc:Choice>
-        <mc:Fallback>
-          <p:sp>
-            <p:nvSpPr>
-              <p:cNvPr id="2" name="Title 1">
-                <a:extLst>
-                  <a:ext uri="{FF2B5EF4-FFF2-40B4-BE49-F238E27FC236}">
-                    <a16:creationId xmlns:a16="http://schemas.microsoft.com/office/drawing/2014/main" id="{14C7C36D-E760-3784-4E95-76B41644FEF5}"/>
-                  </a:ext>
-                </a:extLst>
-              </p:cNvPr>
-              <p:cNvSpPr>
-                <a:spLocks noGrp="1" noRot="1" noChangeAspect="1" noMove="1" noResize="1" noEditPoints="1" noAdjustHandles="1" noChangeArrowheads="1" noChangeShapeType="1" noTextEdit="1"/>
-              </p:cNvSpPr>
-              <p:nvPr>
-                <p:ph type="title"/>
-              </p:nvPr>
-            </p:nvSpPr>
-            <p:spPr>
-              <a:blipFill>
-                <a:blip r:embed="rId2"/>
-                <a:stretch>
-                  <a:fillRect b="-22120"/>
-                </a:stretch>
-              </a:blipFill>
-            </p:spPr>
-            <p:txBody>
-              <a:bodyPr/>
-              <a:lstStyle/>
-              <a:p>
-                <a:r>
-                  <a:rPr lang="en-US">
-                    <a:noFill/>
-                  </a:rPr>
-                  <a:t> </a:t>
-                </a:r>
-              </a:p>
-            </p:txBody>
-          </p:sp>
-        </mc:Fallback>
-      </mc:AlternateContent>
-      <p:sp>
-        <p:nvSpPr>
-          <p:cNvPr id="9" name="TextBox 8">
-            <a:extLst>
-              <a:ext uri="{FF2B5EF4-FFF2-40B4-BE49-F238E27FC236}">
-                <a16:creationId xmlns:a16="http://schemas.microsoft.com/office/drawing/2014/main" id="{D3E59879-E395-8BE9-3ECA-367FD3767218}"/>
-              </a:ext>
-            </a:extLst>
-          </p:cNvPr>
-          <p:cNvSpPr txBox="1"/>
-          <p:nvPr/>
-        </p:nvSpPr>
-        <p:spPr>
-          <a:xfrm>
-            <a:off x="1001752" y="1848578"/>
-            <a:ext cx="2052536" cy="369332"/>
-          </a:xfrm>
-          <a:prstGeom prst="rect">
-            <a:avLst/>
-          </a:prstGeom>
-          <a:noFill/>
-        </p:spPr>
-        <p:txBody>
-          <a:bodyPr wrap="square" rtlCol="0">
-            <a:spAutoFit/>
-          </a:bodyPr>
-          <a:lstStyle/>
-          <a:p>
-            <a:r>
-              <a:rPr lang="en-US" dirty="0"/>
-              <a:t>Expected:</a:t>
-            </a:r>
-          </a:p>
-        </p:txBody>
-      </p:sp>
-      <p:sp>
-        <p:nvSpPr>
-          <p:cNvPr id="10" name="TextBox 9">
-            <a:extLst>
-              <a:ext uri="{FF2B5EF4-FFF2-40B4-BE49-F238E27FC236}">
-                <a16:creationId xmlns:a16="http://schemas.microsoft.com/office/drawing/2014/main" id="{5691C2CE-4EAF-2ECF-4EAF-571D43832ED5}"/>
-              </a:ext>
-            </a:extLst>
-          </p:cNvPr>
-          <p:cNvSpPr txBox="1"/>
-          <p:nvPr/>
-        </p:nvSpPr>
-        <p:spPr>
-          <a:xfrm>
-            <a:off x="1001752" y="4110777"/>
-            <a:ext cx="3122776" cy="369332"/>
-          </a:xfrm>
-          <a:prstGeom prst="rect">
-            <a:avLst/>
-          </a:prstGeom>
-          <a:noFill/>
-        </p:spPr>
-        <p:txBody>
-          <a:bodyPr wrap="square" rtlCol="0">
-            <a:spAutoFit/>
-          </a:bodyPr>
-          <a:lstStyle/>
-          <a:p>
-            <a:r>
-              <a:rPr lang="en-US" dirty="0"/>
-              <a:t>Simulation Result:</a:t>
-            </a:r>
-          </a:p>
-        </p:txBody>
-      </p:sp>
-      <p:grpSp>
-        <p:nvGrpSpPr>
-          <p:cNvPr id="19" name="Group 18">
-            <a:extLst>
-              <a:ext uri="{FF2B5EF4-FFF2-40B4-BE49-F238E27FC236}">
-                <a16:creationId xmlns:a16="http://schemas.microsoft.com/office/drawing/2014/main" id="{3D489933-8E7C-CB38-2308-D0573DAFA49D}"/>
-              </a:ext>
-            </a:extLst>
-          </p:cNvPr>
-          <p:cNvGrpSpPr/>
-          <p:nvPr/>
-        </p:nvGrpSpPr>
-        <p:grpSpPr>
-          <a:xfrm>
-            <a:off x="3054288" y="1980668"/>
-            <a:ext cx="6786214" cy="2314775"/>
-            <a:chOff x="797556" y="2649247"/>
-            <a:chExt cx="5486512" cy="3101003"/>
-          </a:xfrm>
-        </p:grpSpPr>
-        <p:pic>
-          <p:nvPicPr>
-            <p:cNvPr id="4" name="Picture 3">
-              <a:extLst>
-                <a:ext uri="{FF2B5EF4-FFF2-40B4-BE49-F238E27FC236}">
-                  <a16:creationId xmlns:a16="http://schemas.microsoft.com/office/drawing/2014/main" id="{9632B70E-8466-E59A-AC7B-DD0698343A4A}"/>
-                </a:ext>
-              </a:extLst>
-            </p:cNvPr>
-            <p:cNvPicPr>
-              <a:picLocks noChangeAspect="1"/>
-            </p:cNvPicPr>
-            <p:nvPr/>
-          </p:nvPicPr>
-          <p:blipFill>
-            <a:blip r:embed="rId3"/>
-            <a:stretch>
-              <a:fillRect/>
-            </a:stretch>
-          </p:blipFill>
-          <p:spPr>
-            <a:xfrm>
-              <a:off x="797556" y="2649247"/>
-              <a:ext cx="4696746" cy="3101003"/>
-            </a:xfrm>
-            <a:prstGeom prst="rect">
-              <a:avLst/>
-            </a:prstGeom>
-          </p:spPr>
-        </p:pic>
-        <p:pic>
-          <p:nvPicPr>
-            <p:cNvPr id="6" name="Picture 5">
-              <a:extLst>
-                <a:ext uri="{FF2B5EF4-FFF2-40B4-BE49-F238E27FC236}">
-                  <a16:creationId xmlns:a16="http://schemas.microsoft.com/office/drawing/2014/main" id="{9B5E5C73-7B81-F979-DEFF-8C7AFF85137A}"/>
-                </a:ext>
-              </a:extLst>
-            </p:cNvPr>
-            <p:cNvPicPr>
-              <a:picLocks noChangeAspect="1"/>
-            </p:cNvPicPr>
-            <p:nvPr/>
-          </p:nvPicPr>
-          <p:blipFill>
-            <a:blip r:embed="rId4"/>
-            <a:stretch>
-              <a:fillRect/>
-            </a:stretch>
-          </p:blipFill>
-          <p:spPr>
-            <a:xfrm>
-              <a:off x="4085991" y="3104056"/>
-              <a:ext cx="2198077" cy="2068778"/>
-            </a:xfrm>
-            <a:prstGeom prst="rect">
-              <a:avLst/>
-            </a:prstGeom>
-            <a:ln>
-              <a:solidFill>
-                <a:schemeClr val="tx1"/>
-              </a:solidFill>
-            </a:ln>
-          </p:spPr>
-        </p:pic>
-        <p:sp>
-          <p:nvSpPr>
-            <p:cNvPr id="8" name="Rectangle 7">
-              <a:extLst>
-                <a:ext uri="{FF2B5EF4-FFF2-40B4-BE49-F238E27FC236}">
-                  <a16:creationId xmlns:a16="http://schemas.microsoft.com/office/drawing/2014/main" id="{03E51FDC-2AAF-B822-AAC3-A8010444D810}"/>
-                </a:ext>
-              </a:extLst>
-            </p:cNvPr>
-            <p:cNvSpPr/>
-            <p:nvPr/>
-          </p:nvSpPr>
-          <p:spPr>
-            <a:xfrm>
-              <a:off x="2801566" y="3881336"/>
-              <a:ext cx="671208" cy="671209"/>
-            </a:xfrm>
-            <a:prstGeom prst="rect">
-              <a:avLst/>
-            </a:prstGeom>
-            <a:noFill/>
-            <a:ln>
-              <a:solidFill>
-                <a:schemeClr val="tx1"/>
-              </a:solidFill>
-            </a:ln>
-          </p:spPr>
-          <p:style>
-            <a:lnRef idx="2">
-              <a:schemeClr val="accent1">
-                <a:shade val="15000"/>
-              </a:schemeClr>
-            </a:lnRef>
-            <a:fillRef idx="1">
-              <a:schemeClr val="accent1"/>
-            </a:fillRef>
-            <a:effectRef idx="0">
-              <a:schemeClr val="accent1"/>
-            </a:effectRef>
-            <a:fontRef idx="minor">
-              <a:schemeClr val="lt1"/>
-            </a:fontRef>
-          </p:style>
-          <p:txBody>
-            <a:bodyPr rtlCol="0" anchor="ctr"/>
-            <a:lstStyle/>
-            <a:p>
-              <a:pPr algn="ctr"/>
-              <a:endParaRPr lang="en-US"/>
-            </a:p>
-          </p:txBody>
-        </p:sp>
-        <p:cxnSp>
-          <p:nvCxnSpPr>
-            <p:cNvPr id="12" name="Straight Connector 11">
-              <a:extLst>
-                <a:ext uri="{FF2B5EF4-FFF2-40B4-BE49-F238E27FC236}">
-                  <a16:creationId xmlns:a16="http://schemas.microsoft.com/office/drawing/2014/main" id="{5250C7D0-5C7C-3694-FB4C-FB11B3C8FA9E}"/>
-                </a:ext>
-              </a:extLst>
-            </p:cNvPr>
-            <p:cNvCxnSpPr/>
-            <p:nvPr/>
-          </p:nvCxnSpPr>
-          <p:spPr>
-            <a:xfrm flipV="1">
-              <a:off x="3472774" y="3104056"/>
-              <a:ext cx="613217" cy="777280"/>
-            </a:xfrm>
-            <a:prstGeom prst="line">
-              <a:avLst/>
-            </a:prstGeom>
-          </p:spPr>
-          <p:style>
-            <a:lnRef idx="1">
-              <a:schemeClr val="dk1"/>
-            </a:lnRef>
-            <a:fillRef idx="0">
-              <a:schemeClr val="dk1"/>
-            </a:fillRef>
-            <a:effectRef idx="0">
-              <a:schemeClr val="dk1"/>
-            </a:effectRef>
-            <a:fontRef idx="minor">
-              <a:schemeClr val="tx1"/>
-            </a:fontRef>
-          </p:style>
-        </p:cxnSp>
-        <p:cxnSp>
-          <p:nvCxnSpPr>
-            <p:cNvPr id="15" name="Straight Connector 14">
-              <a:extLst>
-                <a:ext uri="{FF2B5EF4-FFF2-40B4-BE49-F238E27FC236}">
-                  <a16:creationId xmlns:a16="http://schemas.microsoft.com/office/drawing/2014/main" id="{8D8D217E-ED76-975C-B03F-094530A7A95A}"/>
-                </a:ext>
-              </a:extLst>
-            </p:cNvPr>
-            <p:cNvCxnSpPr/>
-            <p:nvPr/>
-          </p:nvCxnSpPr>
-          <p:spPr>
-            <a:xfrm>
-              <a:off x="3472774" y="4552545"/>
-              <a:ext cx="613217" cy="620289"/>
-            </a:xfrm>
-            <a:prstGeom prst="line">
-              <a:avLst/>
-            </a:prstGeom>
-          </p:spPr>
-          <p:style>
-            <a:lnRef idx="1">
-              <a:schemeClr val="dk1"/>
-            </a:lnRef>
-            <a:fillRef idx="0">
-              <a:schemeClr val="dk1"/>
-            </a:fillRef>
-            <a:effectRef idx="0">
-              <a:schemeClr val="dk1"/>
-            </a:effectRef>
-            <a:fontRef idx="minor">
-              <a:schemeClr val="tx1"/>
-            </a:fontRef>
-          </p:style>
-        </p:cxnSp>
-      </p:grpSp>
-      <p:pic>
-        <p:nvPicPr>
-          <p:cNvPr id="21" name="Picture 20" descr="A green line on a black background&#10;&#10;Description automatically generated">
-            <a:extLst>
-              <a:ext uri="{FF2B5EF4-FFF2-40B4-BE49-F238E27FC236}">
-                <a16:creationId xmlns:a16="http://schemas.microsoft.com/office/drawing/2014/main" id="{570F5C58-1670-DAF0-6032-9B73B2438DE4}"/>
-              </a:ext>
-            </a:extLst>
-          </p:cNvPr>
-          <p:cNvPicPr>
-            <a:picLocks noChangeAspect="1"/>
-          </p:cNvPicPr>
-          <p:nvPr/>
-        </p:nvPicPr>
-        <p:blipFill>
-          <a:blip r:embed="rId5">
-            <a:extLst>
-              <a:ext uri="{28A0092B-C50C-407E-A947-70E740481C1C}">
-                <a14:useLocalDpi xmlns:a14="http://schemas.microsoft.com/office/drawing/2010/main" val="0"/>
-              </a:ext>
-            </a:extLst>
-          </a:blip>
-          <a:stretch>
-            <a:fillRect/>
-          </a:stretch>
-        </p:blipFill>
-        <p:spPr>
-          <a:xfrm>
-            <a:off x="1927067" y="4584789"/>
-            <a:ext cx="7445388" cy="1994740"/>
-          </a:xfrm>
-          <a:prstGeom prst="rect">
-            <a:avLst/>
-          </a:prstGeom>
-        </p:spPr>
-      </p:pic>
-    </p:spTree>
-    <p:extLst>
-      <p:ext uri="{BB962C8B-B14F-4D97-AF65-F5344CB8AC3E}">
-        <p14:creationId xmlns:p14="http://schemas.microsoft.com/office/powerpoint/2010/main" val="29838755"/>
-      </p:ext>
-    </p:extLst>
-  </p:cSld>
-  <p:clrMapOvr>
-    <a:masterClrMapping/>
-  </p:clrMapOvr>
-</p:sld>
-</file>
-
-<file path=ppt/slides/slide21.xml><?xml version="1.0" encoding="utf-8"?>
-<p:sld xmlns:a="http://schemas.openxmlformats.org/drawingml/2006/main" xmlns:r="http://schemas.openxmlformats.org/officeDocument/2006/relationships" xmlns:p="http://schemas.openxmlformats.org/presentationml/2006/main">
-  <p:cSld>
-    <p:spTree>
-      <p:nvGrpSpPr>
-        <p:cNvPr id="1" name=""/>
-        <p:cNvGrpSpPr/>
-        <p:nvPr/>
-      </p:nvGrpSpPr>
-      <p:grpSpPr>
-        <a:xfrm>
-          <a:off x="0" y="0"/>
-          <a:ext cx="0" cy="0"/>
-          <a:chOff x="0" y="0"/>
-          <a:chExt cx="0" cy="0"/>
-        </a:xfrm>
-      </p:grpSpPr>
-      <mc:AlternateContent xmlns:mc="http://schemas.openxmlformats.org/markup-compatibility/2006">
-        <mc:Choice xmlns:a14="http://schemas.microsoft.com/office/drawing/2010/main" Requires="a14">
-          <p:sp>
-            <p:nvSpPr>
-              <p:cNvPr id="2" name="Title 1">
-                <a:extLst>
-                  <a:ext uri="{FF2B5EF4-FFF2-40B4-BE49-F238E27FC236}">
-                    <a16:creationId xmlns:a16="http://schemas.microsoft.com/office/drawing/2014/main" id="{BF360D97-CB5C-F68B-062F-7009B2E5EF2C}"/>
-                  </a:ext>
-                </a:extLst>
-              </p:cNvPr>
-              <p:cNvSpPr>
-                <a:spLocks noGrp="1"/>
-              </p:cNvSpPr>
-              <p:nvPr>
-                <p:ph type="title"/>
-              </p:nvPr>
-            </p:nvSpPr>
-            <p:spPr/>
-            <p:txBody>
-              <a:bodyPr/>
-              <a:lstStyle/>
-              <a:p>
-                <a:r>
-                  <a:rPr lang="en-US" dirty="0"/>
-                  <a:t>Timing results: </a:t>
-                </a:r>
-                <a14:m>
-                  <m:oMath xmlns:m="http://schemas.openxmlformats.org/officeDocument/2006/math">
-                    <m:r>
-                      <a:rPr lang="en-US" b="0" i="1" smtClean="0">
-                        <a:latin typeface="Cambria Math" panose="02040503050406030204" pitchFamily="18" charset="0"/>
-                      </a:rPr>
-                      <m:t>𝑇𝑎</m:t>
-                    </m:r>
-                    <m:sSup>
-                      <m:sSupPr>
-                        <m:ctrlPr>
-                          <a:rPr lang="en-US" b="0" i="1" smtClean="0">
-                            <a:latin typeface="Cambria Math" panose="02040503050406030204" pitchFamily="18" charset="0"/>
-                          </a:rPr>
-                        </m:ctrlPr>
-                      </m:sSupPr>
-                      <m:e>
-                        <m:r>
-                          <a:rPr lang="en-US" b="0" i="1" smtClean="0">
-                            <a:latin typeface="Cambria Math" panose="02040503050406030204" pitchFamily="18" charset="0"/>
-                          </a:rPr>
-                          <m:t>𝑛</m:t>
-                        </m:r>
-                        <m:r>
-                          <a:rPr lang="en-US" b="0" i="1" smtClean="0">
-                            <a:latin typeface="Cambria Math" panose="02040503050406030204" pitchFamily="18" charset="0"/>
-                          </a:rPr>
-                          <m:t>h</m:t>
-                        </m:r>
-                      </m:e>
-                      <m:sup>
-                        <m:r>
-                          <a:rPr lang="en-US" b="0" i="1" smtClean="0">
-                            <a:latin typeface="Cambria Math" panose="02040503050406030204" pitchFamily="18" charset="0"/>
-                          </a:rPr>
-                          <m:t>−1</m:t>
-                        </m:r>
-                      </m:sup>
-                    </m:sSup>
-                    <m:r>
-                      <a:rPr lang="en-US" b="0" i="1" smtClean="0">
-                        <a:latin typeface="Cambria Math" panose="02040503050406030204" pitchFamily="18" charset="0"/>
-                      </a:rPr>
-                      <m:t>(</m:t>
-                    </m:r>
-                    <m:r>
-                      <a:rPr lang="en-US" b="0" i="1" smtClean="0">
-                        <a:latin typeface="Cambria Math" panose="02040503050406030204" pitchFamily="18" charset="0"/>
-                      </a:rPr>
-                      <m:t>𝑦</m:t>
-                    </m:r>
-                    <m:r>
-                      <a:rPr lang="en-US" b="0" i="1" smtClean="0">
-                        <a:latin typeface="Cambria Math" panose="02040503050406030204" pitchFamily="18" charset="0"/>
-                      </a:rPr>
-                      <m:t>)</m:t>
-                    </m:r>
-                  </m:oMath>
-                </a14:m>
-                <a:r>
-                  <a:rPr lang="en-US" dirty="0"/>
-                  <a:t> function </a:t>
-                </a:r>
-              </a:p>
-            </p:txBody>
-          </p:sp>
-        </mc:Choice>
-        <mc:Fallback>
-          <p:sp>
-            <p:nvSpPr>
-              <p:cNvPr id="2" name="Title 1">
-                <a:extLst>
-                  <a:ext uri="{FF2B5EF4-FFF2-40B4-BE49-F238E27FC236}">
-                    <a16:creationId xmlns:a16="http://schemas.microsoft.com/office/drawing/2014/main" id="{BF360D97-CB5C-F68B-062F-7009B2E5EF2C}"/>
-                  </a:ext>
-                </a:extLst>
-              </p:cNvPr>
-              <p:cNvSpPr>
-                <a:spLocks noGrp="1" noRot="1" noChangeAspect="1" noMove="1" noResize="1" noEditPoints="1" noAdjustHandles="1" noChangeArrowheads="1" noChangeShapeType="1" noTextEdit="1"/>
-              </p:cNvSpPr>
-              <p:nvPr>
-                <p:ph type="title"/>
-              </p:nvPr>
-            </p:nvSpPr>
-            <p:spPr>
-              <a:blipFill>
-                <a:blip r:embed="rId2"/>
-                <a:stretch>
-                  <a:fillRect l="-2516" b="-22120"/>
-                </a:stretch>
-              </a:blipFill>
-            </p:spPr>
-            <p:txBody>
-              <a:bodyPr/>
-              <a:lstStyle/>
-              <a:p>
-                <a:r>
-                  <a:rPr lang="en-US">
-                    <a:noFill/>
-                  </a:rPr>
-                  <a:t> </a:t>
-                </a:r>
-              </a:p>
-            </p:txBody>
-          </p:sp>
-        </mc:Fallback>
-      </mc:AlternateContent>
-      <p:sp>
-        <p:nvSpPr>
-          <p:cNvPr id="6" name="TextBox 5">
-            <a:extLst>
-              <a:ext uri="{FF2B5EF4-FFF2-40B4-BE49-F238E27FC236}">
-                <a16:creationId xmlns:a16="http://schemas.microsoft.com/office/drawing/2014/main" id="{E48145B3-CAC4-8137-76B9-322EFE7C7A88}"/>
-              </a:ext>
-            </a:extLst>
-          </p:cNvPr>
-          <p:cNvSpPr txBox="1"/>
-          <p:nvPr/>
-        </p:nvSpPr>
-        <p:spPr>
-          <a:xfrm>
-            <a:off x="992221" y="4776282"/>
-            <a:ext cx="9698477" cy="1200329"/>
-          </a:xfrm>
-          <a:prstGeom prst="rect">
-            <a:avLst/>
-          </a:prstGeom>
-          <a:noFill/>
-        </p:spPr>
-        <p:txBody>
-          <a:bodyPr wrap="square" rtlCol="0">
-            <a:spAutoFit/>
-          </a:bodyPr>
-          <a:lstStyle/>
-          <a:p>
-            <a:pPr marL="285750" indent="-285750">
-              <a:buFont typeface="Arial" panose="020B0604020202020204" pitchFamily="34" charset="0"/>
-              <a:buChar char="•"/>
-            </a:pPr>
-            <a:r>
-              <a:rPr lang="en-US" sz="2400" dirty="0"/>
-              <a:t>The algorithm is run with 30ns clock period.</a:t>
-            </a:r>
-          </a:p>
-          <a:p>
-            <a:pPr marL="285750" indent="-285750">
-              <a:buFont typeface="Arial" panose="020B0604020202020204" pitchFamily="34" charset="0"/>
-              <a:buChar char="•"/>
-            </a:pPr>
-            <a:r>
-              <a:rPr lang="en-US" sz="2400" dirty="0"/>
-              <a:t>The max operating frequency = 1/(30ns – 1.17ns) </a:t>
-            </a:r>
-          </a:p>
-          <a:p>
-            <a:pPr lvl="8"/>
-            <a:r>
-              <a:rPr lang="en-US" sz="2400" dirty="0"/>
-              <a:t>	    = 34.68 MHz</a:t>
-            </a:r>
-          </a:p>
-        </p:txBody>
-      </p:sp>
-      <p:pic>
-        <p:nvPicPr>
-          <p:cNvPr id="4" name="Picture 3" descr="A screenshot of a computer&#10;&#10;Description automatically generated">
-            <a:extLst>
-              <a:ext uri="{FF2B5EF4-FFF2-40B4-BE49-F238E27FC236}">
-                <a16:creationId xmlns:a16="http://schemas.microsoft.com/office/drawing/2014/main" id="{5B5958D4-8E27-AA3B-D646-5D0643E68622}"/>
-              </a:ext>
-            </a:extLst>
-          </p:cNvPr>
-          <p:cNvPicPr>
-            <a:picLocks noChangeAspect="1"/>
-          </p:cNvPicPr>
-          <p:nvPr/>
-        </p:nvPicPr>
-        <p:blipFill>
-          <a:blip r:embed="rId3">
-            <a:extLst>
-              <a:ext uri="{28A0092B-C50C-407E-A947-70E740481C1C}">
-                <a14:useLocalDpi xmlns:a14="http://schemas.microsoft.com/office/drawing/2010/main" val="0"/>
-              </a:ext>
-            </a:extLst>
-          </a:blip>
-          <a:stretch>
-            <a:fillRect/>
-          </a:stretch>
-        </p:blipFill>
-        <p:spPr>
-          <a:xfrm>
-            <a:off x="1761374" y="2081718"/>
-            <a:ext cx="8160169" cy="2025754"/>
-          </a:xfrm>
-          <a:prstGeom prst="rect">
-            <a:avLst/>
-          </a:prstGeom>
-        </p:spPr>
-      </p:pic>
-    </p:spTree>
-    <p:extLst>
-      <p:ext uri="{BB962C8B-B14F-4D97-AF65-F5344CB8AC3E}">
-        <p14:creationId xmlns:p14="http://schemas.microsoft.com/office/powerpoint/2010/main" val="49838901"/>
       </p:ext>
     </p:extLst>
   </p:cSld>
